--- a/artifacts/arch/Email_Processing_System_Presentation.pptx
+++ b/artifacts/arch/Email_Processing_System_Presentation.pptx
@@ -1,30 +1,30 @@
 
 <file path=ppt/presentation.xml><?xml version="1.0" encoding="utf-8"?>
-<p:presentation xmlns:a="http://schemas.openxmlformats.org/drawingml/2006/main" xmlns:r="http://schemas.openxmlformats.org/officeDocument/2006/relationships" xmlns:mc="http://schemas.openxmlformats.org/markup-compatibility/2006" xmlns:mv="urn:schemas-microsoft-com:mac:vml" xmlns:p="http://schemas.openxmlformats.org/presentationml/2006/main" xmlns:c="http://schemas.openxmlformats.org/drawingml/2006/chart" xmlns:dgm="http://schemas.openxmlformats.org/drawingml/2006/diagram" xmlns:o="urn:schemas-microsoft-com:office:office" xmlns:v="urn:schemas-microsoft-com:vml" xmlns:pvml="urn:schemas-microsoft-com:office:powerpoint" xmlns:com="http://schemas.openxmlformats.org/drawingml/2006/compatibility" xmlns:p14="http://schemas.microsoft.com/office/powerpoint/2010/main" xmlns:p15="http://schemas.microsoft.com/office/powerpoint/2012/main" xmlns:ahyp="http://schemas.microsoft.com/office/drawing/2018/hyperlinkcolor" autoCompressPictures="0" strictFirstAndLastChars="0" saveSubsetFonts="1">
+<p:presentation xmlns:a="http://schemas.openxmlformats.org/drawingml/2006/main" xmlns:r="http://schemas.openxmlformats.org/officeDocument/2006/relationships" xmlns:p="http://schemas.openxmlformats.org/presentationml/2006/main" strictFirstAndLastChars="0" saveSubsetFonts="1" autoCompressPictures="0">
   <p:sldMasterIdLst>
-    <p:sldMasterId id="2147483659" r:id="rId4"/>
+    <p:sldMasterId id="2147483659" r:id="rId1"/>
   </p:sldMasterIdLst>
   <p:notesMasterIdLst>
-    <p:notesMasterId r:id="rId5"/>
+    <p:notesMasterId r:id="rId14"/>
   </p:notesMasterIdLst>
   <p:sldIdLst>
-    <p:sldId id="256" r:id="rId6"/>
-    <p:sldId id="257" r:id="rId7"/>
-    <p:sldId id="258" r:id="rId8"/>
-    <p:sldId id="259" r:id="rId9"/>
-    <p:sldId id="260" r:id="rId10"/>
-    <p:sldId id="261" r:id="rId11"/>
-    <p:sldId id="262" r:id="rId12"/>
-    <p:sldId id="263" r:id="rId13"/>
-    <p:sldId id="264" r:id="rId14"/>
-    <p:sldId id="265" r:id="rId15"/>
-    <p:sldId id="266" r:id="rId16"/>
-    <p:sldId id="267" r:id="rId17"/>
+    <p:sldId id="256" r:id="rId2"/>
+    <p:sldId id="257" r:id="rId3"/>
+    <p:sldId id="258" r:id="rId4"/>
+    <p:sldId id="259" r:id="rId5"/>
+    <p:sldId id="260" r:id="rId6"/>
+    <p:sldId id="261" r:id="rId7"/>
+    <p:sldId id="262" r:id="rId8"/>
+    <p:sldId id="263" r:id="rId9"/>
+    <p:sldId id="264" r:id="rId10"/>
+    <p:sldId id="265" r:id="rId11"/>
+    <p:sldId id="266" r:id="rId12"/>
+    <p:sldId id="267" r:id="rId13"/>
   </p:sldIdLst>
-  <p:sldSz cy="6858000" cx="9144000"/>
+  <p:sldSz cx="9144000" cy="6858000" type="screen4x3"/>
   <p:notesSz cx="6858000" cy="9144000"/>
   <p:defaultTextStyle>
-    <a:defPPr lvl="0" marR="0" rtl="0" algn="l">
+    <a:defPPr marR="0" lvl="0" algn="l" rtl="0">
       <a:lnSpc>
         <a:spcPct val="100000"/>
       </a:lnSpc>
@@ -35,7 +35,7 @@
         <a:spcPts val="0"/>
       </a:spcAft>
     </a:defPPr>
-    <a:lvl1pPr lvl="0" marR="0" rtl="0" algn="l">
+    <a:lvl1pPr marR="0" lvl="0" algn="l" rtl="0">
       <a:lnSpc>
         <a:spcPct val="100000"/>
       </a:lnSpc>
@@ -49,7 +49,7 @@
         <a:srgbClr val="000000"/>
       </a:buClr>
       <a:buFont typeface="Arial"/>
-      <a:defRPr b="0" i="0" sz="1400" u="none" cap="none" strike="noStrike">
+      <a:defRPr sz="1400" b="0" i="0" u="none" strike="noStrike" cap="none">
         <a:solidFill>
           <a:srgbClr val="000000"/>
         </a:solidFill>
@@ -59,7 +59,7 @@
         <a:sym typeface="Arial"/>
       </a:defRPr>
     </a:lvl1pPr>
-    <a:lvl2pPr lvl="1" marR="0" rtl="0" algn="l">
+    <a:lvl2pPr marR="0" lvl="1" algn="l" rtl="0">
       <a:lnSpc>
         <a:spcPct val="100000"/>
       </a:lnSpc>
@@ -73,7 +73,7 @@
         <a:srgbClr val="000000"/>
       </a:buClr>
       <a:buFont typeface="Arial"/>
-      <a:defRPr b="0" i="0" sz="1400" u="none" cap="none" strike="noStrike">
+      <a:defRPr sz="1400" b="0" i="0" u="none" strike="noStrike" cap="none">
         <a:solidFill>
           <a:srgbClr val="000000"/>
         </a:solidFill>
@@ -83,7 +83,7 @@
         <a:sym typeface="Arial"/>
       </a:defRPr>
     </a:lvl2pPr>
-    <a:lvl3pPr lvl="2" marR="0" rtl="0" algn="l">
+    <a:lvl3pPr marR="0" lvl="2" algn="l" rtl="0">
       <a:lnSpc>
         <a:spcPct val="100000"/>
       </a:lnSpc>
@@ -97,7 +97,7 @@
         <a:srgbClr val="000000"/>
       </a:buClr>
       <a:buFont typeface="Arial"/>
-      <a:defRPr b="0" i="0" sz="1400" u="none" cap="none" strike="noStrike">
+      <a:defRPr sz="1400" b="0" i="0" u="none" strike="noStrike" cap="none">
         <a:solidFill>
           <a:srgbClr val="000000"/>
         </a:solidFill>
@@ -107,7 +107,7 @@
         <a:sym typeface="Arial"/>
       </a:defRPr>
     </a:lvl3pPr>
-    <a:lvl4pPr lvl="3" marR="0" rtl="0" algn="l">
+    <a:lvl4pPr marR="0" lvl="3" algn="l" rtl="0">
       <a:lnSpc>
         <a:spcPct val="100000"/>
       </a:lnSpc>
@@ -121,7 +121,7 @@
         <a:srgbClr val="000000"/>
       </a:buClr>
       <a:buFont typeface="Arial"/>
-      <a:defRPr b="0" i="0" sz="1400" u="none" cap="none" strike="noStrike">
+      <a:defRPr sz="1400" b="0" i="0" u="none" strike="noStrike" cap="none">
         <a:solidFill>
           <a:srgbClr val="000000"/>
         </a:solidFill>
@@ -131,7 +131,7 @@
         <a:sym typeface="Arial"/>
       </a:defRPr>
     </a:lvl4pPr>
-    <a:lvl5pPr lvl="4" marR="0" rtl="0" algn="l">
+    <a:lvl5pPr marR="0" lvl="4" algn="l" rtl="0">
       <a:lnSpc>
         <a:spcPct val="100000"/>
       </a:lnSpc>
@@ -145,7 +145,7 @@
         <a:srgbClr val="000000"/>
       </a:buClr>
       <a:buFont typeface="Arial"/>
-      <a:defRPr b="0" i="0" sz="1400" u="none" cap="none" strike="noStrike">
+      <a:defRPr sz="1400" b="0" i="0" u="none" strike="noStrike" cap="none">
         <a:solidFill>
           <a:srgbClr val="000000"/>
         </a:solidFill>
@@ -155,7 +155,7 @@
         <a:sym typeface="Arial"/>
       </a:defRPr>
     </a:lvl5pPr>
-    <a:lvl6pPr lvl="5" marR="0" rtl="0" algn="l">
+    <a:lvl6pPr marR="0" lvl="5" algn="l" rtl="0">
       <a:lnSpc>
         <a:spcPct val="100000"/>
       </a:lnSpc>
@@ -169,7 +169,7 @@
         <a:srgbClr val="000000"/>
       </a:buClr>
       <a:buFont typeface="Arial"/>
-      <a:defRPr b="0" i="0" sz="1400" u="none" cap="none" strike="noStrike">
+      <a:defRPr sz="1400" b="0" i="0" u="none" strike="noStrike" cap="none">
         <a:solidFill>
           <a:srgbClr val="000000"/>
         </a:solidFill>
@@ -179,7 +179,7 @@
         <a:sym typeface="Arial"/>
       </a:defRPr>
     </a:lvl6pPr>
-    <a:lvl7pPr lvl="6" marR="0" rtl="0" algn="l">
+    <a:lvl7pPr marR="0" lvl="6" algn="l" rtl="0">
       <a:lnSpc>
         <a:spcPct val="100000"/>
       </a:lnSpc>
@@ -193,7 +193,7 @@
         <a:srgbClr val="000000"/>
       </a:buClr>
       <a:buFont typeface="Arial"/>
-      <a:defRPr b="0" i="0" sz="1400" u="none" cap="none" strike="noStrike">
+      <a:defRPr sz="1400" b="0" i="0" u="none" strike="noStrike" cap="none">
         <a:solidFill>
           <a:srgbClr val="000000"/>
         </a:solidFill>
@@ -203,7 +203,7 @@
         <a:sym typeface="Arial"/>
       </a:defRPr>
     </a:lvl7pPr>
-    <a:lvl8pPr lvl="7" marR="0" rtl="0" algn="l">
+    <a:lvl8pPr marR="0" lvl="7" algn="l" rtl="0">
       <a:lnSpc>
         <a:spcPct val="100000"/>
       </a:lnSpc>
@@ -217,7 +217,7 @@
         <a:srgbClr val="000000"/>
       </a:buClr>
       <a:buFont typeface="Arial"/>
-      <a:defRPr b="0" i="0" sz="1400" u="none" cap="none" strike="noStrike">
+      <a:defRPr sz="1400" b="0" i="0" u="none" strike="noStrike" cap="none">
         <a:solidFill>
           <a:srgbClr val="000000"/>
         </a:solidFill>
@@ -227,7 +227,7 @@
         <a:sym typeface="Arial"/>
       </a:defRPr>
     </a:lvl8pPr>
-    <a:lvl9pPr lvl="8" marR="0" rtl="0" algn="l">
+    <a:lvl9pPr marR="0" lvl="8" algn="l" rtl="0">
       <a:lnSpc>
         <a:spcPct val="100000"/>
       </a:lnSpc>
@@ -241,7 +241,7 @@
         <a:srgbClr val="000000"/>
       </a:buClr>
       <a:buFont typeface="Arial"/>
-      <a:defRPr b="0" i="0" sz="1400" u="none" cap="none" strike="noStrike">
+      <a:defRPr sz="1400" b="0" i="0" u="none" strike="noStrike" cap="none">
         <a:solidFill>
           <a:srgbClr val="000000"/>
         </a:solidFill>
@@ -254,7 +254,7 @@
   </p:defaultTextStyle>
   <p:extLst>
     <p:ext uri="{EFAFB233-063F-42B5-8137-9DF3F51BA10A}">
-      <p15:sldGuideLst>
+      <p15:sldGuideLst xmlns:p15="http://schemas.microsoft.com/office/powerpoint/2012/main">
         <p15:guide id="1" orient="horz" pos="2160">
           <p15:clr>
             <a:srgbClr val="000000"/>
@@ -272,11 +272,16 @@
 </file>
 
 <file path=ppt/notesMasters/notesMaster1.xml><?xml version="1.0" encoding="utf-8"?>
-<p:notesMaster xmlns:a="http://schemas.openxmlformats.org/drawingml/2006/main" xmlns:r="http://schemas.openxmlformats.org/officeDocument/2006/relationships" xmlns:mc="http://schemas.openxmlformats.org/markup-compatibility/2006" xmlns:mv="urn:schemas-microsoft-com:mac:vml" xmlns:p="http://schemas.openxmlformats.org/presentationml/2006/main" xmlns:c="http://schemas.openxmlformats.org/drawingml/2006/chart" xmlns:dgm="http://schemas.openxmlformats.org/drawingml/2006/diagram" xmlns:o="urn:schemas-microsoft-com:office:office" xmlns:v="urn:schemas-microsoft-com:vml" xmlns:pvml="urn:schemas-microsoft-com:office:powerpoint" xmlns:com="http://schemas.openxmlformats.org/drawingml/2006/compatibility" xmlns:p14="http://schemas.microsoft.com/office/powerpoint/2010/main" xmlns:p15="http://schemas.microsoft.com/office/powerpoint/2012/main" xmlns:ahyp="http://schemas.microsoft.com/office/drawing/2018/hyperlinkcolor">
+<p:notesMaster xmlns:a="http://schemas.openxmlformats.org/drawingml/2006/main" xmlns:r="http://schemas.openxmlformats.org/officeDocument/2006/relationships" xmlns:p="http://schemas.openxmlformats.org/presentationml/2006/main">
   <p:cSld>
+    <p:bg>
+      <p:bgRef idx="1001">
+        <a:schemeClr val="bg1"/>
+      </p:bgRef>
+    </p:bg>
     <p:spTree>
       <p:nvGrpSpPr>
-        <p:cNvPr id="2" name="Shape 2"/>
+        <p:cNvPr id="1" name="Shape 2"/>
         <p:cNvGrpSpPr/>
         <p:nvPr/>
       </p:nvGrpSpPr>
@@ -291,9 +296,11 @@
       <p:sp>
         <p:nvSpPr>
           <p:cNvPr id="3" name="Google Shape;3;n"/>
-          <p:cNvSpPr/>
+          <p:cNvSpPr>
+            <a:spLocks noGrp="1" noRot="1" noChangeAspect="1"/>
+          </p:cNvSpPr>
           <p:nvPr>
-            <p:ph idx="2" type="sldImg"/>
+            <p:ph type="sldImg" idx="2"/>
           </p:nvPr>
         </p:nvSpPr>
         <p:spPr>
@@ -302,9 +309,13 @@
             <a:ext cx="4572225" cy="3429000"/>
           </a:xfrm>
           <a:custGeom>
-            <a:rect b="b" l="l" r="r" t="t"/>
+            <a:avLst/>
+            <a:gdLst/>
+            <a:ahLst/>
+            <a:cxnLst/>
+            <a:rect l="l" t="t" r="r" b="b"/>
             <a:pathLst>
-              <a:path extrusionOk="0" h="120000" w="120000">
+              <a:path w="120000" h="120000" extrusionOk="0">
                 <a:moveTo>
                   <a:pt x="0" y="0"/>
                 </a:moveTo>
@@ -322,23 +333,25 @@
             </a:pathLst>
           </a:custGeom>
           <a:noFill/>
-          <a:ln cap="flat" cmpd="sng" w="9525">
+          <a:ln w="9525" cap="flat" cmpd="sng">
             <a:solidFill>
               <a:srgbClr val="000000"/>
             </a:solidFill>
             <a:prstDash val="solid"/>
             <a:round/>
-            <a:headEnd len="sm" w="sm" type="none"/>
-            <a:tailEnd len="sm" w="sm" type="none"/>
+            <a:headEnd type="none" w="sm" len="sm"/>
+            <a:tailEnd type="none" w="sm" len="sm"/>
           </a:ln>
         </p:spPr>
       </p:sp>
       <p:sp>
         <p:nvSpPr>
           <p:cNvPr id="4" name="Google Shape;4;n"/>
-          <p:cNvSpPr txBox="1"/>
+          <p:cNvSpPr txBox="1">
+            <a:spLocks noGrp="1"/>
+          </p:cNvSpPr>
           <p:nvPr>
-            <p:ph idx="1" type="body"/>
+            <p:ph type="body" idx="1"/>
           </p:nvPr>
         </p:nvSpPr>
         <p:spPr>
@@ -355,11 +368,11 @@
           </a:ln>
         </p:spPr>
         <p:txBody>
-          <a:bodyPr anchorCtr="0" anchor="t" bIns="91425" lIns="91425" spcFirstLastPara="1" rIns="91425" wrap="square" tIns="91425">
+          <a:bodyPr spcFirstLastPara="1" wrap="square" lIns="91425" tIns="91425" rIns="91425" bIns="91425" anchor="t" anchorCtr="0">
             <a:noAutofit/>
           </a:bodyPr>
           <a:lstStyle>
-            <a:lvl1pPr indent="-298450" lvl="0" marL="457200">
+            <a:lvl1pPr marL="457200" lvl="0" indent="-298450">
               <a:spcBef>
                 <a:spcPts val="0"/>
               </a:spcBef>
@@ -370,7 +383,7 @@
               <a:buChar char="●"/>
               <a:defRPr sz="1100"/>
             </a:lvl1pPr>
-            <a:lvl2pPr indent="-298450" lvl="1" marL="914400">
+            <a:lvl2pPr marL="914400" lvl="1" indent="-298450">
               <a:spcBef>
                 <a:spcPts val="0"/>
               </a:spcBef>
@@ -381,7 +394,7 @@
               <a:buChar char="○"/>
               <a:defRPr sz="1100"/>
             </a:lvl2pPr>
-            <a:lvl3pPr indent="-298450" lvl="2" marL="1371600">
+            <a:lvl3pPr marL="1371600" lvl="2" indent="-298450">
               <a:spcBef>
                 <a:spcPts val="0"/>
               </a:spcBef>
@@ -392,7 +405,7 @@
               <a:buChar char="■"/>
               <a:defRPr sz="1100"/>
             </a:lvl3pPr>
-            <a:lvl4pPr indent="-298450" lvl="3" marL="1828800">
+            <a:lvl4pPr marL="1828800" lvl="3" indent="-298450">
               <a:spcBef>
                 <a:spcPts val="0"/>
               </a:spcBef>
@@ -403,7 +416,7 @@
               <a:buChar char="●"/>
               <a:defRPr sz="1100"/>
             </a:lvl4pPr>
-            <a:lvl5pPr indent="-298450" lvl="4" marL="2286000">
+            <a:lvl5pPr marL="2286000" lvl="4" indent="-298450">
               <a:spcBef>
                 <a:spcPts val="0"/>
               </a:spcBef>
@@ -414,7 +427,7 @@
               <a:buChar char="○"/>
               <a:defRPr sz="1100"/>
             </a:lvl5pPr>
-            <a:lvl6pPr indent="-298450" lvl="5" marL="2743200">
+            <a:lvl6pPr marL="2743200" lvl="5" indent="-298450">
               <a:spcBef>
                 <a:spcPts val="0"/>
               </a:spcBef>
@@ -425,7 +438,7 @@
               <a:buChar char="■"/>
               <a:defRPr sz="1100"/>
             </a:lvl6pPr>
-            <a:lvl7pPr indent="-298450" lvl="6" marL="3200400">
+            <a:lvl7pPr marL="3200400" lvl="6" indent="-298450">
               <a:spcBef>
                 <a:spcPts val="0"/>
               </a:spcBef>
@@ -436,7 +449,7 @@
               <a:buChar char="●"/>
               <a:defRPr sz="1100"/>
             </a:lvl7pPr>
-            <a:lvl8pPr indent="-298450" lvl="7" marL="3657600">
+            <a:lvl8pPr marL="3657600" lvl="7" indent="-298450">
               <a:spcBef>
                 <a:spcPts val="0"/>
               </a:spcBef>
@@ -447,7 +460,7 @@
               <a:buChar char="○"/>
               <a:defRPr sz="1100"/>
             </a:lvl8pPr>
-            <a:lvl9pPr indent="-298450" lvl="8" marL="4114800">
+            <a:lvl9pPr marL="4114800" lvl="8" indent="-298450">
               <a:spcBef>
                 <a:spcPts val="0"/>
               </a:spcBef>
@@ -459,14 +472,16 @@
               <a:defRPr sz="1100"/>
             </a:lvl9pPr>
           </a:lstStyle>
-          <a:p/>
+          <a:p>
+            <a:endParaRPr/>
+          </a:p>
         </p:txBody>
       </p:sp>
     </p:spTree>
   </p:cSld>
-  <p:clrMap accent1="accent1" accent2="accent2" accent3="accent3" accent4="accent4" accent5="accent5" accent6="accent6" bg1="lt1" bg2="dk2" tx1="dk1" tx2="lt2" folHlink="folHlink" hlink="hlink"/>
+  <p:clrMap bg1="lt1" tx1="dk1" bg2="dk2" tx2="lt2" accent1="accent1" accent2="accent2" accent3="accent3" accent4="accent4" accent5="accent5" accent6="accent6" hlink="hlink" folHlink="folHlink"/>
   <p:notesStyle>
-    <a:defPPr lvl="0" marR="0" rtl="0" algn="l">
+    <a:defPPr marR="0" lvl="0" algn="l" rtl="0">
       <a:lnSpc>
         <a:spcPct val="100000"/>
       </a:lnSpc>
@@ -477,7 +492,7 @@
         <a:spcPts val="0"/>
       </a:spcAft>
     </a:defPPr>
-    <a:lvl1pPr lvl="0" marR="0" rtl="0" algn="l">
+    <a:lvl1pPr marR="0" lvl="0" algn="l" rtl="0">
       <a:lnSpc>
         <a:spcPct val="100000"/>
       </a:lnSpc>
@@ -491,7 +506,7 @@
         <a:srgbClr val="000000"/>
       </a:buClr>
       <a:buFont typeface="Arial"/>
-      <a:defRPr b="0" i="0" sz="1400" u="none" cap="none" strike="noStrike">
+      <a:defRPr sz="1400" b="0" i="0" u="none" strike="noStrike" cap="none">
         <a:solidFill>
           <a:srgbClr val="000000"/>
         </a:solidFill>
@@ -501,7 +516,7 @@
         <a:sym typeface="Arial"/>
       </a:defRPr>
     </a:lvl1pPr>
-    <a:lvl2pPr lvl="1" marR="0" rtl="0" algn="l">
+    <a:lvl2pPr marR="0" lvl="1" algn="l" rtl="0">
       <a:lnSpc>
         <a:spcPct val="100000"/>
       </a:lnSpc>
@@ -515,7 +530,7 @@
         <a:srgbClr val="000000"/>
       </a:buClr>
       <a:buFont typeface="Arial"/>
-      <a:defRPr b="0" i="0" sz="1400" u="none" cap="none" strike="noStrike">
+      <a:defRPr sz="1400" b="0" i="0" u="none" strike="noStrike" cap="none">
         <a:solidFill>
           <a:srgbClr val="000000"/>
         </a:solidFill>
@@ -525,7 +540,7 @@
         <a:sym typeface="Arial"/>
       </a:defRPr>
     </a:lvl2pPr>
-    <a:lvl3pPr lvl="2" marR="0" rtl="0" algn="l">
+    <a:lvl3pPr marR="0" lvl="2" algn="l" rtl="0">
       <a:lnSpc>
         <a:spcPct val="100000"/>
       </a:lnSpc>
@@ -539,7 +554,7 @@
         <a:srgbClr val="000000"/>
       </a:buClr>
       <a:buFont typeface="Arial"/>
-      <a:defRPr b="0" i="0" sz="1400" u="none" cap="none" strike="noStrike">
+      <a:defRPr sz="1400" b="0" i="0" u="none" strike="noStrike" cap="none">
         <a:solidFill>
           <a:srgbClr val="000000"/>
         </a:solidFill>
@@ -549,7 +564,7 @@
         <a:sym typeface="Arial"/>
       </a:defRPr>
     </a:lvl3pPr>
-    <a:lvl4pPr lvl="3" marR="0" rtl="0" algn="l">
+    <a:lvl4pPr marR="0" lvl="3" algn="l" rtl="0">
       <a:lnSpc>
         <a:spcPct val="100000"/>
       </a:lnSpc>
@@ -563,7 +578,7 @@
         <a:srgbClr val="000000"/>
       </a:buClr>
       <a:buFont typeface="Arial"/>
-      <a:defRPr b="0" i="0" sz="1400" u="none" cap="none" strike="noStrike">
+      <a:defRPr sz="1400" b="0" i="0" u="none" strike="noStrike" cap="none">
         <a:solidFill>
           <a:srgbClr val="000000"/>
         </a:solidFill>
@@ -573,7 +588,7 @@
         <a:sym typeface="Arial"/>
       </a:defRPr>
     </a:lvl4pPr>
-    <a:lvl5pPr lvl="4" marR="0" rtl="0" algn="l">
+    <a:lvl5pPr marR="0" lvl="4" algn="l" rtl="0">
       <a:lnSpc>
         <a:spcPct val="100000"/>
       </a:lnSpc>
@@ -587,7 +602,7 @@
         <a:srgbClr val="000000"/>
       </a:buClr>
       <a:buFont typeface="Arial"/>
-      <a:defRPr b="0" i="0" sz="1400" u="none" cap="none" strike="noStrike">
+      <a:defRPr sz="1400" b="0" i="0" u="none" strike="noStrike" cap="none">
         <a:solidFill>
           <a:srgbClr val="000000"/>
         </a:solidFill>
@@ -597,7 +612,7 @@
         <a:sym typeface="Arial"/>
       </a:defRPr>
     </a:lvl5pPr>
-    <a:lvl6pPr lvl="5" marR="0" rtl="0" algn="l">
+    <a:lvl6pPr marR="0" lvl="5" algn="l" rtl="0">
       <a:lnSpc>
         <a:spcPct val="100000"/>
       </a:lnSpc>
@@ -611,7 +626,7 @@
         <a:srgbClr val="000000"/>
       </a:buClr>
       <a:buFont typeface="Arial"/>
-      <a:defRPr b="0" i="0" sz="1400" u="none" cap="none" strike="noStrike">
+      <a:defRPr sz="1400" b="0" i="0" u="none" strike="noStrike" cap="none">
         <a:solidFill>
           <a:srgbClr val="000000"/>
         </a:solidFill>
@@ -621,7 +636,7 @@
         <a:sym typeface="Arial"/>
       </a:defRPr>
     </a:lvl6pPr>
-    <a:lvl7pPr lvl="6" marR="0" rtl="0" algn="l">
+    <a:lvl7pPr marR="0" lvl="6" algn="l" rtl="0">
       <a:lnSpc>
         <a:spcPct val="100000"/>
       </a:lnSpc>
@@ -635,7 +650,7 @@
         <a:srgbClr val="000000"/>
       </a:buClr>
       <a:buFont typeface="Arial"/>
-      <a:defRPr b="0" i="0" sz="1400" u="none" cap="none" strike="noStrike">
+      <a:defRPr sz="1400" b="0" i="0" u="none" strike="noStrike" cap="none">
         <a:solidFill>
           <a:srgbClr val="000000"/>
         </a:solidFill>
@@ -645,7 +660,7 @@
         <a:sym typeface="Arial"/>
       </a:defRPr>
     </a:lvl7pPr>
-    <a:lvl8pPr lvl="7" marR="0" rtl="0" algn="l">
+    <a:lvl8pPr marR="0" lvl="7" algn="l" rtl="0">
       <a:lnSpc>
         <a:spcPct val="100000"/>
       </a:lnSpc>
@@ -659,7 +674,7 @@
         <a:srgbClr val="000000"/>
       </a:buClr>
       <a:buFont typeface="Arial"/>
-      <a:defRPr b="0" i="0" sz="1400" u="none" cap="none" strike="noStrike">
+      <a:defRPr sz="1400" b="0" i="0" u="none" strike="noStrike" cap="none">
         <a:solidFill>
           <a:srgbClr val="000000"/>
         </a:solidFill>
@@ -669,7 +684,7 @@
         <a:sym typeface="Arial"/>
       </a:defRPr>
     </a:lvl8pPr>
-    <a:lvl9pPr lvl="8" marR="0" rtl="0" algn="l">
+    <a:lvl9pPr marR="0" lvl="8" algn="l" rtl="0">
       <a:lnSpc>
         <a:spcPct val="100000"/>
       </a:lnSpc>
@@ -683,7 +698,7 @@
         <a:srgbClr val="000000"/>
       </a:buClr>
       <a:buFont typeface="Arial"/>
-      <a:defRPr b="0" i="0" sz="1400" u="none" cap="none" strike="noStrike">
+      <a:defRPr sz="1400" b="0" i="0" u="none" strike="noStrike" cap="none">
         <a:solidFill>
           <a:srgbClr val="000000"/>
         </a:solidFill>
@@ -698,11 +713,11 @@
 </file>
 
 <file path=ppt/notesSlides/notesSlide1.xml><?xml version="1.0" encoding="utf-8"?>
-<p:notes xmlns:a="http://schemas.openxmlformats.org/drawingml/2006/main" xmlns:r="http://schemas.openxmlformats.org/officeDocument/2006/relationships" xmlns:mc="http://schemas.openxmlformats.org/markup-compatibility/2006" xmlns:mv="urn:schemas-microsoft-com:mac:vml" xmlns:p="http://schemas.openxmlformats.org/presentationml/2006/main" xmlns:c="http://schemas.openxmlformats.org/drawingml/2006/chart" xmlns:dgm="http://schemas.openxmlformats.org/drawingml/2006/diagram" xmlns:o="urn:schemas-microsoft-com:office:office" xmlns:v="urn:schemas-microsoft-com:vml" xmlns:pvml="urn:schemas-microsoft-com:office:powerpoint" xmlns:com="http://schemas.openxmlformats.org/drawingml/2006/compatibility" xmlns:p14="http://schemas.microsoft.com/office/powerpoint/2010/main" xmlns:p15="http://schemas.microsoft.com/office/powerpoint/2012/main" xmlns:ahyp="http://schemas.microsoft.com/office/drawing/2018/hyperlinkcolor" showMasterPhAnim="0" showMasterSp="0">
+<p:notes xmlns:a="http://schemas.openxmlformats.org/drawingml/2006/main" xmlns:r="http://schemas.openxmlformats.org/officeDocument/2006/relationships" xmlns:p="http://schemas.openxmlformats.org/presentationml/2006/main" showMasterSp="0" showMasterPhAnim="0">
   <p:cSld>
     <p:spTree>
       <p:nvGrpSpPr>
-        <p:cNvPr id="80" name="Shape 80"/>
+        <p:cNvPr id="1" name="Shape 80"/>
         <p:cNvGrpSpPr/>
         <p:nvPr/>
       </p:nvGrpSpPr>
@@ -717,9 +732,11 @@
       <p:sp>
         <p:nvSpPr>
           <p:cNvPr id="81" name="Google Shape;81;p1:notes"/>
-          <p:cNvSpPr txBox="1"/>
+          <p:cNvSpPr txBox="1">
+            <a:spLocks noGrp="1"/>
+          </p:cNvSpPr>
           <p:nvPr>
-            <p:ph idx="1" type="body"/>
+            <p:ph type="body" idx="1"/>
           </p:nvPr>
         </p:nvSpPr>
         <p:spPr>
@@ -732,12 +749,12 @@
           </a:prstGeom>
         </p:spPr>
         <p:txBody>
-          <a:bodyPr anchorCtr="0" anchor="t" bIns="91425" lIns="91425" spcFirstLastPara="1" rIns="91425" wrap="square" tIns="91425">
+          <a:bodyPr spcFirstLastPara="1" wrap="square" lIns="91425" tIns="91425" rIns="91425" bIns="91425" anchor="t" anchorCtr="0">
             <a:noAutofit/>
           </a:bodyPr>
           <a:lstStyle/>
           <a:p>
-            <a:pPr indent="0" lvl="0" marL="0" rtl="0" algn="l">
+            <a:pPr marL="0" lvl="0" indent="0" algn="l" rtl="0">
               <a:spcBef>
                 <a:spcPts val="0"/>
               </a:spcBef>
@@ -746,9 +763,6 @@
               </a:spcAft>
               <a:buNone/>
             </a:pPr>
-            <a:r>
-              <a:t/>
-            </a:r>
             <a:endParaRPr/>
           </a:p>
         </p:txBody>
@@ -756,20 +770,26 @@
       <p:sp>
         <p:nvSpPr>
           <p:cNvPr id="82" name="Google Shape;82;p1:notes"/>
-          <p:cNvSpPr/>
+          <p:cNvSpPr>
+            <a:spLocks noGrp="1" noRot="1" noChangeAspect="1"/>
+          </p:cNvSpPr>
           <p:nvPr>
-            <p:ph idx="2" type="sldImg"/>
+            <p:ph type="sldImg" idx="2"/>
           </p:nvPr>
         </p:nvSpPr>
         <p:spPr>
           <a:xfrm>
-            <a:off x="1143225" y="685800"/>
-            <a:ext cx="4572225" cy="3429000"/>
+            <a:off x="1143000" y="685800"/>
+            <a:ext cx="4572000" cy="3429000"/>
           </a:xfrm>
           <a:custGeom>
-            <a:rect b="b" l="l" r="r" t="t"/>
+            <a:avLst/>
+            <a:gdLst/>
+            <a:ahLst/>
+            <a:cxnLst/>
+            <a:rect l="l" t="t" r="r" b="b"/>
             <a:pathLst>
-              <a:path extrusionOk="0" h="120000" w="120000">
+              <a:path w="120000" h="120000" extrusionOk="0">
                 <a:moveTo>
                   <a:pt x="0" y="0"/>
                 </a:moveTo>
@@ -797,11 +817,11 @@
 </file>
 
 <file path=ppt/notesSlides/notesSlide10.xml><?xml version="1.0" encoding="utf-8"?>
-<p:notes xmlns:a="http://schemas.openxmlformats.org/drawingml/2006/main" xmlns:r="http://schemas.openxmlformats.org/officeDocument/2006/relationships" xmlns:mc="http://schemas.openxmlformats.org/markup-compatibility/2006" xmlns:mv="urn:schemas-microsoft-com:mac:vml" xmlns:p="http://schemas.openxmlformats.org/presentationml/2006/main" xmlns:c="http://schemas.openxmlformats.org/drawingml/2006/chart" xmlns:dgm="http://schemas.openxmlformats.org/drawingml/2006/diagram" xmlns:o="urn:schemas-microsoft-com:office:office" xmlns:v="urn:schemas-microsoft-com:vml" xmlns:pvml="urn:schemas-microsoft-com:office:powerpoint" xmlns:com="http://schemas.openxmlformats.org/drawingml/2006/compatibility" xmlns:p14="http://schemas.microsoft.com/office/powerpoint/2010/main" xmlns:p15="http://schemas.microsoft.com/office/powerpoint/2012/main" xmlns:ahyp="http://schemas.microsoft.com/office/drawing/2018/hyperlinkcolor" showMasterPhAnim="0" showMasterSp="0">
+<p:notes xmlns:a="http://schemas.openxmlformats.org/drawingml/2006/main" xmlns:r="http://schemas.openxmlformats.org/officeDocument/2006/relationships" xmlns:p="http://schemas.openxmlformats.org/presentationml/2006/main" showMasterSp="0" showMasterPhAnim="0">
   <p:cSld>
     <p:spTree>
       <p:nvGrpSpPr>
-        <p:cNvPr id="136" name="Shape 136"/>
+        <p:cNvPr id="1" name="Shape 136"/>
         <p:cNvGrpSpPr/>
         <p:nvPr/>
       </p:nvGrpSpPr>
@@ -816,20 +836,26 @@
       <p:sp>
         <p:nvSpPr>
           <p:cNvPr id="137" name="Google Shape;137;g33b5464f5bd_0_13:notes"/>
-          <p:cNvSpPr/>
+          <p:cNvSpPr>
+            <a:spLocks noGrp="1" noRot="1" noChangeAspect="1"/>
+          </p:cNvSpPr>
           <p:nvPr>
-            <p:ph idx="2" type="sldImg"/>
+            <p:ph type="sldImg" idx="2"/>
           </p:nvPr>
         </p:nvSpPr>
         <p:spPr>
           <a:xfrm>
-            <a:off x="1143225" y="685800"/>
-            <a:ext cx="4572300" cy="3429000"/>
+            <a:off x="1143000" y="685800"/>
+            <a:ext cx="4572000" cy="3429000"/>
           </a:xfrm>
           <a:custGeom>
-            <a:rect b="b" l="l" r="r" t="t"/>
+            <a:avLst/>
+            <a:gdLst/>
+            <a:ahLst/>
+            <a:cxnLst/>
+            <a:rect l="l" t="t" r="r" b="b"/>
             <a:pathLst>
-              <a:path extrusionOk="0" h="120000" w="120000">
+              <a:path w="120000" h="120000" extrusionOk="0">
                 <a:moveTo>
                   <a:pt x="0" y="0"/>
                 </a:moveTo>
@@ -851,9 +877,11 @@
       <p:sp>
         <p:nvSpPr>
           <p:cNvPr id="138" name="Google Shape;138;g33b5464f5bd_0_13:notes"/>
-          <p:cNvSpPr txBox="1"/>
+          <p:cNvSpPr txBox="1">
+            <a:spLocks noGrp="1"/>
+          </p:cNvSpPr>
           <p:nvPr>
-            <p:ph idx="1" type="body"/>
+            <p:ph type="body" idx="1"/>
           </p:nvPr>
         </p:nvSpPr>
         <p:spPr>
@@ -866,12 +894,12 @@
           </a:prstGeom>
         </p:spPr>
         <p:txBody>
-          <a:bodyPr anchorCtr="0" anchor="t" bIns="91425" lIns="91425" spcFirstLastPara="1" rIns="91425" wrap="square" tIns="91425">
+          <a:bodyPr spcFirstLastPara="1" wrap="square" lIns="91425" tIns="91425" rIns="91425" bIns="91425" anchor="t" anchorCtr="0">
             <a:noAutofit/>
           </a:bodyPr>
           <a:lstStyle/>
           <a:p>
-            <a:pPr indent="0" lvl="0" marL="0" rtl="0" algn="l">
+            <a:pPr marL="0" lvl="0" indent="0" algn="l" rtl="0">
               <a:spcBef>
                 <a:spcPts val="0"/>
               </a:spcBef>
@@ -880,9 +908,6 @@
               </a:spcAft>
               <a:buNone/>
             </a:pPr>
-            <a:r>
-              <a:t/>
-            </a:r>
             <a:endParaRPr/>
           </a:p>
         </p:txBody>
@@ -896,11 +921,11 @@
 </file>
 
 <file path=ppt/notesSlides/notesSlide11.xml><?xml version="1.0" encoding="utf-8"?>
-<p:notes xmlns:a="http://schemas.openxmlformats.org/drawingml/2006/main" xmlns:r="http://schemas.openxmlformats.org/officeDocument/2006/relationships" xmlns:mc="http://schemas.openxmlformats.org/markup-compatibility/2006" xmlns:mv="urn:schemas-microsoft-com:mac:vml" xmlns:p="http://schemas.openxmlformats.org/presentationml/2006/main" xmlns:c="http://schemas.openxmlformats.org/drawingml/2006/chart" xmlns:dgm="http://schemas.openxmlformats.org/drawingml/2006/diagram" xmlns:o="urn:schemas-microsoft-com:office:office" xmlns:v="urn:schemas-microsoft-com:vml" xmlns:pvml="urn:schemas-microsoft-com:office:powerpoint" xmlns:com="http://schemas.openxmlformats.org/drawingml/2006/compatibility" xmlns:p14="http://schemas.microsoft.com/office/powerpoint/2010/main" xmlns:p15="http://schemas.microsoft.com/office/powerpoint/2012/main" xmlns:ahyp="http://schemas.microsoft.com/office/drawing/2018/hyperlinkcolor" showMasterPhAnim="0" showMasterSp="0">
+<p:notes xmlns:a="http://schemas.openxmlformats.org/drawingml/2006/main" xmlns:r="http://schemas.openxmlformats.org/officeDocument/2006/relationships" xmlns:p="http://schemas.openxmlformats.org/presentationml/2006/main" showMasterSp="0" showMasterPhAnim="0">
   <p:cSld>
     <p:spTree>
       <p:nvGrpSpPr>
-        <p:cNvPr id="143" name="Shape 143"/>
+        <p:cNvPr id="1" name="Shape 143"/>
         <p:cNvGrpSpPr/>
         <p:nvPr/>
       </p:nvGrpSpPr>
@@ -915,9 +940,11 @@
       <p:sp>
         <p:nvSpPr>
           <p:cNvPr id="144" name="Google Shape;144;g33b5464f5bd_0_19:notes"/>
-          <p:cNvSpPr/>
+          <p:cNvSpPr>
+            <a:spLocks noGrp="1" noRot="1" noChangeAspect="1"/>
+          </p:cNvSpPr>
           <p:nvPr>
-            <p:ph idx="2" type="sldImg"/>
+            <p:ph type="sldImg" idx="2"/>
           </p:nvPr>
         </p:nvSpPr>
         <p:spPr>
@@ -926,9 +953,13 @@
             <a:ext cx="4572300" cy="3429000"/>
           </a:xfrm>
           <a:custGeom>
-            <a:rect b="b" l="l" r="r" t="t"/>
+            <a:avLst/>
+            <a:gdLst/>
+            <a:ahLst/>
+            <a:cxnLst/>
+            <a:rect l="l" t="t" r="r" b="b"/>
             <a:pathLst>
-              <a:path extrusionOk="0" h="120000" w="120000">
+              <a:path w="120000" h="120000" extrusionOk="0">
                 <a:moveTo>
                   <a:pt x="0" y="0"/>
                 </a:moveTo>
@@ -950,9 +981,11 @@
       <p:sp>
         <p:nvSpPr>
           <p:cNvPr id="145" name="Google Shape;145;g33b5464f5bd_0_19:notes"/>
-          <p:cNvSpPr txBox="1"/>
+          <p:cNvSpPr txBox="1">
+            <a:spLocks noGrp="1"/>
+          </p:cNvSpPr>
           <p:nvPr>
-            <p:ph idx="1" type="body"/>
+            <p:ph type="body" idx="1"/>
           </p:nvPr>
         </p:nvSpPr>
         <p:spPr>
@@ -965,12 +998,12 @@
           </a:prstGeom>
         </p:spPr>
         <p:txBody>
-          <a:bodyPr anchorCtr="0" anchor="t" bIns="91425" lIns="91425" spcFirstLastPara="1" rIns="91425" wrap="square" tIns="91425">
+          <a:bodyPr spcFirstLastPara="1" wrap="square" lIns="91425" tIns="91425" rIns="91425" bIns="91425" anchor="t" anchorCtr="0">
             <a:noAutofit/>
           </a:bodyPr>
           <a:lstStyle/>
           <a:p>
-            <a:pPr indent="0" lvl="0" marL="0" rtl="0" algn="l">
+            <a:pPr marL="0" lvl="0" indent="0" algn="l" rtl="0">
               <a:spcBef>
                 <a:spcPts val="0"/>
               </a:spcBef>
@@ -979,9 +1012,6 @@
               </a:spcAft>
               <a:buNone/>
             </a:pPr>
-            <a:r>
-              <a:t/>
-            </a:r>
             <a:endParaRPr/>
           </a:p>
         </p:txBody>
@@ -995,11 +1025,11 @@
 </file>
 
 <file path=ppt/notesSlides/notesSlide12.xml><?xml version="1.0" encoding="utf-8"?>
-<p:notes xmlns:a="http://schemas.openxmlformats.org/drawingml/2006/main" xmlns:r="http://schemas.openxmlformats.org/officeDocument/2006/relationships" xmlns:mc="http://schemas.openxmlformats.org/markup-compatibility/2006" xmlns:mv="urn:schemas-microsoft-com:mac:vml" xmlns:p="http://schemas.openxmlformats.org/presentationml/2006/main" xmlns:c="http://schemas.openxmlformats.org/drawingml/2006/chart" xmlns:dgm="http://schemas.openxmlformats.org/drawingml/2006/diagram" xmlns:o="urn:schemas-microsoft-com:office:office" xmlns:v="urn:schemas-microsoft-com:vml" xmlns:pvml="urn:schemas-microsoft-com:office:powerpoint" xmlns:com="http://schemas.openxmlformats.org/drawingml/2006/compatibility" xmlns:p14="http://schemas.microsoft.com/office/powerpoint/2010/main" xmlns:p15="http://schemas.microsoft.com/office/powerpoint/2012/main" xmlns:ahyp="http://schemas.microsoft.com/office/drawing/2018/hyperlinkcolor" showMasterPhAnim="0" showMasterSp="0">
+<p:notes xmlns:a="http://schemas.openxmlformats.org/drawingml/2006/main" xmlns:r="http://schemas.openxmlformats.org/officeDocument/2006/relationships" xmlns:p="http://schemas.openxmlformats.org/presentationml/2006/main" showMasterSp="0" showMasterPhAnim="0">
   <p:cSld>
     <p:spTree>
       <p:nvGrpSpPr>
-        <p:cNvPr id="150" name="Shape 150"/>
+        <p:cNvPr id="1" name="Shape 150"/>
         <p:cNvGrpSpPr/>
         <p:nvPr/>
       </p:nvGrpSpPr>
@@ -1014,20 +1044,26 @@
       <p:sp>
         <p:nvSpPr>
           <p:cNvPr id="151" name="Google Shape;151;g33b5a13caeb_0_1:notes"/>
-          <p:cNvSpPr/>
+          <p:cNvSpPr>
+            <a:spLocks noGrp="1" noRot="1" noChangeAspect="1"/>
+          </p:cNvSpPr>
           <p:nvPr>
-            <p:ph idx="2" type="sldImg"/>
+            <p:ph type="sldImg" idx="2"/>
           </p:nvPr>
         </p:nvSpPr>
         <p:spPr>
           <a:xfrm>
-            <a:off x="1143225" y="685800"/>
-            <a:ext cx="4572300" cy="3429000"/>
+            <a:off x="1143000" y="685800"/>
+            <a:ext cx="4572000" cy="3429000"/>
           </a:xfrm>
           <a:custGeom>
-            <a:rect b="b" l="l" r="r" t="t"/>
+            <a:avLst/>
+            <a:gdLst/>
+            <a:ahLst/>
+            <a:cxnLst/>
+            <a:rect l="l" t="t" r="r" b="b"/>
             <a:pathLst>
-              <a:path extrusionOk="0" h="120000" w="120000">
+              <a:path w="120000" h="120000" extrusionOk="0">
                 <a:moveTo>
                   <a:pt x="0" y="0"/>
                 </a:moveTo>
@@ -1049,9 +1085,11 @@
       <p:sp>
         <p:nvSpPr>
           <p:cNvPr id="152" name="Google Shape;152;g33b5a13caeb_0_1:notes"/>
-          <p:cNvSpPr txBox="1"/>
+          <p:cNvSpPr txBox="1">
+            <a:spLocks noGrp="1"/>
+          </p:cNvSpPr>
           <p:nvPr>
-            <p:ph idx="1" type="body"/>
+            <p:ph type="body" idx="1"/>
           </p:nvPr>
         </p:nvSpPr>
         <p:spPr>
@@ -1064,12 +1102,12 @@
           </a:prstGeom>
         </p:spPr>
         <p:txBody>
-          <a:bodyPr anchorCtr="0" anchor="t" bIns="91425" lIns="91425" spcFirstLastPara="1" rIns="91425" wrap="square" tIns="91425">
+          <a:bodyPr spcFirstLastPara="1" wrap="square" lIns="91425" tIns="91425" rIns="91425" bIns="91425" anchor="t" anchorCtr="0">
             <a:noAutofit/>
           </a:bodyPr>
           <a:lstStyle/>
           <a:p>
-            <a:pPr indent="0" lvl="0" marL="0" rtl="0" algn="l">
+            <a:pPr marL="0" lvl="0" indent="0" algn="l" rtl="0">
               <a:spcBef>
                 <a:spcPts val="0"/>
               </a:spcBef>
@@ -1078,9 +1116,6 @@
               </a:spcAft>
               <a:buNone/>
             </a:pPr>
-            <a:r>
-              <a:t/>
-            </a:r>
             <a:endParaRPr/>
           </a:p>
         </p:txBody>
@@ -1094,11 +1129,11 @@
 </file>
 
 <file path=ppt/notesSlides/notesSlide2.xml><?xml version="1.0" encoding="utf-8"?>
-<p:notes xmlns:a="http://schemas.openxmlformats.org/drawingml/2006/main" xmlns:r="http://schemas.openxmlformats.org/officeDocument/2006/relationships" xmlns:mc="http://schemas.openxmlformats.org/markup-compatibility/2006" xmlns:mv="urn:schemas-microsoft-com:mac:vml" xmlns:p="http://schemas.openxmlformats.org/presentationml/2006/main" xmlns:c="http://schemas.openxmlformats.org/drawingml/2006/chart" xmlns:dgm="http://schemas.openxmlformats.org/drawingml/2006/diagram" xmlns:o="urn:schemas-microsoft-com:office:office" xmlns:v="urn:schemas-microsoft-com:vml" xmlns:pvml="urn:schemas-microsoft-com:office:powerpoint" xmlns:com="http://schemas.openxmlformats.org/drawingml/2006/compatibility" xmlns:p14="http://schemas.microsoft.com/office/powerpoint/2010/main" xmlns:p15="http://schemas.microsoft.com/office/powerpoint/2012/main" xmlns:ahyp="http://schemas.microsoft.com/office/drawing/2018/hyperlinkcolor" showMasterPhAnim="0" showMasterSp="0">
+<p:notes xmlns:a="http://schemas.openxmlformats.org/drawingml/2006/main" xmlns:r="http://schemas.openxmlformats.org/officeDocument/2006/relationships" xmlns:p="http://schemas.openxmlformats.org/presentationml/2006/main" showMasterSp="0" showMasterPhAnim="0">
   <p:cSld>
     <p:spTree>
       <p:nvGrpSpPr>
-        <p:cNvPr id="87" name="Shape 87"/>
+        <p:cNvPr id="1" name="Shape 87"/>
         <p:cNvGrpSpPr/>
         <p:nvPr/>
       </p:nvGrpSpPr>
@@ -1113,9 +1148,11 @@
       <p:sp>
         <p:nvSpPr>
           <p:cNvPr id="88" name="Google Shape;88;p2:notes"/>
-          <p:cNvSpPr txBox="1"/>
+          <p:cNvSpPr txBox="1">
+            <a:spLocks noGrp="1"/>
+          </p:cNvSpPr>
           <p:nvPr>
-            <p:ph idx="1" type="body"/>
+            <p:ph type="body" idx="1"/>
           </p:nvPr>
         </p:nvSpPr>
         <p:spPr>
@@ -1128,12 +1165,12 @@
           </a:prstGeom>
         </p:spPr>
         <p:txBody>
-          <a:bodyPr anchorCtr="0" anchor="t" bIns="91425" lIns="91425" spcFirstLastPara="1" rIns="91425" wrap="square" tIns="91425">
+          <a:bodyPr spcFirstLastPara="1" wrap="square" lIns="91425" tIns="91425" rIns="91425" bIns="91425" anchor="t" anchorCtr="0">
             <a:noAutofit/>
           </a:bodyPr>
           <a:lstStyle/>
           <a:p>
-            <a:pPr indent="0" lvl="0" marL="0" rtl="0" algn="l">
+            <a:pPr marL="0" lvl="0" indent="0" algn="l" rtl="0">
               <a:spcBef>
                 <a:spcPts val="0"/>
               </a:spcBef>
@@ -1142,9 +1179,6 @@
               </a:spcAft>
               <a:buNone/>
             </a:pPr>
-            <a:r>
-              <a:t/>
-            </a:r>
             <a:endParaRPr/>
           </a:p>
         </p:txBody>
@@ -1152,20 +1186,26 @@
       <p:sp>
         <p:nvSpPr>
           <p:cNvPr id="89" name="Google Shape;89;p2:notes"/>
-          <p:cNvSpPr/>
+          <p:cNvSpPr>
+            <a:spLocks noGrp="1" noRot="1" noChangeAspect="1"/>
+          </p:cNvSpPr>
           <p:nvPr>
-            <p:ph idx="2" type="sldImg"/>
+            <p:ph type="sldImg" idx="2"/>
           </p:nvPr>
         </p:nvSpPr>
         <p:spPr>
           <a:xfrm>
-            <a:off x="1143225" y="685800"/>
-            <a:ext cx="4572225" cy="3429000"/>
+            <a:off x="1143000" y="685800"/>
+            <a:ext cx="4572000" cy="3429000"/>
           </a:xfrm>
           <a:custGeom>
-            <a:rect b="b" l="l" r="r" t="t"/>
+            <a:avLst/>
+            <a:gdLst/>
+            <a:ahLst/>
+            <a:cxnLst/>
+            <a:rect l="l" t="t" r="r" b="b"/>
             <a:pathLst>
-              <a:path extrusionOk="0" h="120000" w="120000">
+              <a:path w="120000" h="120000" extrusionOk="0">
                 <a:moveTo>
                   <a:pt x="0" y="0"/>
                 </a:moveTo>
@@ -1193,11 +1233,11 @@
 </file>
 
 <file path=ppt/notesSlides/notesSlide3.xml><?xml version="1.0" encoding="utf-8"?>
-<p:notes xmlns:a="http://schemas.openxmlformats.org/drawingml/2006/main" xmlns:r="http://schemas.openxmlformats.org/officeDocument/2006/relationships" xmlns:mc="http://schemas.openxmlformats.org/markup-compatibility/2006" xmlns:mv="urn:schemas-microsoft-com:mac:vml" xmlns:p="http://schemas.openxmlformats.org/presentationml/2006/main" xmlns:c="http://schemas.openxmlformats.org/drawingml/2006/chart" xmlns:dgm="http://schemas.openxmlformats.org/drawingml/2006/diagram" xmlns:o="urn:schemas-microsoft-com:office:office" xmlns:v="urn:schemas-microsoft-com:vml" xmlns:pvml="urn:schemas-microsoft-com:office:powerpoint" xmlns:com="http://schemas.openxmlformats.org/drawingml/2006/compatibility" xmlns:p14="http://schemas.microsoft.com/office/powerpoint/2010/main" xmlns:p15="http://schemas.microsoft.com/office/powerpoint/2012/main" xmlns:ahyp="http://schemas.microsoft.com/office/drawing/2018/hyperlinkcolor" showMasterPhAnim="0" showMasterSp="0">
+<p:notes xmlns:a="http://schemas.openxmlformats.org/drawingml/2006/main" xmlns:r="http://schemas.openxmlformats.org/officeDocument/2006/relationships" xmlns:p="http://schemas.openxmlformats.org/presentationml/2006/main" showMasterSp="0" showMasterPhAnim="0">
   <p:cSld>
     <p:spTree>
       <p:nvGrpSpPr>
-        <p:cNvPr id="93" name="Shape 93"/>
+        <p:cNvPr id="1" name="Shape 93"/>
         <p:cNvGrpSpPr/>
         <p:nvPr/>
       </p:nvGrpSpPr>
@@ -1212,20 +1252,26 @@
       <p:sp>
         <p:nvSpPr>
           <p:cNvPr id="94" name="Google Shape;94;g33b5464f5bd_0_2:notes"/>
-          <p:cNvSpPr/>
+          <p:cNvSpPr>
+            <a:spLocks noGrp="1" noRot="1" noChangeAspect="1"/>
+          </p:cNvSpPr>
           <p:nvPr>
-            <p:ph idx="2" type="sldImg"/>
+            <p:ph type="sldImg" idx="2"/>
           </p:nvPr>
         </p:nvSpPr>
         <p:spPr>
           <a:xfrm>
-            <a:off x="1143225" y="685800"/>
-            <a:ext cx="4572300" cy="3429000"/>
+            <a:off x="1143000" y="685800"/>
+            <a:ext cx="4572000" cy="3429000"/>
           </a:xfrm>
           <a:custGeom>
-            <a:rect b="b" l="l" r="r" t="t"/>
+            <a:avLst/>
+            <a:gdLst/>
+            <a:ahLst/>
+            <a:cxnLst/>
+            <a:rect l="l" t="t" r="r" b="b"/>
             <a:pathLst>
-              <a:path extrusionOk="0" h="120000" w="120000">
+              <a:path w="120000" h="120000" extrusionOk="0">
                 <a:moveTo>
                   <a:pt x="0" y="0"/>
                 </a:moveTo>
@@ -1247,9 +1293,11 @@
       <p:sp>
         <p:nvSpPr>
           <p:cNvPr id="95" name="Google Shape;95;g33b5464f5bd_0_2:notes"/>
-          <p:cNvSpPr txBox="1"/>
+          <p:cNvSpPr txBox="1">
+            <a:spLocks noGrp="1"/>
+          </p:cNvSpPr>
           <p:nvPr>
-            <p:ph idx="1" type="body"/>
+            <p:ph type="body" idx="1"/>
           </p:nvPr>
         </p:nvSpPr>
         <p:spPr>
@@ -1262,12 +1310,12 @@
           </a:prstGeom>
         </p:spPr>
         <p:txBody>
-          <a:bodyPr anchorCtr="0" anchor="t" bIns="91425" lIns="91425" spcFirstLastPara="1" rIns="91425" wrap="square" tIns="91425">
+          <a:bodyPr spcFirstLastPara="1" wrap="square" lIns="91425" tIns="91425" rIns="91425" bIns="91425" anchor="t" anchorCtr="0">
             <a:noAutofit/>
           </a:bodyPr>
           <a:lstStyle/>
           <a:p>
-            <a:pPr indent="0" lvl="0" marL="0" rtl="0" algn="l">
+            <a:pPr marL="0" lvl="0" indent="0" algn="l" rtl="0">
               <a:spcBef>
                 <a:spcPts val="0"/>
               </a:spcBef>
@@ -1276,9 +1324,6 @@
               </a:spcAft>
               <a:buNone/>
             </a:pPr>
-            <a:r>
-              <a:t/>
-            </a:r>
             <a:endParaRPr/>
           </a:p>
         </p:txBody>
@@ -1292,11 +1337,11 @@
 </file>
 
 <file path=ppt/notesSlides/notesSlide4.xml><?xml version="1.0" encoding="utf-8"?>
-<p:notes xmlns:a="http://schemas.openxmlformats.org/drawingml/2006/main" xmlns:r="http://schemas.openxmlformats.org/officeDocument/2006/relationships" xmlns:mc="http://schemas.openxmlformats.org/markup-compatibility/2006" xmlns:mv="urn:schemas-microsoft-com:mac:vml" xmlns:p="http://schemas.openxmlformats.org/presentationml/2006/main" xmlns:c="http://schemas.openxmlformats.org/drawingml/2006/chart" xmlns:dgm="http://schemas.openxmlformats.org/drawingml/2006/diagram" xmlns:o="urn:schemas-microsoft-com:office:office" xmlns:v="urn:schemas-microsoft-com:vml" xmlns:pvml="urn:schemas-microsoft-com:office:powerpoint" xmlns:com="http://schemas.openxmlformats.org/drawingml/2006/compatibility" xmlns:p14="http://schemas.microsoft.com/office/powerpoint/2010/main" xmlns:p15="http://schemas.microsoft.com/office/powerpoint/2012/main" xmlns:ahyp="http://schemas.microsoft.com/office/drawing/2018/hyperlinkcolor" showMasterPhAnim="0" showMasterSp="0">
+<p:notes xmlns:a="http://schemas.openxmlformats.org/drawingml/2006/main" xmlns:r="http://schemas.openxmlformats.org/officeDocument/2006/relationships" xmlns:p="http://schemas.openxmlformats.org/presentationml/2006/main" showMasterSp="0" showMasterPhAnim="0">
   <p:cSld>
     <p:spTree>
       <p:nvGrpSpPr>
-        <p:cNvPr id="99" name="Shape 99"/>
+        <p:cNvPr id="1" name="Shape 99"/>
         <p:cNvGrpSpPr/>
         <p:nvPr/>
       </p:nvGrpSpPr>
@@ -1311,9 +1356,11 @@
       <p:sp>
         <p:nvSpPr>
           <p:cNvPr id="100" name="Google Shape;100;p3:notes"/>
-          <p:cNvSpPr txBox="1"/>
+          <p:cNvSpPr txBox="1">
+            <a:spLocks noGrp="1"/>
+          </p:cNvSpPr>
           <p:nvPr>
-            <p:ph idx="1" type="body"/>
+            <p:ph type="body" idx="1"/>
           </p:nvPr>
         </p:nvSpPr>
         <p:spPr>
@@ -1326,12 +1373,12 @@
           </a:prstGeom>
         </p:spPr>
         <p:txBody>
-          <a:bodyPr anchorCtr="0" anchor="t" bIns="91425" lIns="91425" spcFirstLastPara="1" rIns="91425" wrap="square" tIns="91425">
+          <a:bodyPr spcFirstLastPara="1" wrap="square" lIns="91425" tIns="91425" rIns="91425" bIns="91425" anchor="t" anchorCtr="0">
             <a:noAutofit/>
           </a:bodyPr>
           <a:lstStyle/>
           <a:p>
-            <a:pPr indent="0" lvl="0" marL="0" rtl="0" algn="l">
+            <a:pPr marL="0" lvl="0" indent="0" algn="l" rtl="0">
               <a:spcBef>
                 <a:spcPts val="0"/>
               </a:spcBef>
@@ -1340,9 +1387,6 @@
               </a:spcAft>
               <a:buNone/>
             </a:pPr>
-            <a:r>
-              <a:t/>
-            </a:r>
             <a:endParaRPr/>
           </a:p>
         </p:txBody>
@@ -1350,9 +1394,11 @@
       <p:sp>
         <p:nvSpPr>
           <p:cNvPr id="101" name="Google Shape;101;p3:notes"/>
-          <p:cNvSpPr/>
+          <p:cNvSpPr>
+            <a:spLocks noGrp="1" noRot="1" noChangeAspect="1"/>
+          </p:cNvSpPr>
           <p:nvPr>
-            <p:ph idx="2" type="sldImg"/>
+            <p:ph type="sldImg" idx="2"/>
           </p:nvPr>
         </p:nvSpPr>
         <p:spPr>
@@ -1361,9 +1407,13 @@
             <a:ext cx="4572225" cy="3429000"/>
           </a:xfrm>
           <a:custGeom>
-            <a:rect b="b" l="l" r="r" t="t"/>
+            <a:avLst/>
+            <a:gdLst/>
+            <a:ahLst/>
+            <a:cxnLst/>
+            <a:rect l="l" t="t" r="r" b="b"/>
             <a:pathLst>
-              <a:path extrusionOk="0" h="120000" w="120000">
+              <a:path w="120000" h="120000" extrusionOk="0">
                 <a:moveTo>
                   <a:pt x="0" y="0"/>
                 </a:moveTo>
@@ -1391,11 +1441,11 @@
 </file>
 
 <file path=ppt/notesSlides/notesSlide5.xml><?xml version="1.0" encoding="utf-8"?>
-<p:notes xmlns:a="http://schemas.openxmlformats.org/drawingml/2006/main" xmlns:r="http://schemas.openxmlformats.org/officeDocument/2006/relationships" xmlns:mc="http://schemas.openxmlformats.org/markup-compatibility/2006" xmlns:mv="urn:schemas-microsoft-com:mac:vml" xmlns:p="http://schemas.openxmlformats.org/presentationml/2006/main" xmlns:c="http://schemas.openxmlformats.org/drawingml/2006/chart" xmlns:dgm="http://schemas.openxmlformats.org/drawingml/2006/diagram" xmlns:o="urn:schemas-microsoft-com:office:office" xmlns:v="urn:schemas-microsoft-com:vml" xmlns:pvml="urn:schemas-microsoft-com:office:powerpoint" xmlns:com="http://schemas.openxmlformats.org/drawingml/2006/compatibility" xmlns:p14="http://schemas.microsoft.com/office/powerpoint/2010/main" xmlns:p15="http://schemas.microsoft.com/office/powerpoint/2012/main" xmlns:ahyp="http://schemas.microsoft.com/office/drawing/2018/hyperlinkcolor" showMasterPhAnim="0" showMasterSp="0">
+<p:notes xmlns:a="http://schemas.openxmlformats.org/drawingml/2006/main" xmlns:r="http://schemas.openxmlformats.org/officeDocument/2006/relationships" xmlns:p="http://schemas.openxmlformats.org/presentationml/2006/main" showMasterSp="0" showMasterPhAnim="0">
   <p:cSld>
     <p:spTree>
       <p:nvGrpSpPr>
-        <p:cNvPr id="105" name="Shape 105"/>
+        <p:cNvPr id="1" name="Shape 105"/>
         <p:cNvGrpSpPr/>
         <p:nvPr/>
       </p:nvGrpSpPr>
@@ -1410,9 +1460,11 @@
       <p:sp>
         <p:nvSpPr>
           <p:cNvPr id="106" name="Google Shape;106;p4:notes"/>
-          <p:cNvSpPr txBox="1"/>
+          <p:cNvSpPr txBox="1">
+            <a:spLocks noGrp="1"/>
+          </p:cNvSpPr>
           <p:nvPr>
-            <p:ph idx="1" type="body"/>
+            <p:ph type="body" idx="1"/>
           </p:nvPr>
         </p:nvSpPr>
         <p:spPr>
@@ -1425,12 +1477,12 @@
           </a:prstGeom>
         </p:spPr>
         <p:txBody>
-          <a:bodyPr anchorCtr="0" anchor="t" bIns="91425" lIns="91425" spcFirstLastPara="1" rIns="91425" wrap="square" tIns="91425">
+          <a:bodyPr spcFirstLastPara="1" wrap="square" lIns="91425" tIns="91425" rIns="91425" bIns="91425" anchor="t" anchorCtr="0">
             <a:noAutofit/>
           </a:bodyPr>
           <a:lstStyle/>
           <a:p>
-            <a:pPr indent="0" lvl="0" marL="0" rtl="0" algn="l">
+            <a:pPr marL="0" lvl="0" indent="0" algn="l" rtl="0">
               <a:spcBef>
                 <a:spcPts val="0"/>
               </a:spcBef>
@@ -1439,9 +1491,6 @@
               </a:spcAft>
               <a:buNone/>
             </a:pPr>
-            <a:r>
-              <a:t/>
-            </a:r>
             <a:endParaRPr/>
           </a:p>
         </p:txBody>
@@ -1449,9 +1498,11 @@
       <p:sp>
         <p:nvSpPr>
           <p:cNvPr id="107" name="Google Shape;107;p4:notes"/>
-          <p:cNvSpPr/>
+          <p:cNvSpPr>
+            <a:spLocks noGrp="1" noRot="1" noChangeAspect="1"/>
+          </p:cNvSpPr>
           <p:nvPr>
-            <p:ph idx="2" type="sldImg"/>
+            <p:ph type="sldImg" idx="2"/>
           </p:nvPr>
         </p:nvSpPr>
         <p:spPr>
@@ -1460,9 +1511,13 @@
             <a:ext cx="4572225" cy="3429000"/>
           </a:xfrm>
           <a:custGeom>
-            <a:rect b="b" l="l" r="r" t="t"/>
+            <a:avLst/>
+            <a:gdLst/>
+            <a:ahLst/>
+            <a:cxnLst/>
+            <a:rect l="l" t="t" r="r" b="b"/>
             <a:pathLst>
-              <a:path extrusionOk="0" h="120000" w="120000">
+              <a:path w="120000" h="120000" extrusionOk="0">
                 <a:moveTo>
                   <a:pt x="0" y="0"/>
                 </a:moveTo>
@@ -1490,11 +1545,11 @@
 </file>
 
 <file path=ppt/notesSlides/notesSlide6.xml><?xml version="1.0" encoding="utf-8"?>
-<p:notes xmlns:a="http://schemas.openxmlformats.org/drawingml/2006/main" xmlns:r="http://schemas.openxmlformats.org/officeDocument/2006/relationships" xmlns:mc="http://schemas.openxmlformats.org/markup-compatibility/2006" xmlns:mv="urn:schemas-microsoft-com:mac:vml" xmlns:p="http://schemas.openxmlformats.org/presentationml/2006/main" xmlns:c="http://schemas.openxmlformats.org/drawingml/2006/chart" xmlns:dgm="http://schemas.openxmlformats.org/drawingml/2006/diagram" xmlns:o="urn:schemas-microsoft-com:office:office" xmlns:v="urn:schemas-microsoft-com:vml" xmlns:pvml="urn:schemas-microsoft-com:office:powerpoint" xmlns:com="http://schemas.openxmlformats.org/drawingml/2006/compatibility" xmlns:p14="http://schemas.microsoft.com/office/powerpoint/2010/main" xmlns:p15="http://schemas.microsoft.com/office/powerpoint/2012/main" xmlns:ahyp="http://schemas.microsoft.com/office/drawing/2018/hyperlinkcolor" showMasterPhAnim="0" showMasterSp="0">
+<p:notes xmlns:a="http://schemas.openxmlformats.org/drawingml/2006/main" xmlns:r="http://schemas.openxmlformats.org/officeDocument/2006/relationships" xmlns:p="http://schemas.openxmlformats.org/presentationml/2006/main" showMasterSp="0" showMasterPhAnim="0">
   <p:cSld>
     <p:spTree>
       <p:nvGrpSpPr>
-        <p:cNvPr id="111" name="Shape 111"/>
+        <p:cNvPr id="1" name="Shape 111"/>
         <p:cNvGrpSpPr/>
         <p:nvPr/>
       </p:nvGrpSpPr>
@@ -1509,9 +1564,11 @@
       <p:sp>
         <p:nvSpPr>
           <p:cNvPr id="112" name="Google Shape;112;p5:notes"/>
-          <p:cNvSpPr txBox="1"/>
+          <p:cNvSpPr txBox="1">
+            <a:spLocks noGrp="1"/>
+          </p:cNvSpPr>
           <p:nvPr>
-            <p:ph idx="1" type="body"/>
+            <p:ph type="body" idx="1"/>
           </p:nvPr>
         </p:nvSpPr>
         <p:spPr>
@@ -1524,12 +1581,12 @@
           </a:prstGeom>
         </p:spPr>
         <p:txBody>
-          <a:bodyPr anchorCtr="0" anchor="t" bIns="91425" lIns="91425" spcFirstLastPara="1" rIns="91425" wrap="square" tIns="91425">
+          <a:bodyPr spcFirstLastPara="1" wrap="square" lIns="91425" tIns="91425" rIns="91425" bIns="91425" anchor="t" anchorCtr="0">
             <a:noAutofit/>
           </a:bodyPr>
           <a:lstStyle/>
           <a:p>
-            <a:pPr indent="0" lvl="0" marL="0" rtl="0" algn="l">
+            <a:pPr marL="0" lvl="0" indent="0" algn="l" rtl="0">
               <a:spcBef>
                 <a:spcPts val="0"/>
               </a:spcBef>
@@ -1538,9 +1595,6 @@
               </a:spcAft>
               <a:buNone/>
             </a:pPr>
-            <a:r>
-              <a:t/>
-            </a:r>
             <a:endParaRPr/>
           </a:p>
         </p:txBody>
@@ -1548,20 +1602,26 @@
       <p:sp>
         <p:nvSpPr>
           <p:cNvPr id="113" name="Google Shape;113;p5:notes"/>
-          <p:cNvSpPr/>
+          <p:cNvSpPr>
+            <a:spLocks noGrp="1" noRot="1" noChangeAspect="1"/>
+          </p:cNvSpPr>
           <p:nvPr>
-            <p:ph idx="2" type="sldImg"/>
+            <p:ph type="sldImg" idx="2"/>
           </p:nvPr>
         </p:nvSpPr>
         <p:spPr>
           <a:xfrm>
-            <a:off x="1143225" y="685800"/>
-            <a:ext cx="4572225" cy="3429000"/>
+            <a:off x="1143000" y="685800"/>
+            <a:ext cx="4572000" cy="3429000"/>
           </a:xfrm>
           <a:custGeom>
-            <a:rect b="b" l="l" r="r" t="t"/>
+            <a:avLst/>
+            <a:gdLst/>
+            <a:ahLst/>
+            <a:cxnLst/>
+            <a:rect l="l" t="t" r="r" b="b"/>
             <a:pathLst>
-              <a:path extrusionOk="0" h="120000" w="120000">
+              <a:path w="120000" h="120000" extrusionOk="0">
                 <a:moveTo>
                   <a:pt x="0" y="0"/>
                 </a:moveTo>
@@ -1589,11 +1649,11 @@
 </file>
 
 <file path=ppt/notesSlides/notesSlide7.xml><?xml version="1.0" encoding="utf-8"?>
-<p:notes xmlns:a="http://schemas.openxmlformats.org/drawingml/2006/main" xmlns:r="http://schemas.openxmlformats.org/officeDocument/2006/relationships" xmlns:mc="http://schemas.openxmlformats.org/markup-compatibility/2006" xmlns:mv="urn:schemas-microsoft-com:mac:vml" xmlns:p="http://schemas.openxmlformats.org/presentationml/2006/main" xmlns:c="http://schemas.openxmlformats.org/drawingml/2006/chart" xmlns:dgm="http://schemas.openxmlformats.org/drawingml/2006/diagram" xmlns:o="urn:schemas-microsoft-com:office:office" xmlns:v="urn:schemas-microsoft-com:vml" xmlns:pvml="urn:schemas-microsoft-com:office:powerpoint" xmlns:com="http://schemas.openxmlformats.org/drawingml/2006/compatibility" xmlns:p14="http://schemas.microsoft.com/office/powerpoint/2010/main" xmlns:p15="http://schemas.microsoft.com/office/powerpoint/2012/main" xmlns:ahyp="http://schemas.microsoft.com/office/drawing/2018/hyperlinkcolor" showMasterPhAnim="0" showMasterSp="0">
+<p:notes xmlns:a="http://schemas.openxmlformats.org/drawingml/2006/main" xmlns:r="http://schemas.openxmlformats.org/officeDocument/2006/relationships" xmlns:p="http://schemas.openxmlformats.org/presentationml/2006/main" showMasterSp="0" showMasterPhAnim="0">
   <p:cSld>
     <p:spTree>
       <p:nvGrpSpPr>
-        <p:cNvPr id="117" name="Shape 117"/>
+        <p:cNvPr id="1" name="Shape 117"/>
         <p:cNvGrpSpPr/>
         <p:nvPr/>
       </p:nvGrpSpPr>
@@ -1608,9 +1668,11 @@
       <p:sp>
         <p:nvSpPr>
           <p:cNvPr id="118" name="Google Shape;118;p6:notes"/>
-          <p:cNvSpPr txBox="1"/>
+          <p:cNvSpPr txBox="1">
+            <a:spLocks noGrp="1"/>
+          </p:cNvSpPr>
           <p:nvPr>
-            <p:ph idx="1" type="body"/>
+            <p:ph type="body" idx="1"/>
           </p:nvPr>
         </p:nvSpPr>
         <p:spPr>
@@ -1623,12 +1685,12 @@
           </a:prstGeom>
         </p:spPr>
         <p:txBody>
-          <a:bodyPr anchorCtr="0" anchor="t" bIns="91425" lIns="91425" spcFirstLastPara="1" rIns="91425" wrap="square" tIns="91425">
+          <a:bodyPr spcFirstLastPara="1" wrap="square" lIns="91425" tIns="91425" rIns="91425" bIns="91425" anchor="t" anchorCtr="0">
             <a:noAutofit/>
           </a:bodyPr>
           <a:lstStyle/>
           <a:p>
-            <a:pPr indent="0" lvl="0" marL="0" rtl="0" algn="l">
+            <a:pPr marL="0" lvl="0" indent="0" algn="l" rtl="0">
               <a:spcBef>
                 <a:spcPts val="0"/>
               </a:spcBef>
@@ -1637,9 +1699,6 @@
               </a:spcAft>
               <a:buNone/>
             </a:pPr>
-            <a:r>
-              <a:t/>
-            </a:r>
             <a:endParaRPr/>
           </a:p>
         </p:txBody>
@@ -1647,9 +1706,11 @@
       <p:sp>
         <p:nvSpPr>
           <p:cNvPr id="119" name="Google Shape;119;p6:notes"/>
-          <p:cNvSpPr/>
+          <p:cNvSpPr>
+            <a:spLocks noGrp="1" noRot="1" noChangeAspect="1"/>
+          </p:cNvSpPr>
           <p:nvPr>
-            <p:ph idx="2" type="sldImg"/>
+            <p:ph type="sldImg" idx="2"/>
           </p:nvPr>
         </p:nvSpPr>
         <p:spPr>
@@ -1658,9 +1719,13 @@
             <a:ext cx="4572225" cy="3429000"/>
           </a:xfrm>
           <a:custGeom>
-            <a:rect b="b" l="l" r="r" t="t"/>
+            <a:avLst/>
+            <a:gdLst/>
+            <a:ahLst/>
+            <a:cxnLst/>
+            <a:rect l="l" t="t" r="r" b="b"/>
             <a:pathLst>
-              <a:path extrusionOk="0" h="120000" w="120000">
+              <a:path w="120000" h="120000" extrusionOk="0">
                 <a:moveTo>
                   <a:pt x="0" y="0"/>
                 </a:moveTo>
@@ -1688,11 +1753,11 @@
 </file>
 
 <file path=ppt/notesSlides/notesSlide8.xml><?xml version="1.0" encoding="utf-8"?>
-<p:notes xmlns:a="http://schemas.openxmlformats.org/drawingml/2006/main" xmlns:r="http://schemas.openxmlformats.org/officeDocument/2006/relationships" xmlns:mc="http://schemas.openxmlformats.org/markup-compatibility/2006" xmlns:mv="urn:schemas-microsoft-com:mac:vml" xmlns:p="http://schemas.openxmlformats.org/presentationml/2006/main" xmlns:c="http://schemas.openxmlformats.org/drawingml/2006/chart" xmlns:dgm="http://schemas.openxmlformats.org/drawingml/2006/diagram" xmlns:o="urn:schemas-microsoft-com:office:office" xmlns:v="urn:schemas-microsoft-com:vml" xmlns:pvml="urn:schemas-microsoft-com:office:powerpoint" xmlns:com="http://schemas.openxmlformats.org/drawingml/2006/compatibility" xmlns:p14="http://schemas.microsoft.com/office/powerpoint/2010/main" xmlns:p15="http://schemas.microsoft.com/office/powerpoint/2012/main" xmlns:ahyp="http://schemas.microsoft.com/office/drawing/2018/hyperlinkcolor" showMasterPhAnim="0" showMasterSp="0">
+<p:notes xmlns:a="http://schemas.openxmlformats.org/drawingml/2006/main" xmlns:r="http://schemas.openxmlformats.org/officeDocument/2006/relationships" xmlns:p="http://schemas.openxmlformats.org/presentationml/2006/main" showMasterSp="0" showMasterPhAnim="0">
   <p:cSld>
     <p:spTree>
       <p:nvGrpSpPr>
-        <p:cNvPr id="123" name="Shape 123"/>
+        <p:cNvPr id="1" name="Shape 123"/>
         <p:cNvGrpSpPr/>
         <p:nvPr/>
       </p:nvGrpSpPr>
@@ -1707,9 +1772,11 @@
       <p:sp>
         <p:nvSpPr>
           <p:cNvPr id="124" name="Google Shape;124;p7:notes"/>
-          <p:cNvSpPr txBox="1"/>
+          <p:cNvSpPr txBox="1">
+            <a:spLocks noGrp="1"/>
+          </p:cNvSpPr>
           <p:nvPr>
-            <p:ph idx="1" type="body"/>
+            <p:ph type="body" idx="1"/>
           </p:nvPr>
         </p:nvSpPr>
         <p:spPr>
@@ -1722,12 +1789,12 @@
           </a:prstGeom>
         </p:spPr>
         <p:txBody>
-          <a:bodyPr anchorCtr="0" anchor="t" bIns="91425" lIns="91425" spcFirstLastPara="1" rIns="91425" wrap="square" tIns="91425">
+          <a:bodyPr spcFirstLastPara="1" wrap="square" lIns="91425" tIns="91425" rIns="91425" bIns="91425" anchor="t" anchorCtr="0">
             <a:noAutofit/>
           </a:bodyPr>
           <a:lstStyle/>
           <a:p>
-            <a:pPr indent="0" lvl="0" marL="0" rtl="0" algn="l">
+            <a:pPr marL="0" lvl="0" indent="0" algn="l" rtl="0">
               <a:spcBef>
                 <a:spcPts val="0"/>
               </a:spcBef>
@@ -1736,9 +1803,6 @@
               </a:spcAft>
               <a:buNone/>
             </a:pPr>
-            <a:r>
-              <a:t/>
-            </a:r>
             <a:endParaRPr/>
           </a:p>
         </p:txBody>
@@ -1746,20 +1810,26 @@
       <p:sp>
         <p:nvSpPr>
           <p:cNvPr id="125" name="Google Shape;125;p7:notes"/>
-          <p:cNvSpPr/>
+          <p:cNvSpPr>
+            <a:spLocks noGrp="1" noRot="1" noChangeAspect="1"/>
+          </p:cNvSpPr>
           <p:nvPr>
-            <p:ph idx="2" type="sldImg"/>
+            <p:ph type="sldImg" idx="2"/>
           </p:nvPr>
         </p:nvSpPr>
         <p:spPr>
           <a:xfrm>
-            <a:off x="1143225" y="685800"/>
-            <a:ext cx="4572225" cy="3429000"/>
+            <a:off x="1143000" y="685800"/>
+            <a:ext cx="4572000" cy="3429000"/>
           </a:xfrm>
           <a:custGeom>
-            <a:rect b="b" l="l" r="r" t="t"/>
+            <a:avLst/>
+            <a:gdLst/>
+            <a:ahLst/>
+            <a:cxnLst/>
+            <a:rect l="l" t="t" r="r" b="b"/>
             <a:pathLst>
-              <a:path extrusionOk="0" h="120000" w="120000">
+              <a:path w="120000" h="120000" extrusionOk="0">
                 <a:moveTo>
                   <a:pt x="0" y="0"/>
                 </a:moveTo>
@@ -1787,11 +1857,11 @@
 </file>
 
 <file path=ppt/notesSlides/notesSlide9.xml><?xml version="1.0" encoding="utf-8"?>
-<p:notes xmlns:a="http://schemas.openxmlformats.org/drawingml/2006/main" xmlns:r="http://schemas.openxmlformats.org/officeDocument/2006/relationships" xmlns:mc="http://schemas.openxmlformats.org/markup-compatibility/2006" xmlns:mv="urn:schemas-microsoft-com:mac:vml" xmlns:p="http://schemas.openxmlformats.org/presentationml/2006/main" xmlns:c="http://schemas.openxmlformats.org/drawingml/2006/chart" xmlns:dgm="http://schemas.openxmlformats.org/drawingml/2006/diagram" xmlns:o="urn:schemas-microsoft-com:office:office" xmlns:v="urn:schemas-microsoft-com:vml" xmlns:pvml="urn:schemas-microsoft-com:office:powerpoint" xmlns:com="http://schemas.openxmlformats.org/drawingml/2006/compatibility" xmlns:p14="http://schemas.microsoft.com/office/powerpoint/2010/main" xmlns:p15="http://schemas.microsoft.com/office/powerpoint/2012/main" xmlns:ahyp="http://schemas.microsoft.com/office/drawing/2018/hyperlinkcolor" showMasterPhAnim="0" showMasterSp="0">
+<p:notes xmlns:a="http://schemas.openxmlformats.org/drawingml/2006/main" xmlns:r="http://schemas.openxmlformats.org/officeDocument/2006/relationships" xmlns:p="http://schemas.openxmlformats.org/presentationml/2006/main" showMasterSp="0" showMasterPhAnim="0">
   <p:cSld>
     <p:spTree>
       <p:nvGrpSpPr>
-        <p:cNvPr id="129" name="Shape 129"/>
+        <p:cNvPr id="1" name="Shape 129"/>
         <p:cNvGrpSpPr/>
         <p:nvPr/>
       </p:nvGrpSpPr>
@@ -1806,20 +1876,26 @@
       <p:sp>
         <p:nvSpPr>
           <p:cNvPr id="130" name="Google Shape;130;g33b5464f5bd_0_7:notes"/>
-          <p:cNvSpPr/>
+          <p:cNvSpPr>
+            <a:spLocks noGrp="1" noRot="1" noChangeAspect="1"/>
+          </p:cNvSpPr>
           <p:nvPr>
-            <p:ph idx="2" type="sldImg"/>
+            <p:ph type="sldImg" idx="2"/>
           </p:nvPr>
         </p:nvSpPr>
         <p:spPr>
           <a:xfrm>
-            <a:off x="1143225" y="685800"/>
-            <a:ext cx="4572300" cy="3429000"/>
+            <a:off x="1143000" y="685800"/>
+            <a:ext cx="4572000" cy="3429000"/>
           </a:xfrm>
           <a:custGeom>
-            <a:rect b="b" l="l" r="r" t="t"/>
+            <a:avLst/>
+            <a:gdLst/>
+            <a:ahLst/>
+            <a:cxnLst/>
+            <a:rect l="l" t="t" r="r" b="b"/>
             <a:pathLst>
-              <a:path extrusionOk="0" h="120000" w="120000">
+              <a:path w="120000" h="120000" extrusionOk="0">
                 <a:moveTo>
                   <a:pt x="0" y="0"/>
                 </a:moveTo>
@@ -1841,9 +1917,11 @@
       <p:sp>
         <p:nvSpPr>
           <p:cNvPr id="131" name="Google Shape;131;g33b5464f5bd_0_7:notes"/>
-          <p:cNvSpPr txBox="1"/>
+          <p:cNvSpPr txBox="1">
+            <a:spLocks noGrp="1"/>
+          </p:cNvSpPr>
           <p:nvPr>
-            <p:ph idx="1" type="body"/>
+            <p:ph type="body" idx="1"/>
           </p:nvPr>
         </p:nvSpPr>
         <p:spPr>
@@ -1856,12 +1934,12 @@
           </a:prstGeom>
         </p:spPr>
         <p:txBody>
-          <a:bodyPr anchorCtr="0" anchor="t" bIns="91425" lIns="91425" spcFirstLastPara="1" rIns="91425" wrap="square" tIns="91425">
+          <a:bodyPr spcFirstLastPara="1" wrap="square" lIns="91425" tIns="91425" rIns="91425" bIns="91425" anchor="t" anchorCtr="0">
             <a:noAutofit/>
           </a:bodyPr>
           <a:lstStyle/>
           <a:p>
-            <a:pPr indent="0" lvl="0" marL="0" rtl="0" algn="l">
+            <a:pPr marL="0" lvl="0" indent="0" algn="l" rtl="0">
               <a:spcBef>
                 <a:spcPts val="0"/>
               </a:spcBef>
@@ -1870,9 +1948,6 @@
               </a:spcAft>
               <a:buNone/>
             </a:pPr>
-            <a:r>
-              <a:t/>
-            </a:r>
             <a:endParaRPr/>
           </a:p>
         </p:txBody>
@@ -1886,11 +1961,11 @@
 </file>
 
 <file path=ppt/slideLayouts/slideLayout1.xml><?xml version="1.0" encoding="utf-8"?>
-<p:sldLayout xmlns:a="http://schemas.openxmlformats.org/drawingml/2006/main" xmlns:r="http://schemas.openxmlformats.org/officeDocument/2006/relationships" xmlns:mc="http://schemas.openxmlformats.org/markup-compatibility/2006" xmlns:mv="urn:schemas-microsoft-com:mac:vml" xmlns:p="http://schemas.openxmlformats.org/presentationml/2006/main" xmlns:c="http://schemas.openxmlformats.org/drawingml/2006/chart" xmlns:dgm="http://schemas.openxmlformats.org/drawingml/2006/diagram" xmlns:o="urn:schemas-microsoft-com:office:office" xmlns:v="urn:schemas-microsoft-com:vml" xmlns:pvml="urn:schemas-microsoft-com:office:powerpoint" xmlns:com="http://schemas.openxmlformats.org/drawingml/2006/compatibility" xmlns:p14="http://schemas.microsoft.com/office/powerpoint/2010/main" xmlns:p15="http://schemas.microsoft.com/office/powerpoint/2012/main" xmlns:ahyp="http://schemas.microsoft.com/office/drawing/2018/hyperlinkcolor" matchingName="Title Slide" type="title">
+<p:sldLayout xmlns:a="http://schemas.openxmlformats.org/drawingml/2006/main" xmlns:r="http://schemas.openxmlformats.org/officeDocument/2006/relationships" xmlns:p="http://schemas.openxmlformats.org/presentationml/2006/main" matchingName="Title Slide" type="title">
   <p:cSld name="TITLE">
     <p:spTree>
       <p:nvGrpSpPr>
-        <p:cNvPr id="11" name="Shape 11"/>
+        <p:cNvPr id="1" name="Shape 11"/>
         <p:cNvGrpSpPr/>
         <p:nvPr/>
       </p:nvGrpSpPr>
@@ -1905,7 +1980,9 @@
       <p:sp>
         <p:nvSpPr>
           <p:cNvPr id="12" name="Google Shape;12;p2"/>
-          <p:cNvSpPr txBox="1"/>
+          <p:cNvSpPr txBox="1">
+            <a:spLocks noGrp="1"/>
+          </p:cNvSpPr>
           <p:nvPr>
             <p:ph type="ctrTitle"/>
           </p:nvPr>
@@ -1924,7 +2001,7 @@
           </a:ln>
         </p:spPr>
         <p:txBody>
-          <a:bodyPr anchorCtr="0" anchor="ctr" bIns="45700" lIns="91425" spcFirstLastPara="1" rIns="91425" wrap="square" tIns="45700">
+          <a:bodyPr spcFirstLastPara="1" wrap="square" lIns="91425" tIns="45700" rIns="91425" bIns="45700" anchor="ctr" anchorCtr="0">
             <a:normAutofit/>
           </a:bodyPr>
           <a:lstStyle>
@@ -2031,15 +2108,19 @@
               <a:defRPr/>
             </a:lvl9pPr>
           </a:lstStyle>
-          <a:p/>
+          <a:p>
+            <a:endParaRPr/>
+          </a:p>
         </p:txBody>
       </p:sp>
       <p:sp>
         <p:nvSpPr>
           <p:cNvPr id="13" name="Google Shape;13;p2"/>
-          <p:cNvSpPr txBox="1"/>
+          <p:cNvSpPr txBox="1">
+            <a:spLocks noGrp="1"/>
+          </p:cNvSpPr>
           <p:nvPr>
-            <p:ph idx="1" type="subTitle"/>
+            <p:ph type="subTitle" idx="1"/>
           </p:nvPr>
         </p:nvSpPr>
         <p:spPr>
@@ -2056,7 +2137,7 @@
           </a:ln>
         </p:spPr>
         <p:txBody>
-          <a:bodyPr anchorCtr="0" anchor="t" bIns="45700" lIns="91425" spcFirstLastPara="1" rIns="91425" wrap="square" tIns="45700">
+          <a:bodyPr spcFirstLastPara="1" wrap="square" lIns="91425" tIns="45700" rIns="91425" bIns="45700" anchor="t" anchorCtr="0">
             <a:normAutofit/>
           </a:bodyPr>
           <a:lstStyle>
@@ -2223,15 +2304,19 @@
               </a:defRPr>
             </a:lvl9pPr>
           </a:lstStyle>
-          <a:p/>
+          <a:p>
+            <a:endParaRPr/>
+          </a:p>
         </p:txBody>
       </p:sp>
       <p:sp>
         <p:nvSpPr>
           <p:cNvPr id="14" name="Google Shape;14;p2"/>
-          <p:cNvSpPr txBox="1"/>
+          <p:cNvSpPr txBox="1">
+            <a:spLocks noGrp="1"/>
+          </p:cNvSpPr>
           <p:nvPr>
-            <p:ph idx="10" type="dt"/>
+            <p:ph type="dt" idx="10"/>
           </p:nvPr>
         </p:nvSpPr>
         <p:spPr>
@@ -2248,7 +2333,7 @@
           </a:ln>
         </p:spPr>
         <p:txBody>
-          <a:bodyPr anchorCtr="0" anchor="ctr" bIns="45700" lIns="91425" spcFirstLastPara="1" rIns="91425" wrap="square" tIns="45700">
+          <a:bodyPr spcFirstLastPara="1" wrap="square" lIns="91425" tIns="45700" rIns="91425" bIns="45700" anchor="ctr" anchorCtr="0">
             <a:noAutofit/>
           </a:bodyPr>
           <a:lstStyle>
@@ -2352,15 +2437,19 @@
               <a:defRPr/>
             </a:lvl9pPr>
           </a:lstStyle>
-          <a:p/>
+          <a:p>
+            <a:endParaRPr/>
+          </a:p>
         </p:txBody>
       </p:sp>
       <p:sp>
         <p:nvSpPr>
           <p:cNvPr id="15" name="Google Shape;15;p2"/>
-          <p:cNvSpPr txBox="1"/>
+          <p:cNvSpPr txBox="1">
+            <a:spLocks noGrp="1"/>
+          </p:cNvSpPr>
           <p:nvPr>
-            <p:ph idx="11" type="ftr"/>
+            <p:ph type="ftr" idx="11"/>
           </p:nvPr>
         </p:nvSpPr>
         <p:spPr>
@@ -2377,7 +2466,7 @@
           </a:ln>
         </p:spPr>
         <p:txBody>
-          <a:bodyPr anchorCtr="0" anchor="ctr" bIns="45700" lIns="91425" spcFirstLastPara="1" rIns="91425" wrap="square" tIns="45700">
+          <a:bodyPr spcFirstLastPara="1" wrap="square" lIns="91425" tIns="45700" rIns="91425" bIns="45700" anchor="ctr" anchorCtr="0">
             <a:noAutofit/>
           </a:bodyPr>
           <a:lstStyle>
@@ -2481,15 +2570,19 @@
               <a:defRPr/>
             </a:lvl9pPr>
           </a:lstStyle>
-          <a:p/>
+          <a:p>
+            <a:endParaRPr/>
+          </a:p>
         </p:txBody>
       </p:sp>
       <p:sp>
         <p:nvSpPr>
           <p:cNvPr id="16" name="Google Shape;16;p2"/>
-          <p:cNvSpPr txBox="1"/>
+          <p:cNvSpPr txBox="1">
+            <a:spLocks noGrp="1"/>
+          </p:cNvSpPr>
           <p:nvPr>
-            <p:ph idx="12" type="sldNum"/>
+            <p:ph type="sldNum" idx="12"/>
           </p:nvPr>
         </p:nvSpPr>
         <p:spPr>
@@ -2506,67 +2599,67 @@
           </a:ln>
         </p:spPr>
         <p:txBody>
-          <a:bodyPr anchorCtr="0" anchor="ctr" bIns="45700" lIns="91425" spcFirstLastPara="1" rIns="91425" wrap="square" tIns="45700">
+          <a:bodyPr spcFirstLastPara="1" wrap="square" lIns="91425" tIns="45700" rIns="91425" bIns="45700" anchor="ctr" anchorCtr="0">
             <a:noAutofit/>
           </a:bodyPr>
           <a:lstStyle>
-            <a:lvl1pPr indent="0" lvl="0" marL="0" algn="r">
+            <a:lvl1pPr marL="0" lvl="0" indent="0" algn="r">
               <a:spcBef>
                 <a:spcPts val="0"/>
               </a:spcBef>
               <a:buNone/>
               <a:defRPr/>
             </a:lvl1pPr>
-            <a:lvl2pPr indent="0" lvl="1" marL="0" algn="r">
+            <a:lvl2pPr marL="0" lvl="1" indent="0" algn="r">
               <a:spcBef>
                 <a:spcPts val="0"/>
               </a:spcBef>
               <a:buNone/>
               <a:defRPr/>
             </a:lvl2pPr>
-            <a:lvl3pPr indent="0" lvl="2" marL="0" algn="r">
+            <a:lvl3pPr marL="0" lvl="2" indent="0" algn="r">
               <a:spcBef>
                 <a:spcPts val="0"/>
               </a:spcBef>
               <a:buNone/>
               <a:defRPr/>
             </a:lvl3pPr>
-            <a:lvl4pPr indent="0" lvl="3" marL="0" algn="r">
+            <a:lvl4pPr marL="0" lvl="3" indent="0" algn="r">
               <a:spcBef>
                 <a:spcPts val="0"/>
               </a:spcBef>
               <a:buNone/>
               <a:defRPr/>
             </a:lvl4pPr>
-            <a:lvl5pPr indent="0" lvl="4" marL="0" algn="r">
+            <a:lvl5pPr marL="0" lvl="4" indent="0" algn="r">
               <a:spcBef>
                 <a:spcPts val="0"/>
               </a:spcBef>
               <a:buNone/>
               <a:defRPr/>
             </a:lvl5pPr>
-            <a:lvl6pPr indent="0" lvl="5" marL="0" algn="r">
+            <a:lvl6pPr marL="0" lvl="5" indent="0" algn="r">
               <a:spcBef>
                 <a:spcPts val="0"/>
               </a:spcBef>
               <a:buNone/>
               <a:defRPr/>
             </a:lvl6pPr>
-            <a:lvl7pPr indent="0" lvl="6" marL="0" algn="r">
+            <a:lvl7pPr marL="0" lvl="6" indent="0" algn="r">
               <a:spcBef>
                 <a:spcPts val="0"/>
               </a:spcBef>
               <a:buNone/>
               <a:defRPr/>
             </a:lvl7pPr>
-            <a:lvl8pPr indent="0" lvl="7" marL="0" algn="r">
+            <a:lvl8pPr marL="0" lvl="7" indent="0" algn="r">
               <a:spcBef>
                 <a:spcPts val="0"/>
               </a:spcBef>
               <a:buNone/>
               <a:defRPr/>
             </a:lvl8pPr>
-            <a:lvl9pPr indent="0" lvl="8" marL="0" algn="r">
+            <a:lvl9pPr marL="0" lvl="8" indent="0" algn="r">
               <a:spcBef>
                 <a:spcPts val="0"/>
               </a:spcBef>
@@ -2575,7 +2668,7 @@
             </a:lvl9pPr>
           </a:lstStyle>
           <a:p>
-            <a:pPr indent="0" lvl="0" marL="0" rtl="0" algn="r">
+            <a:pPr marL="0" lvl="0" indent="0" algn="r" rtl="0">
               <a:spcBef>
                 <a:spcPts val="0"/>
               </a:spcBef>
@@ -2601,11 +2694,11 @@
 </file>
 
 <file path=ppt/slideLayouts/slideLayout10.xml><?xml version="1.0" encoding="utf-8"?>
-<p:sldLayout xmlns:a="http://schemas.openxmlformats.org/drawingml/2006/main" xmlns:r="http://schemas.openxmlformats.org/officeDocument/2006/relationships" xmlns:mc="http://schemas.openxmlformats.org/markup-compatibility/2006" xmlns:mv="urn:schemas-microsoft-com:mac:vml" xmlns:p="http://schemas.openxmlformats.org/presentationml/2006/main" xmlns:c="http://schemas.openxmlformats.org/drawingml/2006/chart" xmlns:dgm="http://schemas.openxmlformats.org/drawingml/2006/diagram" xmlns:o="urn:schemas-microsoft-com:office:office" xmlns:v="urn:schemas-microsoft-com:vml" xmlns:pvml="urn:schemas-microsoft-com:office:powerpoint" xmlns:com="http://schemas.openxmlformats.org/drawingml/2006/compatibility" xmlns:p14="http://schemas.microsoft.com/office/powerpoint/2010/main" xmlns:p15="http://schemas.microsoft.com/office/powerpoint/2012/main" xmlns:ahyp="http://schemas.microsoft.com/office/drawing/2018/hyperlinkcolor" matchingName="Title and Vertical Text" type="vertTx">
+<p:sldLayout xmlns:a="http://schemas.openxmlformats.org/drawingml/2006/main" xmlns:r="http://schemas.openxmlformats.org/officeDocument/2006/relationships" xmlns:p="http://schemas.openxmlformats.org/presentationml/2006/main" matchingName="Title and Vertical Text" type="vertTx">
   <p:cSld name="VERTICAL_TEXT">
     <p:spTree>
       <p:nvGrpSpPr>
-        <p:cNvPr id="68" name="Shape 68"/>
+        <p:cNvPr id="1" name="Shape 68"/>
         <p:cNvGrpSpPr/>
         <p:nvPr/>
       </p:nvGrpSpPr>
@@ -2620,7 +2713,9 @@
       <p:sp>
         <p:nvSpPr>
           <p:cNvPr id="69" name="Google Shape;69;p11"/>
-          <p:cNvSpPr txBox="1"/>
+          <p:cNvSpPr txBox="1">
+            <a:spLocks noGrp="1"/>
+          </p:cNvSpPr>
           <p:nvPr>
             <p:ph type="title"/>
           </p:nvPr>
@@ -2639,7 +2734,7 @@
           </a:ln>
         </p:spPr>
         <p:txBody>
-          <a:bodyPr anchorCtr="0" anchor="ctr" bIns="45700" lIns="91425" spcFirstLastPara="1" rIns="91425" wrap="square" tIns="45700">
+          <a:bodyPr spcFirstLastPara="1" wrap="square" lIns="91425" tIns="45700" rIns="91425" bIns="45700" anchor="ctr" anchorCtr="0">
             <a:normAutofit/>
           </a:bodyPr>
           <a:lstStyle>
@@ -2746,15 +2841,19 @@
               <a:defRPr/>
             </a:lvl9pPr>
           </a:lstStyle>
-          <a:p/>
+          <a:p>
+            <a:endParaRPr/>
+          </a:p>
         </p:txBody>
       </p:sp>
       <p:sp>
         <p:nvSpPr>
           <p:cNvPr id="70" name="Google Shape;70;p11"/>
-          <p:cNvSpPr txBox="1"/>
+          <p:cNvSpPr txBox="1">
+            <a:spLocks noGrp="1"/>
+          </p:cNvSpPr>
           <p:nvPr>
-            <p:ph idx="1" type="body"/>
+            <p:ph type="body" idx="1"/>
           </p:nvPr>
         </p:nvSpPr>
         <p:spPr>
@@ -2771,11 +2870,11 @@
           </a:ln>
         </p:spPr>
         <p:txBody>
-          <a:bodyPr anchorCtr="0" anchor="t" bIns="45700" lIns="91425" spcFirstLastPara="1" rIns="91425" wrap="square" tIns="45700">
+          <a:bodyPr spcFirstLastPara="1" wrap="square" lIns="91425" tIns="45700" rIns="91425" bIns="45700" anchor="t" anchorCtr="0">
             <a:normAutofit/>
           </a:bodyPr>
           <a:lstStyle>
-            <a:lvl1pPr indent="-342900" lvl="0" marL="457200" algn="l">
+            <a:lvl1pPr marL="457200" lvl="0" indent="-342900" algn="l">
               <a:spcBef>
                 <a:spcPts val="360"/>
               </a:spcBef>
@@ -2789,7 +2888,7 @@
               <a:buChar char="•"/>
               <a:defRPr/>
             </a:lvl1pPr>
-            <a:lvl2pPr indent="-342900" lvl="1" marL="914400" algn="l">
+            <a:lvl2pPr marL="914400" lvl="1" indent="-342900" algn="l">
               <a:spcBef>
                 <a:spcPts val="360"/>
               </a:spcBef>
@@ -2803,7 +2902,7 @@
               <a:buChar char="–"/>
               <a:defRPr/>
             </a:lvl2pPr>
-            <a:lvl3pPr indent="-342900" lvl="2" marL="1371600" algn="l">
+            <a:lvl3pPr marL="1371600" lvl="2" indent="-342900" algn="l">
               <a:spcBef>
                 <a:spcPts val="360"/>
               </a:spcBef>
@@ -2817,7 +2916,7 @@
               <a:buChar char="•"/>
               <a:defRPr/>
             </a:lvl3pPr>
-            <a:lvl4pPr indent="-342900" lvl="3" marL="1828800" algn="l">
+            <a:lvl4pPr marL="1828800" lvl="3" indent="-342900" algn="l">
               <a:spcBef>
                 <a:spcPts val="360"/>
               </a:spcBef>
@@ -2831,7 +2930,7 @@
               <a:buChar char="–"/>
               <a:defRPr/>
             </a:lvl4pPr>
-            <a:lvl5pPr indent="-342900" lvl="4" marL="2286000" algn="l">
+            <a:lvl5pPr marL="2286000" lvl="4" indent="-342900" algn="l">
               <a:spcBef>
                 <a:spcPts val="360"/>
               </a:spcBef>
@@ -2845,7 +2944,7 @@
               <a:buChar char="»"/>
               <a:defRPr/>
             </a:lvl5pPr>
-            <a:lvl6pPr indent="-342900" lvl="5" marL="2743200" algn="l">
+            <a:lvl6pPr marL="2743200" lvl="5" indent="-342900" algn="l">
               <a:spcBef>
                 <a:spcPts val="360"/>
               </a:spcBef>
@@ -2859,7 +2958,7 @@
               <a:buChar char="•"/>
               <a:defRPr/>
             </a:lvl6pPr>
-            <a:lvl7pPr indent="-342900" lvl="6" marL="3200400" algn="l">
+            <a:lvl7pPr marL="3200400" lvl="6" indent="-342900" algn="l">
               <a:spcBef>
                 <a:spcPts val="360"/>
               </a:spcBef>
@@ -2873,7 +2972,7 @@
               <a:buChar char="•"/>
               <a:defRPr/>
             </a:lvl7pPr>
-            <a:lvl8pPr indent="-342900" lvl="7" marL="3657600" algn="l">
+            <a:lvl8pPr marL="3657600" lvl="7" indent="-342900" algn="l">
               <a:spcBef>
                 <a:spcPts val="360"/>
               </a:spcBef>
@@ -2887,7 +2986,7 @@
               <a:buChar char="•"/>
               <a:defRPr/>
             </a:lvl8pPr>
-            <a:lvl9pPr indent="-342900" lvl="8" marL="4114800" algn="l">
+            <a:lvl9pPr marL="4114800" lvl="8" indent="-342900" algn="l">
               <a:spcBef>
                 <a:spcPts val="360"/>
               </a:spcBef>
@@ -2902,15 +3001,19 @@
               <a:defRPr/>
             </a:lvl9pPr>
           </a:lstStyle>
-          <a:p/>
+          <a:p>
+            <a:endParaRPr/>
+          </a:p>
         </p:txBody>
       </p:sp>
       <p:sp>
         <p:nvSpPr>
           <p:cNvPr id="71" name="Google Shape;71;p11"/>
-          <p:cNvSpPr txBox="1"/>
+          <p:cNvSpPr txBox="1">
+            <a:spLocks noGrp="1"/>
+          </p:cNvSpPr>
           <p:nvPr>
-            <p:ph idx="10" type="dt"/>
+            <p:ph type="dt" idx="10"/>
           </p:nvPr>
         </p:nvSpPr>
         <p:spPr>
@@ -2927,7 +3030,7 @@
           </a:ln>
         </p:spPr>
         <p:txBody>
-          <a:bodyPr anchorCtr="0" anchor="ctr" bIns="45700" lIns="91425" spcFirstLastPara="1" rIns="91425" wrap="square" tIns="45700">
+          <a:bodyPr spcFirstLastPara="1" wrap="square" lIns="91425" tIns="45700" rIns="91425" bIns="45700" anchor="ctr" anchorCtr="0">
             <a:noAutofit/>
           </a:bodyPr>
           <a:lstStyle>
@@ -3031,15 +3134,19 @@
               <a:defRPr/>
             </a:lvl9pPr>
           </a:lstStyle>
-          <a:p/>
+          <a:p>
+            <a:endParaRPr/>
+          </a:p>
         </p:txBody>
       </p:sp>
       <p:sp>
         <p:nvSpPr>
           <p:cNvPr id="72" name="Google Shape;72;p11"/>
-          <p:cNvSpPr txBox="1"/>
+          <p:cNvSpPr txBox="1">
+            <a:spLocks noGrp="1"/>
+          </p:cNvSpPr>
           <p:nvPr>
-            <p:ph idx="11" type="ftr"/>
+            <p:ph type="ftr" idx="11"/>
           </p:nvPr>
         </p:nvSpPr>
         <p:spPr>
@@ -3056,7 +3163,7 @@
           </a:ln>
         </p:spPr>
         <p:txBody>
-          <a:bodyPr anchorCtr="0" anchor="ctr" bIns="45700" lIns="91425" spcFirstLastPara="1" rIns="91425" wrap="square" tIns="45700">
+          <a:bodyPr spcFirstLastPara="1" wrap="square" lIns="91425" tIns="45700" rIns="91425" bIns="45700" anchor="ctr" anchorCtr="0">
             <a:noAutofit/>
           </a:bodyPr>
           <a:lstStyle>
@@ -3160,15 +3267,19 @@
               <a:defRPr/>
             </a:lvl9pPr>
           </a:lstStyle>
-          <a:p/>
+          <a:p>
+            <a:endParaRPr/>
+          </a:p>
         </p:txBody>
       </p:sp>
       <p:sp>
         <p:nvSpPr>
           <p:cNvPr id="73" name="Google Shape;73;p11"/>
-          <p:cNvSpPr txBox="1"/>
+          <p:cNvSpPr txBox="1">
+            <a:spLocks noGrp="1"/>
+          </p:cNvSpPr>
           <p:nvPr>
-            <p:ph idx="12" type="sldNum"/>
+            <p:ph type="sldNum" idx="12"/>
           </p:nvPr>
         </p:nvSpPr>
         <p:spPr>
@@ -3185,67 +3296,67 @@
           </a:ln>
         </p:spPr>
         <p:txBody>
-          <a:bodyPr anchorCtr="0" anchor="ctr" bIns="45700" lIns="91425" spcFirstLastPara="1" rIns="91425" wrap="square" tIns="45700">
+          <a:bodyPr spcFirstLastPara="1" wrap="square" lIns="91425" tIns="45700" rIns="91425" bIns="45700" anchor="ctr" anchorCtr="0">
             <a:noAutofit/>
           </a:bodyPr>
           <a:lstStyle>
-            <a:lvl1pPr indent="0" lvl="0" marL="0" algn="r">
+            <a:lvl1pPr marL="0" lvl="0" indent="0" algn="r">
               <a:spcBef>
                 <a:spcPts val="0"/>
               </a:spcBef>
               <a:buNone/>
               <a:defRPr/>
             </a:lvl1pPr>
-            <a:lvl2pPr indent="0" lvl="1" marL="0" algn="r">
+            <a:lvl2pPr marL="0" lvl="1" indent="0" algn="r">
               <a:spcBef>
                 <a:spcPts val="0"/>
               </a:spcBef>
               <a:buNone/>
               <a:defRPr/>
             </a:lvl2pPr>
-            <a:lvl3pPr indent="0" lvl="2" marL="0" algn="r">
+            <a:lvl3pPr marL="0" lvl="2" indent="0" algn="r">
               <a:spcBef>
                 <a:spcPts val="0"/>
               </a:spcBef>
               <a:buNone/>
               <a:defRPr/>
             </a:lvl3pPr>
-            <a:lvl4pPr indent="0" lvl="3" marL="0" algn="r">
+            <a:lvl4pPr marL="0" lvl="3" indent="0" algn="r">
               <a:spcBef>
                 <a:spcPts val="0"/>
               </a:spcBef>
               <a:buNone/>
               <a:defRPr/>
             </a:lvl4pPr>
-            <a:lvl5pPr indent="0" lvl="4" marL="0" algn="r">
+            <a:lvl5pPr marL="0" lvl="4" indent="0" algn="r">
               <a:spcBef>
                 <a:spcPts val="0"/>
               </a:spcBef>
               <a:buNone/>
               <a:defRPr/>
             </a:lvl5pPr>
-            <a:lvl6pPr indent="0" lvl="5" marL="0" algn="r">
+            <a:lvl6pPr marL="0" lvl="5" indent="0" algn="r">
               <a:spcBef>
                 <a:spcPts val="0"/>
               </a:spcBef>
               <a:buNone/>
               <a:defRPr/>
             </a:lvl6pPr>
-            <a:lvl7pPr indent="0" lvl="6" marL="0" algn="r">
+            <a:lvl7pPr marL="0" lvl="6" indent="0" algn="r">
               <a:spcBef>
                 <a:spcPts val="0"/>
               </a:spcBef>
               <a:buNone/>
               <a:defRPr/>
             </a:lvl7pPr>
-            <a:lvl8pPr indent="0" lvl="7" marL="0" algn="r">
+            <a:lvl8pPr marL="0" lvl="7" indent="0" algn="r">
               <a:spcBef>
                 <a:spcPts val="0"/>
               </a:spcBef>
               <a:buNone/>
               <a:defRPr/>
             </a:lvl8pPr>
-            <a:lvl9pPr indent="0" lvl="8" marL="0" algn="r">
+            <a:lvl9pPr marL="0" lvl="8" indent="0" algn="r">
               <a:spcBef>
                 <a:spcPts val="0"/>
               </a:spcBef>
@@ -3254,7 +3365,7 @@
             </a:lvl9pPr>
           </a:lstStyle>
           <a:p>
-            <a:pPr indent="0" lvl="0" marL="0" rtl="0" algn="r">
+            <a:pPr marL="0" lvl="0" indent="0" algn="r" rtl="0">
               <a:spcBef>
                 <a:spcPts val="0"/>
               </a:spcBef>
@@ -3280,11 +3391,11 @@
 </file>
 
 <file path=ppt/slideLayouts/slideLayout11.xml><?xml version="1.0" encoding="utf-8"?>
-<p:sldLayout xmlns:a="http://schemas.openxmlformats.org/drawingml/2006/main" xmlns:r="http://schemas.openxmlformats.org/officeDocument/2006/relationships" xmlns:mc="http://schemas.openxmlformats.org/markup-compatibility/2006" xmlns:mv="urn:schemas-microsoft-com:mac:vml" xmlns:p="http://schemas.openxmlformats.org/presentationml/2006/main" xmlns:c="http://schemas.openxmlformats.org/drawingml/2006/chart" xmlns:dgm="http://schemas.openxmlformats.org/drawingml/2006/diagram" xmlns:o="urn:schemas-microsoft-com:office:office" xmlns:v="urn:schemas-microsoft-com:vml" xmlns:pvml="urn:schemas-microsoft-com:office:powerpoint" xmlns:com="http://schemas.openxmlformats.org/drawingml/2006/compatibility" xmlns:p14="http://schemas.microsoft.com/office/powerpoint/2010/main" xmlns:p15="http://schemas.microsoft.com/office/powerpoint/2012/main" xmlns:ahyp="http://schemas.microsoft.com/office/drawing/2018/hyperlinkcolor" matchingName="Vertical Title and Text" type="vertTitleAndTx">
+<p:sldLayout xmlns:a="http://schemas.openxmlformats.org/drawingml/2006/main" xmlns:r="http://schemas.openxmlformats.org/officeDocument/2006/relationships" xmlns:p="http://schemas.openxmlformats.org/presentationml/2006/main" matchingName="Vertical Title and Text" type="vertTitleAndTx">
   <p:cSld name="VERTICAL_TITLE_AND_VERTICAL_TEXT">
     <p:spTree>
       <p:nvGrpSpPr>
-        <p:cNvPr id="74" name="Shape 74"/>
+        <p:cNvPr id="1" name="Shape 74"/>
         <p:cNvGrpSpPr/>
         <p:nvPr/>
       </p:nvGrpSpPr>
@@ -3299,7 +3410,9 @@
       <p:sp>
         <p:nvSpPr>
           <p:cNvPr id="75" name="Google Shape;75;p12"/>
-          <p:cNvSpPr txBox="1"/>
+          <p:cNvSpPr txBox="1">
+            <a:spLocks noGrp="1"/>
+          </p:cNvSpPr>
           <p:nvPr>
             <p:ph type="title"/>
           </p:nvPr>
@@ -3318,7 +3431,7 @@
           </a:ln>
         </p:spPr>
         <p:txBody>
-          <a:bodyPr anchorCtr="0" anchor="ctr" bIns="45700" lIns="91425" spcFirstLastPara="1" rIns="91425" wrap="square" tIns="45700">
+          <a:bodyPr spcFirstLastPara="1" wrap="square" lIns="91425" tIns="45700" rIns="91425" bIns="45700" anchor="ctr" anchorCtr="0">
             <a:normAutofit/>
           </a:bodyPr>
           <a:lstStyle>
@@ -3425,15 +3538,19 @@
               <a:defRPr/>
             </a:lvl9pPr>
           </a:lstStyle>
-          <a:p/>
+          <a:p>
+            <a:endParaRPr/>
+          </a:p>
         </p:txBody>
       </p:sp>
       <p:sp>
         <p:nvSpPr>
           <p:cNvPr id="76" name="Google Shape;76;p12"/>
-          <p:cNvSpPr txBox="1"/>
+          <p:cNvSpPr txBox="1">
+            <a:spLocks noGrp="1"/>
+          </p:cNvSpPr>
           <p:nvPr>
-            <p:ph idx="1" type="body"/>
+            <p:ph type="body" idx="1"/>
           </p:nvPr>
         </p:nvSpPr>
         <p:spPr>
@@ -3450,11 +3567,11 @@
           </a:ln>
         </p:spPr>
         <p:txBody>
-          <a:bodyPr anchorCtr="0" anchor="t" bIns="45700" lIns="91425" spcFirstLastPara="1" rIns="91425" wrap="square" tIns="45700">
+          <a:bodyPr spcFirstLastPara="1" wrap="square" lIns="91425" tIns="45700" rIns="91425" bIns="45700" anchor="t" anchorCtr="0">
             <a:normAutofit/>
           </a:bodyPr>
           <a:lstStyle>
-            <a:lvl1pPr indent="-342900" lvl="0" marL="457200" algn="l">
+            <a:lvl1pPr marL="457200" lvl="0" indent="-342900" algn="l">
               <a:spcBef>
                 <a:spcPts val="360"/>
               </a:spcBef>
@@ -3468,7 +3585,7 @@
               <a:buChar char="•"/>
               <a:defRPr/>
             </a:lvl1pPr>
-            <a:lvl2pPr indent="-342900" lvl="1" marL="914400" algn="l">
+            <a:lvl2pPr marL="914400" lvl="1" indent="-342900" algn="l">
               <a:spcBef>
                 <a:spcPts val="360"/>
               </a:spcBef>
@@ -3482,7 +3599,7 @@
               <a:buChar char="–"/>
               <a:defRPr/>
             </a:lvl2pPr>
-            <a:lvl3pPr indent="-342900" lvl="2" marL="1371600" algn="l">
+            <a:lvl3pPr marL="1371600" lvl="2" indent="-342900" algn="l">
               <a:spcBef>
                 <a:spcPts val="360"/>
               </a:spcBef>
@@ -3496,7 +3613,7 @@
               <a:buChar char="•"/>
               <a:defRPr/>
             </a:lvl3pPr>
-            <a:lvl4pPr indent="-342900" lvl="3" marL="1828800" algn="l">
+            <a:lvl4pPr marL="1828800" lvl="3" indent="-342900" algn="l">
               <a:spcBef>
                 <a:spcPts val="360"/>
               </a:spcBef>
@@ -3510,7 +3627,7 @@
               <a:buChar char="–"/>
               <a:defRPr/>
             </a:lvl4pPr>
-            <a:lvl5pPr indent="-342900" lvl="4" marL="2286000" algn="l">
+            <a:lvl5pPr marL="2286000" lvl="4" indent="-342900" algn="l">
               <a:spcBef>
                 <a:spcPts val="360"/>
               </a:spcBef>
@@ -3524,7 +3641,7 @@
               <a:buChar char="»"/>
               <a:defRPr/>
             </a:lvl5pPr>
-            <a:lvl6pPr indent="-342900" lvl="5" marL="2743200" algn="l">
+            <a:lvl6pPr marL="2743200" lvl="5" indent="-342900" algn="l">
               <a:spcBef>
                 <a:spcPts val="360"/>
               </a:spcBef>
@@ -3538,7 +3655,7 @@
               <a:buChar char="•"/>
               <a:defRPr/>
             </a:lvl6pPr>
-            <a:lvl7pPr indent="-342900" lvl="6" marL="3200400" algn="l">
+            <a:lvl7pPr marL="3200400" lvl="6" indent="-342900" algn="l">
               <a:spcBef>
                 <a:spcPts val="360"/>
               </a:spcBef>
@@ -3552,7 +3669,7 @@
               <a:buChar char="•"/>
               <a:defRPr/>
             </a:lvl7pPr>
-            <a:lvl8pPr indent="-342900" lvl="7" marL="3657600" algn="l">
+            <a:lvl8pPr marL="3657600" lvl="7" indent="-342900" algn="l">
               <a:spcBef>
                 <a:spcPts val="360"/>
               </a:spcBef>
@@ -3566,7 +3683,7 @@
               <a:buChar char="•"/>
               <a:defRPr/>
             </a:lvl8pPr>
-            <a:lvl9pPr indent="-342900" lvl="8" marL="4114800" algn="l">
+            <a:lvl9pPr marL="4114800" lvl="8" indent="-342900" algn="l">
               <a:spcBef>
                 <a:spcPts val="360"/>
               </a:spcBef>
@@ -3581,15 +3698,19 @@
               <a:defRPr/>
             </a:lvl9pPr>
           </a:lstStyle>
-          <a:p/>
+          <a:p>
+            <a:endParaRPr/>
+          </a:p>
         </p:txBody>
       </p:sp>
       <p:sp>
         <p:nvSpPr>
           <p:cNvPr id="77" name="Google Shape;77;p12"/>
-          <p:cNvSpPr txBox="1"/>
+          <p:cNvSpPr txBox="1">
+            <a:spLocks noGrp="1"/>
+          </p:cNvSpPr>
           <p:nvPr>
-            <p:ph idx="10" type="dt"/>
+            <p:ph type="dt" idx="10"/>
           </p:nvPr>
         </p:nvSpPr>
         <p:spPr>
@@ -3606,7 +3727,7 @@
           </a:ln>
         </p:spPr>
         <p:txBody>
-          <a:bodyPr anchorCtr="0" anchor="ctr" bIns="45700" lIns="91425" spcFirstLastPara="1" rIns="91425" wrap="square" tIns="45700">
+          <a:bodyPr spcFirstLastPara="1" wrap="square" lIns="91425" tIns="45700" rIns="91425" bIns="45700" anchor="ctr" anchorCtr="0">
             <a:noAutofit/>
           </a:bodyPr>
           <a:lstStyle>
@@ -3710,15 +3831,19 @@
               <a:defRPr/>
             </a:lvl9pPr>
           </a:lstStyle>
-          <a:p/>
+          <a:p>
+            <a:endParaRPr/>
+          </a:p>
         </p:txBody>
       </p:sp>
       <p:sp>
         <p:nvSpPr>
           <p:cNvPr id="78" name="Google Shape;78;p12"/>
-          <p:cNvSpPr txBox="1"/>
+          <p:cNvSpPr txBox="1">
+            <a:spLocks noGrp="1"/>
+          </p:cNvSpPr>
           <p:nvPr>
-            <p:ph idx="11" type="ftr"/>
+            <p:ph type="ftr" idx="11"/>
           </p:nvPr>
         </p:nvSpPr>
         <p:spPr>
@@ -3735,7 +3860,7 @@
           </a:ln>
         </p:spPr>
         <p:txBody>
-          <a:bodyPr anchorCtr="0" anchor="ctr" bIns="45700" lIns="91425" spcFirstLastPara="1" rIns="91425" wrap="square" tIns="45700">
+          <a:bodyPr spcFirstLastPara="1" wrap="square" lIns="91425" tIns="45700" rIns="91425" bIns="45700" anchor="ctr" anchorCtr="0">
             <a:noAutofit/>
           </a:bodyPr>
           <a:lstStyle>
@@ -3839,15 +3964,19 @@
               <a:defRPr/>
             </a:lvl9pPr>
           </a:lstStyle>
-          <a:p/>
+          <a:p>
+            <a:endParaRPr/>
+          </a:p>
         </p:txBody>
       </p:sp>
       <p:sp>
         <p:nvSpPr>
           <p:cNvPr id="79" name="Google Shape;79;p12"/>
-          <p:cNvSpPr txBox="1"/>
+          <p:cNvSpPr txBox="1">
+            <a:spLocks noGrp="1"/>
+          </p:cNvSpPr>
           <p:nvPr>
-            <p:ph idx="12" type="sldNum"/>
+            <p:ph type="sldNum" idx="12"/>
           </p:nvPr>
         </p:nvSpPr>
         <p:spPr>
@@ -3864,67 +3993,67 @@
           </a:ln>
         </p:spPr>
         <p:txBody>
-          <a:bodyPr anchorCtr="0" anchor="ctr" bIns="45700" lIns="91425" spcFirstLastPara="1" rIns="91425" wrap="square" tIns="45700">
+          <a:bodyPr spcFirstLastPara="1" wrap="square" lIns="91425" tIns="45700" rIns="91425" bIns="45700" anchor="ctr" anchorCtr="0">
             <a:noAutofit/>
           </a:bodyPr>
           <a:lstStyle>
-            <a:lvl1pPr indent="0" lvl="0" marL="0" algn="r">
+            <a:lvl1pPr marL="0" lvl="0" indent="0" algn="r">
               <a:spcBef>
                 <a:spcPts val="0"/>
               </a:spcBef>
               <a:buNone/>
               <a:defRPr/>
             </a:lvl1pPr>
-            <a:lvl2pPr indent="0" lvl="1" marL="0" algn="r">
+            <a:lvl2pPr marL="0" lvl="1" indent="0" algn="r">
               <a:spcBef>
                 <a:spcPts val="0"/>
               </a:spcBef>
               <a:buNone/>
               <a:defRPr/>
             </a:lvl2pPr>
-            <a:lvl3pPr indent="0" lvl="2" marL="0" algn="r">
+            <a:lvl3pPr marL="0" lvl="2" indent="0" algn="r">
               <a:spcBef>
                 <a:spcPts val="0"/>
               </a:spcBef>
               <a:buNone/>
               <a:defRPr/>
             </a:lvl3pPr>
-            <a:lvl4pPr indent="0" lvl="3" marL="0" algn="r">
+            <a:lvl4pPr marL="0" lvl="3" indent="0" algn="r">
               <a:spcBef>
                 <a:spcPts val="0"/>
               </a:spcBef>
               <a:buNone/>
               <a:defRPr/>
             </a:lvl4pPr>
-            <a:lvl5pPr indent="0" lvl="4" marL="0" algn="r">
+            <a:lvl5pPr marL="0" lvl="4" indent="0" algn="r">
               <a:spcBef>
                 <a:spcPts val="0"/>
               </a:spcBef>
               <a:buNone/>
               <a:defRPr/>
             </a:lvl5pPr>
-            <a:lvl6pPr indent="0" lvl="5" marL="0" algn="r">
+            <a:lvl6pPr marL="0" lvl="5" indent="0" algn="r">
               <a:spcBef>
                 <a:spcPts val="0"/>
               </a:spcBef>
               <a:buNone/>
               <a:defRPr/>
             </a:lvl6pPr>
-            <a:lvl7pPr indent="0" lvl="6" marL="0" algn="r">
+            <a:lvl7pPr marL="0" lvl="6" indent="0" algn="r">
               <a:spcBef>
                 <a:spcPts val="0"/>
               </a:spcBef>
               <a:buNone/>
               <a:defRPr/>
             </a:lvl7pPr>
-            <a:lvl8pPr indent="0" lvl="7" marL="0" algn="r">
+            <a:lvl8pPr marL="0" lvl="7" indent="0" algn="r">
               <a:spcBef>
                 <a:spcPts val="0"/>
               </a:spcBef>
               <a:buNone/>
               <a:defRPr/>
             </a:lvl8pPr>
-            <a:lvl9pPr indent="0" lvl="8" marL="0" algn="r">
+            <a:lvl9pPr marL="0" lvl="8" indent="0" algn="r">
               <a:spcBef>
                 <a:spcPts val="0"/>
               </a:spcBef>
@@ -3933,7 +4062,7 @@
             </a:lvl9pPr>
           </a:lstStyle>
           <a:p>
-            <a:pPr indent="0" lvl="0" marL="0" rtl="0" algn="r">
+            <a:pPr marL="0" lvl="0" indent="0" algn="r" rtl="0">
               <a:spcBef>
                 <a:spcPts val="0"/>
               </a:spcBef>
@@ -3959,11 +4088,11 @@
 </file>
 
 <file path=ppt/slideLayouts/slideLayout2.xml><?xml version="1.0" encoding="utf-8"?>
-<p:sldLayout xmlns:a="http://schemas.openxmlformats.org/drawingml/2006/main" xmlns:r="http://schemas.openxmlformats.org/officeDocument/2006/relationships" xmlns:mc="http://schemas.openxmlformats.org/markup-compatibility/2006" xmlns:mv="urn:schemas-microsoft-com:mac:vml" xmlns:p="http://schemas.openxmlformats.org/presentationml/2006/main" xmlns:c="http://schemas.openxmlformats.org/drawingml/2006/chart" xmlns:dgm="http://schemas.openxmlformats.org/drawingml/2006/diagram" xmlns:o="urn:schemas-microsoft-com:office:office" xmlns:v="urn:schemas-microsoft-com:vml" xmlns:pvml="urn:schemas-microsoft-com:office:powerpoint" xmlns:com="http://schemas.openxmlformats.org/drawingml/2006/compatibility" xmlns:p14="http://schemas.microsoft.com/office/powerpoint/2010/main" xmlns:p15="http://schemas.microsoft.com/office/powerpoint/2012/main" xmlns:ahyp="http://schemas.microsoft.com/office/drawing/2018/hyperlinkcolor" matchingName="Title and Content" type="obj">
+<p:sldLayout xmlns:a="http://schemas.openxmlformats.org/drawingml/2006/main" xmlns:r="http://schemas.openxmlformats.org/officeDocument/2006/relationships" xmlns:p="http://schemas.openxmlformats.org/presentationml/2006/main" matchingName="Title and Content" type="obj">
   <p:cSld name="OBJECT">
     <p:spTree>
       <p:nvGrpSpPr>
-        <p:cNvPr id="17" name="Shape 17"/>
+        <p:cNvPr id="1" name="Shape 17"/>
         <p:cNvGrpSpPr/>
         <p:nvPr/>
       </p:nvGrpSpPr>
@@ -3978,7 +4107,9 @@
       <p:sp>
         <p:nvSpPr>
           <p:cNvPr id="18" name="Google Shape;18;p3"/>
-          <p:cNvSpPr txBox="1"/>
+          <p:cNvSpPr txBox="1">
+            <a:spLocks noGrp="1"/>
+          </p:cNvSpPr>
           <p:nvPr>
             <p:ph type="title"/>
           </p:nvPr>
@@ -3997,7 +4128,7 @@
           </a:ln>
         </p:spPr>
         <p:txBody>
-          <a:bodyPr anchorCtr="0" anchor="ctr" bIns="45700" lIns="91425" spcFirstLastPara="1" rIns="91425" wrap="square" tIns="45700">
+          <a:bodyPr spcFirstLastPara="1" wrap="square" lIns="91425" tIns="45700" rIns="91425" bIns="45700" anchor="ctr" anchorCtr="0">
             <a:normAutofit/>
           </a:bodyPr>
           <a:lstStyle>
@@ -4104,15 +4235,19 @@
               <a:defRPr/>
             </a:lvl9pPr>
           </a:lstStyle>
-          <a:p/>
+          <a:p>
+            <a:endParaRPr/>
+          </a:p>
         </p:txBody>
       </p:sp>
       <p:sp>
         <p:nvSpPr>
           <p:cNvPr id="19" name="Google Shape;19;p3"/>
-          <p:cNvSpPr txBox="1"/>
+          <p:cNvSpPr txBox="1">
+            <a:spLocks noGrp="1"/>
+          </p:cNvSpPr>
           <p:nvPr>
-            <p:ph idx="1" type="body"/>
+            <p:ph type="body" idx="1"/>
           </p:nvPr>
         </p:nvSpPr>
         <p:spPr>
@@ -4129,11 +4264,11 @@
           </a:ln>
         </p:spPr>
         <p:txBody>
-          <a:bodyPr anchorCtr="0" anchor="t" bIns="45700" lIns="91425" spcFirstLastPara="1" rIns="91425" wrap="square" tIns="45700">
+          <a:bodyPr spcFirstLastPara="1" wrap="square" lIns="91425" tIns="45700" rIns="91425" bIns="45700" anchor="t" anchorCtr="0">
             <a:normAutofit/>
           </a:bodyPr>
           <a:lstStyle>
-            <a:lvl1pPr indent="-342900" lvl="0" marL="457200" algn="l">
+            <a:lvl1pPr marL="457200" lvl="0" indent="-342900" algn="l">
               <a:spcBef>
                 <a:spcPts val="360"/>
               </a:spcBef>
@@ -4147,7 +4282,7 @@
               <a:buChar char="•"/>
               <a:defRPr/>
             </a:lvl1pPr>
-            <a:lvl2pPr indent="-342900" lvl="1" marL="914400" algn="l">
+            <a:lvl2pPr marL="914400" lvl="1" indent="-342900" algn="l">
               <a:spcBef>
                 <a:spcPts val="360"/>
               </a:spcBef>
@@ -4161,7 +4296,7 @@
               <a:buChar char="–"/>
               <a:defRPr/>
             </a:lvl2pPr>
-            <a:lvl3pPr indent="-342900" lvl="2" marL="1371600" algn="l">
+            <a:lvl3pPr marL="1371600" lvl="2" indent="-342900" algn="l">
               <a:spcBef>
                 <a:spcPts val="360"/>
               </a:spcBef>
@@ -4175,7 +4310,7 @@
               <a:buChar char="•"/>
               <a:defRPr/>
             </a:lvl3pPr>
-            <a:lvl4pPr indent="-342900" lvl="3" marL="1828800" algn="l">
+            <a:lvl4pPr marL="1828800" lvl="3" indent="-342900" algn="l">
               <a:spcBef>
                 <a:spcPts val="360"/>
               </a:spcBef>
@@ -4189,7 +4324,7 @@
               <a:buChar char="–"/>
               <a:defRPr/>
             </a:lvl4pPr>
-            <a:lvl5pPr indent="-342900" lvl="4" marL="2286000" algn="l">
+            <a:lvl5pPr marL="2286000" lvl="4" indent="-342900" algn="l">
               <a:spcBef>
                 <a:spcPts val="360"/>
               </a:spcBef>
@@ -4203,7 +4338,7 @@
               <a:buChar char="»"/>
               <a:defRPr/>
             </a:lvl5pPr>
-            <a:lvl6pPr indent="-342900" lvl="5" marL="2743200" algn="l">
+            <a:lvl6pPr marL="2743200" lvl="5" indent="-342900" algn="l">
               <a:spcBef>
                 <a:spcPts val="360"/>
               </a:spcBef>
@@ -4217,7 +4352,7 @@
               <a:buChar char="•"/>
               <a:defRPr/>
             </a:lvl6pPr>
-            <a:lvl7pPr indent="-342900" lvl="6" marL="3200400" algn="l">
+            <a:lvl7pPr marL="3200400" lvl="6" indent="-342900" algn="l">
               <a:spcBef>
                 <a:spcPts val="360"/>
               </a:spcBef>
@@ -4231,7 +4366,7 @@
               <a:buChar char="•"/>
               <a:defRPr/>
             </a:lvl7pPr>
-            <a:lvl8pPr indent="-342900" lvl="7" marL="3657600" algn="l">
+            <a:lvl8pPr marL="3657600" lvl="7" indent="-342900" algn="l">
               <a:spcBef>
                 <a:spcPts val="360"/>
               </a:spcBef>
@@ -4245,7 +4380,7 @@
               <a:buChar char="•"/>
               <a:defRPr/>
             </a:lvl8pPr>
-            <a:lvl9pPr indent="-342900" lvl="8" marL="4114800" algn="l">
+            <a:lvl9pPr marL="4114800" lvl="8" indent="-342900" algn="l">
               <a:spcBef>
                 <a:spcPts val="360"/>
               </a:spcBef>
@@ -4260,15 +4395,19 @@
               <a:defRPr/>
             </a:lvl9pPr>
           </a:lstStyle>
-          <a:p/>
+          <a:p>
+            <a:endParaRPr/>
+          </a:p>
         </p:txBody>
       </p:sp>
       <p:sp>
         <p:nvSpPr>
           <p:cNvPr id="20" name="Google Shape;20;p3"/>
-          <p:cNvSpPr txBox="1"/>
+          <p:cNvSpPr txBox="1">
+            <a:spLocks noGrp="1"/>
+          </p:cNvSpPr>
           <p:nvPr>
-            <p:ph idx="10" type="dt"/>
+            <p:ph type="dt" idx="10"/>
           </p:nvPr>
         </p:nvSpPr>
         <p:spPr>
@@ -4285,7 +4424,7 @@
           </a:ln>
         </p:spPr>
         <p:txBody>
-          <a:bodyPr anchorCtr="0" anchor="ctr" bIns="45700" lIns="91425" spcFirstLastPara="1" rIns="91425" wrap="square" tIns="45700">
+          <a:bodyPr spcFirstLastPara="1" wrap="square" lIns="91425" tIns="45700" rIns="91425" bIns="45700" anchor="ctr" anchorCtr="0">
             <a:noAutofit/>
           </a:bodyPr>
           <a:lstStyle>
@@ -4389,15 +4528,19 @@
               <a:defRPr/>
             </a:lvl9pPr>
           </a:lstStyle>
-          <a:p/>
+          <a:p>
+            <a:endParaRPr/>
+          </a:p>
         </p:txBody>
       </p:sp>
       <p:sp>
         <p:nvSpPr>
           <p:cNvPr id="21" name="Google Shape;21;p3"/>
-          <p:cNvSpPr txBox="1"/>
+          <p:cNvSpPr txBox="1">
+            <a:spLocks noGrp="1"/>
+          </p:cNvSpPr>
           <p:nvPr>
-            <p:ph idx="11" type="ftr"/>
+            <p:ph type="ftr" idx="11"/>
           </p:nvPr>
         </p:nvSpPr>
         <p:spPr>
@@ -4414,7 +4557,7 @@
           </a:ln>
         </p:spPr>
         <p:txBody>
-          <a:bodyPr anchorCtr="0" anchor="ctr" bIns="45700" lIns="91425" spcFirstLastPara="1" rIns="91425" wrap="square" tIns="45700">
+          <a:bodyPr spcFirstLastPara="1" wrap="square" lIns="91425" tIns="45700" rIns="91425" bIns="45700" anchor="ctr" anchorCtr="0">
             <a:noAutofit/>
           </a:bodyPr>
           <a:lstStyle>
@@ -4518,15 +4661,19 @@
               <a:defRPr/>
             </a:lvl9pPr>
           </a:lstStyle>
-          <a:p/>
+          <a:p>
+            <a:endParaRPr/>
+          </a:p>
         </p:txBody>
       </p:sp>
       <p:sp>
         <p:nvSpPr>
           <p:cNvPr id="22" name="Google Shape;22;p3"/>
-          <p:cNvSpPr txBox="1"/>
+          <p:cNvSpPr txBox="1">
+            <a:spLocks noGrp="1"/>
+          </p:cNvSpPr>
           <p:nvPr>
-            <p:ph idx="12" type="sldNum"/>
+            <p:ph type="sldNum" idx="12"/>
           </p:nvPr>
         </p:nvSpPr>
         <p:spPr>
@@ -4543,67 +4690,67 @@
           </a:ln>
         </p:spPr>
         <p:txBody>
-          <a:bodyPr anchorCtr="0" anchor="ctr" bIns="45700" lIns="91425" spcFirstLastPara="1" rIns="91425" wrap="square" tIns="45700">
+          <a:bodyPr spcFirstLastPara="1" wrap="square" lIns="91425" tIns="45700" rIns="91425" bIns="45700" anchor="ctr" anchorCtr="0">
             <a:noAutofit/>
           </a:bodyPr>
           <a:lstStyle>
-            <a:lvl1pPr indent="0" lvl="0" marL="0" algn="r">
+            <a:lvl1pPr marL="0" lvl="0" indent="0" algn="r">
               <a:spcBef>
                 <a:spcPts val="0"/>
               </a:spcBef>
               <a:buNone/>
               <a:defRPr/>
             </a:lvl1pPr>
-            <a:lvl2pPr indent="0" lvl="1" marL="0" algn="r">
+            <a:lvl2pPr marL="0" lvl="1" indent="0" algn="r">
               <a:spcBef>
                 <a:spcPts val="0"/>
               </a:spcBef>
               <a:buNone/>
               <a:defRPr/>
             </a:lvl2pPr>
-            <a:lvl3pPr indent="0" lvl="2" marL="0" algn="r">
+            <a:lvl3pPr marL="0" lvl="2" indent="0" algn="r">
               <a:spcBef>
                 <a:spcPts val="0"/>
               </a:spcBef>
               <a:buNone/>
               <a:defRPr/>
             </a:lvl3pPr>
-            <a:lvl4pPr indent="0" lvl="3" marL="0" algn="r">
+            <a:lvl4pPr marL="0" lvl="3" indent="0" algn="r">
               <a:spcBef>
                 <a:spcPts val="0"/>
               </a:spcBef>
               <a:buNone/>
               <a:defRPr/>
             </a:lvl4pPr>
-            <a:lvl5pPr indent="0" lvl="4" marL="0" algn="r">
+            <a:lvl5pPr marL="0" lvl="4" indent="0" algn="r">
               <a:spcBef>
                 <a:spcPts val="0"/>
               </a:spcBef>
               <a:buNone/>
               <a:defRPr/>
             </a:lvl5pPr>
-            <a:lvl6pPr indent="0" lvl="5" marL="0" algn="r">
+            <a:lvl6pPr marL="0" lvl="5" indent="0" algn="r">
               <a:spcBef>
                 <a:spcPts val="0"/>
               </a:spcBef>
               <a:buNone/>
               <a:defRPr/>
             </a:lvl6pPr>
-            <a:lvl7pPr indent="0" lvl="6" marL="0" algn="r">
+            <a:lvl7pPr marL="0" lvl="6" indent="0" algn="r">
               <a:spcBef>
                 <a:spcPts val="0"/>
               </a:spcBef>
               <a:buNone/>
               <a:defRPr/>
             </a:lvl7pPr>
-            <a:lvl8pPr indent="0" lvl="7" marL="0" algn="r">
+            <a:lvl8pPr marL="0" lvl="7" indent="0" algn="r">
               <a:spcBef>
                 <a:spcPts val="0"/>
               </a:spcBef>
               <a:buNone/>
               <a:defRPr/>
             </a:lvl8pPr>
-            <a:lvl9pPr indent="0" lvl="8" marL="0" algn="r">
+            <a:lvl9pPr marL="0" lvl="8" indent="0" algn="r">
               <a:spcBef>
                 <a:spcPts val="0"/>
               </a:spcBef>
@@ -4612,7 +4759,7 @@
             </a:lvl9pPr>
           </a:lstStyle>
           <a:p>
-            <a:pPr indent="0" lvl="0" marL="0" rtl="0" algn="r">
+            <a:pPr marL="0" lvl="0" indent="0" algn="r" rtl="0">
               <a:spcBef>
                 <a:spcPts val="0"/>
               </a:spcBef>
@@ -4638,11 +4785,11 @@
 </file>
 
 <file path=ppt/slideLayouts/slideLayout3.xml><?xml version="1.0" encoding="utf-8"?>
-<p:sldLayout xmlns:a="http://schemas.openxmlformats.org/drawingml/2006/main" xmlns:r="http://schemas.openxmlformats.org/officeDocument/2006/relationships" xmlns:mc="http://schemas.openxmlformats.org/markup-compatibility/2006" xmlns:mv="urn:schemas-microsoft-com:mac:vml" xmlns:p="http://schemas.openxmlformats.org/presentationml/2006/main" xmlns:c="http://schemas.openxmlformats.org/drawingml/2006/chart" xmlns:dgm="http://schemas.openxmlformats.org/drawingml/2006/diagram" xmlns:o="urn:schemas-microsoft-com:office:office" xmlns:v="urn:schemas-microsoft-com:vml" xmlns:pvml="urn:schemas-microsoft-com:office:powerpoint" xmlns:com="http://schemas.openxmlformats.org/drawingml/2006/compatibility" xmlns:p14="http://schemas.microsoft.com/office/powerpoint/2010/main" xmlns:p15="http://schemas.microsoft.com/office/powerpoint/2012/main" xmlns:ahyp="http://schemas.microsoft.com/office/drawing/2018/hyperlinkcolor" matchingName="Section Header" type="secHead">
+<p:sldLayout xmlns:a="http://schemas.openxmlformats.org/drawingml/2006/main" xmlns:r="http://schemas.openxmlformats.org/officeDocument/2006/relationships" xmlns:p="http://schemas.openxmlformats.org/presentationml/2006/main" matchingName="Section Header" type="secHead">
   <p:cSld name="SECTION_HEADER">
     <p:spTree>
       <p:nvGrpSpPr>
-        <p:cNvPr id="23" name="Shape 23"/>
+        <p:cNvPr id="1" name="Shape 23"/>
         <p:cNvGrpSpPr/>
         <p:nvPr/>
       </p:nvGrpSpPr>
@@ -4657,7 +4804,9 @@
       <p:sp>
         <p:nvSpPr>
           <p:cNvPr id="24" name="Google Shape;24;p4"/>
-          <p:cNvSpPr txBox="1"/>
+          <p:cNvSpPr txBox="1">
+            <a:spLocks noGrp="1"/>
+          </p:cNvSpPr>
           <p:nvPr>
             <p:ph type="title"/>
           </p:nvPr>
@@ -4676,7 +4825,7 @@
           </a:ln>
         </p:spPr>
         <p:txBody>
-          <a:bodyPr anchorCtr="0" anchor="t" bIns="45700" lIns="91425" spcFirstLastPara="1" rIns="91425" wrap="square" tIns="45700">
+          <a:bodyPr spcFirstLastPara="1" wrap="square" lIns="91425" tIns="45700" rIns="91425" bIns="45700" anchor="t" anchorCtr="0">
             <a:normAutofit/>
           </a:bodyPr>
           <a:lstStyle>
@@ -4693,7 +4842,7 @@
               <a:buSzPts val="4000"/>
               <a:buFont typeface="Calibri"/>
               <a:buNone/>
-              <a:defRPr b="1" sz="4000" cap="none"/>
+              <a:defRPr sz="4000" b="1" cap="none"/>
             </a:lvl1pPr>
             <a:lvl2pPr lvl="1">
               <a:spcBef>
@@ -4784,15 +4933,19 @@
               <a:defRPr/>
             </a:lvl9pPr>
           </a:lstStyle>
-          <a:p/>
+          <a:p>
+            <a:endParaRPr/>
+          </a:p>
         </p:txBody>
       </p:sp>
       <p:sp>
         <p:nvSpPr>
           <p:cNvPr id="25" name="Google Shape;25;p4"/>
-          <p:cNvSpPr txBox="1"/>
+          <p:cNvSpPr txBox="1">
+            <a:spLocks noGrp="1"/>
+          </p:cNvSpPr>
           <p:nvPr>
-            <p:ph idx="1" type="body"/>
+            <p:ph type="body" idx="1"/>
           </p:nvPr>
         </p:nvSpPr>
         <p:spPr>
@@ -4809,11 +4962,11 @@
           </a:ln>
         </p:spPr>
         <p:txBody>
-          <a:bodyPr anchorCtr="0" anchor="b" bIns="45700" lIns="91425" spcFirstLastPara="1" rIns="91425" wrap="square" tIns="45700">
+          <a:bodyPr spcFirstLastPara="1" wrap="square" lIns="91425" tIns="45700" rIns="91425" bIns="45700" anchor="b" anchorCtr="0">
             <a:normAutofit/>
           </a:bodyPr>
           <a:lstStyle>
-            <a:lvl1pPr indent="-228600" lvl="0" marL="457200" algn="l">
+            <a:lvl1pPr marL="457200" lvl="0" indent="-228600" algn="l">
               <a:spcBef>
                 <a:spcPts val="400"/>
               </a:spcBef>
@@ -4831,7 +4984,7 @@
                 </a:solidFill>
               </a:defRPr>
             </a:lvl1pPr>
-            <a:lvl2pPr indent="-228600" lvl="1" marL="914400" algn="l">
+            <a:lvl2pPr marL="914400" lvl="1" indent="-228600" algn="l">
               <a:spcBef>
                 <a:spcPts val="360"/>
               </a:spcBef>
@@ -4849,7 +5002,7 @@
                 </a:solidFill>
               </a:defRPr>
             </a:lvl2pPr>
-            <a:lvl3pPr indent="-228600" lvl="2" marL="1371600" algn="l">
+            <a:lvl3pPr marL="1371600" lvl="2" indent="-228600" algn="l">
               <a:spcBef>
                 <a:spcPts val="320"/>
               </a:spcBef>
@@ -4867,7 +5020,7 @@
                 </a:solidFill>
               </a:defRPr>
             </a:lvl3pPr>
-            <a:lvl4pPr indent="-228600" lvl="3" marL="1828800" algn="l">
+            <a:lvl4pPr marL="1828800" lvl="3" indent="-228600" algn="l">
               <a:spcBef>
                 <a:spcPts val="280"/>
               </a:spcBef>
@@ -4885,7 +5038,7 @@
                 </a:solidFill>
               </a:defRPr>
             </a:lvl4pPr>
-            <a:lvl5pPr indent="-228600" lvl="4" marL="2286000" algn="l">
+            <a:lvl5pPr marL="2286000" lvl="4" indent="-228600" algn="l">
               <a:spcBef>
                 <a:spcPts val="280"/>
               </a:spcBef>
@@ -4903,7 +5056,7 @@
                 </a:solidFill>
               </a:defRPr>
             </a:lvl5pPr>
-            <a:lvl6pPr indent="-228600" lvl="5" marL="2743200" algn="l">
+            <a:lvl6pPr marL="2743200" lvl="5" indent="-228600" algn="l">
               <a:spcBef>
                 <a:spcPts val="280"/>
               </a:spcBef>
@@ -4921,7 +5074,7 @@
                 </a:solidFill>
               </a:defRPr>
             </a:lvl6pPr>
-            <a:lvl7pPr indent="-228600" lvl="6" marL="3200400" algn="l">
+            <a:lvl7pPr marL="3200400" lvl="6" indent="-228600" algn="l">
               <a:spcBef>
                 <a:spcPts val="280"/>
               </a:spcBef>
@@ -4939,7 +5092,7 @@
                 </a:solidFill>
               </a:defRPr>
             </a:lvl7pPr>
-            <a:lvl8pPr indent="-228600" lvl="7" marL="3657600" algn="l">
+            <a:lvl8pPr marL="3657600" lvl="7" indent="-228600" algn="l">
               <a:spcBef>
                 <a:spcPts val="280"/>
               </a:spcBef>
@@ -4957,7 +5110,7 @@
                 </a:solidFill>
               </a:defRPr>
             </a:lvl8pPr>
-            <a:lvl9pPr indent="-228600" lvl="8" marL="4114800" algn="l">
+            <a:lvl9pPr marL="4114800" lvl="8" indent="-228600" algn="l">
               <a:spcBef>
                 <a:spcPts val="280"/>
               </a:spcBef>
@@ -4976,15 +5129,19 @@
               </a:defRPr>
             </a:lvl9pPr>
           </a:lstStyle>
-          <a:p/>
+          <a:p>
+            <a:endParaRPr/>
+          </a:p>
         </p:txBody>
       </p:sp>
       <p:sp>
         <p:nvSpPr>
           <p:cNvPr id="26" name="Google Shape;26;p4"/>
-          <p:cNvSpPr txBox="1"/>
+          <p:cNvSpPr txBox="1">
+            <a:spLocks noGrp="1"/>
+          </p:cNvSpPr>
           <p:nvPr>
-            <p:ph idx="10" type="dt"/>
+            <p:ph type="dt" idx="10"/>
           </p:nvPr>
         </p:nvSpPr>
         <p:spPr>
@@ -5001,7 +5158,7 @@
           </a:ln>
         </p:spPr>
         <p:txBody>
-          <a:bodyPr anchorCtr="0" anchor="ctr" bIns="45700" lIns="91425" spcFirstLastPara="1" rIns="91425" wrap="square" tIns="45700">
+          <a:bodyPr spcFirstLastPara="1" wrap="square" lIns="91425" tIns="45700" rIns="91425" bIns="45700" anchor="ctr" anchorCtr="0">
             <a:noAutofit/>
           </a:bodyPr>
           <a:lstStyle>
@@ -5105,15 +5262,19 @@
               <a:defRPr/>
             </a:lvl9pPr>
           </a:lstStyle>
-          <a:p/>
+          <a:p>
+            <a:endParaRPr/>
+          </a:p>
         </p:txBody>
       </p:sp>
       <p:sp>
         <p:nvSpPr>
           <p:cNvPr id="27" name="Google Shape;27;p4"/>
-          <p:cNvSpPr txBox="1"/>
+          <p:cNvSpPr txBox="1">
+            <a:spLocks noGrp="1"/>
+          </p:cNvSpPr>
           <p:nvPr>
-            <p:ph idx="11" type="ftr"/>
+            <p:ph type="ftr" idx="11"/>
           </p:nvPr>
         </p:nvSpPr>
         <p:spPr>
@@ -5130,7 +5291,7 @@
           </a:ln>
         </p:spPr>
         <p:txBody>
-          <a:bodyPr anchorCtr="0" anchor="ctr" bIns="45700" lIns="91425" spcFirstLastPara="1" rIns="91425" wrap="square" tIns="45700">
+          <a:bodyPr spcFirstLastPara="1" wrap="square" lIns="91425" tIns="45700" rIns="91425" bIns="45700" anchor="ctr" anchorCtr="0">
             <a:noAutofit/>
           </a:bodyPr>
           <a:lstStyle>
@@ -5234,15 +5395,19 @@
               <a:defRPr/>
             </a:lvl9pPr>
           </a:lstStyle>
-          <a:p/>
+          <a:p>
+            <a:endParaRPr/>
+          </a:p>
         </p:txBody>
       </p:sp>
       <p:sp>
         <p:nvSpPr>
           <p:cNvPr id="28" name="Google Shape;28;p4"/>
-          <p:cNvSpPr txBox="1"/>
+          <p:cNvSpPr txBox="1">
+            <a:spLocks noGrp="1"/>
+          </p:cNvSpPr>
           <p:nvPr>
-            <p:ph idx="12" type="sldNum"/>
+            <p:ph type="sldNum" idx="12"/>
           </p:nvPr>
         </p:nvSpPr>
         <p:spPr>
@@ -5259,67 +5424,67 @@
           </a:ln>
         </p:spPr>
         <p:txBody>
-          <a:bodyPr anchorCtr="0" anchor="ctr" bIns="45700" lIns="91425" spcFirstLastPara="1" rIns="91425" wrap="square" tIns="45700">
+          <a:bodyPr spcFirstLastPara="1" wrap="square" lIns="91425" tIns="45700" rIns="91425" bIns="45700" anchor="ctr" anchorCtr="0">
             <a:noAutofit/>
           </a:bodyPr>
           <a:lstStyle>
-            <a:lvl1pPr indent="0" lvl="0" marL="0" algn="r">
+            <a:lvl1pPr marL="0" lvl="0" indent="0" algn="r">
               <a:spcBef>
                 <a:spcPts val="0"/>
               </a:spcBef>
               <a:buNone/>
               <a:defRPr/>
             </a:lvl1pPr>
-            <a:lvl2pPr indent="0" lvl="1" marL="0" algn="r">
+            <a:lvl2pPr marL="0" lvl="1" indent="0" algn="r">
               <a:spcBef>
                 <a:spcPts val="0"/>
               </a:spcBef>
               <a:buNone/>
               <a:defRPr/>
             </a:lvl2pPr>
-            <a:lvl3pPr indent="0" lvl="2" marL="0" algn="r">
+            <a:lvl3pPr marL="0" lvl="2" indent="0" algn="r">
               <a:spcBef>
                 <a:spcPts val="0"/>
               </a:spcBef>
               <a:buNone/>
               <a:defRPr/>
             </a:lvl3pPr>
-            <a:lvl4pPr indent="0" lvl="3" marL="0" algn="r">
+            <a:lvl4pPr marL="0" lvl="3" indent="0" algn="r">
               <a:spcBef>
                 <a:spcPts val="0"/>
               </a:spcBef>
               <a:buNone/>
               <a:defRPr/>
             </a:lvl4pPr>
-            <a:lvl5pPr indent="0" lvl="4" marL="0" algn="r">
+            <a:lvl5pPr marL="0" lvl="4" indent="0" algn="r">
               <a:spcBef>
                 <a:spcPts val="0"/>
               </a:spcBef>
               <a:buNone/>
               <a:defRPr/>
             </a:lvl5pPr>
-            <a:lvl6pPr indent="0" lvl="5" marL="0" algn="r">
+            <a:lvl6pPr marL="0" lvl="5" indent="0" algn="r">
               <a:spcBef>
                 <a:spcPts val="0"/>
               </a:spcBef>
               <a:buNone/>
               <a:defRPr/>
             </a:lvl6pPr>
-            <a:lvl7pPr indent="0" lvl="6" marL="0" algn="r">
+            <a:lvl7pPr marL="0" lvl="6" indent="0" algn="r">
               <a:spcBef>
                 <a:spcPts val="0"/>
               </a:spcBef>
               <a:buNone/>
               <a:defRPr/>
             </a:lvl7pPr>
-            <a:lvl8pPr indent="0" lvl="7" marL="0" algn="r">
+            <a:lvl8pPr marL="0" lvl="7" indent="0" algn="r">
               <a:spcBef>
                 <a:spcPts val="0"/>
               </a:spcBef>
               <a:buNone/>
               <a:defRPr/>
             </a:lvl8pPr>
-            <a:lvl9pPr indent="0" lvl="8" marL="0" algn="r">
+            <a:lvl9pPr marL="0" lvl="8" indent="0" algn="r">
               <a:spcBef>
                 <a:spcPts val="0"/>
               </a:spcBef>
@@ -5328,7 +5493,7 @@
             </a:lvl9pPr>
           </a:lstStyle>
           <a:p>
-            <a:pPr indent="0" lvl="0" marL="0" rtl="0" algn="r">
+            <a:pPr marL="0" lvl="0" indent="0" algn="r" rtl="0">
               <a:spcBef>
                 <a:spcPts val="0"/>
               </a:spcBef>
@@ -5354,11 +5519,11 @@
 </file>
 
 <file path=ppt/slideLayouts/slideLayout4.xml><?xml version="1.0" encoding="utf-8"?>
-<p:sldLayout xmlns:a="http://schemas.openxmlformats.org/drawingml/2006/main" xmlns:r="http://schemas.openxmlformats.org/officeDocument/2006/relationships" xmlns:mc="http://schemas.openxmlformats.org/markup-compatibility/2006" xmlns:mv="urn:schemas-microsoft-com:mac:vml" xmlns:p="http://schemas.openxmlformats.org/presentationml/2006/main" xmlns:c="http://schemas.openxmlformats.org/drawingml/2006/chart" xmlns:dgm="http://schemas.openxmlformats.org/drawingml/2006/diagram" xmlns:o="urn:schemas-microsoft-com:office:office" xmlns:v="urn:schemas-microsoft-com:vml" xmlns:pvml="urn:schemas-microsoft-com:office:powerpoint" xmlns:com="http://schemas.openxmlformats.org/drawingml/2006/compatibility" xmlns:p14="http://schemas.microsoft.com/office/powerpoint/2010/main" xmlns:p15="http://schemas.microsoft.com/office/powerpoint/2012/main" xmlns:ahyp="http://schemas.microsoft.com/office/drawing/2018/hyperlinkcolor" matchingName="Two Content" type="twoObj">
+<p:sldLayout xmlns:a="http://schemas.openxmlformats.org/drawingml/2006/main" xmlns:r="http://schemas.openxmlformats.org/officeDocument/2006/relationships" xmlns:p="http://schemas.openxmlformats.org/presentationml/2006/main" matchingName="Two Content" type="twoObj">
   <p:cSld name="TWO_OBJECTS">
     <p:spTree>
       <p:nvGrpSpPr>
-        <p:cNvPr id="29" name="Shape 29"/>
+        <p:cNvPr id="1" name="Shape 29"/>
         <p:cNvGrpSpPr/>
         <p:nvPr/>
       </p:nvGrpSpPr>
@@ -5373,7 +5538,9 @@
       <p:sp>
         <p:nvSpPr>
           <p:cNvPr id="30" name="Google Shape;30;p5"/>
-          <p:cNvSpPr txBox="1"/>
+          <p:cNvSpPr txBox="1">
+            <a:spLocks noGrp="1"/>
+          </p:cNvSpPr>
           <p:nvPr>
             <p:ph type="title"/>
           </p:nvPr>
@@ -5392,7 +5559,7 @@
           </a:ln>
         </p:spPr>
         <p:txBody>
-          <a:bodyPr anchorCtr="0" anchor="ctr" bIns="45700" lIns="91425" spcFirstLastPara="1" rIns="91425" wrap="square" tIns="45700">
+          <a:bodyPr spcFirstLastPara="1" wrap="square" lIns="91425" tIns="45700" rIns="91425" bIns="45700" anchor="ctr" anchorCtr="0">
             <a:normAutofit/>
           </a:bodyPr>
           <a:lstStyle>
@@ -5499,15 +5666,19 @@
               <a:defRPr/>
             </a:lvl9pPr>
           </a:lstStyle>
-          <a:p/>
+          <a:p>
+            <a:endParaRPr/>
+          </a:p>
         </p:txBody>
       </p:sp>
       <p:sp>
         <p:nvSpPr>
           <p:cNvPr id="31" name="Google Shape;31;p5"/>
-          <p:cNvSpPr txBox="1"/>
+          <p:cNvSpPr txBox="1">
+            <a:spLocks noGrp="1"/>
+          </p:cNvSpPr>
           <p:nvPr>
-            <p:ph idx="1" type="body"/>
+            <p:ph type="body" idx="1"/>
           </p:nvPr>
         </p:nvSpPr>
         <p:spPr>
@@ -5524,11 +5695,11 @@
           </a:ln>
         </p:spPr>
         <p:txBody>
-          <a:bodyPr anchorCtr="0" anchor="t" bIns="45700" lIns="91425" spcFirstLastPara="1" rIns="91425" wrap="square" tIns="45700">
+          <a:bodyPr spcFirstLastPara="1" wrap="square" lIns="91425" tIns="45700" rIns="91425" bIns="45700" anchor="t" anchorCtr="0">
             <a:normAutofit/>
           </a:bodyPr>
           <a:lstStyle>
-            <a:lvl1pPr indent="-406400" lvl="0" marL="457200" algn="l">
+            <a:lvl1pPr marL="457200" lvl="0" indent="-406400" algn="l">
               <a:spcBef>
                 <a:spcPts val="560"/>
               </a:spcBef>
@@ -5542,7 +5713,7 @@
               <a:buChar char="•"/>
               <a:defRPr sz="2800"/>
             </a:lvl1pPr>
-            <a:lvl2pPr indent="-381000" lvl="1" marL="914400" algn="l">
+            <a:lvl2pPr marL="914400" lvl="1" indent="-381000" algn="l">
               <a:spcBef>
                 <a:spcPts val="480"/>
               </a:spcBef>
@@ -5556,7 +5727,7 @@
               <a:buChar char="–"/>
               <a:defRPr sz="2400"/>
             </a:lvl2pPr>
-            <a:lvl3pPr indent="-355600" lvl="2" marL="1371600" algn="l">
+            <a:lvl3pPr marL="1371600" lvl="2" indent="-355600" algn="l">
               <a:spcBef>
                 <a:spcPts val="400"/>
               </a:spcBef>
@@ -5570,7 +5741,7 @@
               <a:buChar char="•"/>
               <a:defRPr sz="2000"/>
             </a:lvl3pPr>
-            <a:lvl4pPr indent="-342900" lvl="3" marL="1828800" algn="l">
+            <a:lvl4pPr marL="1828800" lvl="3" indent="-342900" algn="l">
               <a:spcBef>
                 <a:spcPts val="360"/>
               </a:spcBef>
@@ -5584,7 +5755,7 @@
               <a:buChar char="–"/>
               <a:defRPr sz="1800"/>
             </a:lvl4pPr>
-            <a:lvl5pPr indent="-342900" lvl="4" marL="2286000" algn="l">
+            <a:lvl5pPr marL="2286000" lvl="4" indent="-342900" algn="l">
               <a:spcBef>
                 <a:spcPts val="360"/>
               </a:spcBef>
@@ -5598,7 +5769,7 @@
               <a:buChar char="»"/>
               <a:defRPr sz="1800"/>
             </a:lvl5pPr>
-            <a:lvl6pPr indent="-342900" lvl="5" marL="2743200" algn="l">
+            <a:lvl6pPr marL="2743200" lvl="5" indent="-342900" algn="l">
               <a:spcBef>
                 <a:spcPts val="360"/>
               </a:spcBef>
@@ -5612,7 +5783,7 @@
               <a:buChar char="•"/>
               <a:defRPr sz="1800"/>
             </a:lvl6pPr>
-            <a:lvl7pPr indent="-342900" lvl="6" marL="3200400" algn="l">
+            <a:lvl7pPr marL="3200400" lvl="6" indent="-342900" algn="l">
               <a:spcBef>
                 <a:spcPts val="360"/>
               </a:spcBef>
@@ -5626,7 +5797,7 @@
               <a:buChar char="•"/>
               <a:defRPr sz="1800"/>
             </a:lvl7pPr>
-            <a:lvl8pPr indent="-342900" lvl="7" marL="3657600" algn="l">
+            <a:lvl8pPr marL="3657600" lvl="7" indent="-342900" algn="l">
               <a:spcBef>
                 <a:spcPts val="360"/>
               </a:spcBef>
@@ -5640,7 +5811,7 @@
               <a:buChar char="•"/>
               <a:defRPr sz="1800"/>
             </a:lvl8pPr>
-            <a:lvl9pPr indent="-342900" lvl="8" marL="4114800" algn="l">
+            <a:lvl9pPr marL="4114800" lvl="8" indent="-342900" algn="l">
               <a:spcBef>
                 <a:spcPts val="360"/>
               </a:spcBef>
@@ -5655,15 +5826,19 @@
               <a:defRPr sz="1800"/>
             </a:lvl9pPr>
           </a:lstStyle>
-          <a:p/>
+          <a:p>
+            <a:endParaRPr/>
+          </a:p>
         </p:txBody>
       </p:sp>
       <p:sp>
         <p:nvSpPr>
           <p:cNvPr id="32" name="Google Shape;32;p5"/>
-          <p:cNvSpPr txBox="1"/>
+          <p:cNvSpPr txBox="1">
+            <a:spLocks noGrp="1"/>
+          </p:cNvSpPr>
           <p:nvPr>
-            <p:ph idx="2" type="body"/>
+            <p:ph type="body" idx="2"/>
           </p:nvPr>
         </p:nvSpPr>
         <p:spPr>
@@ -5680,11 +5855,11 @@
           </a:ln>
         </p:spPr>
         <p:txBody>
-          <a:bodyPr anchorCtr="0" anchor="t" bIns="45700" lIns="91425" spcFirstLastPara="1" rIns="91425" wrap="square" tIns="45700">
+          <a:bodyPr spcFirstLastPara="1" wrap="square" lIns="91425" tIns="45700" rIns="91425" bIns="45700" anchor="t" anchorCtr="0">
             <a:normAutofit/>
           </a:bodyPr>
           <a:lstStyle>
-            <a:lvl1pPr indent="-406400" lvl="0" marL="457200" algn="l">
+            <a:lvl1pPr marL="457200" lvl="0" indent="-406400" algn="l">
               <a:spcBef>
                 <a:spcPts val="560"/>
               </a:spcBef>
@@ -5698,7 +5873,7 @@
               <a:buChar char="•"/>
               <a:defRPr sz="2800"/>
             </a:lvl1pPr>
-            <a:lvl2pPr indent="-381000" lvl="1" marL="914400" algn="l">
+            <a:lvl2pPr marL="914400" lvl="1" indent="-381000" algn="l">
               <a:spcBef>
                 <a:spcPts val="480"/>
               </a:spcBef>
@@ -5712,7 +5887,7 @@
               <a:buChar char="–"/>
               <a:defRPr sz="2400"/>
             </a:lvl2pPr>
-            <a:lvl3pPr indent="-355600" lvl="2" marL="1371600" algn="l">
+            <a:lvl3pPr marL="1371600" lvl="2" indent="-355600" algn="l">
               <a:spcBef>
                 <a:spcPts val="400"/>
               </a:spcBef>
@@ -5726,7 +5901,7 @@
               <a:buChar char="•"/>
               <a:defRPr sz="2000"/>
             </a:lvl3pPr>
-            <a:lvl4pPr indent="-342900" lvl="3" marL="1828800" algn="l">
+            <a:lvl4pPr marL="1828800" lvl="3" indent="-342900" algn="l">
               <a:spcBef>
                 <a:spcPts val="360"/>
               </a:spcBef>
@@ -5740,7 +5915,7 @@
               <a:buChar char="–"/>
               <a:defRPr sz="1800"/>
             </a:lvl4pPr>
-            <a:lvl5pPr indent="-342900" lvl="4" marL="2286000" algn="l">
+            <a:lvl5pPr marL="2286000" lvl="4" indent="-342900" algn="l">
               <a:spcBef>
                 <a:spcPts val="360"/>
               </a:spcBef>
@@ -5754,7 +5929,7 @@
               <a:buChar char="»"/>
               <a:defRPr sz="1800"/>
             </a:lvl5pPr>
-            <a:lvl6pPr indent="-342900" lvl="5" marL="2743200" algn="l">
+            <a:lvl6pPr marL="2743200" lvl="5" indent="-342900" algn="l">
               <a:spcBef>
                 <a:spcPts val="360"/>
               </a:spcBef>
@@ -5768,7 +5943,7 @@
               <a:buChar char="•"/>
               <a:defRPr sz="1800"/>
             </a:lvl6pPr>
-            <a:lvl7pPr indent="-342900" lvl="6" marL="3200400" algn="l">
+            <a:lvl7pPr marL="3200400" lvl="6" indent="-342900" algn="l">
               <a:spcBef>
                 <a:spcPts val="360"/>
               </a:spcBef>
@@ -5782,7 +5957,7 @@
               <a:buChar char="•"/>
               <a:defRPr sz="1800"/>
             </a:lvl7pPr>
-            <a:lvl8pPr indent="-342900" lvl="7" marL="3657600" algn="l">
+            <a:lvl8pPr marL="3657600" lvl="7" indent="-342900" algn="l">
               <a:spcBef>
                 <a:spcPts val="360"/>
               </a:spcBef>
@@ -5796,7 +5971,7 @@
               <a:buChar char="•"/>
               <a:defRPr sz="1800"/>
             </a:lvl8pPr>
-            <a:lvl9pPr indent="-342900" lvl="8" marL="4114800" algn="l">
+            <a:lvl9pPr marL="4114800" lvl="8" indent="-342900" algn="l">
               <a:spcBef>
                 <a:spcPts val="360"/>
               </a:spcBef>
@@ -5811,15 +5986,19 @@
               <a:defRPr sz="1800"/>
             </a:lvl9pPr>
           </a:lstStyle>
-          <a:p/>
+          <a:p>
+            <a:endParaRPr/>
+          </a:p>
         </p:txBody>
       </p:sp>
       <p:sp>
         <p:nvSpPr>
           <p:cNvPr id="33" name="Google Shape;33;p5"/>
-          <p:cNvSpPr txBox="1"/>
+          <p:cNvSpPr txBox="1">
+            <a:spLocks noGrp="1"/>
+          </p:cNvSpPr>
           <p:nvPr>
-            <p:ph idx="10" type="dt"/>
+            <p:ph type="dt" idx="10"/>
           </p:nvPr>
         </p:nvSpPr>
         <p:spPr>
@@ -5836,7 +6015,7 @@
           </a:ln>
         </p:spPr>
         <p:txBody>
-          <a:bodyPr anchorCtr="0" anchor="ctr" bIns="45700" lIns="91425" spcFirstLastPara="1" rIns="91425" wrap="square" tIns="45700">
+          <a:bodyPr spcFirstLastPara="1" wrap="square" lIns="91425" tIns="45700" rIns="91425" bIns="45700" anchor="ctr" anchorCtr="0">
             <a:noAutofit/>
           </a:bodyPr>
           <a:lstStyle>
@@ -5940,15 +6119,19 @@
               <a:defRPr/>
             </a:lvl9pPr>
           </a:lstStyle>
-          <a:p/>
+          <a:p>
+            <a:endParaRPr/>
+          </a:p>
         </p:txBody>
       </p:sp>
       <p:sp>
         <p:nvSpPr>
           <p:cNvPr id="34" name="Google Shape;34;p5"/>
-          <p:cNvSpPr txBox="1"/>
+          <p:cNvSpPr txBox="1">
+            <a:spLocks noGrp="1"/>
+          </p:cNvSpPr>
           <p:nvPr>
-            <p:ph idx="11" type="ftr"/>
+            <p:ph type="ftr" idx="11"/>
           </p:nvPr>
         </p:nvSpPr>
         <p:spPr>
@@ -5965,7 +6148,7 @@
           </a:ln>
         </p:spPr>
         <p:txBody>
-          <a:bodyPr anchorCtr="0" anchor="ctr" bIns="45700" lIns="91425" spcFirstLastPara="1" rIns="91425" wrap="square" tIns="45700">
+          <a:bodyPr spcFirstLastPara="1" wrap="square" lIns="91425" tIns="45700" rIns="91425" bIns="45700" anchor="ctr" anchorCtr="0">
             <a:noAutofit/>
           </a:bodyPr>
           <a:lstStyle>
@@ -6069,15 +6252,19 @@
               <a:defRPr/>
             </a:lvl9pPr>
           </a:lstStyle>
-          <a:p/>
+          <a:p>
+            <a:endParaRPr/>
+          </a:p>
         </p:txBody>
       </p:sp>
       <p:sp>
         <p:nvSpPr>
           <p:cNvPr id="35" name="Google Shape;35;p5"/>
-          <p:cNvSpPr txBox="1"/>
+          <p:cNvSpPr txBox="1">
+            <a:spLocks noGrp="1"/>
+          </p:cNvSpPr>
           <p:nvPr>
-            <p:ph idx="12" type="sldNum"/>
+            <p:ph type="sldNum" idx="12"/>
           </p:nvPr>
         </p:nvSpPr>
         <p:spPr>
@@ -6094,67 +6281,67 @@
           </a:ln>
         </p:spPr>
         <p:txBody>
-          <a:bodyPr anchorCtr="0" anchor="ctr" bIns="45700" lIns="91425" spcFirstLastPara="1" rIns="91425" wrap="square" tIns="45700">
+          <a:bodyPr spcFirstLastPara="1" wrap="square" lIns="91425" tIns="45700" rIns="91425" bIns="45700" anchor="ctr" anchorCtr="0">
             <a:noAutofit/>
           </a:bodyPr>
           <a:lstStyle>
-            <a:lvl1pPr indent="0" lvl="0" marL="0" algn="r">
+            <a:lvl1pPr marL="0" lvl="0" indent="0" algn="r">
               <a:spcBef>
                 <a:spcPts val="0"/>
               </a:spcBef>
               <a:buNone/>
               <a:defRPr/>
             </a:lvl1pPr>
-            <a:lvl2pPr indent="0" lvl="1" marL="0" algn="r">
+            <a:lvl2pPr marL="0" lvl="1" indent="0" algn="r">
               <a:spcBef>
                 <a:spcPts val="0"/>
               </a:spcBef>
               <a:buNone/>
               <a:defRPr/>
             </a:lvl2pPr>
-            <a:lvl3pPr indent="0" lvl="2" marL="0" algn="r">
+            <a:lvl3pPr marL="0" lvl="2" indent="0" algn="r">
               <a:spcBef>
                 <a:spcPts val="0"/>
               </a:spcBef>
               <a:buNone/>
               <a:defRPr/>
             </a:lvl3pPr>
-            <a:lvl4pPr indent="0" lvl="3" marL="0" algn="r">
+            <a:lvl4pPr marL="0" lvl="3" indent="0" algn="r">
               <a:spcBef>
                 <a:spcPts val="0"/>
               </a:spcBef>
               <a:buNone/>
               <a:defRPr/>
             </a:lvl4pPr>
-            <a:lvl5pPr indent="0" lvl="4" marL="0" algn="r">
+            <a:lvl5pPr marL="0" lvl="4" indent="0" algn="r">
               <a:spcBef>
                 <a:spcPts val="0"/>
               </a:spcBef>
               <a:buNone/>
               <a:defRPr/>
             </a:lvl5pPr>
-            <a:lvl6pPr indent="0" lvl="5" marL="0" algn="r">
+            <a:lvl6pPr marL="0" lvl="5" indent="0" algn="r">
               <a:spcBef>
                 <a:spcPts val="0"/>
               </a:spcBef>
               <a:buNone/>
               <a:defRPr/>
             </a:lvl6pPr>
-            <a:lvl7pPr indent="0" lvl="6" marL="0" algn="r">
+            <a:lvl7pPr marL="0" lvl="6" indent="0" algn="r">
               <a:spcBef>
                 <a:spcPts val="0"/>
               </a:spcBef>
               <a:buNone/>
               <a:defRPr/>
             </a:lvl7pPr>
-            <a:lvl8pPr indent="0" lvl="7" marL="0" algn="r">
+            <a:lvl8pPr marL="0" lvl="7" indent="0" algn="r">
               <a:spcBef>
                 <a:spcPts val="0"/>
               </a:spcBef>
               <a:buNone/>
               <a:defRPr/>
             </a:lvl8pPr>
-            <a:lvl9pPr indent="0" lvl="8" marL="0" algn="r">
+            <a:lvl9pPr marL="0" lvl="8" indent="0" algn="r">
               <a:spcBef>
                 <a:spcPts val="0"/>
               </a:spcBef>
@@ -6163,7 +6350,7 @@
             </a:lvl9pPr>
           </a:lstStyle>
           <a:p>
-            <a:pPr indent="0" lvl="0" marL="0" rtl="0" algn="r">
+            <a:pPr marL="0" lvl="0" indent="0" algn="r" rtl="0">
               <a:spcBef>
                 <a:spcPts val="0"/>
               </a:spcBef>
@@ -6189,11 +6376,11 @@
 </file>
 
 <file path=ppt/slideLayouts/slideLayout5.xml><?xml version="1.0" encoding="utf-8"?>
-<p:sldLayout xmlns:a="http://schemas.openxmlformats.org/drawingml/2006/main" xmlns:r="http://schemas.openxmlformats.org/officeDocument/2006/relationships" xmlns:mc="http://schemas.openxmlformats.org/markup-compatibility/2006" xmlns:mv="urn:schemas-microsoft-com:mac:vml" xmlns:p="http://schemas.openxmlformats.org/presentationml/2006/main" xmlns:c="http://schemas.openxmlformats.org/drawingml/2006/chart" xmlns:dgm="http://schemas.openxmlformats.org/drawingml/2006/diagram" xmlns:o="urn:schemas-microsoft-com:office:office" xmlns:v="urn:schemas-microsoft-com:vml" xmlns:pvml="urn:schemas-microsoft-com:office:powerpoint" xmlns:com="http://schemas.openxmlformats.org/drawingml/2006/compatibility" xmlns:p14="http://schemas.microsoft.com/office/powerpoint/2010/main" xmlns:p15="http://schemas.microsoft.com/office/powerpoint/2012/main" xmlns:ahyp="http://schemas.microsoft.com/office/drawing/2018/hyperlinkcolor" matchingName="Comparison" type="twoTxTwoObj">
+<p:sldLayout xmlns:a="http://schemas.openxmlformats.org/drawingml/2006/main" xmlns:r="http://schemas.openxmlformats.org/officeDocument/2006/relationships" xmlns:p="http://schemas.openxmlformats.org/presentationml/2006/main" matchingName="Comparison" type="twoTxTwoObj">
   <p:cSld name="TWO_OBJECTS_WITH_TEXT">
     <p:spTree>
       <p:nvGrpSpPr>
-        <p:cNvPr id="36" name="Shape 36"/>
+        <p:cNvPr id="1" name="Shape 36"/>
         <p:cNvGrpSpPr/>
         <p:nvPr/>
       </p:nvGrpSpPr>
@@ -6208,7 +6395,9 @@
       <p:sp>
         <p:nvSpPr>
           <p:cNvPr id="37" name="Google Shape;37;p6"/>
-          <p:cNvSpPr txBox="1"/>
+          <p:cNvSpPr txBox="1">
+            <a:spLocks noGrp="1"/>
+          </p:cNvSpPr>
           <p:nvPr>
             <p:ph type="title"/>
           </p:nvPr>
@@ -6227,7 +6416,7 @@
           </a:ln>
         </p:spPr>
         <p:txBody>
-          <a:bodyPr anchorCtr="0" anchor="ctr" bIns="45700" lIns="91425" spcFirstLastPara="1" rIns="91425" wrap="square" tIns="45700">
+          <a:bodyPr spcFirstLastPara="1" wrap="square" lIns="91425" tIns="45700" rIns="91425" bIns="45700" anchor="ctr" anchorCtr="0">
             <a:normAutofit/>
           </a:bodyPr>
           <a:lstStyle>
@@ -6335,15 +6524,19 @@
               <a:defRPr/>
             </a:lvl9pPr>
           </a:lstStyle>
-          <a:p/>
+          <a:p>
+            <a:endParaRPr/>
+          </a:p>
         </p:txBody>
       </p:sp>
       <p:sp>
         <p:nvSpPr>
           <p:cNvPr id="38" name="Google Shape;38;p6"/>
-          <p:cNvSpPr txBox="1"/>
+          <p:cNvSpPr txBox="1">
+            <a:spLocks noGrp="1"/>
+          </p:cNvSpPr>
           <p:nvPr>
-            <p:ph idx="1" type="body"/>
+            <p:ph type="body" idx="1"/>
           </p:nvPr>
         </p:nvSpPr>
         <p:spPr>
@@ -6360,11 +6553,11 @@
           </a:ln>
         </p:spPr>
         <p:txBody>
-          <a:bodyPr anchorCtr="0" anchor="b" bIns="45700" lIns="91425" spcFirstLastPara="1" rIns="91425" wrap="square" tIns="45700">
+          <a:bodyPr spcFirstLastPara="1" wrap="square" lIns="91425" tIns="45700" rIns="91425" bIns="45700" anchor="b" anchorCtr="0">
             <a:normAutofit/>
           </a:bodyPr>
           <a:lstStyle>
-            <a:lvl1pPr indent="-228600" lvl="0" marL="457200" algn="l">
+            <a:lvl1pPr marL="457200" lvl="0" indent="-228600" algn="l">
               <a:spcBef>
                 <a:spcPts val="480"/>
               </a:spcBef>
@@ -6376,9 +6569,9 @@
               </a:buClr>
               <a:buSzPts val="2400"/>
               <a:buNone/>
-              <a:defRPr b="1" sz="2400"/>
+              <a:defRPr sz="2400" b="1"/>
             </a:lvl1pPr>
-            <a:lvl2pPr indent="-228600" lvl="1" marL="914400" algn="l">
+            <a:lvl2pPr marL="914400" lvl="1" indent="-228600" algn="l">
               <a:spcBef>
                 <a:spcPts val="400"/>
               </a:spcBef>
@@ -6390,9 +6583,9 @@
               </a:buClr>
               <a:buSzPts val="2000"/>
               <a:buNone/>
-              <a:defRPr b="1" sz="2000"/>
+              <a:defRPr sz="2000" b="1"/>
             </a:lvl2pPr>
-            <a:lvl3pPr indent="-228600" lvl="2" marL="1371600" algn="l">
+            <a:lvl3pPr marL="1371600" lvl="2" indent="-228600" algn="l">
               <a:spcBef>
                 <a:spcPts val="360"/>
               </a:spcBef>
@@ -6404,9 +6597,9 @@
               </a:buClr>
               <a:buSzPts val="1800"/>
               <a:buNone/>
-              <a:defRPr b="1" sz="1800"/>
+              <a:defRPr sz="1800" b="1"/>
             </a:lvl3pPr>
-            <a:lvl4pPr indent="-228600" lvl="3" marL="1828800" algn="l">
+            <a:lvl4pPr marL="1828800" lvl="3" indent="-228600" algn="l">
               <a:spcBef>
                 <a:spcPts val="320"/>
               </a:spcBef>
@@ -6418,9 +6611,9 @@
               </a:buClr>
               <a:buSzPts val="1600"/>
               <a:buNone/>
-              <a:defRPr b="1" sz="1600"/>
+              <a:defRPr sz="1600" b="1"/>
             </a:lvl4pPr>
-            <a:lvl5pPr indent="-228600" lvl="4" marL="2286000" algn="l">
+            <a:lvl5pPr marL="2286000" lvl="4" indent="-228600" algn="l">
               <a:spcBef>
                 <a:spcPts val="320"/>
               </a:spcBef>
@@ -6432,9 +6625,9 @@
               </a:buClr>
               <a:buSzPts val="1600"/>
               <a:buNone/>
-              <a:defRPr b="1" sz="1600"/>
+              <a:defRPr sz="1600" b="1"/>
             </a:lvl5pPr>
-            <a:lvl6pPr indent="-228600" lvl="5" marL="2743200" algn="l">
+            <a:lvl6pPr marL="2743200" lvl="5" indent="-228600" algn="l">
               <a:spcBef>
                 <a:spcPts val="320"/>
               </a:spcBef>
@@ -6446,9 +6639,9 @@
               </a:buClr>
               <a:buSzPts val="1600"/>
               <a:buNone/>
-              <a:defRPr b="1" sz="1600"/>
+              <a:defRPr sz="1600" b="1"/>
             </a:lvl6pPr>
-            <a:lvl7pPr indent="-228600" lvl="6" marL="3200400" algn="l">
+            <a:lvl7pPr marL="3200400" lvl="6" indent="-228600" algn="l">
               <a:spcBef>
                 <a:spcPts val="320"/>
               </a:spcBef>
@@ -6460,9 +6653,9 @@
               </a:buClr>
               <a:buSzPts val="1600"/>
               <a:buNone/>
-              <a:defRPr b="1" sz="1600"/>
+              <a:defRPr sz="1600" b="1"/>
             </a:lvl7pPr>
-            <a:lvl8pPr indent="-228600" lvl="7" marL="3657600" algn="l">
+            <a:lvl8pPr marL="3657600" lvl="7" indent="-228600" algn="l">
               <a:spcBef>
                 <a:spcPts val="320"/>
               </a:spcBef>
@@ -6474,9 +6667,9 @@
               </a:buClr>
               <a:buSzPts val="1600"/>
               <a:buNone/>
-              <a:defRPr b="1" sz="1600"/>
+              <a:defRPr sz="1600" b="1"/>
             </a:lvl8pPr>
-            <a:lvl9pPr indent="-228600" lvl="8" marL="4114800" algn="l">
+            <a:lvl9pPr marL="4114800" lvl="8" indent="-228600" algn="l">
               <a:spcBef>
                 <a:spcPts val="320"/>
               </a:spcBef>
@@ -6488,18 +6681,22 @@
               </a:buClr>
               <a:buSzPts val="1600"/>
               <a:buNone/>
-              <a:defRPr b="1" sz="1600"/>
+              <a:defRPr sz="1600" b="1"/>
             </a:lvl9pPr>
           </a:lstStyle>
-          <a:p/>
+          <a:p>
+            <a:endParaRPr/>
+          </a:p>
         </p:txBody>
       </p:sp>
       <p:sp>
         <p:nvSpPr>
           <p:cNvPr id="39" name="Google Shape;39;p6"/>
-          <p:cNvSpPr txBox="1"/>
+          <p:cNvSpPr txBox="1">
+            <a:spLocks noGrp="1"/>
+          </p:cNvSpPr>
           <p:nvPr>
-            <p:ph idx="2" type="body"/>
+            <p:ph type="body" idx="2"/>
           </p:nvPr>
         </p:nvSpPr>
         <p:spPr>
@@ -6516,11 +6713,11 @@
           </a:ln>
         </p:spPr>
         <p:txBody>
-          <a:bodyPr anchorCtr="0" anchor="t" bIns="45700" lIns="91425" spcFirstLastPara="1" rIns="91425" wrap="square" tIns="45700">
+          <a:bodyPr spcFirstLastPara="1" wrap="square" lIns="91425" tIns="45700" rIns="91425" bIns="45700" anchor="t" anchorCtr="0">
             <a:normAutofit/>
           </a:bodyPr>
           <a:lstStyle>
-            <a:lvl1pPr indent="-381000" lvl="0" marL="457200" algn="l">
+            <a:lvl1pPr marL="457200" lvl="0" indent="-381000" algn="l">
               <a:spcBef>
                 <a:spcPts val="480"/>
               </a:spcBef>
@@ -6534,7 +6731,7 @@
               <a:buChar char="•"/>
               <a:defRPr sz="2400"/>
             </a:lvl1pPr>
-            <a:lvl2pPr indent="-355600" lvl="1" marL="914400" algn="l">
+            <a:lvl2pPr marL="914400" lvl="1" indent="-355600" algn="l">
               <a:spcBef>
                 <a:spcPts val="400"/>
               </a:spcBef>
@@ -6548,7 +6745,7 @@
               <a:buChar char="–"/>
               <a:defRPr sz="2000"/>
             </a:lvl2pPr>
-            <a:lvl3pPr indent="-342900" lvl="2" marL="1371600" algn="l">
+            <a:lvl3pPr marL="1371600" lvl="2" indent="-342900" algn="l">
               <a:spcBef>
                 <a:spcPts val="360"/>
               </a:spcBef>
@@ -6562,7 +6759,7 @@
               <a:buChar char="•"/>
               <a:defRPr sz="1800"/>
             </a:lvl3pPr>
-            <a:lvl4pPr indent="-330200" lvl="3" marL="1828800" algn="l">
+            <a:lvl4pPr marL="1828800" lvl="3" indent="-330200" algn="l">
               <a:spcBef>
                 <a:spcPts val="320"/>
               </a:spcBef>
@@ -6576,7 +6773,7 @@
               <a:buChar char="–"/>
               <a:defRPr sz="1600"/>
             </a:lvl4pPr>
-            <a:lvl5pPr indent="-330200" lvl="4" marL="2286000" algn="l">
+            <a:lvl5pPr marL="2286000" lvl="4" indent="-330200" algn="l">
               <a:spcBef>
                 <a:spcPts val="320"/>
               </a:spcBef>
@@ -6590,7 +6787,7 @@
               <a:buChar char="»"/>
               <a:defRPr sz="1600"/>
             </a:lvl5pPr>
-            <a:lvl6pPr indent="-330200" lvl="5" marL="2743200" algn="l">
+            <a:lvl6pPr marL="2743200" lvl="5" indent="-330200" algn="l">
               <a:spcBef>
                 <a:spcPts val="320"/>
               </a:spcBef>
@@ -6604,7 +6801,7 @@
               <a:buChar char="•"/>
               <a:defRPr sz="1600"/>
             </a:lvl6pPr>
-            <a:lvl7pPr indent="-330200" lvl="6" marL="3200400" algn="l">
+            <a:lvl7pPr marL="3200400" lvl="6" indent="-330200" algn="l">
               <a:spcBef>
                 <a:spcPts val="320"/>
               </a:spcBef>
@@ -6618,7 +6815,7 @@
               <a:buChar char="•"/>
               <a:defRPr sz="1600"/>
             </a:lvl7pPr>
-            <a:lvl8pPr indent="-330200" lvl="7" marL="3657600" algn="l">
+            <a:lvl8pPr marL="3657600" lvl="7" indent="-330200" algn="l">
               <a:spcBef>
                 <a:spcPts val="320"/>
               </a:spcBef>
@@ -6632,7 +6829,7 @@
               <a:buChar char="•"/>
               <a:defRPr sz="1600"/>
             </a:lvl8pPr>
-            <a:lvl9pPr indent="-330200" lvl="8" marL="4114800" algn="l">
+            <a:lvl9pPr marL="4114800" lvl="8" indent="-330200" algn="l">
               <a:spcBef>
                 <a:spcPts val="320"/>
               </a:spcBef>
@@ -6647,15 +6844,19 @@
               <a:defRPr sz="1600"/>
             </a:lvl9pPr>
           </a:lstStyle>
-          <a:p/>
+          <a:p>
+            <a:endParaRPr/>
+          </a:p>
         </p:txBody>
       </p:sp>
       <p:sp>
         <p:nvSpPr>
           <p:cNvPr id="40" name="Google Shape;40;p6"/>
-          <p:cNvSpPr txBox="1"/>
+          <p:cNvSpPr txBox="1">
+            <a:spLocks noGrp="1"/>
+          </p:cNvSpPr>
           <p:nvPr>
-            <p:ph idx="3" type="body"/>
+            <p:ph type="body" idx="3"/>
           </p:nvPr>
         </p:nvSpPr>
         <p:spPr>
@@ -6672,11 +6873,11 @@
           </a:ln>
         </p:spPr>
         <p:txBody>
-          <a:bodyPr anchorCtr="0" anchor="b" bIns="45700" lIns="91425" spcFirstLastPara="1" rIns="91425" wrap="square" tIns="45700">
+          <a:bodyPr spcFirstLastPara="1" wrap="square" lIns="91425" tIns="45700" rIns="91425" bIns="45700" anchor="b" anchorCtr="0">
             <a:normAutofit/>
           </a:bodyPr>
           <a:lstStyle>
-            <a:lvl1pPr indent="-228600" lvl="0" marL="457200" algn="l">
+            <a:lvl1pPr marL="457200" lvl="0" indent="-228600" algn="l">
               <a:spcBef>
                 <a:spcPts val="480"/>
               </a:spcBef>
@@ -6688,9 +6889,9 @@
               </a:buClr>
               <a:buSzPts val="2400"/>
               <a:buNone/>
-              <a:defRPr b="1" sz="2400"/>
+              <a:defRPr sz="2400" b="1"/>
             </a:lvl1pPr>
-            <a:lvl2pPr indent="-228600" lvl="1" marL="914400" algn="l">
+            <a:lvl2pPr marL="914400" lvl="1" indent="-228600" algn="l">
               <a:spcBef>
                 <a:spcPts val="400"/>
               </a:spcBef>
@@ -6702,9 +6903,9 @@
               </a:buClr>
               <a:buSzPts val="2000"/>
               <a:buNone/>
-              <a:defRPr b="1" sz="2000"/>
+              <a:defRPr sz="2000" b="1"/>
             </a:lvl2pPr>
-            <a:lvl3pPr indent="-228600" lvl="2" marL="1371600" algn="l">
+            <a:lvl3pPr marL="1371600" lvl="2" indent="-228600" algn="l">
               <a:spcBef>
                 <a:spcPts val="360"/>
               </a:spcBef>
@@ -6716,9 +6917,9 @@
               </a:buClr>
               <a:buSzPts val="1800"/>
               <a:buNone/>
-              <a:defRPr b="1" sz="1800"/>
+              <a:defRPr sz="1800" b="1"/>
             </a:lvl3pPr>
-            <a:lvl4pPr indent="-228600" lvl="3" marL="1828800" algn="l">
+            <a:lvl4pPr marL="1828800" lvl="3" indent="-228600" algn="l">
               <a:spcBef>
                 <a:spcPts val="320"/>
               </a:spcBef>
@@ -6730,9 +6931,9 @@
               </a:buClr>
               <a:buSzPts val="1600"/>
               <a:buNone/>
-              <a:defRPr b="1" sz="1600"/>
+              <a:defRPr sz="1600" b="1"/>
             </a:lvl4pPr>
-            <a:lvl5pPr indent="-228600" lvl="4" marL="2286000" algn="l">
+            <a:lvl5pPr marL="2286000" lvl="4" indent="-228600" algn="l">
               <a:spcBef>
                 <a:spcPts val="320"/>
               </a:spcBef>
@@ -6744,9 +6945,9 @@
               </a:buClr>
               <a:buSzPts val="1600"/>
               <a:buNone/>
-              <a:defRPr b="1" sz="1600"/>
+              <a:defRPr sz="1600" b="1"/>
             </a:lvl5pPr>
-            <a:lvl6pPr indent="-228600" lvl="5" marL="2743200" algn="l">
+            <a:lvl6pPr marL="2743200" lvl="5" indent="-228600" algn="l">
               <a:spcBef>
                 <a:spcPts val="320"/>
               </a:spcBef>
@@ -6758,9 +6959,9 @@
               </a:buClr>
               <a:buSzPts val="1600"/>
               <a:buNone/>
-              <a:defRPr b="1" sz="1600"/>
+              <a:defRPr sz="1600" b="1"/>
             </a:lvl6pPr>
-            <a:lvl7pPr indent="-228600" lvl="6" marL="3200400" algn="l">
+            <a:lvl7pPr marL="3200400" lvl="6" indent="-228600" algn="l">
               <a:spcBef>
                 <a:spcPts val="320"/>
               </a:spcBef>
@@ -6772,9 +6973,9 @@
               </a:buClr>
               <a:buSzPts val="1600"/>
               <a:buNone/>
-              <a:defRPr b="1" sz="1600"/>
+              <a:defRPr sz="1600" b="1"/>
             </a:lvl7pPr>
-            <a:lvl8pPr indent="-228600" lvl="7" marL="3657600" algn="l">
+            <a:lvl8pPr marL="3657600" lvl="7" indent="-228600" algn="l">
               <a:spcBef>
                 <a:spcPts val="320"/>
               </a:spcBef>
@@ -6786,9 +6987,9 @@
               </a:buClr>
               <a:buSzPts val="1600"/>
               <a:buNone/>
-              <a:defRPr b="1" sz="1600"/>
+              <a:defRPr sz="1600" b="1"/>
             </a:lvl8pPr>
-            <a:lvl9pPr indent="-228600" lvl="8" marL="4114800" algn="l">
+            <a:lvl9pPr marL="4114800" lvl="8" indent="-228600" algn="l">
               <a:spcBef>
                 <a:spcPts val="320"/>
               </a:spcBef>
@@ -6800,18 +7001,22 @@
               </a:buClr>
               <a:buSzPts val="1600"/>
               <a:buNone/>
-              <a:defRPr b="1" sz="1600"/>
+              <a:defRPr sz="1600" b="1"/>
             </a:lvl9pPr>
           </a:lstStyle>
-          <a:p/>
+          <a:p>
+            <a:endParaRPr/>
+          </a:p>
         </p:txBody>
       </p:sp>
       <p:sp>
         <p:nvSpPr>
           <p:cNvPr id="41" name="Google Shape;41;p6"/>
-          <p:cNvSpPr txBox="1"/>
+          <p:cNvSpPr txBox="1">
+            <a:spLocks noGrp="1"/>
+          </p:cNvSpPr>
           <p:nvPr>
-            <p:ph idx="4" type="body"/>
+            <p:ph type="body" idx="4"/>
           </p:nvPr>
         </p:nvSpPr>
         <p:spPr>
@@ -6828,11 +7033,11 @@
           </a:ln>
         </p:spPr>
         <p:txBody>
-          <a:bodyPr anchorCtr="0" anchor="t" bIns="45700" lIns="91425" spcFirstLastPara="1" rIns="91425" wrap="square" tIns="45700">
+          <a:bodyPr spcFirstLastPara="1" wrap="square" lIns="91425" tIns="45700" rIns="91425" bIns="45700" anchor="t" anchorCtr="0">
             <a:normAutofit/>
           </a:bodyPr>
           <a:lstStyle>
-            <a:lvl1pPr indent="-381000" lvl="0" marL="457200" algn="l">
+            <a:lvl1pPr marL="457200" lvl="0" indent="-381000" algn="l">
               <a:spcBef>
                 <a:spcPts val="480"/>
               </a:spcBef>
@@ -6846,7 +7051,7 @@
               <a:buChar char="•"/>
               <a:defRPr sz="2400"/>
             </a:lvl1pPr>
-            <a:lvl2pPr indent="-355600" lvl="1" marL="914400" algn="l">
+            <a:lvl2pPr marL="914400" lvl="1" indent="-355600" algn="l">
               <a:spcBef>
                 <a:spcPts val="400"/>
               </a:spcBef>
@@ -6860,7 +7065,7 @@
               <a:buChar char="–"/>
               <a:defRPr sz="2000"/>
             </a:lvl2pPr>
-            <a:lvl3pPr indent="-342900" lvl="2" marL="1371600" algn="l">
+            <a:lvl3pPr marL="1371600" lvl="2" indent="-342900" algn="l">
               <a:spcBef>
                 <a:spcPts val="360"/>
               </a:spcBef>
@@ -6874,7 +7079,7 @@
               <a:buChar char="•"/>
               <a:defRPr sz="1800"/>
             </a:lvl3pPr>
-            <a:lvl4pPr indent="-330200" lvl="3" marL="1828800" algn="l">
+            <a:lvl4pPr marL="1828800" lvl="3" indent="-330200" algn="l">
               <a:spcBef>
                 <a:spcPts val="320"/>
               </a:spcBef>
@@ -6888,7 +7093,7 @@
               <a:buChar char="–"/>
               <a:defRPr sz="1600"/>
             </a:lvl4pPr>
-            <a:lvl5pPr indent="-330200" lvl="4" marL="2286000" algn="l">
+            <a:lvl5pPr marL="2286000" lvl="4" indent="-330200" algn="l">
               <a:spcBef>
                 <a:spcPts val="320"/>
               </a:spcBef>
@@ -6902,7 +7107,7 @@
               <a:buChar char="»"/>
               <a:defRPr sz="1600"/>
             </a:lvl5pPr>
-            <a:lvl6pPr indent="-330200" lvl="5" marL="2743200" algn="l">
+            <a:lvl6pPr marL="2743200" lvl="5" indent="-330200" algn="l">
               <a:spcBef>
                 <a:spcPts val="320"/>
               </a:spcBef>
@@ -6916,7 +7121,7 @@
               <a:buChar char="•"/>
               <a:defRPr sz="1600"/>
             </a:lvl6pPr>
-            <a:lvl7pPr indent="-330200" lvl="6" marL="3200400" algn="l">
+            <a:lvl7pPr marL="3200400" lvl="6" indent="-330200" algn="l">
               <a:spcBef>
                 <a:spcPts val="320"/>
               </a:spcBef>
@@ -6930,7 +7135,7 @@
               <a:buChar char="•"/>
               <a:defRPr sz="1600"/>
             </a:lvl7pPr>
-            <a:lvl8pPr indent="-330200" lvl="7" marL="3657600" algn="l">
+            <a:lvl8pPr marL="3657600" lvl="7" indent="-330200" algn="l">
               <a:spcBef>
                 <a:spcPts val="320"/>
               </a:spcBef>
@@ -6944,7 +7149,7 @@
               <a:buChar char="•"/>
               <a:defRPr sz="1600"/>
             </a:lvl8pPr>
-            <a:lvl9pPr indent="-330200" lvl="8" marL="4114800" algn="l">
+            <a:lvl9pPr marL="4114800" lvl="8" indent="-330200" algn="l">
               <a:spcBef>
                 <a:spcPts val="320"/>
               </a:spcBef>
@@ -6959,15 +7164,19 @@
               <a:defRPr sz="1600"/>
             </a:lvl9pPr>
           </a:lstStyle>
-          <a:p/>
+          <a:p>
+            <a:endParaRPr/>
+          </a:p>
         </p:txBody>
       </p:sp>
       <p:sp>
         <p:nvSpPr>
           <p:cNvPr id="42" name="Google Shape;42;p6"/>
-          <p:cNvSpPr txBox="1"/>
+          <p:cNvSpPr txBox="1">
+            <a:spLocks noGrp="1"/>
+          </p:cNvSpPr>
           <p:nvPr>
-            <p:ph idx="10" type="dt"/>
+            <p:ph type="dt" idx="10"/>
           </p:nvPr>
         </p:nvSpPr>
         <p:spPr>
@@ -6984,7 +7193,7 @@
           </a:ln>
         </p:spPr>
         <p:txBody>
-          <a:bodyPr anchorCtr="0" anchor="ctr" bIns="45700" lIns="91425" spcFirstLastPara="1" rIns="91425" wrap="square" tIns="45700">
+          <a:bodyPr spcFirstLastPara="1" wrap="square" lIns="91425" tIns="45700" rIns="91425" bIns="45700" anchor="ctr" anchorCtr="0">
             <a:noAutofit/>
           </a:bodyPr>
           <a:lstStyle>
@@ -7088,15 +7297,19 @@
               <a:defRPr/>
             </a:lvl9pPr>
           </a:lstStyle>
-          <a:p/>
+          <a:p>
+            <a:endParaRPr/>
+          </a:p>
         </p:txBody>
       </p:sp>
       <p:sp>
         <p:nvSpPr>
           <p:cNvPr id="43" name="Google Shape;43;p6"/>
-          <p:cNvSpPr txBox="1"/>
+          <p:cNvSpPr txBox="1">
+            <a:spLocks noGrp="1"/>
+          </p:cNvSpPr>
           <p:nvPr>
-            <p:ph idx="11" type="ftr"/>
+            <p:ph type="ftr" idx="11"/>
           </p:nvPr>
         </p:nvSpPr>
         <p:spPr>
@@ -7113,7 +7326,7 @@
           </a:ln>
         </p:spPr>
         <p:txBody>
-          <a:bodyPr anchorCtr="0" anchor="ctr" bIns="45700" lIns="91425" spcFirstLastPara="1" rIns="91425" wrap="square" tIns="45700">
+          <a:bodyPr spcFirstLastPara="1" wrap="square" lIns="91425" tIns="45700" rIns="91425" bIns="45700" anchor="ctr" anchorCtr="0">
             <a:noAutofit/>
           </a:bodyPr>
           <a:lstStyle>
@@ -7217,15 +7430,19 @@
               <a:defRPr/>
             </a:lvl9pPr>
           </a:lstStyle>
-          <a:p/>
+          <a:p>
+            <a:endParaRPr/>
+          </a:p>
         </p:txBody>
       </p:sp>
       <p:sp>
         <p:nvSpPr>
           <p:cNvPr id="44" name="Google Shape;44;p6"/>
-          <p:cNvSpPr txBox="1"/>
+          <p:cNvSpPr txBox="1">
+            <a:spLocks noGrp="1"/>
+          </p:cNvSpPr>
           <p:nvPr>
-            <p:ph idx="12" type="sldNum"/>
+            <p:ph type="sldNum" idx="12"/>
           </p:nvPr>
         </p:nvSpPr>
         <p:spPr>
@@ -7242,67 +7459,67 @@
           </a:ln>
         </p:spPr>
         <p:txBody>
-          <a:bodyPr anchorCtr="0" anchor="ctr" bIns="45700" lIns="91425" spcFirstLastPara="1" rIns="91425" wrap="square" tIns="45700">
+          <a:bodyPr spcFirstLastPara="1" wrap="square" lIns="91425" tIns="45700" rIns="91425" bIns="45700" anchor="ctr" anchorCtr="0">
             <a:noAutofit/>
           </a:bodyPr>
           <a:lstStyle>
-            <a:lvl1pPr indent="0" lvl="0" marL="0" algn="r">
+            <a:lvl1pPr marL="0" lvl="0" indent="0" algn="r">
               <a:spcBef>
                 <a:spcPts val="0"/>
               </a:spcBef>
               <a:buNone/>
               <a:defRPr/>
             </a:lvl1pPr>
-            <a:lvl2pPr indent="0" lvl="1" marL="0" algn="r">
+            <a:lvl2pPr marL="0" lvl="1" indent="0" algn="r">
               <a:spcBef>
                 <a:spcPts val="0"/>
               </a:spcBef>
               <a:buNone/>
               <a:defRPr/>
             </a:lvl2pPr>
-            <a:lvl3pPr indent="0" lvl="2" marL="0" algn="r">
+            <a:lvl3pPr marL="0" lvl="2" indent="0" algn="r">
               <a:spcBef>
                 <a:spcPts val="0"/>
               </a:spcBef>
               <a:buNone/>
               <a:defRPr/>
             </a:lvl3pPr>
-            <a:lvl4pPr indent="0" lvl="3" marL="0" algn="r">
+            <a:lvl4pPr marL="0" lvl="3" indent="0" algn="r">
               <a:spcBef>
                 <a:spcPts val="0"/>
               </a:spcBef>
               <a:buNone/>
               <a:defRPr/>
             </a:lvl4pPr>
-            <a:lvl5pPr indent="0" lvl="4" marL="0" algn="r">
+            <a:lvl5pPr marL="0" lvl="4" indent="0" algn="r">
               <a:spcBef>
                 <a:spcPts val="0"/>
               </a:spcBef>
               <a:buNone/>
               <a:defRPr/>
             </a:lvl5pPr>
-            <a:lvl6pPr indent="0" lvl="5" marL="0" algn="r">
+            <a:lvl6pPr marL="0" lvl="5" indent="0" algn="r">
               <a:spcBef>
                 <a:spcPts val="0"/>
               </a:spcBef>
               <a:buNone/>
               <a:defRPr/>
             </a:lvl6pPr>
-            <a:lvl7pPr indent="0" lvl="6" marL="0" algn="r">
+            <a:lvl7pPr marL="0" lvl="6" indent="0" algn="r">
               <a:spcBef>
                 <a:spcPts val="0"/>
               </a:spcBef>
               <a:buNone/>
               <a:defRPr/>
             </a:lvl7pPr>
-            <a:lvl8pPr indent="0" lvl="7" marL="0" algn="r">
+            <a:lvl8pPr marL="0" lvl="7" indent="0" algn="r">
               <a:spcBef>
                 <a:spcPts val="0"/>
               </a:spcBef>
               <a:buNone/>
               <a:defRPr/>
             </a:lvl8pPr>
-            <a:lvl9pPr indent="0" lvl="8" marL="0" algn="r">
+            <a:lvl9pPr marL="0" lvl="8" indent="0" algn="r">
               <a:spcBef>
                 <a:spcPts val="0"/>
               </a:spcBef>
@@ -7311,7 +7528,7 @@
             </a:lvl9pPr>
           </a:lstStyle>
           <a:p>
-            <a:pPr indent="0" lvl="0" marL="0" rtl="0" algn="r">
+            <a:pPr marL="0" lvl="0" indent="0" algn="r" rtl="0">
               <a:spcBef>
                 <a:spcPts val="0"/>
               </a:spcBef>
@@ -7337,11 +7554,11 @@
 </file>
 
 <file path=ppt/slideLayouts/slideLayout6.xml><?xml version="1.0" encoding="utf-8"?>
-<p:sldLayout xmlns:a="http://schemas.openxmlformats.org/drawingml/2006/main" xmlns:r="http://schemas.openxmlformats.org/officeDocument/2006/relationships" xmlns:mc="http://schemas.openxmlformats.org/markup-compatibility/2006" xmlns:mv="urn:schemas-microsoft-com:mac:vml" xmlns:p="http://schemas.openxmlformats.org/presentationml/2006/main" xmlns:c="http://schemas.openxmlformats.org/drawingml/2006/chart" xmlns:dgm="http://schemas.openxmlformats.org/drawingml/2006/diagram" xmlns:o="urn:schemas-microsoft-com:office:office" xmlns:v="urn:schemas-microsoft-com:vml" xmlns:pvml="urn:schemas-microsoft-com:office:powerpoint" xmlns:com="http://schemas.openxmlformats.org/drawingml/2006/compatibility" xmlns:p14="http://schemas.microsoft.com/office/powerpoint/2010/main" xmlns:p15="http://schemas.microsoft.com/office/powerpoint/2012/main" xmlns:ahyp="http://schemas.microsoft.com/office/drawing/2018/hyperlinkcolor" matchingName="Title Only" type="titleOnly">
+<p:sldLayout xmlns:a="http://schemas.openxmlformats.org/drawingml/2006/main" xmlns:r="http://schemas.openxmlformats.org/officeDocument/2006/relationships" xmlns:p="http://schemas.openxmlformats.org/presentationml/2006/main" matchingName="Title Only" type="titleOnly">
   <p:cSld name="TITLE_ONLY">
     <p:spTree>
       <p:nvGrpSpPr>
-        <p:cNvPr id="45" name="Shape 45"/>
+        <p:cNvPr id="1" name="Shape 45"/>
         <p:cNvGrpSpPr/>
         <p:nvPr/>
       </p:nvGrpSpPr>
@@ -7356,7 +7573,9 @@
       <p:sp>
         <p:nvSpPr>
           <p:cNvPr id="46" name="Google Shape;46;p7"/>
-          <p:cNvSpPr txBox="1"/>
+          <p:cNvSpPr txBox="1">
+            <a:spLocks noGrp="1"/>
+          </p:cNvSpPr>
           <p:nvPr>
             <p:ph type="title"/>
           </p:nvPr>
@@ -7375,7 +7594,7 @@
           </a:ln>
         </p:spPr>
         <p:txBody>
-          <a:bodyPr anchorCtr="0" anchor="ctr" bIns="45700" lIns="91425" spcFirstLastPara="1" rIns="91425" wrap="square" tIns="45700">
+          <a:bodyPr spcFirstLastPara="1" wrap="square" lIns="91425" tIns="45700" rIns="91425" bIns="45700" anchor="ctr" anchorCtr="0">
             <a:normAutofit/>
           </a:bodyPr>
           <a:lstStyle>
@@ -7482,15 +7701,19 @@
               <a:defRPr/>
             </a:lvl9pPr>
           </a:lstStyle>
-          <a:p/>
+          <a:p>
+            <a:endParaRPr/>
+          </a:p>
         </p:txBody>
       </p:sp>
       <p:sp>
         <p:nvSpPr>
           <p:cNvPr id="47" name="Google Shape;47;p7"/>
-          <p:cNvSpPr txBox="1"/>
+          <p:cNvSpPr txBox="1">
+            <a:spLocks noGrp="1"/>
+          </p:cNvSpPr>
           <p:nvPr>
-            <p:ph idx="10" type="dt"/>
+            <p:ph type="dt" idx="10"/>
           </p:nvPr>
         </p:nvSpPr>
         <p:spPr>
@@ -7507,7 +7730,7 @@
           </a:ln>
         </p:spPr>
         <p:txBody>
-          <a:bodyPr anchorCtr="0" anchor="ctr" bIns="45700" lIns="91425" spcFirstLastPara="1" rIns="91425" wrap="square" tIns="45700">
+          <a:bodyPr spcFirstLastPara="1" wrap="square" lIns="91425" tIns="45700" rIns="91425" bIns="45700" anchor="ctr" anchorCtr="0">
             <a:noAutofit/>
           </a:bodyPr>
           <a:lstStyle>
@@ -7611,15 +7834,19 @@
               <a:defRPr/>
             </a:lvl9pPr>
           </a:lstStyle>
-          <a:p/>
+          <a:p>
+            <a:endParaRPr/>
+          </a:p>
         </p:txBody>
       </p:sp>
       <p:sp>
         <p:nvSpPr>
           <p:cNvPr id="48" name="Google Shape;48;p7"/>
-          <p:cNvSpPr txBox="1"/>
+          <p:cNvSpPr txBox="1">
+            <a:spLocks noGrp="1"/>
+          </p:cNvSpPr>
           <p:nvPr>
-            <p:ph idx="11" type="ftr"/>
+            <p:ph type="ftr" idx="11"/>
           </p:nvPr>
         </p:nvSpPr>
         <p:spPr>
@@ -7636,7 +7863,7 @@
           </a:ln>
         </p:spPr>
         <p:txBody>
-          <a:bodyPr anchorCtr="0" anchor="ctr" bIns="45700" lIns="91425" spcFirstLastPara="1" rIns="91425" wrap="square" tIns="45700">
+          <a:bodyPr spcFirstLastPara="1" wrap="square" lIns="91425" tIns="45700" rIns="91425" bIns="45700" anchor="ctr" anchorCtr="0">
             <a:noAutofit/>
           </a:bodyPr>
           <a:lstStyle>
@@ -7740,15 +7967,19 @@
               <a:defRPr/>
             </a:lvl9pPr>
           </a:lstStyle>
-          <a:p/>
+          <a:p>
+            <a:endParaRPr/>
+          </a:p>
         </p:txBody>
       </p:sp>
       <p:sp>
         <p:nvSpPr>
           <p:cNvPr id="49" name="Google Shape;49;p7"/>
-          <p:cNvSpPr txBox="1"/>
+          <p:cNvSpPr txBox="1">
+            <a:spLocks noGrp="1"/>
+          </p:cNvSpPr>
           <p:nvPr>
-            <p:ph idx="12" type="sldNum"/>
+            <p:ph type="sldNum" idx="12"/>
           </p:nvPr>
         </p:nvSpPr>
         <p:spPr>
@@ -7765,67 +7996,67 @@
           </a:ln>
         </p:spPr>
         <p:txBody>
-          <a:bodyPr anchorCtr="0" anchor="ctr" bIns="45700" lIns="91425" spcFirstLastPara="1" rIns="91425" wrap="square" tIns="45700">
+          <a:bodyPr spcFirstLastPara="1" wrap="square" lIns="91425" tIns="45700" rIns="91425" bIns="45700" anchor="ctr" anchorCtr="0">
             <a:noAutofit/>
           </a:bodyPr>
           <a:lstStyle>
-            <a:lvl1pPr indent="0" lvl="0" marL="0" algn="r">
+            <a:lvl1pPr marL="0" lvl="0" indent="0" algn="r">
               <a:spcBef>
                 <a:spcPts val="0"/>
               </a:spcBef>
               <a:buNone/>
               <a:defRPr/>
             </a:lvl1pPr>
-            <a:lvl2pPr indent="0" lvl="1" marL="0" algn="r">
+            <a:lvl2pPr marL="0" lvl="1" indent="0" algn="r">
               <a:spcBef>
                 <a:spcPts val="0"/>
               </a:spcBef>
               <a:buNone/>
               <a:defRPr/>
             </a:lvl2pPr>
-            <a:lvl3pPr indent="0" lvl="2" marL="0" algn="r">
+            <a:lvl3pPr marL="0" lvl="2" indent="0" algn="r">
               <a:spcBef>
                 <a:spcPts val="0"/>
               </a:spcBef>
               <a:buNone/>
               <a:defRPr/>
             </a:lvl3pPr>
-            <a:lvl4pPr indent="0" lvl="3" marL="0" algn="r">
+            <a:lvl4pPr marL="0" lvl="3" indent="0" algn="r">
               <a:spcBef>
                 <a:spcPts val="0"/>
               </a:spcBef>
               <a:buNone/>
               <a:defRPr/>
             </a:lvl4pPr>
-            <a:lvl5pPr indent="0" lvl="4" marL="0" algn="r">
+            <a:lvl5pPr marL="0" lvl="4" indent="0" algn="r">
               <a:spcBef>
                 <a:spcPts val="0"/>
               </a:spcBef>
               <a:buNone/>
               <a:defRPr/>
             </a:lvl5pPr>
-            <a:lvl6pPr indent="0" lvl="5" marL="0" algn="r">
+            <a:lvl6pPr marL="0" lvl="5" indent="0" algn="r">
               <a:spcBef>
                 <a:spcPts val="0"/>
               </a:spcBef>
               <a:buNone/>
               <a:defRPr/>
             </a:lvl6pPr>
-            <a:lvl7pPr indent="0" lvl="6" marL="0" algn="r">
+            <a:lvl7pPr marL="0" lvl="6" indent="0" algn="r">
               <a:spcBef>
                 <a:spcPts val="0"/>
               </a:spcBef>
               <a:buNone/>
               <a:defRPr/>
             </a:lvl7pPr>
-            <a:lvl8pPr indent="0" lvl="7" marL="0" algn="r">
+            <a:lvl8pPr marL="0" lvl="7" indent="0" algn="r">
               <a:spcBef>
                 <a:spcPts val="0"/>
               </a:spcBef>
               <a:buNone/>
               <a:defRPr/>
             </a:lvl8pPr>
-            <a:lvl9pPr indent="0" lvl="8" marL="0" algn="r">
+            <a:lvl9pPr marL="0" lvl="8" indent="0" algn="r">
               <a:spcBef>
                 <a:spcPts val="0"/>
               </a:spcBef>
@@ -7834,7 +8065,7 @@
             </a:lvl9pPr>
           </a:lstStyle>
           <a:p>
-            <a:pPr indent="0" lvl="0" marL="0" rtl="0" algn="r">
+            <a:pPr marL="0" lvl="0" indent="0" algn="r" rtl="0">
               <a:spcBef>
                 <a:spcPts val="0"/>
               </a:spcBef>
@@ -7860,11 +8091,11 @@
 </file>
 
 <file path=ppt/slideLayouts/slideLayout7.xml><?xml version="1.0" encoding="utf-8"?>
-<p:sldLayout xmlns:a="http://schemas.openxmlformats.org/drawingml/2006/main" xmlns:r="http://schemas.openxmlformats.org/officeDocument/2006/relationships" xmlns:mc="http://schemas.openxmlformats.org/markup-compatibility/2006" xmlns:mv="urn:schemas-microsoft-com:mac:vml" xmlns:p="http://schemas.openxmlformats.org/presentationml/2006/main" xmlns:c="http://schemas.openxmlformats.org/drawingml/2006/chart" xmlns:dgm="http://schemas.openxmlformats.org/drawingml/2006/diagram" xmlns:o="urn:schemas-microsoft-com:office:office" xmlns:v="urn:schemas-microsoft-com:vml" xmlns:pvml="urn:schemas-microsoft-com:office:powerpoint" xmlns:com="http://schemas.openxmlformats.org/drawingml/2006/compatibility" xmlns:p14="http://schemas.microsoft.com/office/powerpoint/2010/main" xmlns:p15="http://schemas.microsoft.com/office/powerpoint/2012/main" xmlns:ahyp="http://schemas.microsoft.com/office/drawing/2018/hyperlinkcolor" matchingName="Blank" type="blank">
+<p:sldLayout xmlns:a="http://schemas.openxmlformats.org/drawingml/2006/main" xmlns:r="http://schemas.openxmlformats.org/officeDocument/2006/relationships" xmlns:p="http://schemas.openxmlformats.org/presentationml/2006/main" matchingName="Blank" type="blank">
   <p:cSld name="BLANK">
     <p:spTree>
       <p:nvGrpSpPr>
-        <p:cNvPr id="50" name="Shape 50"/>
+        <p:cNvPr id="1" name="Shape 50"/>
         <p:cNvGrpSpPr/>
         <p:nvPr/>
       </p:nvGrpSpPr>
@@ -7879,9 +8110,11 @@
       <p:sp>
         <p:nvSpPr>
           <p:cNvPr id="51" name="Google Shape;51;p8"/>
-          <p:cNvSpPr txBox="1"/>
+          <p:cNvSpPr txBox="1">
+            <a:spLocks noGrp="1"/>
+          </p:cNvSpPr>
           <p:nvPr>
-            <p:ph idx="10" type="dt"/>
+            <p:ph type="dt" idx="10"/>
           </p:nvPr>
         </p:nvSpPr>
         <p:spPr>
@@ -7898,7 +8131,7 @@
           </a:ln>
         </p:spPr>
         <p:txBody>
-          <a:bodyPr anchorCtr="0" anchor="ctr" bIns="45700" lIns="91425" spcFirstLastPara="1" rIns="91425" wrap="square" tIns="45700">
+          <a:bodyPr spcFirstLastPara="1" wrap="square" lIns="91425" tIns="45700" rIns="91425" bIns="45700" anchor="ctr" anchorCtr="0">
             <a:noAutofit/>
           </a:bodyPr>
           <a:lstStyle>
@@ -8002,15 +8235,19 @@
               <a:defRPr/>
             </a:lvl9pPr>
           </a:lstStyle>
-          <a:p/>
+          <a:p>
+            <a:endParaRPr/>
+          </a:p>
         </p:txBody>
       </p:sp>
       <p:sp>
         <p:nvSpPr>
           <p:cNvPr id="52" name="Google Shape;52;p8"/>
-          <p:cNvSpPr txBox="1"/>
+          <p:cNvSpPr txBox="1">
+            <a:spLocks noGrp="1"/>
+          </p:cNvSpPr>
           <p:nvPr>
-            <p:ph idx="11" type="ftr"/>
+            <p:ph type="ftr" idx="11"/>
           </p:nvPr>
         </p:nvSpPr>
         <p:spPr>
@@ -8027,7 +8264,7 @@
           </a:ln>
         </p:spPr>
         <p:txBody>
-          <a:bodyPr anchorCtr="0" anchor="ctr" bIns="45700" lIns="91425" spcFirstLastPara="1" rIns="91425" wrap="square" tIns="45700">
+          <a:bodyPr spcFirstLastPara="1" wrap="square" lIns="91425" tIns="45700" rIns="91425" bIns="45700" anchor="ctr" anchorCtr="0">
             <a:noAutofit/>
           </a:bodyPr>
           <a:lstStyle>
@@ -8131,15 +8368,19 @@
               <a:defRPr/>
             </a:lvl9pPr>
           </a:lstStyle>
-          <a:p/>
+          <a:p>
+            <a:endParaRPr/>
+          </a:p>
         </p:txBody>
       </p:sp>
       <p:sp>
         <p:nvSpPr>
           <p:cNvPr id="53" name="Google Shape;53;p8"/>
-          <p:cNvSpPr txBox="1"/>
+          <p:cNvSpPr txBox="1">
+            <a:spLocks noGrp="1"/>
+          </p:cNvSpPr>
           <p:nvPr>
-            <p:ph idx="12" type="sldNum"/>
+            <p:ph type="sldNum" idx="12"/>
           </p:nvPr>
         </p:nvSpPr>
         <p:spPr>
@@ -8156,67 +8397,67 @@
           </a:ln>
         </p:spPr>
         <p:txBody>
-          <a:bodyPr anchorCtr="0" anchor="ctr" bIns="45700" lIns="91425" spcFirstLastPara="1" rIns="91425" wrap="square" tIns="45700">
+          <a:bodyPr spcFirstLastPara="1" wrap="square" lIns="91425" tIns="45700" rIns="91425" bIns="45700" anchor="ctr" anchorCtr="0">
             <a:noAutofit/>
           </a:bodyPr>
           <a:lstStyle>
-            <a:lvl1pPr indent="0" lvl="0" marL="0" algn="r">
+            <a:lvl1pPr marL="0" lvl="0" indent="0" algn="r">
               <a:spcBef>
                 <a:spcPts val="0"/>
               </a:spcBef>
               <a:buNone/>
               <a:defRPr/>
             </a:lvl1pPr>
-            <a:lvl2pPr indent="0" lvl="1" marL="0" algn="r">
+            <a:lvl2pPr marL="0" lvl="1" indent="0" algn="r">
               <a:spcBef>
                 <a:spcPts val="0"/>
               </a:spcBef>
               <a:buNone/>
               <a:defRPr/>
             </a:lvl2pPr>
-            <a:lvl3pPr indent="0" lvl="2" marL="0" algn="r">
+            <a:lvl3pPr marL="0" lvl="2" indent="0" algn="r">
               <a:spcBef>
                 <a:spcPts val="0"/>
               </a:spcBef>
               <a:buNone/>
               <a:defRPr/>
             </a:lvl3pPr>
-            <a:lvl4pPr indent="0" lvl="3" marL="0" algn="r">
+            <a:lvl4pPr marL="0" lvl="3" indent="0" algn="r">
               <a:spcBef>
                 <a:spcPts val="0"/>
               </a:spcBef>
               <a:buNone/>
               <a:defRPr/>
             </a:lvl4pPr>
-            <a:lvl5pPr indent="0" lvl="4" marL="0" algn="r">
+            <a:lvl5pPr marL="0" lvl="4" indent="0" algn="r">
               <a:spcBef>
                 <a:spcPts val="0"/>
               </a:spcBef>
               <a:buNone/>
               <a:defRPr/>
             </a:lvl5pPr>
-            <a:lvl6pPr indent="0" lvl="5" marL="0" algn="r">
+            <a:lvl6pPr marL="0" lvl="5" indent="0" algn="r">
               <a:spcBef>
                 <a:spcPts val="0"/>
               </a:spcBef>
               <a:buNone/>
               <a:defRPr/>
             </a:lvl6pPr>
-            <a:lvl7pPr indent="0" lvl="6" marL="0" algn="r">
+            <a:lvl7pPr marL="0" lvl="6" indent="0" algn="r">
               <a:spcBef>
                 <a:spcPts val="0"/>
               </a:spcBef>
               <a:buNone/>
               <a:defRPr/>
             </a:lvl7pPr>
-            <a:lvl8pPr indent="0" lvl="7" marL="0" algn="r">
+            <a:lvl8pPr marL="0" lvl="7" indent="0" algn="r">
               <a:spcBef>
                 <a:spcPts val="0"/>
               </a:spcBef>
               <a:buNone/>
               <a:defRPr/>
             </a:lvl8pPr>
-            <a:lvl9pPr indent="0" lvl="8" marL="0" algn="r">
+            <a:lvl9pPr marL="0" lvl="8" indent="0" algn="r">
               <a:spcBef>
                 <a:spcPts val="0"/>
               </a:spcBef>
@@ -8225,7 +8466,7 @@
             </a:lvl9pPr>
           </a:lstStyle>
           <a:p>
-            <a:pPr indent="0" lvl="0" marL="0" rtl="0" algn="r">
+            <a:pPr marL="0" lvl="0" indent="0" algn="r" rtl="0">
               <a:spcBef>
                 <a:spcPts val="0"/>
               </a:spcBef>
@@ -8251,11 +8492,11 @@
 </file>
 
 <file path=ppt/slideLayouts/slideLayout8.xml><?xml version="1.0" encoding="utf-8"?>
-<p:sldLayout xmlns:a="http://schemas.openxmlformats.org/drawingml/2006/main" xmlns:r="http://schemas.openxmlformats.org/officeDocument/2006/relationships" xmlns:mc="http://schemas.openxmlformats.org/markup-compatibility/2006" xmlns:mv="urn:schemas-microsoft-com:mac:vml" xmlns:p="http://schemas.openxmlformats.org/presentationml/2006/main" xmlns:c="http://schemas.openxmlformats.org/drawingml/2006/chart" xmlns:dgm="http://schemas.openxmlformats.org/drawingml/2006/diagram" xmlns:o="urn:schemas-microsoft-com:office:office" xmlns:v="urn:schemas-microsoft-com:vml" xmlns:pvml="urn:schemas-microsoft-com:office:powerpoint" xmlns:com="http://schemas.openxmlformats.org/drawingml/2006/compatibility" xmlns:p14="http://schemas.microsoft.com/office/powerpoint/2010/main" xmlns:p15="http://schemas.microsoft.com/office/powerpoint/2012/main" xmlns:ahyp="http://schemas.microsoft.com/office/drawing/2018/hyperlinkcolor" matchingName="Content with Caption" type="objTx">
+<p:sldLayout xmlns:a="http://schemas.openxmlformats.org/drawingml/2006/main" xmlns:r="http://schemas.openxmlformats.org/officeDocument/2006/relationships" xmlns:p="http://schemas.openxmlformats.org/presentationml/2006/main" matchingName="Content with Caption" type="objTx">
   <p:cSld name="OBJECT_WITH_CAPTION_TEXT">
     <p:spTree>
       <p:nvGrpSpPr>
-        <p:cNvPr id="54" name="Shape 54"/>
+        <p:cNvPr id="1" name="Shape 54"/>
         <p:cNvGrpSpPr/>
         <p:nvPr/>
       </p:nvGrpSpPr>
@@ -8270,7 +8511,9 @@
       <p:sp>
         <p:nvSpPr>
           <p:cNvPr id="55" name="Google Shape;55;p9"/>
-          <p:cNvSpPr txBox="1"/>
+          <p:cNvSpPr txBox="1">
+            <a:spLocks noGrp="1"/>
+          </p:cNvSpPr>
           <p:nvPr>
             <p:ph type="title"/>
           </p:nvPr>
@@ -8289,7 +8532,7 @@
           </a:ln>
         </p:spPr>
         <p:txBody>
-          <a:bodyPr anchorCtr="0" anchor="b" bIns="45700" lIns="91425" spcFirstLastPara="1" rIns="91425" wrap="square" tIns="45700">
+          <a:bodyPr spcFirstLastPara="1" wrap="square" lIns="91425" tIns="45700" rIns="91425" bIns="45700" anchor="b" anchorCtr="0">
             <a:normAutofit/>
           </a:bodyPr>
           <a:lstStyle>
@@ -8306,7 +8549,7 @@
               <a:buSzPts val="2000"/>
               <a:buFont typeface="Calibri"/>
               <a:buNone/>
-              <a:defRPr b="1" sz="2000"/>
+              <a:defRPr sz="2000" b="1"/>
             </a:lvl1pPr>
             <a:lvl2pPr lvl="1">
               <a:spcBef>
@@ -8397,15 +8640,19 @@
               <a:defRPr/>
             </a:lvl9pPr>
           </a:lstStyle>
-          <a:p/>
+          <a:p>
+            <a:endParaRPr/>
+          </a:p>
         </p:txBody>
       </p:sp>
       <p:sp>
         <p:nvSpPr>
           <p:cNvPr id="56" name="Google Shape;56;p9"/>
-          <p:cNvSpPr txBox="1"/>
+          <p:cNvSpPr txBox="1">
+            <a:spLocks noGrp="1"/>
+          </p:cNvSpPr>
           <p:nvPr>
-            <p:ph idx="1" type="body"/>
+            <p:ph type="body" idx="1"/>
           </p:nvPr>
         </p:nvSpPr>
         <p:spPr>
@@ -8422,11 +8669,11 @@
           </a:ln>
         </p:spPr>
         <p:txBody>
-          <a:bodyPr anchorCtr="0" anchor="t" bIns="45700" lIns="91425" spcFirstLastPara="1" rIns="91425" wrap="square" tIns="45700">
+          <a:bodyPr spcFirstLastPara="1" wrap="square" lIns="91425" tIns="45700" rIns="91425" bIns="45700" anchor="t" anchorCtr="0">
             <a:normAutofit/>
           </a:bodyPr>
           <a:lstStyle>
-            <a:lvl1pPr indent="-431800" lvl="0" marL="457200" algn="l">
+            <a:lvl1pPr marL="457200" lvl="0" indent="-431800" algn="l">
               <a:spcBef>
                 <a:spcPts val="640"/>
               </a:spcBef>
@@ -8440,7 +8687,7 @@
               <a:buChar char="•"/>
               <a:defRPr sz="3200"/>
             </a:lvl1pPr>
-            <a:lvl2pPr indent="-406400" lvl="1" marL="914400" algn="l">
+            <a:lvl2pPr marL="914400" lvl="1" indent="-406400" algn="l">
               <a:spcBef>
                 <a:spcPts val="560"/>
               </a:spcBef>
@@ -8454,7 +8701,7 @@
               <a:buChar char="–"/>
               <a:defRPr sz="2800"/>
             </a:lvl2pPr>
-            <a:lvl3pPr indent="-381000" lvl="2" marL="1371600" algn="l">
+            <a:lvl3pPr marL="1371600" lvl="2" indent="-381000" algn="l">
               <a:spcBef>
                 <a:spcPts val="480"/>
               </a:spcBef>
@@ -8468,7 +8715,7 @@
               <a:buChar char="•"/>
               <a:defRPr sz="2400"/>
             </a:lvl3pPr>
-            <a:lvl4pPr indent="-355600" lvl="3" marL="1828800" algn="l">
+            <a:lvl4pPr marL="1828800" lvl="3" indent="-355600" algn="l">
               <a:spcBef>
                 <a:spcPts val="400"/>
               </a:spcBef>
@@ -8482,7 +8729,7 @@
               <a:buChar char="–"/>
               <a:defRPr sz="2000"/>
             </a:lvl4pPr>
-            <a:lvl5pPr indent="-355600" lvl="4" marL="2286000" algn="l">
+            <a:lvl5pPr marL="2286000" lvl="4" indent="-355600" algn="l">
               <a:spcBef>
                 <a:spcPts val="400"/>
               </a:spcBef>
@@ -8496,7 +8743,7 @@
               <a:buChar char="»"/>
               <a:defRPr sz="2000"/>
             </a:lvl5pPr>
-            <a:lvl6pPr indent="-355600" lvl="5" marL="2743200" algn="l">
+            <a:lvl6pPr marL="2743200" lvl="5" indent="-355600" algn="l">
               <a:spcBef>
                 <a:spcPts val="400"/>
               </a:spcBef>
@@ -8510,7 +8757,7 @@
               <a:buChar char="•"/>
               <a:defRPr sz="2000"/>
             </a:lvl6pPr>
-            <a:lvl7pPr indent="-355600" lvl="6" marL="3200400" algn="l">
+            <a:lvl7pPr marL="3200400" lvl="6" indent="-355600" algn="l">
               <a:spcBef>
                 <a:spcPts val="400"/>
               </a:spcBef>
@@ -8524,7 +8771,7 @@
               <a:buChar char="•"/>
               <a:defRPr sz="2000"/>
             </a:lvl7pPr>
-            <a:lvl8pPr indent="-355600" lvl="7" marL="3657600" algn="l">
+            <a:lvl8pPr marL="3657600" lvl="7" indent="-355600" algn="l">
               <a:spcBef>
                 <a:spcPts val="400"/>
               </a:spcBef>
@@ -8538,7 +8785,7 @@
               <a:buChar char="•"/>
               <a:defRPr sz="2000"/>
             </a:lvl8pPr>
-            <a:lvl9pPr indent="-355600" lvl="8" marL="4114800" algn="l">
+            <a:lvl9pPr marL="4114800" lvl="8" indent="-355600" algn="l">
               <a:spcBef>
                 <a:spcPts val="400"/>
               </a:spcBef>
@@ -8553,15 +8800,19 @@
               <a:defRPr sz="2000"/>
             </a:lvl9pPr>
           </a:lstStyle>
-          <a:p/>
+          <a:p>
+            <a:endParaRPr/>
+          </a:p>
         </p:txBody>
       </p:sp>
       <p:sp>
         <p:nvSpPr>
           <p:cNvPr id="57" name="Google Shape;57;p9"/>
-          <p:cNvSpPr txBox="1"/>
+          <p:cNvSpPr txBox="1">
+            <a:spLocks noGrp="1"/>
+          </p:cNvSpPr>
           <p:nvPr>
-            <p:ph idx="2" type="body"/>
+            <p:ph type="body" idx="2"/>
           </p:nvPr>
         </p:nvSpPr>
         <p:spPr>
@@ -8578,11 +8829,11 @@
           </a:ln>
         </p:spPr>
         <p:txBody>
-          <a:bodyPr anchorCtr="0" anchor="t" bIns="45700" lIns="91425" spcFirstLastPara="1" rIns="91425" wrap="square" tIns="45700">
+          <a:bodyPr spcFirstLastPara="1" wrap="square" lIns="91425" tIns="45700" rIns="91425" bIns="45700" anchor="t" anchorCtr="0">
             <a:normAutofit/>
           </a:bodyPr>
           <a:lstStyle>
-            <a:lvl1pPr indent="-228600" lvl="0" marL="457200" algn="l">
+            <a:lvl1pPr marL="457200" lvl="0" indent="-228600" algn="l">
               <a:spcBef>
                 <a:spcPts val="280"/>
               </a:spcBef>
@@ -8596,7 +8847,7 @@
               <a:buNone/>
               <a:defRPr sz="1400"/>
             </a:lvl1pPr>
-            <a:lvl2pPr indent="-228600" lvl="1" marL="914400" algn="l">
+            <a:lvl2pPr marL="914400" lvl="1" indent="-228600" algn="l">
               <a:spcBef>
                 <a:spcPts val="240"/>
               </a:spcBef>
@@ -8610,7 +8861,7 @@
               <a:buNone/>
               <a:defRPr sz="1200"/>
             </a:lvl2pPr>
-            <a:lvl3pPr indent="-228600" lvl="2" marL="1371600" algn="l">
+            <a:lvl3pPr marL="1371600" lvl="2" indent="-228600" algn="l">
               <a:spcBef>
                 <a:spcPts val="200"/>
               </a:spcBef>
@@ -8624,7 +8875,7 @@
               <a:buNone/>
               <a:defRPr sz="1000"/>
             </a:lvl3pPr>
-            <a:lvl4pPr indent="-228600" lvl="3" marL="1828800" algn="l">
+            <a:lvl4pPr marL="1828800" lvl="3" indent="-228600" algn="l">
               <a:spcBef>
                 <a:spcPts val="180"/>
               </a:spcBef>
@@ -8638,7 +8889,7 @@
               <a:buNone/>
               <a:defRPr sz="900"/>
             </a:lvl4pPr>
-            <a:lvl5pPr indent="-228600" lvl="4" marL="2286000" algn="l">
+            <a:lvl5pPr marL="2286000" lvl="4" indent="-228600" algn="l">
               <a:spcBef>
                 <a:spcPts val="180"/>
               </a:spcBef>
@@ -8652,7 +8903,7 @@
               <a:buNone/>
               <a:defRPr sz="900"/>
             </a:lvl5pPr>
-            <a:lvl6pPr indent="-228600" lvl="5" marL="2743200" algn="l">
+            <a:lvl6pPr marL="2743200" lvl="5" indent="-228600" algn="l">
               <a:spcBef>
                 <a:spcPts val="180"/>
               </a:spcBef>
@@ -8666,7 +8917,7 @@
               <a:buNone/>
               <a:defRPr sz="900"/>
             </a:lvl6pPr>
-            <a:lvl7pPr indent="-228600" lvl="6" marL="3200400" algn="l">
+            <a:lvl7pPr marL="3200400" lvl="6" indent="-228600" algn="l">
               <a:spcBef>
                 <a:spcPts val="180"/>
               </a:spcBef>
@@ -8680,7 +8931,7 @@
               <a:buNone/>
               <a:defRPr sz="900"/>
             </a:lvl7pPr>
-            <a:lvl8pPr indent="-228600" lvl="7" marL="3657600" algn="l">
+            <a:lvl8pPr marL="3657600" lvl="7" indent="-228600" algn="l">
               <a:spcBef>
                 <a:spcPts val="180"/>
               </a:spcBef>
@@ -8694,7 +8945,7 @@
               <a:buNone/>
               <a:defRPr sz="900"/>
             </a:lvl8pPr>
-            <a:lvl9pPr indent="-228600" lvl="8" marL="4114800" algn="l">
+            <a:lvl9pPr marL="4114800" lvl="8" indent="-228600" algn="l">
               <a:spcBef>
                 <a:spcPts val="180"/>
               </a:spcBef>
@@ -8709,15 +8960,19 @@
               <a:defRPr sz="900"/>
             </a:lvl9pPr>
           </a:lstStyle>
-          <a:p/>
+          <a:p>
+            <a:endParaRPr/>
+          </a:p>
         </p:txBody>
       </p:sp>
       <p:sp>
         <p:nvSpPr>
           <p:cNvPr id="58" name="Google Shape;58;p9"/>
-          <p:cNvSpPr txBox="1"/>
+          <p:cNvSpPr txBox="1">
+            <a:spLocks noGrp="1"/>
+          </p:cNvSpPr>
           <p:nvPr>
-            <p:ph idx="10" type="dt"/>
+            <p:ph type="dt" idx="10"/>
           </p:nvPr>
         </p:nvSpPr>
         <p:spPr>
@@ -8734,7 +8989,7 @@
           </a:ln>
         </p:spPr>
         <p:txBody>
-          <a:bodyPr anchorCtr="0" anchor="ctr" bIns="45700" lIns="91425" spcFirstLastPara="1" rIns="91425" wrap="square" tIns="45700">
+          <a:bodyPr spcFirstLastPara="1" wrap="square" lIns="91425" tIns="45700" rIns="91425" bIns="45700" anchor="ctr" anchorCtr="0">
             <a:noAutofit/>
           </a:bodyPr>
           <a:lstStyle>
@@ -8838,15 +9093,19 @@
               <a:defRPr/>
             </a:lvl9pPr>
           </a:lstStyle>
-          <a:p/>
+          <a:p>
+            <a:endParaRPr/>
+          </a:p>
         </p:txBody>
       </p:sp>
       <p:sp>
         <p:nvSpPr>
           <p:cNvPr id="59" name="Google Shape;59;p9"/>
-          <p:cNvSpPr txBox="1"/>
+          <p:cNvSpPr txBox="1">
+            <a:spLocks noGrp="1"/>
+          </p:cNvSpPr>
           <p:nvPr>
-            <p:ph idx="11" type="ftr"/>
+            <p:ph type="ftr" idx="11"/>
           </p:nvPr>
         </p:nvSpPr>
         <p:spPr>
@@ -8863,7 +9122,7 @@
           </a:ln>
         </p:spPr>
         <p:txBody>
-          <a:bodyPr anchorCtr="0" anchor="ctr" bIns="45700" lIns="91425" spcFirstLastPara="1" rIns="91425" wrap="square" tIns="45700">
+          <a:bodyPr spcFirstLastPara="1" wrap="square" lIns="91425" tIns="45700" rIns="91425" bIns="45700" anchor="ctr" anchorCtr="0">
             <a:noAutofit/>
           </a:bodyPr>
           <a:lstStyle>
@@ -8967,15 +9226,19 @@
               <a:defRPr/>
             </a:lvl9pPr>
           </a:lstStyle>
-          <a:p/>
+          <a:p>
+            <a:endParaRPr/>
+          </a:p>
         </p:txBody>
       </p:sp>
       <p:sp>
         <p:nvSpPr>
           <p:cNvPr id="60" name="Google Shape;60;p9"/>
-          <p:cNvSpPr txBox="1"/>
+          <p:cNvSpPr txBox="1">
+            <a:spLocks noGrp="1"/>
+          </p:cNvSpPr>
           <p:nvPr>
-            <p:ph idx="12" type="sldNum"/>
+            <p:ph type="sldNum" idx="12"/>
           </p:nvPr>
         </p:nvSpPr>
         <p:spPr>
@@ -8992,67 +9255,67 @@
           </a:ln>
         </p:spPr>
         <p:txBody>
-          <a:bodyPr anchorCtr="0" anchor="ctr" bIns="45700" lIns="91425" spcFirstLastPara="1" rIns="91425" wrap="square" tIns="45700">
+          <a:bodyPr spcFirstLastPara="1" wrap="square" lIns="91425" tIns="45700" rIns="91425" bIns="45700" anchor="ctr" anchorCtr="0">
             <a:noAutofit/>
           </a:bodyPr>
           <a:lstStyle>
-            <a:lvl1pPr indent="0" lvl="0" marL="0" algn="r">
+            <a:lvl1pPr marL="0" lvl="0" indent="0" algn="r">
               <a:spcBef>
                 <a:spcPts val="0"/>
               </a:spcBef>
               <a:buNone/>
               <a:defRPr/>
             </a:lvl1pPr>
-            <a:lvl2pPr indent="0" lvl="1" marL="0" algn="r">
+            <a:lvl2pPr marL="0" lvl="1" indent="0" algn="r">
               <a:spcBef>
                 <a:spcPts val="0"/>
               </a:spcBef>
               <a:buNone/>
               <a:defRPr/>
             </a:lvl2pPr>
-            <a:lvl3pPr indent="0" lvl="2" marL="0" algn="r">
+            <a:lvl3pPr marL="0" lvl="2" indent="0" algn="r">
               <a:spcBef>
                 <a:spcPts val="0"/>
               </a:spcBef>
               <a:buNone/>
               <a:defRPr/>
             </a:lvl3pPr>
-            <a:lvl4pPr indent="0" lvl="3" marL="0" algn="r">
+            <a:lvl4pPr marL="0" lvl="3" indent="0" algn="r">
               <a:spcBef>
                 <a:spcPts val="0"/>
               </a:spcBef>
               <a:buNone/>
               <a:defRPr/>
             </a:lvl4pPr>
-            <a:lvl5pPr indent="0" lvl="4" marL="0" algn="r">
+            <a:lvl5pPr marL="0" lvl="4" indent="0" algn="r">
               <a:spcBef>
                 <a:spcPts val="0"/>
               </a:spcBef>
               <a:buNone/>
               <a:defRPr/>
             </a:lvl5pPr>
-            <a:lvl6pPr indent="0" lvl="5" marL="0" algn="r">
+            <a:lvl6pPr marL="0" lvl="5" indent="0" algn="r">
               <a:spcBef>
                 <a:spcPts val="0"/>
               </a:spcBef>
               <a:buNone/>
               <a:defRPr/>
             </a:lvl6pPr>
-            <a:lvl7pPr indent="0" lvl="6" marL="0" algn="r">
+            <a:lvl7pPr marL="0" lvl="6" indent="0" algn="r">
               <a:spcBef>
                 <a:spcPts val="0"/>
               </a:spcBef>
               <a:buNone/>
               <a:defRPr/>
             </a:lvl7pPr>
-            <a:lvl8pPr indent="0" lvl="7" marL="0" algn="r">
+            <a:lvl8pPr marL="0" lvl="7" indent="0" algn="r">
               <a:spcBef>
                 <a:spcPts val="0"/>
               </a:spcBef>
               <a:buNone/>
               <a:defRPr/>
             </a:lvl8pPr>
-            <a:lvl9pPr indent="0" lvl="8" marL="0" algn="r">
+            <a:lvl9pPr marL="0" lvl="8" indent="0" algn="r">
               <a:spcBef>
                 <a:spcPts val="0"/>
               </a:spcBef>
@@ -9061,7 +9324,7 @@
             </a:lvl9pPr>
           </a:lstStyle>
           <a:p>
-            <a:pPr indent="0" lvl="0" marL="0" rtl="0" algn="r">
+            <a:pPr marL="0" lvl="0" indent="0" algn="r" rtl="0">
               <a:spcBef>
                 <a:spcPts val="0"/>
               </a:spcBef>
@@ -9087,11 +9350,11 @@
 </file>
 
 <file path=ppt/slideLayouts/slideLayout9.xml><?xml version="1.0" encoding="utf-8"?>
-<p:sldLayout xmlns:a="http://schemas.openxmlformats.org/drawingml/2006/main" xmlns:r="http://schemas.openxmlformats.org/officeDocument/2006/relationships" xmlns:mc="http://schemas.openxmlformats.org/markup-compatibility/2006" xmlns:mv="urn:schemas-microsoft-com:mac:vml" xmlns:p="http://schemas.openxmlformats.org/presentationml/2006/main" xmlns:c="http://schemas.openxmlformats.org/drawingml/2006/chart" xmlns:dgm="http://schemas.openxmlformats.org/drawingml/2006/diagram" xmlns:o="urn:schemas-microsoft-com:office:office" xmlns:v="urn:schemas-microsoft-com:vml" xmlns:pvml="urn:schemas-microsoft-com:office:powerpoint" xmlns:com="http://schemas.openxmlformats.org/drawingml/2006/compatibility" xmlns:p14="http://schemas.microsoft.com/office/powerpoint/2010/main" xmlns:p15="http://schemas.microsoft.com/office/powerpoint/2012/main" xmlns:ahyp="http://schemas.microsoft.com/office/drawing/2018/hyperlinkcolor" matchingName="Picture with Caption" type="picTx">
+<p:sldLayout xmlns:a="http://schemas.openxmlformats.org/drawingml/2006/main" xmlns:r="http://schemas.openxmlformats.org/officeDocument/2006/relationships" xmlns:p="http://schemas.openxmlformats.org/presentationml/2006/main" matchingName="Picture with Caption" type="picTx">
   <p:cSld name="PICTURE_WITH_CAPTION_TEXT">
     <p:spTree>
       <p:nvGrpSpPr>
-        <p:cNvPr id="61" name="Shape 61"/>
+        <p:cNvPr id="1" name="Shape 61"/>
         <p:cNvGrpSpPr/>
         <p:nvPr/>
       </p:nvGrpSpPr>
@@ -9106,7 +9369,9 @@
       <p:sp>
         <p:nvSpPr>
           <p:cNvPr id="62" name="Google Shape;62;p10"/>
-          <p:cNvSpPr txBox="1"/>
+          <p:cNvSpPr txBox="1">
+            <a:spLocks noGrp="1"/>
+          </p:cNvSpPr>
           <p:nvPr>
             <p:ph type="title"/>
           </p:nvPr>
@@ -9125,7 +9390,7 @@
           </a:ln>
         </p:spPr>
         <p:txBody>
-          <a:bodyPr anchorCtr="0" anchor="b" bIns="45700" lIns="91425" spcFirstLastPara="1" rIns="91425" wrap="square" tIns="45700">
+          <a:bodyPr spcFirstLastPara="1" wrap="square" lIns="91425" tIns="45700" rIns="91425" bIns="45700" anchor="b" anchorCtr="0">
             <a:normAutofit/>
           </a:bodyPr>
           <a:lstStyle>
@@ -9142,7 +9407,7 @@
               <a:buSzPts val="2000"/>
               <a:buFont typeface="Calibri"/>
               <a:buNone/>
-              <a:defRPr b="1" sz="2000"/>
+              <a:defRPr sz="2000" b="1"/>
             </a:lvl1pPr>
             <a:lvl2pPr lvl="1">
               <a:spcBef>
@@ -9233,15 +9498,19 @@
               <a:defRPr/>
             </a:lvl9pPr>
           </a:lstStyle>
-          <a:p/>
+          <a:p>
+            <a:endParaRPr/>
+          </a:p>
         </p:txBody>
       </p:sp>
       <p:sp>
         <p:nvSpPr>
           <p:cNvPr id="63" name="Google Shape;63;p10"/>
-          <p:cNvSpPr/>
+          <p:cNvSpPr>
+            <a:spLocks noGrp="1"/>
+          </p:cNvSpPr>
           <p:nvPr>
-            <p:ph idx="2" type="pic"/>
+            <p:ph type="pic" idx="2"/>
           </p:nvPr>
         </p:nvSpPr>
         <p:spPr>
@@ -9261,9 +9530,11 @@
       <p:sp>
         <p:nvSpPr>
           <p:cNvPr id="64" name="Google Shape;64;p10"/>
-          <p:cNvSpPr txBox="1"/>
+          <p:cNvSpPr txBox="1">
+            <a:spLocks noGrp="1"/>
+          </p:cNvSpPr>
           <p:nvPr>
-            <p:ph idx="1" type="body"/>
+            <p:ph type="body" idx="1"/>
           </p:nvPr>
         </p:nvSpPr>
         <p:spPr>
@@ -9280,11 +9551,11 @@
           </a:ln>
         </p:spPr>
         <p:txBody>
-          <a:bodyPr anchorCtr="0" anchor="t" bIns="45700" lIns="91425" spcFirstLastPara="1" rIns="91425" wrap="square" tIns="45700">
+          <a:bodyPr spcFirstLastPara="1" wrap="square" lIns="91425" tIns="45700" rIns="91425" bIns="45700" anchor="t" anchorCtr="0">
             <a:normAutofit/>
           </a:bodyPr>
           <a:lstStyle>
-            <a:lvl1pPr indent="-228600" lvl="0" marL="457200" algn="l">
+            <a:lvl1pPr marL="457200" lvl="0" indent="-228600" algn="l">
               <a:spcBef>
                 <a:spcPts val="280"/>
               </a:spcBef>
@@ -9298,7 +9569,7 @@
               <a:buNone/>
               <a:defRPr sz="1400"/>
             </a:lvl1pPr>
-            <a:lvl2pPr indent="-228600" lvl="1" marL="914400" algn="l">
+            <a:lvl2pPr marL="914400" lvl="1" indent="-228600" algn="l">
               <a:spcBef>
                 <a:spcPts val="240"/>
               </a:spcBef>
@@ -9312,7 +9583,7 @@
               <a:buNone/>
               <a:defRPr sz="1200"/>
             </a:lvl2pPr>
-            <a:lvl3pPr indent="-228600" lvl="2" marL="1371600" algn="l">
+            <a:lvl3pPr marL="1371600" lvl="2" indent="-228600" algn="l">
               <a:spcBef>
                 <a:spcPts val="200"/>
               </a:spcBef>
@@ -9326,7 +9597,7 @@
               <a:buNone/>
               <a:defRPr sz="1000"/>
             </a:lvl3pPr>
-            <a:lvl4pPr indent="-228600" lvl="3" marL="1828800" algn="l">
+            <a:lvl4pPr marL="1828800" lvl="3" indent="-228600" algn="l">
               <a:spcBef>
                 <a:spcPts val="180"/>
               </a:spcBef>
@@ -9340,7 +9611,7 @@
               <a:buNone/>
               <a:defRPr sz="900"/>
             </a:lvl4pPr>
-            <a:lvl5pPr indent="-228600" lvl="4" marL="2286000" algn="l">
+            <a:lvl5pPr marL="2286000" lvl="4" indent="-228600" algn="l">
               <a:spcBef>
                 <a:spcPts val="180"/>
               </a:spcBef>
@@ -9354,7 +9625,7 @@
               <a:buNone/>
               <a:defRPr sz="900"/>
             </a:lvl5pPr>
-            <a:lvl6pPr indent="-228600" lvl="5" marL="2743200" algn="l">
+            <a:lvl6pPr marL="2743200" lvl="5" indent="-228600" algn="l">
               <a:spcBef>
                 <a:spcPts val="180"/>
               </a:spcBef>
@@ -9368,7 +9639,7 @@
               <a:buNone/>
               <a:defRPr sz="900"/>
             </a:lvl6pPr>
-            <a:lvl7pPr indent="-228600" lvl="6" marL="3200400" algn="l">
+            <a:lvl7pPr marL="3200400" lvl="6" indent="-228600" algn="l">
               <a:spcBef>
                 <a:spcPts val="180"/>
               </a:spcBef>
@@ -9382,7 +9653,7 @@
               <a:buNone/>
               <a:defRPr sz="900"/>
             </a:lvl7pPr>
-            <a:lvl8pPr indent="-228600" lvl="7" marL="3657600" algn="l">
+            <a:lvl8pPr marL="3657600" lvl="7" indent="-228600" algn="l">
               <a:spcBef>
                 <a:spcPts val="180"/>
               </a:spcBef>
@@ -9396,7 +9667,7 @@
               <a:buNone/>
               <a:defRPr sz="900"/>
             </a:lvl8pPr>
-            <a:lvl9pPr indent="-228600" lvl="8" marL="4114800" algn="l">
+            <a:lvl9pPr marL="4114800" lvl="8" indent="-228600" algn="l">
               <a:spcBef>
                 <a:spcPts val="180"/>
               </a:spcBef>
@@ -9411,15 +9682,19 @@
               <a:defRPr sz="900"/>
             </a:lvl9pPr>
           </a:lstStyle>
-          <a:p/>
+          <a:p>
+            <a:endParaRPr/>
+          </a:p>
         </p:txBody>
       </p:sp>
       <p:sp>
         <p:nvSpPr>
           <p:cNvPr id="65" name="Google Shape;65;p10"/>
-          <p:cNvSpPr txBox="1"/>
+          <p:cNvSpPr txBox="1">
+            <a:spLocks noGrp="1"/>
+          </p:cNvSpPr>
           <p:nvPr>
-            <p:ph idx="10" type="dt"/>
+            <p:ph type="dt" idx="10"/>
           </p:nvPr>
         </p:nvSpPr>
         <p:spPr>
@@ -9436,7 +9711,7 @@
           </a:ln>
         </p:spPr>
         <p:txBody>
-          <a:bodyPr anchorCtr="0" anchor="ctr" bIns="45700" lIns="91425" spcFirstLastPara="1" rIns="91425" wrap="square" tIns="45700">
+          <a:bodyPr spcFirstLastPara="1" wrap="square" lIns="91425" tIns="45700" rIns="91425" bIns="45700" anchor="ctr" anchorCtr="0">
             <a:noAutofit/>
           </a:bodyPr>
           <a:lstStyle>
@@ -9540,15 +9815,19 @@
               <a:defRPr/>
             </a:lvl9pPr>
           </a:lstStyle>
-          <a:p/>
+          <a:p>
+            <a:endParaRPr/>
+          </a:p>
         </p:txBody>
       </p:sp>
       <p:sp>
         <p:nvSpPr>
           <p:cNvPr id="66" name="Google Shape;66;p10"/>
-          <p:cNvSpPr txBox="1"/>
+          <p:cNvSpPr txBox="1">
+            <a:spLocks noGrp="1"/>
+          </p:cNvSpPr>
           <p:nvPr>
-            <p:ph idx="11" type="ftr"/>
+            <p:ph type="ftr" idx="11"/>
           </p:nvPr>
         </p:nvSpPr>
         <p:spPr>
@@ -9565,7 +9844,7 @@
           </a:ln>
         </p:spPr>
         <p:txBody>
-          <a:bodyPr anchorCtr="0" anchor="ctr" bIns="45700" lIns="91425" spcFirstLastPara="1" rIns="91425" wrap="square" tIns="45700">
+          <a:bodyPr spcFirstLastPara="1" wrap="square" lIns="91425" tIns="45700" rIns="91425" bIns="45700" anchor="ctr" anchorCtr="0">
             <a:noAutofit/>
           </a:bodyPr>
           <a:lstStyle>
@@ -9669,15 +9948,19 @@
               <a:defRPr/>
             </a:lvl9pPr>
           </a:lstStyle>
-          <a:p/>
+          <a:p>
+            <a:endParaRPr/>
+          </a:p>
         </p:txBody>
       </p:sp>
       <p:sp>
         <p:nvSpPr>
           <p:cNvPr id="67" name="Google Shape;67;p10"/>
-          <p:cNvSpPr txBox="1"/>
+          <p:cNvSpPr txBox="1">
+            <a:spLocks noGrp="1"/>
+          </p:cNvSpPr>
           <p:nvPr>
-            <p:ph idx="12" type="sldNum"/>
+            <p:ph type="sldNum" idx="12"/>
           </p:nvPr>
         </p:nvSpPr>
         <p:spPr>
@@ -9694,67 +9977,67 @@
           </a:ln>
         </p:spPr>
         <p:txBody>
-          <a:bodyPr anchorCtr="0" anchor="ctr" bIns="45700" lIns="91425" spcFirstLastPara="1" rIns="91425" wrap="square" tIns="45700">
+          <a:bodyPr spcFirstLastPara="1" wrap="square" lIns="91425" tIns="45700" rIns="91425" bIns="45700" anchor="ctr" anchorCtr="0">
             <a:noAutofit/>
           </a:bodyPr>
           <a:lstStyle>
-            <a:lvl1pPr indent="0" lvl="0" marL="0" algn="r">
+            <a:lvl1pPr marL="0" lvl="0" indent="0" algn="r">
               <a:spcBef>
                 <a:spcPts val="0"/>
               </a:spcBef>
               <a:buNone/>
               <a:defRPr/>
             </a:lvl1pPr>
-            <a:lvl2pPr indent="0" lvl="1" marL="0" algn="r">
+            <a:lvl2pPr marL="0" lvl="1" indent="0" algn="r">
               <a:spcBef>
                 <a:spcPts val="0"/>
               </a:spcBef>
               <a:buNone/>
               <a:defRPr/>
             </a:lvl2pPr>
-            <a:lvl3pPr indent="0" lvl="2" marL="0" algn="r">
+            <a:lvl3pPr marL="0" lvl="2" indent="0" algn="r">
               <a:spcBef>
                 <a:spcPts val="0"/>
               </a:spcBef>
               <a:buNone/>
               <a:defRPr/>
             </a:lvl3pPr>
-            <a:lvl4pPr indent="0" lvl="3" marL="0" algn="r">
+            <a:lvl4pPr marL="0" lvl="3" indent="0" algn="r">
               <a:spcBef>
                 <a:spcPts val="0"/>
               </a:spcBef>
               <a:buNone/>
               <a:defRPr/>
             </a:lvl4pPr>
-            <a:lvl5pPr indent="0" lvl="4" marL="0" algn="r">
+            <a:lvl5pPr marL="0" lvl="4" indent="0" algn="r">
               <a:spcBef>
                 <a:spcPts val="0"/>
               </a:spcBef>
               <a:buNone/>
               <a:defRPr/>
             </a:lvl5pPr>
-            <a:lvl6pPr indent="0" lvl="5" marL="0" algn="r">
+            <a:lvl6pPr marL="0" lvl="5" indent="0" algn="r">
               <a:spcBef>
                 <a:spcPts val="0"/>
               </a:spcBef>
               <a:buNone/>
               <a:defRPr/>
             </a:lvl6pPr>
-            <a:lvl7pPr indent="0" lvl="6" marL="0" algn="r">
+            <a:lvl7pPr marL="0" lvl="6" indent="0" algn="r">
               <a:spcBef>
                 <a:spcPts val="0"/>
               </a:spcBef>
               <a:buNone/>
               <a:defRPr/>
             </a:lvl7pPr>
-            <a:lvl8pPr indent="0" lvl="7" marL="0" algn="r">
+            <a:lvl8pPr marL="0" lvl="7" indent="0" algn="r">
               <a:spcBef>
                 <a:spcPts val="0"/>
               </a:spcBef>
               <a:buNone/>
               <a:defRPr/>
             </a:lvl8pPr>
-            <a:lvl9pPr indent="0" lvl="8" marL="0" algn="r">
+            <a:lvl9pPr marL="0" lvl="8" indent="0" algn="r">
               <a:spcBef>
                 <a:spcPts val="0"/>
               </a:spcBef>
@@ -9763,7 +10046,7 @@
             </a:lvl9pPr>
           </a:lstStyle>
           <a:p>
-            <a:pPr indent="0" lvl="0" marL="0" rtl="0" algn="r">
+            <a:pPr marL="0" lvl="0" indent="0" algn="r" rtl="0">
               <a:spcBef>
                 <a:spcPts val="0"/>
               </a:spcBef>
@@ -9789,18 +10072,19 @@
 </file>
 
 <file path=ppt/slideMasters/slideMaster1.xml><?xml version="1.0" encoding="utf-8"?>
-<p:sldMaster xmlns:a="http://schemas.openxmlformats.org/drawingml/2006/main" xmlns:r="http://schemas.openxmlformats.org/officeDocument/2006/relationships" xmlns:mc="http://schemas.openxmlformats.org/markup-compatibility/2006" xmlns:mv="urn:schemas-microsoft-com:mac:vml" xmlns:p="http://schemas.openxmlformats.org/presentationml/2006/main" xmlns:c="http://schemas.openxmlformats.org/drawingml/2006/chart" xmlns:dgm="http://schemas.openxmlformats.org/drawingml/2006/diagram" xmlns:o="urn:schemas-microsoft-com:office:office" xmlns:v="urn:schemas-microsoft-com:vml" xmlns:pvml="urn:schemas-microsoft-com:office:powerpoint" xmlns:com="http://schemas.openxmlformats.org/drawingml/2006/compatibility" xmlns:p14="http://schemas.microsoft.com/office/powerpoint/2010/main" xmlns:p15="http://schemas.microsoft.com/office/powerpoint/2012/main" xmlns:ahyp="http://schemas.microsoft.com/office/drawing/2018/hyperlinkcolor">
+<p:sldMaster xmlns:a="http://schemas.openxmlformats.org/drawingml/2006/main" xmlns:r="http://schemas.openxmlformats.org/officeDocument/2006/relationships" xmlns:p="http://schemas.openxmlformats.org/presentationml/2006/main">
   <p:cSld>
     <p:bg>
       <p:bgPr>
         <a:solidFill>
           <a:schemeClr val="lt1"/>
         </a:solidFill>
+        <a:effectLst/>
       </p:bgPr>
     </p:bg>
     <p:spTree>
       <p:nvGrpSpPr>
-        <p:cNvPr id="5" name="Shape 5"/>
+        <p:cNvPr id="1" name="Shape 5"/>
         <p:cNvGrpSpPr/>
         <p:nvPr/>
       </p:nvGrpSpPr>
@@ -9815,7 +10099,9 @@
       <p:sp>
         <p:nvSpPr>
           <p:cNvPr id="6" name="Google Shape;6;p1"/>
-          <p:cNvSpPr txBox="1"/>
+          <p:cNvSpPr txBox="1">
+            <a:spLocks noGrp="1"/>
+          </p:cNvSpPr>
           <p:nvPr>
             <p:ph type="title"/>
           </p:nvPr>
@@ -9834,11 +10120,11 @@
           </a:ln>
         </p:spPr>
         <p:txBody>
-          <a:bodyPr anchorCtr="0" anchor="ctr" bIns="45700" lIns="91425" spcFirstLastPara="1" rIns="91425" wrap="square" tIns="45700">
+          <a:bodyPr spcFirstLastPara="1" wrap="square" lIns="91425" tIns="45700" rIns="91425" bIns="45700" anchor="ctr" anchorCtr="0">
             <a:normAutofit/>
           </a:bodyPr>
           <a:lstStyle>
-            <a:lvl1pPr lvl="0" marR="0" rtl="0" algn="ctr">
+            <a:lvl1pPr marR="0" lvl="0" algn="ctr" rtl="0">
               <a:spcBef>
                 <a:spcPts val="0"/>
               </a:spcBef>
@@ -9851,7 +10137,7 @@
               <a:buSzPts val="4400"/>
               <a:buFont typeface="Calibri"/>
               <a:buNone/>
-              <a:defRPr b="0" i="0" sz="4400" u="none" cap="none" strike="noStrike">
+              <a:defRPr sz="4400" b="0" i="0" u="none" strike="noStrike" cap="none">
                 <a:solidFill>
                   <a:schemeClr val="dk1"/>
                 </a:solidFill>
@@ -9950,15 +10236,19 @@
               <a:defRPr sz="1800"/>
             </a:lvl9pPr>
           </a:lstStyle>
-          <a:p/>
+          <a:p>
+            <a:endParaRPr/>
+          </a:p>
         </p:txBody>
       </p:sp>
       <p:sp>
         <p:nvSpPr>
           <p:cNvPr id="7" name="Google Shape;7;p1"/>
-          <p:cNvSpPr txBox="1"/>
+          <p:cNvSpPr txBox="1">
+            <a:spLocks noGrp="1"/>
+          </p:cNvSpPr>
           <p:nvPr>
-            <p:ph idx="1" type="body"/>
+            <p:ph type="body" idx="1"/>
           </p:nvPr>
         </p:nvSpPr>
         <p:spPr>
@@ -9975,11 +10265,11 @@
           </a:ln>
         </p:spPr>
         <p:txBody>
-          <a:bodyPr anchorCtr="0" anchor="t" bIns="45700" lIns="91425" spcFirstLastPara="1" rIns="91425" wrap="square" tIns="45700">
+          <a:bodyPr spcFirstLastPara="1" wrap="square" lIns="91425" tIns="45700" rIns="91425" bIns="45700" anchor="t" anchorCtr="0">
             <a:normAutofit/>
           </a:bodyPr>
           <a:lstStyle>
-            <a:lvl1pPr indent="-431800" lvl="0" marL="457200" marR="0" rtl="0" algn="l">
+            <a:lvl1pPr marL="457200" marR="0" lvl="0" indent="-431800" algn="l" rtl="0">
               <a:spcBef>
                 <a:spcPts val="640"/>
               </a:spcBef>
@@ -9992,7 +10282,7 @@
               <a:buSzPts val="3200"/>
               <a:buFont typeface="Arial"/>
               <a:buChar char="•"/>
-              <a:defRPr b="0" i="0" sz="3200" u="none" cap="none" strike="noStrike">
+              <a:defRPr sz="3200" b="0" i="0" u="none" strike="noStrike" cap="none">
                 <a:solidFill>
                   <a:schemeClr val="dk1"/>
                 </a:solidFill>
@@ -10002,7 +10292,7 @@
                 <a:sym typeface="Calibri"/>
               </a:defRPr>
             </a:lvl1pPr>
-            <a:lvl2pPr indent="-406400" lvl="1" marL="914400" marR="0" rtl="0" algn="l">
+            <a:lvl2pPr marL="914400" marR="0" lvl="1" indent="-406400" algn="l" rtl="0">
               <a:spcBef>
                 <a:spcPts val="560"/>
               </a:spcBef>
@@ -10015,7 +10305,7 @@
               <a:buSzPts val="2800"/>
               <a:buFont typeface="Arial"/>
               <a:buChar char="–"/>
-              <a:defRPr b="0" i="0" sz="2800" u="none" cap="none" strike="noStrike">
+              <a:defRPr sz="2800" b="0" i="0" u="none" strike="noStrike" cap="none">
                 <a:solidFill>
                   <a:schemeClr val="dk1"/>
                 </a:solidFill>
@@ -10025,7 +10315,7 @@
                 <a:sym typeface="Calibri"/>
               </a:defRPr>
             </a:lvl2pPr>
-            <a:lvl3pPr indent="-381000" lvl="2" marL="1371600" marR="0" rtl="0" algn="l">
+            <a:lvl3pPr marL="1371600" marR="0" lvl="2" indent="-381000" algn="l" rtl="0">
               <a:spcBef>
                 <a:spcPts val="480"/>
               </a:spcBef>
@@ -10038,7 +10328,7 @@
               <a:buSzPts val="2400"/>
               <a:buFont typeface="Arial"/>
               <a:buChar char="•"/>
-              <a:defRPr b="0" i="0" sz="2400" u="none" cap="none" strike="noStrike">
+              <a:defRPr sz="2400" b="0" i="0" u="none" strike="noStrike" cap="none">
                 <a:solidFill>
                   <a:schemeClr val="dk1"/>
                 </a:solidFill>
@@ -10048,7 +10338,7 @@
                 <a:sym typeface="Calibri"/>
               </a:defRPr>
             </a:lvl3pPr>
-            <a:lvl4pPr indent="-355600" lvl="3" marL="1828800" marR="0" rtl="0" algn="l">
+            <a:lvl4pPr marL="1828800" marR="0" lvl="3" indent="-355600" algn="l" rtl="0">
               <a:spcBef>
                 <a:spcPts val="400"/>
               </a:spcBef>
@@ -10061,7 +10351,7 @@
               <a:buSzPts val="2000"/>
               <a:buFont typeface="Arial"/>
               <a:buChar char="–"/>
-              <a:defRPr b="0" i="0" sz="2000" u="none" cap="none" strike="noStrike">
+              <a:defRPr sz="2000" b="0" i="0" u="none" strike="noStrike" cap="none">
                 <a:solidFill>
                   <a:schemeClr val="dk1"/>
                 </a:solidFill>
@@ -10071,7 +10361,7 @@
                 <a:sym typeface="Calibri"/>
               </a:defRPr>
             </a:lvl4pPr>
-            <a:lvl5pPr indent="-355600" lvl="4" marL="2286000" marR="0" rtl="0" algn="l">
+            <a:lvl5pPr marL="2286000" marR="0" lvl="4" indent="-355600" algn="l" rtl="0">
               <a:spcBef>
                 <a:spcPts val="400"/>
               </a:spcBef>
@@ -10084,7 +10374,7 @@
               <a:buSzPts val="2000"/>
               <a:buFont typeface="Arial"/>
               <a:buChar char="»"/>
-              <a:defRPr b="0" i="0" sz="2000" u="none" cap="none" strike="noStrike">
+              <a:defRPr sz="2000" b="0" i="0" u="none" strike="noStrike" cap="none">
                 <a:solidFill>
                   <a:schemeClr val="dk1"/>
                 </a:solidFill>
@@ -10094,7 +10384,7 @@
                 <a:sym typeface="Calibri"/>
               </a:defRPr>
             </a:lvl5pPr>
-            <a:lvl6pPr indent="-355600" lvl="5" marL="2743200" marR="0" rtl="0" algn="l">
+            <a:lvl6pPr marL="2743200" marR="0" lvl="5" indent="-355600" algn="l" rtl="0">
               <a:spcBef>
                 <a:spcPts val="400"/>
               </a:spcBef>
@@ -10107,7 +10397,7 @@
               <a:buSzPts val="2000"/>
               <a:buFont typeface="Arial"/>
               <a:buChar char="•"/>
-              <a:defRPr b="0" i="0" sz="2000" u="none" cap="none" strike="noStrike">
+              <a:defRPr sz="2000" b="0" i="0" u="none" strike="noStrike" cap="none">
                 <a:solidFill>
                   <a:schemeClr val="dk1"/>
                 </a:solidFill>
@@ -10117,7 +10407,7 @@
                 <a:sym typeface="Calibri"/>
               </a:defRPr>
             </a:lvl6pPr>
-            <a:lvl7pPr indent="-355600" lvl="6" marL="3200400" marR="0" rtl="0" algn="l">
+            <a:lvl7pPr marL="3200400" marR="0" lvl="6" indent="-355600" algn="l" rtl="0">
               <a:spcBef>
                 <a:spcPts val="400"/>
               </a:spcBef>
@@ -10130,7 +10420,7 @@
               <a:buSzPts val="2000"/>
               <a:buFont typeface="Arial"/>
               <a:buChar char="•"/>
-              <a:defRPr b="0" i="0" sz="2000" u="none" cap="none" strike="noStrike">
+              <a:defRPr sz="2000" b="0" i="0" u="none" strike="noStrike" cap="none">
                 <a:solidFill>
                   <a:schemeClr val="dk1"/>
                 </a:solidFill>
@@ -10140,7 +10430,7 @@
                 <a:sym typeface="Calibri"/>
               </a:defRPr>
             </a:lvl7pPr>
-            <a:lvl8pPr indent="-355600" lvl="7" marL="3657600" marR="0" rtl="0" algn="l">
+            <a:lvl8pPr marL="3657600" marR="0" lvl="7" indent="-355600" algn="l" rtl="0">
               <a:spcBef>
                 <a:spcPts val="400"/>
               </a:spcBef>
@@ -10153,7 +10443,7 @@
               <a:buSzPts val="2000"/>
               <a:buFont typeface="Arial"/>
               <a:buChar char="•"/>
-              <a:defRPr b="0" i="0" sz="2000" u="none" cap="none" strike="noStrike">
+              <a:defRPr sz="2000" b="0" i="0" u="none" strike="noStrike" cap="none">
                 <a:solidFill>
                   <a:schemeClr val="dk1"/>
                 </a:solidFill>
@@ -10163,7 +10453,7 @@
                 <a:sym typeface="Calibri"/>
               </a:defRPr>
             </a:lvl8pPr>
-            <a:lvl9pPr indent="-355600" lvl="8" marL="4114800" marR="0" rtl="0" algn="l">
+            <a:lvl9pPr marL="4114800" marR="0" lvl="8" indent="-355600" algn="l" rtl="0">
               <a:spcBef>
                 <a:spcPts val="400"/>
               </a:spcBef>
@@ -10176,7 +10466,7 @@
               <a:buSzPts val="2000"/>
               <a:buFont typeface="Arial"/>
               <a:buChar char="•"/>
-              <a:defRPr b="0" i="0" sz="2000" u="none" cap="none" strike="noStrike">
+              <a:defRPr sz="2000" b="0" i="0" u="none" strike="noStrike" cap="none">
                 <a:solidFill>
                   <a:schemeClr val="dk1"/>
                 </a:solidFill>
@@ -10187,15 +10477,19 @@
               </a:defRPr>
             </a:lvl9pPr>
           </a:lstStyle>
-          <a:p/>
+          <a:p>
+            <a:endParaRPr/>
+          </a:p>
         </p:txBody>
       </p:sp>
       <p:sp>
         <p:nvSpPr>
           <p:cNvPr id="8" name="Google Shape;8;p1"/>
-          <p:cNvSpPr txBox="1"/>
+          <p:cNvSpPr txBox="1">
+            <a:spLocks noGrp="1"/>
+          </p:cNvSpPr>
           <p:nvPr>
-            <p:ph idx="10" type="dt"/>
+            <p:ph type="dt" idx="10"/>
           </p:nvPr>
         </p:nvSpPr>
         <p:spPr>
@@ -10212,20 +10506,20 @@
           </a:ln>
         </p:spPr>
         <p:txBody>
-          <a:bodyPr anchorCtr="0" anchor="ctr" bIns="45700" lIns="91425" spcFirstLastPara="1" rIns="91425" wrap="square" tIns="45700">
+          <a:bodyPr spcFirstLastPara="1" wrap="square" lIns="91425" tIns="45700" rIns="91425" bIns="45700" anchor="ctr" anchorCtr="0">
             <a:noAutofit/>
           </a:bodyPr>
           <a:lstStyle>
-            <a:lvl1pPr lvl="0" marR="0" rtl="0" algn="l">
-              <a:spcBef>
-                <a:spcPts val="0"/>
-              </a:spcBef>
-              <a:spcAft>
-                <a:spcPts val="0"/>
-              </a:spcAft>
-              <a:buSzPts val="1400"/>
-              <a:buNone/>
-              <a:defRPr b="0" i="0" sz="1200" u="none" cap="none" strike="noStrike">
+            <a:lvl1pPr marR="0" lvl="0" algn="l" rtl="0">
+              <a:spcBef>
+                <a:spcPts val="0"/>
+              </a:spcBef>
+              <a:spcAft>
+                <a:spcPts val="0"/>
+              </a:spcAft>
+              <a:buSzPts val="1400"/>
+              <a:buNone/>
+              <a:defRPr sz="1200" b="0" i="0" u="none" strike="noStrike" cap="none">
                 <a:solidFill>
                   <a:srgbClr val="888888"/>
                 </a:solidFill>
@@ -10235,16 +10529,16 @@
                 <a:sym typeface="Calibri"/>
               </a:defRPr>
             </a:lvl1pPr>
-            <a:lvl2pPr lvl="1" marR="0" rtl="0" algn="l">
-              <a:spcBef>
-                <a:spcPts val="0"/>
-              </a:spcBef>
-              <a:spcAft>
-                <a:spcPts val="0"/>
-              </a:spcAft>
-              <a:buSzPts val="1400"/>
-              <a:buNone/>
-              <a:defRPr b="0" i="0" sz="1800" u="none" cap="none" strike="noStrike">
+            <a:lvl2pPr marR="0" lvl="1" algn="l" rtl="0">
+              <a:spcBef>
+                <a:spcPts val="0"/>
+              </a:spcBef>
+              <a:spcAft>
+                <a:spcPts val="0"/>
+              </a:spcAft>
+              <a:buSzPts val="1400"/>
+              <a:buNone/>
+              <a:defRPr sz="1800" b="0" i="0" u="none" strike="noStrike" cap="none">
                 <a:solidFill>
                   <a:schemeClr val="dk1"/>
                 </a:solidFill>
@@ -10254,16 +10548,16 @@
                 <a:sym typeface="Calibri"/>
               </a:defRPr>
             </a:lvl2pPr>
-            <a:lvl3pPr lvl="2" marR="0" rtl="0" algn="l">
-              <a:spcBef>
-                <a:spcPts val="0"/>
-              </a:spcBef>
-              <a:spcAft>
-                <a:spcPts val="0"/>
-              </a:spcAft>
-              <a:buSzPts val="1400"/>
-              <a:buNone/>
-              <a:defRPr b="0" i="0" sz="1800" u="none" cap="none" strike="noStrike">
+            <a:lvl3pPr marR="0" lvl="2" algn="l" rtl="0">
+              <a:spcBef>
+                <a:spcPts val="0"/>
+              </a:spcBef>
+              <a:spcAft>
+                <a:spcPts val="0"/>
+              </a:spcAft>
+              <a:buSzPts val="1400"/>
+              <a:buNone/>
+              <a:defRPr sz="1800" b="0" i="0" u="none" strike="noStrike" cap="none">
                 <a:solidFill>
                   <a:schemeClr val="dk1"/>
                 </a:solidFill>
@@ -10273,16 +10567,16 @@
                 <a:sym typeface="Calibri"/>
               </a:defRPr>
             </a:lvl3pPr>
-            <a:lvl4pPr lvl="3" marR="0" rtl="0" algn="l">
-              <a:spcBef>
-                <a:spcPts val="0"/>
-              </a:spcBef>
-              <a:spcAft>
-                <a:spcPts val="0"/>
-              </a:spcAft>
-              <a:buSzPts val="1400"/>
-              <a:buNone/>
-              <a:defRPr b="0" i="0" sz="1800" u="none" cap="none" strike="noStrike">
+            <a:lvl4pPr marR="0" lvl="3" algn="l" rtl="0">
+              <a:spcBef>
+                <a:spcPts val="0"/>
+              </a:spcBef>
+              <a:spcAft>
+                <a:spcPts val="0"/>
+              </a:spcAft>
+              <a:buSzPts val="1400"/>
+              <a:buNone/>
+              <a:defRPr sz="1800" b="0" i="0" u="none" strike="noStrike" cap="none">
                 <a:solidFill>
                   <a:schemeClr val="dk1"/>
                 </a:solidFill>
@@ -10292,16 +10586,16 @@
                 <a:sym typeface="Calibri"/>
               </a:defRPr>
             </a:lvl4pPr>
-            <a:lvl5pPr lvl="4" marR="0" rtl="0" algn="l">
-              <a:spcBef>
-                <a:spcPts val="0"/>
-              </a:spcBef>
-              <a:spcAft>
-                <a:spcPts val="0"/>
-              </a:spcAft>
-              <a:buSzPts val="1400"/>
-              <a:buNone/>
-              <a:defRPr b="0" i="0" sz="1800" u="none" cap="none" strike="noStrike">
+            <a:lvl5pPr marR="0" lvl="4" algn="l" rtl="0">
+              <a:spcBef>
+                <a:spcPts val="0"/>
+              </a:spcBef>
+              <a:spcAft>
+                <a:spcPts val="0"/>
+              </a:spcAft>
+              <a:buSzPts val="1400"/>
+              <a:buNone/>
+              <a:defRPr sz="1800" b="0" i="0" u="none" strike="noStrike" cap="none">
                 <a:solidFill>
                   <a:schemeClr val="dk1"/>
                 </a:solidFill>
@@ -10311,16 +10605,16 @@
                 <a:sym typeface="Calibri"/>
               </a:defRPr>
             </a:lvl5pPr>
-            <a:lvl6pPr lvl="5" marR="0" rtl="0" algn="l">
-              <a:spcBef>
-                <a:spcPts val="0"/>
-              </a:spcBef>
-              <a:spcAft>
-                <a:spcPts val="0"/>
-              </a:spcAft>
-              <a:buSzPts val="1400"/>
-              <a:buNone/>
-              <a:defRPr b="0" i="0" sz="1800" u="none" cap="none" strike="noStrike">
+            <a:lvl6pPr marR="0" lvl="5" algn="l" rtl="0">
+              <a:spcBef>
+                <a:spcPts val="0"/>
+              </a:spcBef>
+              <a:spcAft>
+                <a:spcPts val="0"/>
+              </a:spcAft>
+              <a:buSzPts val="1400"/>
+              <a:buNone/>
+              <a:defRPr sz="1800" b="0" i="0" u="none" strike="noStrike" cap="none">
                 <a:solidFill>
                   <a:schemeClr val="dk1"/>
                 </a:solidFill>
@@ -10330,16 +10624,16 @@
                 <a:sym typeface="Calibri"/>
               </a:defRPr>
             </a:lvl6pPr>
-            <a:lvl7pPr lvl="6" marR="0" rtl="0" algn="l">
-              <a:spcBef>
-                <a:spcPts val="0"/>
-              </a:spcBef>
-              <a:spcAft>
-                <a:spcPts val="0"/>
-              </a:spcAft>
-              <a:buSzPts val="1400"/>
-              <a:buNone/>
-              <a:defRPr b="0" i="0" sz="1800" u="none" cap="none" strike="noStrike">
+            <a:lvl7pPr marR="0" lvl="6" algn="l" rtl="0">
+              <a:spcBef>
+                <a:spcPts val="0"/>
+              </a:spcBef>
+              <a:spcAft>
+                <a:spcPts val="0"/>
+              </a:spcAft>
+              <a:buSzPts val="1400"/>
+              <a:buNone/>
+              <a:defRPr sz="1800" b="0" i="0" u="none" strike="noStrike" cap="none">
                 <a:solidFill>
                   <a:schemeClr val="dk1"/>
                 </a:solidFill>
@@ -10349,16 +10643,16 @@
                 <a:sym typeface="Calibri"/>
               </a:defRPr>
             </a:lvl7pPr>
-            <a:lvl8pPr lvl="7" marR="0" rtl="0" algn="l">
-              <a:spcBef>
-                <a:spcPts val="0"/>
-              </a:spcBef>
-              <a:spcAft>
-                <a:spcPts val="0"/>
-              </a:spcAft>
-              <a:buSzPts val="1400"/>
-              <a:buNone/>
-              <a:defRPr b="0" i="0" sz="1800" u="none" cap="none" strike="noStrike">
+            <a:lvl8pPr marR="0" lvl="7" algn="l" rtl="0">
+              <a:spcBef>
+                <a:spcPts val="0"/>
+              </a:spcBef>
+              <a:spcAft>
+                <a:spcPts val="0"/>
+              </a:spcAft>
+              <a:buSzPts val="1400"/>
+              <a:buNone/>
+              <a:defRPr sz="1800" b="0" i="0" u="none" strike="noStrike" cap="none">
                 <a:solidFill>
                   <a:schemeClr val="dk1"/>
                 </a:solidFill>
@@ -10368,16 +10662,16 @@
                 <a:sym typeface="Calibri"/>
               </a:defRPr>
             </a:lvl8pPr>
-            <a:lvl9pPr lvl="8" marR="0" rtl="0" algn="l">
-              <a:spcBef>
-                <a:spcPts val="0"/>
-              </a:spcBef>
-              <a:spcAft>
-                <a:spcPts val="0"/>
-              </a:spcAft>
-              <a:buSzPts val="1400"/>
-              <a:buNone/>
-              <a:defRPr b="0" i="0" sz="1800" u="none" cap="none" strike="noStrike">
+            <a:lvl9pPr marR="0" lvl="8" algn="l" rtl="0">
+              <a:spcBef>
+                <a:spcPts val="0"/>
+              </a:spcBef>
+              <a:spcAft>
+                <a:spcPts val="0"/>
+              </a:spcAft>
+              <a:buSzPts val="1400"/>
+              <a:buNone/>
+              <a:defRPr sz="1800" b="0" i="0" u="none" strike="noStrike" cap="none">
                 <a:solidFill>
                   <a:schemeClr val="dk1"/>
                 </a:solidFill>
@@ -10388,15 +10682,19 @@
               </a:defRPr>
             </a:lvl9pPr>
           </a:lstStyle>
-          <a:p/>
+          <a:p>
+            <a:endParaRPr/>
+          </a:p>
         </p:txBody>
       </p:sp>
       <p:sp>
         <p:nvSpPr>
           <p:cNvPr id="9" name="Google Shape;9;p1"/>
-          <p:cNvSpPr txBox="1"/>
+          <p:cNvSpPr txBox="1">
+            <a:spLocks noGrp="1"/>
+          </p:cNvSpPr>
           <p:nvPr>
-            <p:ph idx="11" type="ftr"/>
+            <p:ph type="ftr" idx="11"/>
           </p:nvPr>
         </p:nvSpPr>
         <p:spPr>
@@ -10413,20 +10711,20 @@
           </a:ln>
         </p:spPr>
         <p:txBody>
-          <a:bodyPr anchorCtr="0" anchor="ctr" bIns="45700" lIns="91425" spcFirstLastPara="1" rIns="91425" wrap="square" tIns="45700">
+          <a:bodyPr spcFirstLastPara="1" wrap="square" lIns="91425" tIns="45700" rIns="91425" bIns="45700" anchor="ctr" anchorCtr="0">
             <a:noAutofit/>
           </a:bodyPr>
           <a:lstStyle>
-            <a:lvl1pPr lvl="0" marR="0" rtl="0" algn="ctr">
-              <a:spcBef>
-                <a:spcPts val="0"/>
-              </a:spcBef>
-              <a:spcAft>
-                <a:spcPts val="0"/>
-              </a:spcAft>
-              <a:buSzPts val="1400"/>
-              <a:buNone/>
-              <a:defRPr b="0" i="0" sz="1200" u="none" cap="none" strike="noStrike">
+            <a:lvl1pPr marR="0" lvl="0" algn="ctr" rtl="0">
+              <a:spcBef>
+                <a:spcPts val="0"/>
+              </a:spcBef>
+              <a:spcAft>
+                <a:spcPts val="0"/>
+              </a:spcAft>
+              <a:buSzPts val="1400"/>
+              <a:buNone/>
+              <a:defRPr sz="1200" b="0" i="0" u="none" strike="noStrike" cap="none">
                 <a:solidFill>
                   <a:srgbClr val="888888"/>
                 </a:solidFill>
@@ -10436,16 +10734,16 @@
                 <a:sym typeface="Calibri"/>
               </a:defRPr>
             </a:lvl1pPr>
-            <a:lvl2pPr lvl="1" marR="0" rtl="0" algn="l">
-              <a:spcBef>
-                <a:spcPts val="0"/>
-              </a:spcBef>
-              <a:spcAft>
-                <a:spcPts val="0"/>
-              </a:spcAft>
-              <a:buSzPts val="1400"/>
-              <a:buNone/>
-              <a:defRPr b="0" i="0" sz="1800" u="none" cap="none" strike="noStrike">
+            <a:lvl2pPr marR="0" lvl="1" algn="l" rtl="0">
+              <a:spcBef>
+                <a:spcPts val="0"/>
+              </a:spcBef>
+              <a:spcAft>
+                <a:spcPts val="0"/>
+              </a:spcAft>
+              <a:buSzPts val="1400"/>
+              <a:buNone/>
+              <a:defRPr sz="1800" b="0" i="0" u="none" strike="noStrike" cap="none">
                 <a:solidFill>
                   <a:schemeClr val="dk1"/>
                 </a:solidFill>
@@ -10455,16 +10753,16 @@
                 <a:sym typeface="Calibri"/>
               </a:defRPr>
             </a:lvl2pPr>
-            <a:lvl3pPr lvl="2" marR="0" rtl="0" algn="l">
-              <a:spcBef>
-                <a:spcPts val="0"/>
-              </a:spcBef>
-              <a:spcAft>
-                <a:spcPts val="0"/>
-              </a:spcAft>
-              <a:buSzPts val="1400"/>
-              <a:buNone/>
-              <a:defRPr b="0" i="0" sz="1800" u="none" cap="none" strike="noStrike">
+            <a:lvl3pPr marR="0" lvl="2" algn="l" rtl="0">
+              <a:spcBef>
+                <a:spcPts val="0"/>
+              </a:spcBef>
+              <a:spcAft>
+                <a:spcPts val="0"/>
+              </a:spcAft>
+              <a:buSzPts val="1400"/>
+              <a:buNone/>
+              <a:defRPr sz="1800" b="0" i="0" u="none" strike="noStrike" cap="none">
                 <a:solidFill>
                   <a:schemeClr val="dk1"/>
                 </a:solidFill>
@@ -10474,16 +10772,16 @@
                 <a:sym typeface="Calibri"/>
               </a:defRPr>
             </a:lvl3pPr>
-            <a:lvl4pPr lvl="3" marR="0" rtl="0" algn="l">
-              <a:spcBef>
-                <a:spcPts val="0"/>
-              </a:spcBef>
-              <a:spcAft>
-                <a:spcPts val="0"/>
-              </a:spcAft>
-              <a:buSzPts val="1400"/>
-              <a:buNone/>
-              <a:defRPr b="0" i="0" sz="1800" u="none" cap="none" strike="noStrike">
+            <a:lvl4pPr marR="0" lvl="3" algn="l" rtl="0">
+              <a:spcBef>
+                <a:spcPts val="0"/>
+              </a:spcBef>
+              <a:spcAft>
+                <a:spcPts val="0"/>
+              </a:spcAft>
+              <a:buSzPts val="1400"/>
+              <a:buNone/>
+              <a:defRPr sz="1800" b="0" i="0" u="none" strike="noStrike" cap="none">
                 <a:solidFill>
                   <a:schemeClr val="dk1"/>
                 </a:solidFill>
@@ -10493,16 +10791,16 @@
                 <a:sym typeface="Calibri"/>
               </a:defRPr>
             </a:lvl4pPr>
-            <a:lvl5pPr lvl="4" marR="0" rtl="0" algn="l">
-              <a:spcBef>
-                <a:spcPts val="0"/>
-              </a:spcBef>
-              <a:spcAft>
-                <a:spcPts val="0"/>
-              </a:spcAft>
-              <a:buSzPts val="1400"/>
-              <a:buNone/>
-              <a:defRPr b="0" i="0" sz="1800" u="none" cap="none" strike="noStrike">
+            <a:lvl5pPr marR="0" lvl="4" algn="l" rtl="0">
+              <a:spcBef>
+                <a:spcPts val="0"/>
+              </a:spcBef>
+              <a:spcAft>
+                <a:spcPts val="0"/>
+              </a:spcAft>
+              <a:buSzPts val="1400"/>
+              <a:buNone/>
+              <a:defRPr sz="1800" b="0" i="0" u="none" strike="noStrike" cap="none">
                 <a:solidFill>
                   <a:schemeClr val="dk1"/>
                 </a:solidFill>
@@ -10512,16 +10810,16 @@
                 <a:sym typeface="Calibri"/>
               </a:defRPr>
             </a:lvl5pPr>
-            <a:lvl6pPr lvl="5" marR="0" rtl="0" algn="l">
-              <a:spcBef>
-                <a:spcPts val="0"/>
-              </a:spcBef>
-              <a:spcAft>
-                <a:spcPts val="0"/>
-              </a:spcAft>
-              <a:buSzPts val="1400"/>
-              <a:buNone/>
-              <a:defRPr b="0" i="0" sz="1800" u="none" cap="none" strike="noStrike">
+            <a:lvl6pPr marR="0" lvl="5" algn="l" rtl="0">
+              <a:spcBef>
+                <a:spcPts val="0"/>
+              </a:spcBef>
+              <a:spcAft>
+                <a:spcPts val="0"/>
+              </a:spcAft>
+              <a:buSzPts val="1400"/>
+              <a:buNone/>
+              <a:defRPr sz="1800" b="0" i="0" u="none" strike="noStrike" cap="none">
                 <a:solidFill>
                   <a:schemeClr val="dk1"/>
                 </a:solidFill>
@@ -10531,16 +10829,16 @@
                 <a:sym typeface="Calibri"/>
               </a:defRPr>
             </a:lvl6pPr>
-            <a:lvl7pPr lvl="6" marR="0" rtl="0" algn="l">
-              <a:spcBef>
-                <a:spcPts val="0"/>
-              </a:spcBef>
-              <a:spcAft>
-                <a:spcPts val="0"/>
-              </a:spcAft>
-              <a:buSzPts val="1400"/>
-              <a:buNone/>
-              <a:defRPr b="0" i="0" sz="1800" u="none" cap="none" strike="noStrike">
+            <a:lvl7pPr marR="0" lvl="6" algn="l" rtl="0">
+              <a:spcBef>
+                <a:spcPts val="0"/>
+              </a:spcBef>
+              <a:spcAft>
+                <a:spcPts val="0"/>
+              </a:spcAft>
+              <a:buSzPts val="1400"/>
+              <a:buNone/>
+              <a:defRPr sz="1800" b="0" i="0" u="none" strike="noStrike" cap="none">
                 <a:solidFill>
                   <a:schemeClr val="dk1"/>
                 </a:solidFill>
@@ -10550,16 +10848,16 @@
                 <a:sym typeface="Calibri"/>
               </a:defRPr>
             </a:lvl7pPr>
-            <a:lvl8pPr lvl="7" marR="0" rtl="0" algn="l">
-              <a:spcBef>
-                <a:spcPts val="0"/>
-              </a:spcBef>
-              <a:spcAft>
-                <a:spcPts val="0"/>
-              </a:spcAft>
-              <a:buSzPts val="1400"/>
-              <a:buNone/>
-              <a:defRPr b="0" i="0" sz="1800" u="none" cap="none" strike="noStrike">
+            <a:lvl8pPr marR="0" lvl="7" algn="l" rtl="0">
+              <a:spcBef>
+                <a:spcPts val="0"/>
+              </a:spcBef>
+              <a:spcAft>
+                <a:spcPts val="0"/>
+              </a:spcAft>
+              <a:buSzPts val="1400"/>
+              <a:buNone/>
+              <a:defRPr sz="1800" b="0" i="0" u="none" strike="noStrike" cap="none">
                 <a:solidFill>
                   <a:schemeClr val="dk1"/>
                 </a:solidFill>
@@ -10569,16 +10867,16 @@
                 <a:sym typeface="Calibri"/>
               </a:defRPr>
             </a:lvl8pPr>
-            <a:lvl9pPr lvl="8" marR="0" rtl="0" algn="l">
-              <a:spcBef>
-                <a:spcPts val="0"/>
-              </a:spcBef>
-              <a:spcAft>
-                <a:spcPts val="0"/>
-              </a:spcAft>
-              <a:buSzPts val="1400"/>
-              <a:buNone/>
-              <a:defRPr b="0" i="0" sz="1800" u="none" cap="none" strike="noStrike">
+            <a:lvl9pPr marR="0" lvl="8" algn="l" rtl="0">
+              <a:spcBef>
+                <a:spcPts val="0"/>
+              </a:spcBef>
+              <a:spcAft>
+                <a:spcPts val="0"/>
+              </a:spcAft>
+              <a:buSzPts val="1400"/>
+              <a:buNone/>
+              <a:defRPr sz="1800" b="0" i="0" u="none" strike="noStrike" cap="none">
                 <a:solidFill>
                   <a:schemeClr val="dk1"/>
                 </a:solidFill>
@@ -10589,15 +10887,19 @@
               </a:defRPr>
             </a:lvl9pPr>
           </a:lstStyle>
-          <a:p/>
+          <a:p>
+            <a:endParaRPr/>
+          </a:p>
         </p:txBody>
       </p:sp>
       <p:sp>
         <p:nvSpPr>
           <p:cNvPr id="10" name="Google Shape;10;p1"/>
-          <p:cNvSpPr txBox="1"/>
+          <p:cNvSpPr txBox="1">
+            <a:spLocks noGrp="1"/>
+          </p:cNvSpPr>
           <p:nvPr>
-            <p:ph idx="12" type="sldNum"/>
+            <p:ph type="sldNum" idx="12"/>
           </p:nvPr>
         </p:nvSpPr>
         <p:spPr>
@@ -10614,16 +10916,16 @@
           </a:ln>
         </p:spPr>
         <p:txBody>
-          <a:bodyPr anchorCtr="0" anchor="ctr" bIns="45700" lIns="91425" spcFirstLastPara="1" rIns="91425" wrap="square" tIns="45700">
+          <a:bodyPr spcFirstLastPara="1" wrap="square" lIns="91425" tIns="45700" rIns="91425" bIns="45700" anchor="ctr" anchorCtr="0">
             <a:noAutofit/>
           </a:bodyPr>
           <a:lstStyle>
-            <a:lvl1pPr indent="0" lvl="0" marL="0" marR="0" rtl="0" algn="r">
-              <a:spcBef>
-                <a:spcPts val="0"/>
-              </a:spcBef>
-              <a:buNone/>
-              <a:defRPr b="0" i="0" sz="1200" u="none" cap="none" strike="noStrike">
+            <a:lvl1pPr marL="0" marR="0" lvl="0" indent="0" algn="r" rtl="0">
+              <a:spcBef>
+                <a:spcPts val="0"/>
+              </a:spcBef>
+              <a:buNone/>
+              <a:defRPr sz="1200" b="0" i="0" u="none" strike="noStrike" cap="none">
                 <a:solidFill>
                   <a:srgbClr val="888888"/>
                 </a:solidFill>
@@ -10633,12 +10935,12 @@
                 <a:sym typeface="Calibri"/>
               </a:defRPr>
             </a:lvl1pPr>
-            <a:lvl2pPr indent="0" lvl="1" marL="0" marR="0" rtl="0" algn="r">
-              <a:spcBef>
-                <a:spcPts val="0"/>
-              </a:spcBef>
-              <a:buNone/>
-              <a:defRPr b="0" i="0" sz="1200" u="none" cap="none" strike="noStrike">
+            <a:lvl2pPr marL="0" marR="0" lvl="1" indent="0" algn="r" rtl="0">
+              <a:spcBef>
+                <a:spcPts val="0"/>
+              </a:spcBef>
+              <a:buNone/>
+              <a:defRPr sz="1200" b="0" i="0" u="none" strike="noStrike" cap="none">
                 <a:solidFill>
                   <a:srgbClr val="888888"/>
                 </a:solidFill>
@@ -10648,12 +10950,12 @@
                 <a:sym typeface="Calibri"/>
               </a:defRPr>
             </a:lvl2pPr>
-            <a:lvl3pPr indent="0" lvl="2" marL="0" marR="0" rtl="0" algn="r">
-              <a:spcBef>
-                <a:spcPts val="0"/>
-              </a:spcBef>
-              <a:buNone/>
-              <a:defRPr b="0" i="0" sz="1200" u="none" cap="none" strike="noStrike">
+            <a:lvl3pPr marL="0" marR="0" lvl="2" indent="0" algn="r" rtl="0">
+              <a:spcBef>
+                <a:spcPts val="0"/>
+              </a:spcBef>
+              <a:buNone/>
+              <a:defRPr sz="1200" b="0" i="0" u="none" strike="noStrike" cap="none">
                 <a:solidFill>
                   <a:srgbClr val="888888"/>
                 </a:solidFill>
@@ -10663,12 +10965,12 @@
                 <a:sym typeface="Calibri"/>
               </a:defRPr>
             </a:lvl3pPr>
-            <a:lvl4pPr indent="0" lvl="3" marL="0" marR="0" rtl="0" algn="r">
-              <a:spcBef>
-                <a:spcPts val="0"/>
-              </a:spcBef>
-              <a:buNone/>
-              <a:defRPr b="0" i="0" sz="1200" u="none" cap="none" strike="noStrike">
+            <a:lvl4pPr marL="0" marR="0" lvl="3" indent="0" algn="r" rtl="0">
+              <a:spcBef>
+                <a:spcPts val="0"/>
+              </a:spcBef>
+              <a:buNone/>
+              <a:defRPr sz="1200" b="0" i="0" u="none" strike="noStrike" cap="none">
                 <a:solidFill>
                   <a:srgbClr val="888888"/>
                 </a:solidFill>
@@ -10678,12 +10980,12 @@
                 <a:sym typeface="Calibri"/>
               </a:defRPr>
             </a:lvl4pPr>
-            <a:lvl5pPr indent="0" lvl="4" marL="0" marR="0" rtl="0" algn="r">
-              <a:spcBef>
-                <a:spcPts val="0"/>
-              </a:spcBef>
-              <a:buNone/>
-              <a:defRPr b="0" i="0" sz="1200" u="none" cap="none" strike="noStrike">
+            <a:lvl5pPr marL="0" marR="0" lvl="4" indent="0" algn="r" rtl="0">
+              <a:spcBef>
+                <a:spcPts val="0"/>
+              </a:spcBef>
+              <a:buNone/>
+              <a:defRPr sz="1200" b="0" i="0" u="none" strike="noStrike" cap="none">
                 <a:solidFill>
                   <a:srgbClr val="888888"/>
                 </a:solidFill>
@@ -10693,12 +10995,12 @@
                 <a:sym typeface="Calibri"/>
               </a:defRPr>
             </a:lvl5pPr>
-            <a:lvl6pPr indent="0" lvl="5" marL="0" marR="0" rtl="0" algn="r">
-              <a:spcBef>
-                <a:spcPts val="0"/>
-              </a:spcBef>
-              <a:buNone/>
-              <a:defRPr b="0" i="0" sz="1200" u="none" cap="none" strike="noStrike">
+            <a:lvl6pPr marL="0" marR="0" lvl="5" indent="0" algn="r" rtl="0">
+              <a:spcBef>
+                <a:spcPts val="0"/>
+              </a:spcBef>
+              <a:buNone/>
+              <a:defRPr sz="1200" b="0" i="0" u="none" strike="noStrike" cap="none">
                 <a:solidFill>
                   <a:srgbClr val="888888"/>
                 </a:solidFill>
@@ -10708,12 +11010,12 @@
                 <a:sym typeface="Calibri"/>
               </a:defRPr>
             </a:lvl6pPr>
-            <a:lvl7pPr indent="0" lvl="6" marL="0" marR="0" rtl="0" algn="r">
-              <a:spcBef>
-                <a:spcPts val="0"/>
-              </a:spcBef>
-              <a:buNone/>
-              <a:defRPr b="0" i="0" sz="1200" u="none" cap="none" strike="noStrike">
+            <a:lvl7pPr marL="0" marR="0" lvl="6" indent="0" algn="r" rtl="0">
+              <a:spcBef>
+                <a:spcPts val="0"/>
+              </a:spcBef>
+              <a:buNone/>
+              <a:defRPr sz="1200" b="0" i="0" u="none" strike="noStrike" cap="none">
                 <a:solidFill>
                   <a:srgbClr val="888888"/>
                 </a:solidFill>
@@ -10723,12 +11025,12 @@
                 <a:sym typeface="Calibri"/>
               </a:defRPr>
             </a:lvl7pPr>
-            <a:lvl8pPr indent="0" lvl="7" marL="0" marR="0" rtl="0" algn="r">
-              <a:spcBef>
-                <a:spcPts val="0"/>
-              </a:spcBef>
-              <a:buNone/>
-              <a:defRPr b="0" i="0" sz="1200" u="none" cap="none" strike="noStrike">
+            <a:lvl8pPr marL="0" marR="0" lvl="7" indent="0" algn="r" rtl="0">
+              <a:spcBef>
+                <a:spcPts val="0"/>
+              </a:spcBef>
+              <a:buNone/>
+              <a:defRPr sz="1200" b="0" i="0" u="none" strike="noStrike" cap="none">
                 <a:solidFill>
                   <a:srgbClr val="888888"/>
                 </a:solidFill>
@@ -10738,12 +11040,12 @@
                 <a:sym typeface="Calibri"/>
               </a:defRPr>
             </a:lvl8pPr>
-            <a:lvl9pPr indent="0" lvl="8" marL="0" marR="0" rtl="0" algn="r">
-              <a:spcBef>
-                <a:spcPts val="0"/>
-              </a:spcBef>
-              <a:buNone/>
-              <a:defRPr b="0" i="0" sz="1200" u="none" cap="none" strike="noStrike">
+            <a:lvl9pPr marL="0" marR="0" lvl="8" indent="0" algn="r" rtl="0">
+              <a:spcBef>
+                <a:spcPts val="0"/>
+              </a:spcBef>
+              <a:buNone/>
+              <a:defRPr sz="1200" b="0" i="0" u="none" strike="noStrike" cap="none">
                 <a:solidFill>
                   <a:srgbClr val="888888"/>
                 </a:solidFill>
@@ -10755,7 +11057,7 @@
             </a:lvl9pPr>
           </a:lstStyle>
           <a:p>
-            <a:pPr indent="0" lvl="0" marL="0" rtl="0" algn="r">
+            <a:pPr marL="0" lvl="0" indent="0" algn="r" rtl="0">
               <a:spcBef>
                 <a:spcPts val="0"/>
               </a:spcBef>
@@ -10774,7 +11076,7 @@
       </p:sp>
     </p:spTree>
   </p:cSld>
-  <p:clrMap accent1="accent1" accent2="accent2" accent3="accent3" accent4="accent4" accent5="accent5" accent6="accent6" bg1="lt1" bg2="dk2" tx1="dk1" tx2="lt2" folHlink="folHlink" hlink="hlink"/>
+  <p:clrMap bg1="lt1" tx1="dk1" bg2="dk2" tx2="lt2" accent1="accent1" accent2="accent2" accent3="accent3" accent4="accent4" accent5="accent5" accent6="accent6" hlink="hlink" folHlink="folHlink"/>
   <p:sldLayoutIdLst>
     <p:sldLayoutId id="2147483648" r:id="rId1"/>
     <p:sldLayoutId id="2147483649" r:id="rId2"/>
@@ -10788,10 +11090,10 @@
     <p:sldLayoutId id="2147483657" r:id="rId10"/>
     <p:sldLayoutId id="2147483658" r:id="rId11"/>
   </p:sldLayoutIdLst>
-  <p:hf dt="0" ftr="0" hdr="0" sldNum="0"/>
+  <p:hf sldNum="0" hdr="0" ftr="0" dt="0"/>
   <p:txStyles>
     <p:titleStyle>
-      <a:defPPr lvl="0" marR="0" rtl="0" algn="l">
+      <a:defPPr marR="0" lvl="0" algn="l" rtl="0">
         <a:lnSpc>
           <a:spcPct val="100000"/>
         </a:lnSpc>
@@ -10802,7 +11104,7 @@
           <a:spcPts val="0"/>
         </a:spcAft>
       </a:defPPr>
-      <a:lvl1pPr lvl="0" marR="0" rtl="0" algn="l">
+      <a:lvl1pPr marR="0" lvl="0" algn="l" rtl="0">
         <a:lnSpc>
           <a:spcPct val="100000"/>
         </a:lnSpc>
@@ -10816,7 +11118,7 @@
           <a:srgbClr val="000000"/>
         </a:buClr>
         <a:buFont typeface="Arial"/>
-        <a:defRPr b="0" i="0" sz="1400" u="none" cap="none" strike="noStrike">
+        <a:defRPr sz="1400" b="0" i="0" u="none" strike="noStrike" cap="none">
           <a:solidFill>
             <a:srgbClr val="000000"/>
           </a:solidFill>
@@ -10826,7 +11128,7 @@
           <a:sym typeface="Arial"/>
         </a:defRPr>
       </a:lvl1pPr>
-      <a:lvl2pPr lvl="1" marR="0" rtl="0" algn="l">
+      <a:lvl2pPr marR="0" lvl="1" algn="l" rtl="0">
         <a:lnSpc>
           <a:spcPct val="100000"/>
         </a:lnSpc>
@@ -10840,7 +11142,7 @@
           <a:srgbClr val="000000"/>
         </a:buClr>
         <a:buFont typeface="Arial"/>
-        <a:defRPr b="0" i="0" sz="1400" u="none" cap="none" strike="noStrike">
+        <a:defRPr sz="1400" b="0" i="0" u="none" strike="noStrike" cap="none">
           <a:solidFill>
             <a:srgbClr val="000000"/>
           </a:solidFill>
@@ -10850,7 +11152,7 @@
           <a:sym typeface="Arial"/>
         </a:defRPr>
       </a:lvl2pPr>
-      <a:lvl3pPr lvl="2" marR="0" rtl="0" algn="l">
+      <a:lvl3pPr marR="0" lvl="2" algn="l" rtl="0">
         <a:lnSpc>
           <a:spcPct val="100000"/>
         </a:lnSpc>
@@ -10864,7 +11166,7 @@
           <a:srgbClr val="000000"/>
         </a:buClr>
         <a:buFont typeface="Arial"/>
-        <a:defRPr b="0" i="0" sz="1400" u="none" cap="none" strike="noStrike">
+        <a:defRPr sz="1400" b="0" i="0" u="none" strike="noStrike" cap="none">
           <a:solidFill>
             <a:srgbClr val="000000"/>
           </a:solidFill>
@@ -10874,7 +11176,7 @@
           <a:sym typeface="Arial"/>
         </a:defRPr>
       </a:lvl3pPr>
-      <a:lvl4pPr lvl="3" marR="0" rtl="0" algn="l">
+      <a:lvl4pPr marR="0" lvl="3" algn="l" rtl="0">
         <a:lnSpc>
           <a:spcPct val="100000"/>
         </a:lnSpc>
@@ -10888,7 +11190,7 @@
           <a:srgbClr val="000000"/>
         </a:buClr>
         <a:buFont typeface="Arial"/>
-        <a:defRPr b="0" i="0" sz="1400" u="none" cap="none" strike="noStrike">
+        <a:defRPr sz="1400" b="0" i="0" u="none" strike="noStrike" cap="none">
           <a:solidFill>
             <a:srgbClr val="000000"/>
           </a:solidFill>
@@ -10898,7 +11200,7 @@
           <a:sym typeface="Arial"/>
         </a:defRPr>
       </a:lvl4pPr>
-      <a:lvl5pPr lvl="4" marR="0" rtl="0" algn="l">
+      <a:lvl5pPr marR="0" lvl="4" algn="l" rtl="0">
         <a:lnSpc>
           <a:spcPct val="100000"/>
         </a:lnSpc>
@@ -10912,7 +11214,7 @@
           <a:srgbClr val="000000"/>
         </a:buClr>
         <a:buFont typeface="Arial"/>
-        <a:defRPr b="0" i="0" sz="1400" u="none" cap="none" strike="noStrike">
+        <a:defRPr sz="1400" b="0" i="0" u="none" strike="noStrike" cap="none">
           <a:solidFill>
             <a:srgbClr val="000000"/>
           </a:solidFill>
@@ -10922,7 +11224,7 @@
           <a:sym typeface="Arial"/>
         </a:defRPr>
       </a:lvl5pPr>
-      <a:lvl6pPr lvl="5" marR="0" rtl="0" algn="l">
+      <a:lvl6pPr marR="0" lvl="5" algn="l" rtl="0">
         <a:lnSpc>
           <a:spcPct val="100000"/>
         </a:lnSpc>
@@ -10936,7 +11238,7 @@
           <a:srgbClr val="000000"/>
         </a:buClr>
         <a:buFont typeface="Arial"/>
-        <a:defRPr b="0" i="0" sz="1400" u="none" cap="none" strike="noStrike">
+        <a:defRPr sz="1400" b="0" i="0" u="none" strike="noStrike" cap="none">
           <a:solidFill>
             <a:srgbClr val="000000"/>
           </a:solidFill>
@@ -10946,7 +11248,7 @@
           <a:sym typeface="Arial"/>
         </a:defRPr>
       </a:lvl6pPr>
-      <a:lvl7pPr lvl="6" marR="0" rtl="0" algn="l">
+      <a:lvl7pPr marR="0" lvl="6" algn="l" rtl="0">
         <a:lnSpc>
           <a:spcPct val="100000"/>
         </a:lnSpc>
@@ -10960,7 +11262,7 @@
           <a:srgbClr val="000000"/>
         </a:buClr>
         <a:buFont typeface="Arial"/>
-        <a:defRPr b="0" i="0" sz="1400" u="none" cap="none" strike="noStrike">
+        <a:defRPr sz="1400" b="0" i="0" u="none" strike="noStrike" cap="none">
           <a:solidFill>
             <a:srgbClr val="000000"/>
           </a:solidFill>
@@ -10970,7 +11272,7 @@
           <a:sym typeface="Arial"/>
         </a:defRPr>
       </a:lvl7pPr>
-      <a:lvl8pPr lvl="7" marR="0" rtl="0" algn="l">
+      <a:lvl8pPr marR="0" lvl="7" algn="l" rtl="0">
         <a:lnSpc>
           <a:spcPct val="100000"/>
         </a:lnSpc>
@@ -10984,7 +11286,7 @@
           <a:srgbClr val="000000"/>
         </a:buClr>
         <a:buFont typeface="Arial"/>
-        <a:defRPr b="0" i="0" sz="1400" u="none" cap="none" strike="noStrike">
+        <a:defRPr sz="1400" b="0" i="0" u="none" strike="noStrike" cap="none">
           <a:solidFill>
             <a:srgbClr val="000000"/>
           </a:solidFill>
@@ -10994,7 +11296,7 @@
           <a:sym typeface="Arial"/>
         </a:defRPr>
       </a:lvl8pPr>
-      <a:lvl9pPr lvl="8" marR="0" rtl="0" algn="l">
+      <a:lvl9pPr marR="0" lvl="8" algn="l" rtl="0">
         <a:lnSpc>
           <a:spcPct val="100000"/>
         </a:lnSpc>
@@ -11008,7 +11310,7 @@
           <a:srgbClr val="000000"/>
         </a:buClr>
         <a:buFont typeface="Arial"/>
-        <a:defRPr b="0" i="0" sz="1400" u="none" cap="none" strike="noStrike">
+        <a:defRPr sz="1400" b="0" i="0" u="none" strike="noStrike" cap="none">
           <a:solidFill>
             <a:srgbClr val="000000"/>
           </a:solidFill>
@@ -11020,7 +11322,7 @@
       </a:lvl9pPr>
     </p:titleStyle>
     <p:bodyStyle>
-      <a:defPPr lvl="0" marR="0" rtl="0" algn="l">
+      <a:defPPr marR="0" lvl="0" algn="l" rtl="0">
         <a:lnSpc>
           <a:spcPct val="100000"/>
         </a:lnSpc>
@@ -11031,7 +11333,7 @@
           <a:spcPts val="0"/>
         </a:spcAft>
       </a:defPPr>
-      <a:lvl1pPr lvl="0" marR="0" rtl="0" algn="l">
+      <a:lvl1pPr marR="0" lvl="0" algn="l" rtl="0">
         <a:lnSpc>
           <a:spcPct val="100000"/>
         </a:lnSpc>
@@ -11045,7 +11347,7 @@
           <a:srgbClr val="000000"/>
         </a:buClr>
         <a:buFont typeface="Arial"/>
-        <a:defRPr b="0" i="0" sz="1400" u="none" cap="none" strike="noStrike">
+        <a:defRPr sz="1400" b="0" i="0" u="none" strike="noStrike" cap="none">
           <a:solidFill>
             <a:srgbClr val="000000"/>
           </a:solidFill>
@@ -11055,7 +11357,7 @@
           <a:sym typeface="Arial"/>
         </a:defRPr>
       </a:lvl1pPr>
-      <a:lvl2pPr lvl="1" marR="0" rtl="0" algn="l">
+      <a:lvl2pPr marR="0" lvl="1" algn="l" rtl="0">
         <a:lnSpc>
           <a:spcPct val="100000"/>
         </a:lnSpc>
@@ -11069,7 +11371,7 @@
           <a:srgbClr val="000000"/>
         </a:buClr>
         <a:buFont typeface="Arial"/>
-        <a:defRPr b="0" i="0" sz="1400" u="none" cap="none" strike="noStrike">
+        <a:defRPr sz="1400" b="0" i="0" u="none" strike="noStrike" cap="none">
           <a:solidFill>
             <a:srgbClr val="000000"/>
           </a:solidFill>
@@ -11079,7 +11381,7 @@
           <a:sym typeface="Arial"/>
         </a:defRPr>
       </a:lvl2pPr>
-      <a:lvl3pPr lvl="2" marR="0" rtl="0" algn="l">
+      <a:lvl3pPr marR="0" lvl="2" algn="l" rtl="0">
         <a:lnSpc>
           <a:spcPct val="100000"/>
         </a:lnSpc>
@@ -11093,7 +11395,7 @@
           <a:srgbClr val="000000"/>
         </a:buClr>
         <a:buFont typeface="Arial"/>
-        <a:defRPr b="0" i="0" sz="1400" u="none" cap="none" strike="noStrike">
+        <a:defRPr sz="1400" b="0" i="0" u="none" strike="noStrike" cap="none">
           <a:solidFill>
             <a:srgbClr val="000000"/>
           </a:solidFill>
@@ -11103,7 +11405,7 @@
           <a:sym typeface="Arial"/>
         </a:defRPr>
       </a:lvl3pPr>
-      <a:lvl4pPr lvl="3" marR="0" rtl="0" algn="l">
+      <a:lvl4pPr marR="0" lvl="3" algn="l" rtl="0">
         <a:lnSpc>
           <a:spcPct val="100000"/>
         </a:lnSpc>
@@ -11117,7 +11419,7 @@
           <a:srgbClr val="000000"/>
         </a:buClr>
         <a:buFont typeface="Arial"/>
-        <a:defRPr b="0" i="0" sz="1400" u="none" cap="none" strike="noStrike">
+        <a:defRPr sz="1400" b="0" i="0" u="none" strike="noStrike" cap="none">
           <a:solidFill>
             <a:srgbClr val="000000"/>
           </a:solidFill>
@@ -11127,7 +11429,7 @@
           <a:sym typeface="Arial"/>
         </a:defRPr>
       </a:lvl4pPr>
-      <a:lvl5pPr lvl="4" marR="0" rtl="0" algn="l">
+      <a:lvl5pPr marR="0" lvl="4" algn="l" rtl="0">
         <a:lnSpc>
           <a:spcPct val="100000"/>
         </a:lnSpc>
@@ -11141,7 +11443,7 @@
           <a:srgbClr val="000000"/>
         </a:buClr>
         <a:buFont typeface="Arial"/>
-        <a:defRPr b="0" i="0" sz="1400" u="none" cap="none" strike="noStrike">
+        <a:defRPr sz="1400" b="0" i="0" u="none" strike="noStrike" cap="none">
           <a:solidFill>
             <a:srgbClr val="000000"/>
           </a:solidFill>
@@ -11151,7 +11453,7 @@
           <a:sym typeface="Arial"/>
         </a:defRPr>
       </a:lvl5pPr>
-      <a:lvl6pPr lvl="5" marR="0" rtl="0" algn="l">
+      <a:lvl6pPr marR="0" lvl="5" algn="l" rtl="0">
         <a:lnSpc>
           <a:spcPct val="100000"/>
         </a:lnSpc>
@@ -11165,7 +11467,7 @@
           <a:srgbClr val="000000"/>
         </a:buClr>
         <a:buFont typeface="Arial"/>
-        <a:defRPr b="0" i="0" sz="1400" u="none" cap="none" strike="noStrike">
+        <a:defRPr sz="1400" b="0" i="0" u="none" strike="noStrike" cap="none">
           <a:solidFill>
             <a:srgbClr val="000000"/>
           </a:solidFill>
@@ -11175,7 +11477,7 @@
           <a:sym typeface="Arial"/>
         </a:defRPr>
       </a:lvl6pPr>
-      <a:lvl7pPr lvl="6" marR="0" rtl="0" algn="l">
+      <a:lvl7pPr marR="0" lvl="6" algn="l" rtl="0">
         <a:lnSpc>
           <a:spcPct val="100000"/>
         </a:lnSpc>
@@ -11189,7 +11491,7 @@
           <a:srgbClr val="000000"/>
         </a:buClr>
         <a:buFont typeface="Arial"/>
-        <a:defRPr b="0" i="0" sz="1400" u="none" cap="none" strike="noStrike">
+        <a:defRPr sz="1400" b="0" i="0" u="none" strike="noStrike" cap="none">
           <a:solidFill>
             <a:srgbClr val="000000"/>
           </a:solidFill>
@@ -11199,7 +11501,7 @@
           <a:sym typeface="Arial"/>
         </a:defRPr>
       </a:lvl7pPr>
-      <a:lvl8pPr lvl="7" marR="0" rtl="0" algn="l">
+      <a:lvl8pPr marR="0" lvl="7" algn="l" rtl="0">
         <a:lnSpc>
           <a:spcPct val="100000"/>
         </a:lnSpc>
@@ -11213,7 +11515,7 @@
           <a:srgbClr val="000000"/>
         </a:buClr>
         <a:buFont typeface="Arial"/>
-        <a:defRPr b="0" i="0" sz="1400" u="none" cap="none" strike="noStrike">
+        <a:defRPr sz="1400" b="0" i="0" u="none" strike="noStrike" cap="none">
           <a:solidFill>
             <a:srgbClr val="000000"/>
           </a:solidFill>
@@ -11223,7 +11525,7 @@
           <a:sym typeface="Arial"/>
         </a:defRPr>
       </a:lvl8pPr>
-      <a:lvl9pPr lvl="8" marR="0" rtl="0" algn="l">
+      <a:lvl9pPr marR="0" lvl="8" algn="l" rtl="0">
         <a:lnSpc>
           <a:spcPct val="100000"/>
         </a:lnSpc>
@@ -11237,7 +11539,7 @@
           <a:srgbClr val="000000"/>
         </a:buClr>
         <a:buFont typeface="Arial"/>
-        <a:defRPr b="0" i="0" sz="1400" u="none" cap="none" strike="noStrike">
+        <a:defRPr sz="1400" b="0" i="0" u="none" strike="noStrike" cap="none">
           <a:solidFill>
             <a:srgbClr val="000000"/>
           </a:solidFill>
@@ -11249,7 +11551,7 @@
       </a:lvl9pPr>
     </p:bodyStyle>
     <p:otherStyle>
-      <a:defPPr lvl="0" marR="0" rtl="0" algn="l">
+      <a:defPPr marR="0" lvl="0" algn="l" rtl="0">
         <a:lnSpc>
           <a:spcPct val="100000"/>
         </a:lnSpc>
@@ -11260,7 +11562,7 @@
           <a:spcPts val="0"/>
         </a:spcAft>
       </a:defPPr>
-      <a:lvl1pPr lvl="0" marR="0" rtl="0" algn="l">
+      <a:lvl1pPr marR="0" lvl="0" algn="l" rtl="0">
         <a:lnSpc>
           <a:spcPct val="100000"/>
         </a:lnSpc>
@@ -11274,7 +11576,7 @@
           <a:srgbClr val="000000"/>
         </a:buClr>
         <a:buFont typeface="Arial"/>
-        <a:defRPr b="0" i="0" sz="1400" u="none" cap="none" strike="noStrike">
+        <a:defRPr sz="1400" b="0" i="0" u="none" strike="noStrike" cap="none">
           <a:solidFill>
             <a:srgbClr val="000000"/>
           </a:solidFill>
@@ -11284,7 +11586,7 @@
           <a:sym typeface="Arial"/>
         </a:defRPr>
       </a:lvl1pPr>
-      <a:lvl2pPr lvl="1" marR="0" rtl="0" algn="l">
+      <a:lvl2pPr marR="0" lvl="1" algn="l" rtl="0">
         <a:lnSpc>
           <a:spcPct val="100000"/>
         </a:lnSpc>
@@ -11298,7 +11600,7 @@
           <a:srgbClr val="000000"/>
         </a:buClr>
         <a:buFont typeface="Arial"/>
-        <a:defRPr b="0" i="0" sz="1400" u="none" cap="none" strike="noStrike">
+        <a:defRPr sz="1400" b="0" i="0" u="none" strike="noStrike" cap="none">
           <a:solidFill>
             <a:srgbClr val="000000"/>
           </a:solidFill>
@@ -11308,7 +11610,7 @@
           <a:sym typeface="Arial"/>
         </a:defRPr>
       </a:lvl2pPr>
-      <a:lvl3pPr lvl="2" marR="0" rtl="0" algn="l">
+      <a:lvl3pPr marR="0" lvl="2" algn="l" rtl="0">
         <a:lnSpc>
           <a:spcPct val="100000"/>
         </a:lnSpc>
@@ -11322,7 +11624,7 @@
           <a:srgbClr val="000000"/>
         </a:buClr>
         <a:buFont typeface="Arial"/>
-        <a:defRPr b="0" i="0" sz="1400" u="none" cap="none" strike="noStrike">
+        <a:defRPr sz="1400" b="0" i="0" u="none" strike="noStrike" cap="none">
           <a:solidFill>
             <a:srgbClr val="000000"/>
           </a:solidFill>
@@ -11332,7 +11634,7 @@
           <a:sym typeface="Arial"/>
         </a:defRPr>
       </a:lvl3pPr>
-      <a:lvl4pPr lvl="3" marR="0" rtl="0" algn="l">
+      <a:lvl4pPr marR="0" lvl="3" algn="l" rtl="0">
         <a:lnSpc>
           <a:spcPct val="100000"/>
         </a:lnSpc>
@@ -11346,7 +11648,7 @@
           <a:srgbClr val="000000"/>
         </a:buClr>
         <a:buFont typeface="Arial"/>
-        <a:defRPr b="0" i="0" sz="1400" u="none" cap="none" strike="noStrike">
+        <a:defRPr sz="1400" b="0" i="0" u="none" strike="noStrike" cap="none">
           <a:solidFill>
             <a:srgbClr val="000000"/>
           </a:solidFill>
@@ -11356,7 +11658,7 @@
           <a:sym typeface="Arial"/>
         </a:defRPr>
       </a:lvl4pPr>
-      <a:lvl5pPr lvl="4" marR="0" rtl="0" algn="l">
+      <a:lvl5pPr marR="0" lvl="4" algn="l" rtl="0">
         <a:lnSpc>
           <a:spcPct val="100000"/>
         </a:lnSpc>
@@ -11370,7 +11672,7 @@
           <a:srgbClr val="000000"/>
         </a:buClr>
         <a:buFont typeface="Arial"/>
-        <a:defRPr b="0" i="0" sz="1400" u="none" cap="none" strike="noStrike">
+        <a:defRPr sz="1400" b="0" i="0" u="none" strike="noStrike" cap="none">
           <a:solidFill>
             <a:srgbClr val="000000"/>
           </a:solidFill>
@@ -11380,7 +11682,7 @@
           <a:sym typeface="Arial"/>
         </a:defRPr>
       </a:lvl5pPr>
-      <a:lvl6pPr lvl="5" marR="0" rtl="0" algn="l">
+      <a:lvl6pPr marR="0" lvl="5" algn="l" rtl="0">
         <a:lnSpc>
           <a:spcPct val="100000"/>
         </a:lnSpc>
@@ -11394,7 +11696,7 @@
           <a:srgbClr val="000000"/>
         </a:buClr>
         <a:buFont typeface="Arial"/>
-        <a:defRPr b="0" i="0" sz="1400" u="none" cap="none" strike="noStrike">
+        <a:defRPr sz="1400" b="0" i="0" u="none" strike="noStrike" cap="none">
           <a:solidFill>
             <a:srgbClr val="000000"/>
           </a:solidFill>
@@ -11404,7 +11706,7 @@
           <a:sym typeface="Arial"/>
         </a:defRPr>
       </a:lvl6pPr>
-      <a:lvl7pPr lvl="6" marR="0" rtl="0" algn="l">
+      <a:lvl7pPr marR="0" lvl="6" algn="l" rtl="0">
         <a:lnSpc>
           <a:spcPct val="100000"/>
         </a:lnSpc>
@@ -11418,7 +11720,7 @@
           <a:srgbClr val="000000"/>
         </a:buClr>
         <a:buFont typeface="Arial"/>
-        <a:defRPr b="0" i="0" sz="1400" u="none" cap="none" strike="noStrike">
+        <a:defRPr sz="1400" b="0" i="0" u="none" strike="noStrike" cap="none">
           <a:solidFill>
             <a:srgbClr val="000000"/>
           </a:solidFill>
@@ -11428,7 +11730,7 @@
           <a:sym typeface="Arial"/>
         </a:defRPr>
       </a:lvl7pPr>
-      <a:lvl8pPr lvl="7" marR="0" rtl="0" algn="l">
+      <a:lvl8pPr marR="0" lvl="7" algn="l" rtl="0">
         <a:lnSpc>
           <a:spcPct val="100000"/>
         </a:lnSpc>
@@ -11442,7 +11744,7 @@
           <a:srgbClr val="000000"/>
         </a:buClr>
         <a:buFont typeface="Arial"/>
-        <a:defRPr b="0" i="0" sz="1400" u="none" cap="none" strike="noStrike">
+        <a:defRPr sz="1400" b="0" i="0" u="none" strike="noStrike" cap="none">
           <a:solidFill>
             <a:srgbClr val="000000"/>
           </a:solidFill>
@@ -11452,7 +11754,7 @@
           <a:sym typeface="Arial"/>
         </a:defRPr>
       </a:lvl8pPr>
-      <a:lvl9pPr lvl="8" marR="0" rtl="0" algn="l">
+      <a:lvl9pPr marR="0" lvl="8" algn="l" rtl="0">
         <a:lnSpc>
           <a:spcPct val="100000"/>
         </a:lnSpc>
@@ -11466,7 +11768,7 @@
           <a:srgbClr val="000000"/>
         </a:buClr>
         <a:buFont typeface="Arial"/>
-        <a:defRPr b="0" i="0" sz="1400" u="none" cap="none" strike="noStrike">
+        <a:defRPr sz="1400" b="0" i="0" u="none" strike="noStrike" cap="none">
           <a:solidFill>
             <a:srgbClr val="000000"/>
           </a:solidFill>
@@ -11482,11 +11784,11 @@
 </file>
 
 <file path=ppt/slides/slide1.xml><?xml version="1.0" encoding="utf-8"?>
-<p:sld xmlns:a="http://schemas.openxmlformats.org/drawingml/2006/main" xmlns:r="http://schemas.openxmlformats.org/officeDocument/2006/relationships" xmlns:mc="http://schemas.openxmlformats.org/markup-compatibility/2006" xmlns:mv="urn:schemas-microsoft-com:mac:vml" xmlns:p="http://schemas.openxmlformats.org/presentationml/2006/main" xmlns:c="http://schemas.openxmlformats.org/drawingml/2006/chart" xmlns:dgm="http://schemas.openxmlformats.org/drawingml/2006/diagram" xmlns:o="urn:schemas-microsoft-com:office:office" xmlns:v="urn:schemas-microsoft-com:vml" xmlns:pvml="urn:schemas-microsoft-com:office:powerpoint" xmlns:com="http://schemas.openxmlformats.org/drawingml/2006/compatibility" xmlns:p14="http://schemas.microsoft.com/office/powerpoint/2010/main" xmlns:p15="http://schemas.microsoft.com/office/powerpoint/2012/main" xmlns:ahyp="http://schemas.microsoft.com/office/drawing/2018/hyperlinkcolor">
+<p:sld xmlns:a="http://schemas.openxmlformats.org/drawingml/2006/main" xmlns:r="http://schemas.openxmlformats.org/officeDocument/2006/relationships" xmlns:p="http://schemas.openxmlformats.org/presentationml/2006/main">
   <p:cSld>
     <p:spTree>
       <p:nvGrpSpPr>
-        <p:cNvPr id="83" name="Shape 83"/>
+        <p:cNvPr id="1" name="Shape 83"/>
         <p:cNvGrpSpPr/>
         <p:nvPr/>
       </p:nvGrpSpPr>
@@ -11501,7 +11803,9 @@
       <p:sp>
         <p:nvSpPr>
           <p:cNvPr id="84" name="Google Shape;84;p13"/>
-          <p:cNvSpPr txBox="1"/>
+          <p:cNvSpPr txBox="1">
+            <a:spLocks noGrp="1"/>
+          </p:cNvSpPr>
           <p:nvPr>
             <p:ph type="ctrTitle"/>
           </p:nvPr>
@@ -11520,12 +11824,12 @@
           </a:ln>
         </p:spPr>
         <p:txBody>
-          <a:bodyPr anchorCtr="0" anchor="ctr" bIns="45700" lIns="91425" spcFirstLastPara="1" rIns="91425" wrap="square" tIns="45700">
+          <a:bodyPr spcFirstLastPara="1" wrap="square" lIns="91425" tIns="45700" rIns="91425" bIns="45700" anchor="ctr" anchorCtr="0">
             <a:normAutofit/>
           </a:bodyPr>
           <a:lstStyle/>
           <a:p>
-            <a:pPr indent="0" lvl="0" marL="0" rtl="0" algn="ctr">
+            <a:pPr marL="0" lvl="0" indent="0" algn="ctr" rtl="0">
               <a:spcBef>
                 <a:spcPts val="0"/>
               </a:spcBef>
@@ -11554,7 +11858,7 @@
             </a:endParaRPr>
           </a:p>
           <a:p>
-            <a:pPr indent="0" lvl="0" marL="0" rtl="0" algn="ctr">
+            <a:pPr marL="0" lvl="0" indent="0" algn="ctr" rtl="0">
               <a:spcBef>
                 <a:spcPts val="0"/>
               </a:spcBef>
@@ -11568,9 +11872,6 @@
               <a:buFont typeface="Calibri"/>
               <a:buNone/>
             </a:pPr>
-            <a:r>
-              <a:t/>
-            </a:r>
             <a:endParaRPr/>
           </a:p>
         </p:txBody>
@@ -11578,9 +11879,11 @@
       <p:sp>
         <p:nvSpPr>
           <p:cNvPr id="85" name="Google Shape;85;p13"/>
-          <p:cNvSpPr txBox="1"/>
+          <p:cNvSpPr txBox="1">
+            <a:spLocks noGrp="1"/>
+          </p:cNvSpPr>
           <p:nvPr>
-            <p:ph idx="1" type="subTitle"/>
+            <p:ph type="subTitle" idx="1"/>
           </p:nvPr>
         </p:nvSpPr>
         <p:spPr>
@@ -11597,12 +11900,12 @@
           </a:ln>
         </p:spPr>
         <p:txBody>
-          <a:bodyPr anchorCtr="0" anchor="t" bIns="45700" lIns="91425" spcFirstLastPara="1" rIns="91425" wrap="square" tIns="45700">
+          <a:bodyPr spcFirstLastPara="1" wrap="square" lIns="91425" tIns="45700" rIns="91425" bIns="45700" anchor="t" anchorCtr="0">
             <a:normAutofit/>
           </a:bodyPr>
           <a:lstStyle/>
           <a:p>
-            <a:pPr indent="457200" lvl="0" marL="1371600" rtl="0" algn="l">
+            <a:pPr marL="1371600" lvl="0" indent="457200" algn="l" rtl="0">
               <a:spcBef>
                 <a:spcPts val="0"/>
               </a:spcBef>
@@ -11616,13 +11919,13 @@
               <a:buNone/>
             </a:pPr>
             <a:r>
-              <a:rPr lang="en-US"/>
+              <a:rPr lang="en-US" dirty="0"/>
               <a:t>Team: AI Innovators</a:t>
             </a:r>
-            <a:endParaRPr/>
+            <a:endParaRPr dirty="0"/>
           </a:p>
           <a:p>
-            <a:pPr indent="0" lvl="0" marL="0" rtl="0" algn="ctr">
+            <a:pPr marL="0" lvl="0" indent="0" algn="ctr" rtl="0">
               <a:spcBef>
                 <a:spcPts val="0"/>
               </a:spcBef>
@@ -11633,15 +11936,28 @@
                 <a:srgbClr val="888888"/>
               </a:buClr>
               <a:buSzPts val="3200"/>
+              <a:buNone/>
+            </a:pPr>
+            <a:endParaRPr dirty="0"/>
+          </a:p>
+          <a:p>
+            <a:pPr marL="5486400" lvl="0" indent="0" algn="l" rtl="0">
+              <a:spcBef>
+                <a:spcPts val="0"/>
+              </a:spcBef>
+              <a:spcAft>
+                <a:spcPts val="0"/>
+              </a:spcAft>
               <a:buNone/>
             </a:pPr>
             <a:r>
-              <a:t/>
+              <a:rPr lang="en-US" sz="1622" dirty="0"/>
+              <a:t>Sivakumar Mohan</a:t>
             </a:r>
-            <a:endParaRPr/>
+            <a:endParaRPr sz="1622" dirty="0"/>
           </a:p>
           <a:p>
-            <a:pPr indent="0" lvl="0" marL="5486400" rtl="0" algn="l">
+            <a:pPr marL="5486400" lvl="0" indent="0" algn="l" rtl="0">
               <a:spcBef>
                 <a:spcPts val="0"/>
               </a:spcBef>
@@ -11651,13 +11967,17 @@
               <a:buNone/>
             </a:pPr>
             <a:r>
-              <a:rPr lang="en-US" sz="1622"/>
-              <a:t>Sivakumar Mohan</a:t>
+              <a:rPr lang="en-US" sz="1622" dirty="0"/>
+              <a:t>Dhruva </a:t>
             </a:r>
-            <a:endParaRPr sz="1622"/>
+            <a:r>
+              <a:rPr lang="en-US" sz="1622" dirty="0" err="1"/>
+              <a:t>Karir</a:t>
+            </a:r>
+            <a:endParaRPr sz="1622" dirty="0"/>
           </a:p>
           <a:p>
-            <a:pPr indent="0" lvl="0" marL="5486400" rtl="0" algn="l">
+            <a:pPr marL="5486400" lvl="0" indent="0" algn="l" rtl="0">
               <a:spcBef>
                 <a:spcPts val="0"/>
               </a:spcBef>
@@ -11667,13 +11987,13 @@
               <a:buNone/>
             </a:pPr>
             <a:r>
-              <a:rPr lang="en-US" sz="1622"/>
-              <a:t>Dhruva Karir</a:t>
+              <a:rPr lang="en-US" sz="1622" dirty="0"/>
+              <a:t>Satish Sabapathi</a:t>
             </a:r>
-            <a:endParaRPr sz="1622"/>
+            <a:endParaRPr sz="1622" dirty="0"/>
           </a:p>
           <a:p>
-            <a:pPr indent="0" lvl="0" marL="5486400" rtl="0" algn="l">
+            <a:pPr marL="5486400" lvl="0" indent="0" algn="l" rtl="0">
               <a:spcBef>
                 <a:spcPts val="0"/>
               </a:spcBef>
@@ -11683,26 +12003,10 @@
               <a:buNone/>
             </a:pPr>
             <a:r>
-              <a:rPr lang="en-US" sz="1622"/>
-              <a:t>Satish Sabhapati</a:t>
-            </a:r>
-            <a:endParaRPr sz="1622"/>
-          </a:p>
-          <a:p>
-            <a:pPr indent="0" lvl="0" marL="5486400" rtl="0" algn="l">
-              <a:spcBef>
-                <a:spcPts val="0"/>
-              </a:spcBef>
-              <a:spcAft>
-                <a:spcPts val="0"/>
-              </a:spcAft>
-              <a:buNone/>
-            </a:pPr>
-            <a:r>
-              <a:rPr lang="en-US" sz="1622"/>
+              <a:rPr lang="en-US" sz="1622" dirty="0"/>
               <a:t>Rehan Farooqui</a:t>
             </a:r>
-            <a:endParaRPr sz="1622"/>
+            <a:endParaRPr sz="1622" dirty="0"/>
           </a:p>
         </p:txBody>
       </p:sp>
@@ -11726,12 +12030,12 @@
           </a:ln>
         </p:spPr>
         <p:txBody>
-          <a:bodyPr anchorCtr="0" anchor="t" bIns="91425" lIns="91425" spcFirstLastPara="1" rIns="91425" wrap="square" tIns="91425">
+          <a:bodyPr spcFirstLastPara="1" wrap="square" lIns="91425" tIns="91425" rIns="91425" bIns="91425" anchor="t" anchorCtr="0">
             <a:spAutoFit/>
           </a:bodyPr>
           <a:lstStyle/>
           <a:p>
-            <a:pPr indent="0" lvl="0" marL="0" rtl="0" algn="l">
+            <a:pPr marL="0" lvl="0" indent="0" algn="l" rtl="0">
               <a:spcBef>
                 <a:spcPts val="0"/>
               </a:spcBef>
@@ -11740,9 +12044,6 @@
               </a:spcAft>
               <a:buNone/>
             </a:pPr>
-            <a:r>
-              <a:t/>
-            </a:r>
             <a:endParaRPr sz="3200">
               <a:solidFill>
                 <a:schemeClr val="dk1"/>
@@ -11764,11 +12065,11 @@
 </file>
 
 <file path=ppt/slides/slide10.xml><?xml version="1.0" encoding="utf-8"?>
-<p:sld xmlns:a="http://schemas.openxmlformats.org/drawingml/2006/main" xmlns:r="http://schemas.openxmlformats.org/officeDocument/2006/relationships" xmlns:mc="http://schemas.openxmlformats.org/markup-compatibility/2006" xmlns:mv="urn:schemas-microsoft-com:mac:vml" xmlns:p="http://schemas.openxmlformats.org/presentationml/2006/main" xmlns:c="http://schemas.openxmlformats.org/drawingml/2006/chart" xmlns:dgm="http://schemas.openxmlformats.org/drawingml/2006/diagram" xmlns:o="urn:schemas-microsoft-com:office:office" xmlns:v="urn:schemas-microsoft-com:vml" xmlns:pvml="urn:schemas-microsoft-com:office:powerpoint" xmlns:com="http://schemas.openxmlformats.org/drawingml/2006/compatibility" xmlns:p14="http://schemas.microsoft.com/office/powerpoint/2010/main" xmlns:p15="http://schemas.microsoft.com/office/powerpoint/2012/main" xmlns:ahyp="http://schemas.microsoft.com/office/drawing/2018/hyperlinkcolor">
+<p:sld xmlns:a="http://schemas.openxmlformats.org/drawingml/2006/main" xmlns:r="http://schemas.openxmlformats.org/officeDocument/2006/relationships" xmlns:p="http://schemas.openxmlformats.org/presentationml/2006/main">
   <p:cSld>
     <p:spTree>
       <p:nvGrpSpPr>
-        <p:cNvPr id="139" name="Shape 139"/>
+        <p:cNvPr id="1" name="Shape 139"/>
         <p:cNvGrpSpPr/>
         <p:nvPr/>
       </p:nvGrpSpPr>
@@ -11783,7 +12084,9 @@
       <p:sp>
         <p:nvSpPr>
           <p:cNvPr id="140" name="Google Shape;140;p22"/>
-          <p:cNvSpPr txBox="1"/>
+          <p:cNvSpPr txBox="1">
+            <a:spLocks noGrp="1"/>
+          </p:cNvSpPr>
           <p:nvPr>
             <p:ph type="title"/>
           </p:nvPr>
@@ -11798,12 +12101,12 @@
           </a:prstGeom>
         </p:spPr>
         <p:txBody>
-          <a:bodyPr anchorCtr="0" anchor="ctr" bIns="45700" lIns="91425" spcFirstLastPara="1" rIns="91425" wrap="square" tIns="45700">
+          <a:bodyPr spcFirstLastPara="1" wrap="square" lIns="91425" tIns="45700" rIns="91425" bIns="45700" anchor="ctr" anchorCtr="0">
             <a:normAutofit/>
           </a:bodyPr>
           <a:lstStyle/>
           <a:p>
-            <a:pPr indent="0" lvl="0" marL="0" rtl="0" algn="ctr">
+            <a:pPr marL="0" lvl="0" indent="0" algn="ctr" rtl="0">
               <a:spcBef>
                 <a:spcPts val="0"/>
               </a:spcBef>
@@ -11812,9 +12115,6 @@
               </a:spcAft>
               <a:buNone/>
             </a:pPr>
-            <a:r>
-              <a:t/>
-            </a:r>
             <a:endParaRPr/>
           </a:p>
         </p:txBody>
@@ -11822,9 +12122,11 @@
       <p:sp>
         <p:nvSpPr>
           <p:cNvPr id="141" name="Google Shape;141;p22"/>
-          <p:cNvSpPr txBox="1"/>
+          <p:cNvSpPr txBox="1">
+            <a:spLocks noGrp="1"/>
+          </p:cNvSpPr>
           <p:nvPr>
-            <p:ph idx="1" type="body"/>
+            <p:ph type="body" idx="1"/>
           </p:nvPr>
         </p:nvSpPr>
         <p:spPr>
@@ -11837,12 +12139,12 @@
           </a:prstGeom>
         </p:spPr>
         <p:txBody>
-          <a:bodyPr anchorCtr="0" anchor="t" bIns="45700" lIns="91425" spcFirstLastPara="1" rIns="91425" wrap="square" tIns="45700">
-            <a:normAutofit fontScale="55000" lnSpcReduction="20000"/>
+          <a:bodyPr spcFirstLastPara="1" wrap="square" lIns="91425" tIns="45700" rIns="91425" bIns="45700" anchor="t" anchorCtr="0">
+            <a:normAutofit fontScale="40000" lnSpcReduction="20000"/>
           </a:bodyPr>
           <a:lstStyle/>
           <a:p>
-            <a:pPr indent="0" lvl="0" marL="0" rtl="0" algn="ctr">
+            <a:pPr marL="0" lvl="0" indent="0" algn="ctr" rtl="0">
               <a:spcBef>
                 <a:spcPts val="360"/>
               </a:spcBef>
@@ -11852,7 +12154,7 @@
               <a:buNone/>
             </a:pPr>
             <a:r>
-              <a:rPr i="1" lang="en-US"/>
+              <a:rPr lang="en-US" i="1"/>
               <a:t>PoC State Architecture Diagram</a:t>
             </a:r>
             <a:endParaRPr i="1"/>
@@ -11896,11 +12198,11 @@
 </file>
 
 <file path=ppt/slides/slide11.xml><?xml version="1.0" encoding="utf-8"?>
-<p:sld xmlns:a="http://schemas.openxmlformats.org/drawingml/2006/main" xmlns:r="http://schemas.openxmlformats.org/officeDocument/2006/relationships" xmlns:mc="http://schemas.openxmlformats.org/markup-compatibility/2006" xmlns:mv="urn:schemas-microsoft-com:mac:vml" xmlns:p="http://schemas.openxmlformats.org/presentationml/2006/main" xmlns:c="http://schemas.openxmlformats.org/drawingml/2006/chart" xmlns:dgm="http://schemas.openxmlformats.org/drawingml/2006/diagram" xmlns:o="urn:schemas-microsoft-com:office:office" xmlns:v="urn:schemas-microsoft-com:vml" xmlns:pvml="urn:schemas-microsoft-com:office:powerpoint" xmlns:com="http://schemas.openxmlformats.org/drawingml/2006/compatibility" xmlns:p14="http://schemas.microsoft.com/office/powerpoint/2010/main" xmlns:p15="http://schemas.microsoft.com/office/powerpoint/2012/main" xmlns:ahyp="http://schemas.microsoft.com/office/drawing/2018/hyperlinkcolor">
+<p:sld xmlns:a="http://schemas.openxmlformats.org/drawingml/2006/main" xmlns:r="http://schemas.openxmlformats.org/officeDocument/2006/relationships" xmlns:p="http://schemas.openxmlformats.org/presentationml/2006/main">
   <p:cSld>
     <p:spTree>
       <p:nvGrpSpPr>
-        <p:cNvPr id="146" name="Shape 146"/>
+        <p:cNvPr id="1" name="Shape 146"/>
         <p:cNvGrpSpPr/>
         <p:nvPr/>
       </p:nvGrpSpPr>
@@ -11915,7 +12217,9 @@
       <p:sp>
         <p:nvSpPr>
           <p:cNvPr id="147" name="Google Shape;147;p23"/>
-          <p:cNvSpPr txBox="1"/>
+          <p:cNvSpPr txBox="1">
+            <a:spLocks noGrp="1"/>
+          </p:cNvSpPr>
           <p:nvPr>
             <p:ph type="title"/>
           </p:nvPr>
@@ -11930,12 +12234,12 @@
           </a:prstGeom>
         </p:spPr>
         <p:txBody>
-          <a:bodyPr anchorCtr="0" anchor="ctr" bIns="45700" lIns="91425" spcFirstLastPara="1" rIns="91425" wrap="square" tIns="45700">
+          <a:bodyPr spcFirstLastPara="1" wrap="square" lIns="91425" tIns="45700" rIns="91425" bIns="45700" anchor="ctr" anchorCtr="0">
             <a:normAutofit/>
           </a:bodyPr>
           <a:lstStyle/>
           <a:p>
-            <a:pPr indent="0" lvl="0" marL="0" rtl="0" algn="ctr">
+            <a:pPr marL="0" lvl="0" indent="0" algn="ctr" rtl="0">
               <a:spcBef>
                 <a:spcPts val="0"/>
               </a:spcBef>
@@ -11955,9 +12259,11 @@
       <p:sp>
         <p:nvSpPr>
           <p:cNvPr id="148" name="Google Shape;148;p23"/>
-          <p:cNvSpPr txBox="1"/>
+          <p:cNvSpPr txBox="1">
+            <a:spLocks noGrp="1"/>
+          </p:cNvSpPr>
           <p:nvPr>
-            <p:ph idx="1" type="body"/>
+            <p:ph type="body" idx="1"/>
           </p:nvPr>
         </p:nvSpPr>
         <p:spPr>
@@ -11970,12 +12276,12 @@
           </a:prstGeom>
         </p:spPr>
         <p:txBody>
-          <a:bodyPr anchorCtr="0" anchor="t" bIns="45700" lIns="91425" spcFirstLastPara="1" rIns="91425" wrap="square" tIns="45700">
+          <a:bodyPr spcFirstLastPara="1" wrap="square" lIns="91425" tIns="45700" rIns="91425" bIns="45700" anchor="t" anchorCtr="0">
             <a:normAutofit/>
           </a:bodyPr>
           <a:lstStyle/>
           <a:p>
-            <a:pPr indent="0" lvl="0" marL="0" rtl="0" algn="ctr">
+            <a:pPr marL="0" lvl="0" indent="0" algn="ctr" rtl="0">
               <a:lnSpc>
                 <a:spcPct val="80000"/>
               </a:lnSpc>
@@ -11988,10 +12294,10 @@
               <a:buNone/>
             </a:pPr>
             <a:r>
-              <a:rPr i="1" lang="en-US" sz="2000"/>
+              <a:rPr lang="en-US" sz="2000" i="1"/>
               <a:t>Input Files at the Poled Location</a:t>
             </a:r>
-            <a:endParaRPr i="1" sz="2000"/>
+            <a:endParaRPr sz="2000" i="1"/>
           </a:p>
         </p:txBody>
       </p:sp>
@@ -12032,11 +12338,11 @@
 </file>
 
 <file path=ppt/slides/slide12.xml><?xml version="1.0" encoding="utf-8"?>
-<p:sld xmlns:a="http://schemas.openxmlformats.org/drawingml/2006/main" xmlns:r="http://schemas.openxmlformats.org/officeDocument/2006/relationships" xmlns:mc="http://schemas.openxmlformats.org/markup-compatibility/2006" xmlns:mv="urn:schemas-microsoft-com:mac:vml" xmlns:p="http://schemas.openxmlformats.org/presentationml/2006/main" xmlns:c="http://schemas.openxmlformats.org/drawingml/2006/chart" xmlns:dgm="http://schemas.openxmlformats.org/drawingml/2006/diagram" xmlns:o="urn:schemas-microsoft-com:office:office" xmlns:v="urn:schemas-microsoft-com:vml" xmlns:pvml="urn:schemas-microsoft-com:office:powerpoint" xmlns:com="http://schemas.openxmlformats.org/drawingml/2006/compatibility" xmlns:p14="http://schemas.microsoft.com/office/powerpoint/2010/main" xmlns:p15="http://schemas.microsoft.com/office/powerpoint/2012/main" xmlns:ahyp="http://schemas.microsoft.com/office/drawing/2018/hyperlinkcolor">
+<p:sld xmlns:a="http://schemas.openxmlformats.org/drawingml/2006/main" xmlns:r="http://schemas.openxmlformats.org/officeDocument/2006/relationships" xmlns:p="http://schemas.openxmlformats.org/presentationml/2006/main">
   <p:cSld>
     <p:spTree>
       <p:nvGrpSpPr>
-        <p:cNvPr id="153" name="Shape 153"/>
+        <p:cNvPr id="1" name="Shape 153"/>
         <p:cNvGrpSpPr/>
         <p:nvPr/>
       </p:nvGrpSpPr>
@@ -12051,7 +12357,9 @@
       <p:sp>
         <p:nvSpPr>
           <p:cNvPr id="154" name="Google Shape;154;p24"/>
-          <p:cNvSpPr txBox="1"/>
+          <p:cNvSpPr txBox="1">
+            <a:spLocks noGrp="1"/>
+          </p:cNvSpPr>
           <p:nvPr>
             <p:ph type="title"/>
           </p:nvPr>
@@ -12066,12 +12374,12 @@
           </a:prstGeom>
         </p:spPr>
         <p:txBody>
-          <a:bodyPr anchorCtr="0" anchor="ctr" bIns="45700" lIns="91425" spcFirstLastPara="1" rIns="91425" wrap="square" tIns="45700">
+          <a:bodyPr spcFirstLastPara="1" wrap="square" lIns="91425" tIns="45700" rIns="91425" bIns="45700" anchor="ctr" anchorCtr="0">
             <a:normAutofit/>
           </a:bodyPr>
           <a:lstStyle/>
           <a:p>
-            <a:pPr indent="0" lvl="0" marL="0" rtl="0" algn="ctr">
+            <a:pPr marL="0" lvl="0" indent="0" algn="ctr" rtl="0">
               <a:spcBef>
                 <a:spcPts val="0"/>
               </a:spcBef>
@@ -12091,9 +12399,11 @@
       <p:sp>
         <p:nvSpPr>
           <p:cNvPr id="155" name="Google Shape;155;p24"/>
-          <p:cNvSpPr txBox="1"/>
+          <p:cNvSpPr txBox="1">
+            <a:spLocks noGrp="1"/>
+          </p:cNvSpPr>
           <p:nvPr>
-            <p:ph idx="1" type="body"/>
+            <p:ph type="body" idx="1"/>
           </p:nvPr>
         </p:nvSpPr>
         <p:spPr>
@@ -12106,12 +12416,12 @@
           </a:prstGeom>
         </p:spPr>
         <p:txBody>
-          <a:bodyPr anchorCtr="0" anchor="t" bIns="45700" lIns="91425" spcFirstLastPara="1" rIns="91425" wrap="square" tIns="45700">
-            <a:normAutofit/>
+          <a:bodyPr spcFirstLastPara="1" wrap="square" lIns="91425" tIns="45700" rIns="91425" bIns="45700" anchor="t" anchorCtr="0">
+            <a:normAutofit fontScale="92500" lnSpcReduction="20000"/>
           </a:bodyPr>
           <a:lstStyle/>
           <a:p>
-            <a:pPr indent="0" lvl="0" marL="0" rtl="0" algn="ctr">
+            <a:pPr marL="0" lvl="0" indent="0" algn="ctr" rtl="0">
               <a:lnSpc>
                 <a:spcPct val="80000"/>
               </a:lnSpc>
@@ -12129,14 +12439,10 @@
               <a:buNone/>
             </a:pPr>
             <a:r>
-              <a:rPr i="1" lang="en-US" sz="2000"/>
-              <a:t>Result</a:t>
+              <a:rPr lang="en-US" sz="2000" i="1"/>
+              <a:t>Result JSON Response at the Destination Location</a:t>
             </a:r>
-            <a:r>
-              <a:rPr i="1" lang="en-US" sz="2000"/>
-              <a:t> JSON Response at the Destination Location</a:t>
-            </a:r>
-            <a:endParaRPr i="1" sz="2000"/>
+            <a:endParaRPr sz="2000" i="1"/>
           </a:p>
         </p:txBody>
       </p:sp>
@@ -12177,11 +12483,11 @@
 </file>
 
 <file path=ppt/slides/slide2.xml><?xml version="1.0" encoding="utf-8"?>
-<p:sld xmlns:a="http://schemas.openxmlformats.org/drawingml/2006/main" xmlns:r="http://schemas.openxmlformats.org/officeDocument/2006/relationships" xmlns:mc="http://schemas.openxmlformats.org/markup-compatibility/2006" xmlns:mv="urn:schemas-microsoft-com:mac:vml" xmlns:p="http://schemas.openxmlformats.org/presentationml/2006/main" xmlns:c="http://schemas.openxmlformats.org/drawingml/2006/chart" xmlns:dgm="http://schemas.openxmlformats.org/drawingml/2006/diagram" xmlns:o="urn:schemas-microsoft-com:office:office" xmlns:v="urn:schemas-microsoft-com:vml" xmlns:pvml="urn:schemas-microsoft-com:office:powerpoint" xmlns:com="http://schemas.openxmlformats.org/drawingml/2006/compatibility" xmlns:p14="http://schemas.microsoft.com/office/powerpoint/2010/main" xmlns:p15="http://schemas.microsoft.com/office/powerpoint/2012/main" xmlns:ahyp="http://schemas.microsoft.com/office/drawing/2018/hyperlinkcolor">
+<p:sld xmlns:a="http://schemas.openxmlformats.org/drawingml/2006/main" xmlns:r="http://schemas.openxmlformats.org/officeDocument/2006/relationships" xmlns:p="http://schemas.openxmlformats.org/presentationml/2006/main">
   <p:cSld>
     <p:spTree>
       <p:nvGrpSpPr>
-        <p:cNvPr id="90" name="Shape 90"/>
+        <p:cNvPr id="1" name="Shape 90"/>
         <p:cNvGrpSpPr/>
         <p:nvPr/>
       </p:nvGrpSpPr>
@@ -12196,7 +12502,9 @@
       <p:sp>
         <p:nvSpPr>
           <p:cNvPr id="91" name="Google Shape;91;p14"/>
-          <p:cNvSpPr txBox="1"/>
+          <p:cNvSpPr txBox="1">
+            <a:spLocks noGrp="1"/>
+          </p:cNvSpPr>
           <p:nvPr>
             <p:ph type="title"/>
           </p:nvPr>
@@ -12215,12 +12523,12 @@
           </a:ln>
         </p:spPr>
         <p:txBody>
-          <a:bodyPr anchorCtr="0" anchor="ctr" bIns="45700" lIns="91425" spcFirstLastPara="1" rIns="91425" wrap="square" tIns="45700">
+          <a:bodyPr spcFirstLastPara="1" wrap="square" lIns="91425" tIns="45700" rIns="91425" bIns="45700" anchor="ctr" anchorCtr="0">
             <a:normAutofit/>
           </a:bodyPr>
           <a:lstStyle/>
           <a:p>
-            <a:pPr indent="0" lvl="0" marL="0" rtl="0" algn="ctr">
+            <a:pPr marL="0" lvl="0" indent="0" algn="ctr" rtl="0">
               <a:spcBef>
                 <a:spcPts val="0"/>
               </a:spcBef>
@@ -12235,7 +12543,7 @@
               <a:buNone/>
             </a:pPr>
             <a:r>
-              <a:rPr b="1" lang="en-US"/>
+              <a:rPr lang="en-US" b="1"/>
               <a:t>Problem Statement</a:t>
             </a:r>
             <a:endParaRPr b="1"/>
@@ -12245,9 +12553,11 @@
       <p:sp>
         <p:nvSpPr>
           <p:cNvPr id="92" name="Google Shape;92;p14"/>
-          <p:cNvSpPr txBox="1"/>
+          <p:cNvSpPr txBox="1">
+            <a:spLocks noGrp="1"/>
+          </p:cNvSpPr>
           <p:nvPr>
-            <p:ph idx="1" type="body"/>
+            <p:ph type="body" idx="1"/>
           </p:nvPr>
         </p:nvSpPr>
         <p:spPr>
@@ -12264,12 +12574,12 @@
           </a:ln>
         </p:spPr>
         <p:txBody>
-          <a:bodyPr anchorCtr="0" anchor="t" bIns="45700" lIns="91425" spcFirstLastPara="1" rIns="91425" wrap="square" tIns="45700">
-            <a:normAutofit fontScale="85000" lnSpcReduction="10000"/>
+          <a:bodyPr spcFirstLastPara="1" wrap="square" lIns="91425" tIns="45700" rIns="91425" bIns="45700" anchor="t" anchorCtr="0">
+            <a:normAutofit lnSpcReduction="10000"/>
           </a:bodyPr>
           <a:lstStyle/>
           <a:p>
-            <a:pPr indent="-401320" lvl="0" marL="342900" rtl="0" algn="l">
+            <a:pPr marL="342900" lvl="0" indent="-401320" algn="l" rtl="0">
               <a:lnSpc>
                 <a:spcPct val="115000"/>
               </a:lnSpc>
@@ -12284,20 +12594,12 @@
             </a:pPr>
             <a:r>
               <a:rPr lang="en-US"/>
-              <a:t>C</a:t>
-            </a:r>
-            <a:r>
-              <a:rPr lang="en-US"/>
-              <a:t>ommercial bank lending service teams handle a high volume of servicing requests via email, often with attachments. The current manual triage process involves reading emails, classifying requests, extracting key attributes, and assigning them to the appropriate teams. This approach is inefficient, time-consuming, and prone to errors, especially at scale</a:t>
-            </a:r>
-            <a:r>
-              <a:rPr lang="en-US"/>
-              <a:t>.</a:t>
+              <a:t>Commercial bank lending service teams handle a high volume of servicing requests via email, often with attachments. The current manual triage process involves reading emails, classifying requests, extracting key attributes, and assigning them to the appropriate teams. This approach is inefficient, time-consuming, and prone to errors, especially at scale.</a:t>
             </a:r>
             <a:endParaRPr/>
           </a:p>
           <a:p>
-            <a:pPr indent="0" lvl="0" marL="0" rtl="0" algn="l">
+            <a:pPr marL="0" lvl="0" indent="0" algn="l" rtl="0">
               <a:lnSpc>
                 <a:spcPct val="115000"/>
               </a:lnSpc>
@@ -12309,13 +12611,10 @@
               </a:spcAft>
               <a:buNone/>
             </a:pPr>
-            <a:r>
-              <a:t/>
-            </a:r>
             <a:endParaRPr/>
           </a:p>
           <a:p>
-            <a:pPr indent="0" lvl="0" marL="0" rtl="0" algn="l">
+            <a:pPr marL="0" lvl="0" indent="0" algn="l" rtl="0">
               <a:spcBef>
                 <a:spcPts val="1200"/>
               </a:spcBef>
@@ -12324,9 +12623,6 @@
               </a:spcAft>
               <a:buNone/>
             </a:pPr>
-            <a:r>
-              <a:t/>
-            </a:r>
             <a:endParaRPr/>
           </a:p>
         </p:txBody>
@@ -12340,11 +12636,11 @@
 </file>
 
 <file path=ppt/slides/slide3.xml><?xml version="1.0" encoding="utf-8"?>
-<p:sld xmlns:a="http://schemas.openxmlformats.org/drawingml/2006/main" xmlns:r="http://schemas.openxmlformats.org/officeDocument/2006/relationships" xmlns:mc="http://schemas.openxmlformats.org/markup-compatibility/2006" xmlns:mv="urn:schemas-microsoft-com:mac:vml" xmlns:p="http://schemas.openxmlformats.org/presentationml/2006/main" xmlns:c="http://schemas.openxmlformats.org/drawingml/2006/chart" xmlns:dgm="http://schemas.openxmlformats.org/drawingml/2006/diagram" xmlns:o="urn:schemas-microsoft-com:office:office" xmlns:v="urn:schemas-microsoft-com:vml" xmlns:pvml="urn:schemas-microsoft-com:office:powerpoint" xmlns:com="http://schemas.openxmlformats.org/drawingml/2006/compatibility" xmlns:p14="http://schemas.microsoft.com/office/powerpoint/2010/main" xmlns:p15="http://schemas.microsoft.com/office/powerpoint/2012/main" xmlns:ahyp="http://schemas.microsoft.com/office/drawing/2018/hyperlinkcolor">
+<p:sld xmlns:a="http://schemas.openxmlformats.org/drawingml/2006/main" xmlns:r="http://schemas.openxmlformats.org/officeDocument/2006/relationships" xmlns:p="http://schemas.openxmlformats.org/presentationml/2006/main">
   <p:cSld>
     <p:spTree>
       <p:nvGrpSpPr>
-        <p:cNvPr id="96" name="Shape 96"/>
+        <p:cNvPr id="1" name="Shape 96"/>
         <p:cNvGrpSpPr/>
         <p:nvPr/>
       </p:nvGrpSpPr>
@@ -12359,7 +12655,9 @@
       <p:sp>
         <p:nvSpPr>
           <p:cNvPr id="97" name="Google Shape;97;p15"/>
-          <p:cNvSpPr txBox="1"/>
+          <p:cNvSpPr txBox="1">
+            <a:spLocks noGrp="1"/>
+          </p:cNvSpPr>
           <p:nvPr>
             <p:ph type="title"/>
           </p:nvPr>
@@ -12374,12 +12672,12 @@
           </a:prstGeom>
         </p:spPr>
         <p:txBody>
-          <a:bodyPr anchorCtr="0" anchor="ctr" bIns="45700" lIns="91425" spcFirstLastPara="1" rIns="91425" wrap="square" tIns="45700">
+          <a:bodyPr spcFirstLastPara="1" wrap="square" lIns="91425" tIns="45700" rIns="91425" bIns="45700" anchor="ctr" anchorCtr="0">
             <a:normAutofit/>
           </a:bodyPr>
           <a:lstStyle/>
           <a:p>
-            <a:pPr indent="0" lvl="0" marL="0" rtl="0" algn="ctr">
+            <a:pPr marL="0" lvl="0" indent="0" algn="ctr" rtl="0">
               <a:spcBef>
                 <a:spcPts val="0"/>
               </a:spcBef>
@@ -12389,7 +12687,7 @@
               <a:buNone/>
             </a:pPr>
             <a:r>
-              <a:rPr b="1" lang="en-US"/>
+              <a:rPr lang="en-US" b="1"/>
               <a:t>Approach</a:t>
             </a:r>
             <a:endParaRPr b="1"/>
@@ -12399,9 +12697,11 @@
       <p:sp>
         <p:nvSpPr>
           <p:cNvPr id="98" name="Google Shape;98;p15"/>
-          <p:cNvSpPr txBox="1"/>
+          <p:cNvSpPr txBox="1">
+            <a:spLocks noGrp="1"/>
+          </p:cNvSpPr>
           <p:nvPr>
-            <p:ph idx="1" type="body"/>
+            <p:ph type="body" idx="1"/>
           </p:nvPr>
         </p:nvSpPr>
         <p:spPr>
@@ -12414,12 +12714,12 @@
           </a:prstGeom>
         </p:spPr>
         <p:txBody>
-          <a:bodyPr anchorCtr="0" anchor="t" bIns="45700" lIns="91425" spcFirstLastPara="1" rIns="91425" wrap="square" tIns="45700">
-            <a:normAutofit fontScale="92500" lnSpcReduction="10000"/>
+          <a:bodyPr spcFirstLastPara="1" wrap="square" lIns="91425" tIns="45700" rIns="91425" bIns="45700" anchor="t" anchorCtr="0">
+            <a:normAutofit fontScale="92500"/>
           </a:bodyPr>
           <a:lstStyle/>
           <a:p>
-            <a:pPr indent="-416560" lvl="0" marL="342900" rtl="0" algn="l">
+            <a:pPr marL="342900" lvl="0" indent="-416560" algn="l" rtl="0">
               <a:lnSpc>
                 <a:spcPct val="115000"/>
               </a:lnSpc>
@@ -12439,7 +12739,7 @@
             <a:endParaRPr/>
           </a:p>
           <a:p>
-            <a:pPr indent="0" lvl="0" marL="0" rtl="0" algn="l">
+            <a:pPr marL="0" lvl="0" indent="0" algn="l" rtl="0">
               <a:spcBef>
                 <a:spcPts val="1200"/>
               </a:spcBef>
@@ -12448,9 +12748,6 @@
               </a:spcAft>
               <a:buNone/>
             </a:pPr>
-            <a:r>
-              <a:t/>
-            </a:r>
             <a:endParaRPr/>
           </a:p>
         </p:txBody>
@@ -12464,11 +12761,11 @@
 </file>
 
 <file path=ppt/slides/slide4.xml><?xml version="1.0" encoding="utf-8"?>
-<p:sld xmlns:a="http://schemas.openxmlformats.org/drawingml/2006/main" xmlns:r="http://schemas.openxmlformats.org/officeDocument/2006/relationships" xmlns:mc="http://schemas.openxmlformats.org/markup-compatibility/2006" xmlns:mv="urn:schemas-microsoft-com:mac:vml" xmlns:p="http://schemas.openxmlformats.org/presentationml/2006/main" xmlns:c="http://schemas.openxmlformats.org/drawingml/2006/chart" xmlns:dgm="http://schemas.openxmlformats.org/drawingml/2006/diagram" xmlns:o="urn:schemas-microsoft-com:office:office" xmlns:v="urn:schemas-microsoft-com:vml" xmlns:pvml="urn:schemas-microsoft-com:office:powerpoint" xmlns:com="http://schemas.openxmlformats.org/drawingml/2006/compatibility" xmlns:p14="http://schemas.microsoft.com/office/powerpoint/2010/main" xmlns:p15="http://schemas.microsoft.com/office/powerpoint/2012/main" xmlns:ahyp="http://schemas.microsoft.com/office/drawing/2018/hyperlinkcolor">
+<p:sld xmlns:a="http://schemas.openxmlformats.org/drawingml/2006/main" xmlns:r="http://schemas.openxmlformats.org/officeDocument/2006/relationships" xmlns:p="http://schemas.openxmlformats.org/presentationml/2006/main">
   <p:cSld>
     <p:spTree>
       <p:nvGrpSpPr>
-        <p:cNvPr id="102" name="Shape 102"/>
+        <p:cNvPr id="1" name="Shape 102"/>
         <p:cNvGrpSpPr/>
         <p:nvPr/>
       </p:nvGrpSpPr>
@@ -12483,7 +12780,9 @@
       <p:sp>
         <p:nvSpPr>
           <p:cNvPr id="103" name="Google Shape;103;p16"/>
-          <p:cNvSpPr txBox="1"/>
+          <p:cNvSpPr txBox="1">
+            <a:spLocks noGrp="1"/>
+          </p:cNvSpPr>
           <p:nvPr>
             <p:ph type="title"/>
           </p:nvPr>
@@ -12502,12 +12801,12 @@
           </a:ln>
         </p:spPr>
         <p:txBody>
-          <a:bodyPr anchorCtr="0" anchor="ctr" bIns="45700" lIns="91425" spcFirstLastPara="1" rIns="91425" wrap="square" tIns="45700">
+          <a:bodyPr spcFirstLastPara="1" wrap="square" lIns="91425" tIns="45700" rIns="91425" bIns="45700" anchor="ctr" anchorCtr="0">
             <a:normAutofit fontScale="90000"/>
           </a:bodyPr>
           <a:lstStyle/>
           <a:p>
-            <a:pPr indent="0" lvl="0" marL="0" rtl="0" algn="ctr">
+            <a:pPr marL="0" lvl="0" indent="0" algn="ctr" rtl="0">
               <a:spcBef>
                 <a:spcPts val="0"/>
               </a:spcBef>
@@ -12522,7 +12821,7 @@
               <a:buNone/>
             </a:pPr>
             <a:r>
-              <a:rPr b="1" lang="en-US"/>
+              <a:rPr lang="en-US" b="1"/>
               <a:t>Acquire Emails &amp; Content Extraction </a:t>
             </a:r>
             <a:endParaRPr b="1"/>
@@ -12532,9 +12831,11 @@
       <p:sp>
         <p:nvSpPr>
           <p:cNvPr id="104" name="Google Shape;104;p16"/>
-          <p:cNvSpPr txBox="1"/>
+          <p:cNvSpPr txBox="1">
+            <a:spLocks noGrp="1"/>
+          </p:cNvSpPr>
           <p:nvPr>
-            <p:ph idx="1" type="body"/>
+            <p:ph type="body" idx="1"/>
           </p:nvPr>
         </p:nvSpPr>
         <p:spPr>
@@ -12551,12 +12852,12 @@
           </a:ln>
         </p:spPr>
         <p:txBody>
-          <a:bodyPr anchorCtr="0" anchor="t" bIns="45700" lIns="91425" spcFirstLastPara="1" rIns="91425" wrap="square" tIns="45700">
+          <a:bodyPr spcFirstLastPara="1" wrap="square" lIns="91425" tIns="45700" rIns="91425" bIns="45700" anchor="t" anchorCtr="0">
             <a:normAutofit lnSpcReduction="10000"/>
           </a:bodyPr>
           <a:lstStyle/>
           <a:p>
-            <a:pPr indent="-342900" lvl="0" marL="342900" rtl="0" algn="l">
+            <a:pPr marL="342900" lvl="0" indent="-342900" algn="l" rtl="0">
               <a:spcBef>
                 <a:spcPts val="640"/>
               </a:spcBef>
@@ -12570,25 +12871,17 @@
               <a:buChar char="•"/>
             </a:pPr>
             <a:r>
-              <a:rPr b="1" lang="en-US"/>
+              <a:rPr lang="en-US" b="1"/>
               <a:t>Target State</a:t>
             </a:r>
             <a:r>
               <a:rPr lang="en-US"/>
-              <a:t>: We will use an Email Connector to connect an email box and pole the emails as soon as they arrive and put it into a NAS/Cloud Store. And extract content from </a:t>
-            </a:r>
-            <a:r>
-              <a:rPr lang="en-US"/>
-              <a:t>email</a:t>
-            </a:r>
-            <a:r>
-              <a:rPr lang="en-US"/>
-              <a:t> content using libraries Tesseract,pyPDF.</a:t>
+              <a:t>: We will use an Email Connector to connect an email box and pole the emails as soon as they arrive and put it into a NAS/Cloud Store. And extract content from email content using libraries Tesseract,pyPDF.</a:t>
             </a:r>
             <a:endParaRPr/>
           </a:p>
           <a:p>
-            <a:pPr indent="0" lvl="0" marL="342900" rtl="0" algn="l">
+            <a:pPr marL="342900" lvl="0" indent="0" algn="l" rtl="0">
               <a:spcBef>
                 <a:spcPts val="640"/>
               </a:spcBef>
@@ -12597,13 +12890,10 @@
               </a:spcAft>
               <a:buNone/>
             </a:pPr>
-            <a:r>
-              <a:t/>
-            </a:r>
             <a:endParaRPr/>
           </a:p>
           <a:p>
-            <a:pPr indent="-254000" lvl="0" marL="342900" rtl="0" algn="l">
+            <a:pPr marL="342900" lvl="0" indent="-254000" algn="l" rtl="0">
               <a:spcBef>
                 <a:spcPts val="640"/>
               </a:spcBef>
@@ -12614,24 +12904,12 @@
               <a:buChar char="•"/>
             </a:pPr>
             <a:r>
-              <a:rPr b="1" lang="en-US"/>
+              <a:rPr lang="en-US" b="1"/>
               <a:t>PoC</a:t>
             </a:r>
             <a:r>
               <a:rPr lang="en-US"/>
-              <a:t>: We are picking the emails from a local folder, processing it and extracting the content, </a:t>
-            </a:r>
-            <a:r>
-              <a:rPr lang="en-US"/>
-              <a:t>attachments</a:t>
-            </a:r>
-            <a:r>
-              <a:rPr lang="en-US"/>
-              <a:t> and subject using libraries </a:t>
-            </a:r>
-            <a:r>
-              <a:rPr lang="en-US"/>
-              <a:t>Tesseract,pyPDF</a:t>
+              <a:t>: We are picking the emails from a local folder, processing it and extracting the content, attachments and subject using libraries Tesseract,pyPDF</a:t>
             </a:r>
             <a:endParaRPr/>
           </a:p>
@@ -12646,11 +12924,11 @@
 </file>
 
 <file path=ppt/slides/slide5.xml><?xml version="1.0" encoding="utf-8"?>
-<p:sld xmlns:a="http://schemas.openxmlformats.org/drawingml/2006/main" xmlns:r="http://schemas.openxmlformats.org/officeDocument/2006/relationships" xmlns:mc="http://schemas.openxmlformats.org/markup-compatibility/2006" xmlns:mv="urn:schemas-microsoft-com:mac:vml" xmlns:p="http://schemas.openxmlformats.org/presentationml/2006/main" xmlns:c="http://schemas.openxmlformats.org/drawingml/2006/chart" xmlns:dgm="http://schemas.openxmlformats.org/drawingml/2006/diagram" xmlns:o="urn:schemas-microsoft-com:office:office" xmlns:v="urn:schemas-microsoft-com:vml" xmlns:pvml="urn:schemas-microsoft-com:office:powerpoint" xmlns:com="http://schemas.openxmlformats.org/drawingml/2006/compatibility" xmlns:p14="http://schemas.microsoft.com/office/powerpoint/2010/main" xmlns:p15="http://schemas.microsoft.com/office/powerpoint/2012/main" xmlns:ahyp="http://schemas.microsoft.com/office/drawing/2018/hyperlinkcolor">
+<p:sld xmlns:a="http://schemas.openxmlformats.org/drawingml/2006/main" xmlns:r="http://schemas.openxmlformats.org/officeDocument/2006/relationships" xmlns:p="http://schemas.openxmlformats.org/presentationml/2006/main">
   <p:cSld>
     <p:spTree>
       <p:nvGrpSpPr>
-        <p:cNvPr id="108" name="Shape 108"/>
+        <p:cNvPr id="1" name="Shape 108"/>
         <p:cNvGrpSpPr/>
         <p:nvPr/>
       </p:nvGrpSpPr>
@@ -12665,7 +12943,9 @@
       <p:sp>
         <p:nvSpPr>
           <p:cNvPr id="109" name="Google Shape;109;p17"/>
-          <p:cNvSpPr txBox="1"/>
+          <p:cNvSpPr txBox="1">
+            <a:spLocks noGrp="1"/>
+          </p:cNvSpPr>
           <p:nvPr>
             <p:ph type="title"/>
           </p:nvPr>
@@ -12684,12 +12964,12 @@
           </a:ln>
         </p:spPr>
         <p:txBody>
-          <a:bodyPr anchorCtr="0" anchor="ctr" bIns="45700" lIns="91425" spcFirstLastPara="1" rIns="91425" wrap="square" tIns="45700">
+          <a:bodyPr spcFirstLastPara="1" wrap="square" lIns="91425" tIns="45700" rIns="91425" bIns="45700" anchor="ctr" anchorCtr="0">
             <a:normAutofit/>
           </a:bodyPr>
           <a:lstStyle/>
           <a:p>
-            <a:pPr indent="0" lvl="0" marL="0" rtl="0" algn="ctr">
+            <a:pPr marL="0" lvl="0" indent="0" algn="ctr" rtl="0">
               <a:spcBef>
                 <a:spcPts val="0"/>
               </a:spcBef>
@@ -12704,7 +12984,7 @@
               <a:buNone/>
             </a:pPr>
             <a:r>
-              <a:rPr b="1" lang="en-US"/>
+              <a:rPr lang="en-US" b="1"/>
               <a:t>Context Based Data Extraction</a:t>
             </a:r>
             <a:endParaRPr b="1"/>
@@ -12714,9 +12994,11 @@
       <p:sp>
         <p:nvSpPr>
           <p:cNvPr id="110" name="Google Shape;110;p17"/>
-          <p:cNvSpPr txBox="1"/>
+          <p:cNvSpPr txBox="1">
+            <a:spLocks noGrp="1"/>
+          </p:cNvSpPr>
           <p:nvPr>
-            <p:ph idx="1" type="body"/>
+            <p:ph type="body" idx="1"/>
           </p:nvPr>
         </p:nvSpPr>
         <p:spPr>
@@ -12733,12 +13015,12 @@
           </a:ln>
         </p:spPr>
         <p:txBody>
-          <a:bodyPr anchorCtr="0" anchor="t" bIns="45700" lIns="91425" spcFirstLastPara="1" rIns="91425" wrap="square" tIns="45700">
+          <a:bodyPr spcFirstLastPara="1" wrap="square" lIns="91425" tIns="45700" rIns="91425" bIns="45700" anchor="t" anchorCtr="0">
             <a:normAutofit/>
           </a:bodyPr>
           <a:lstStyle/>
           <a:p>
-            <a:pPr indent="-342900" lvl="0" marL="342900" rtl="0" algn="l">
+            <a:pPr marL="342900" lvl="0" indent="-342900" algn="l" rtl="0">
               <a:spcBef>
                 <a:spcPts val="640"/>
               </a:spcBef>
@@ -12752,25 +13034,17 @@
               <a:buChar char="•"/>
             </a:pPr>
             <a:r>
-              <a:rPr b="1" lang="en-US"/>
+              <a:rPr lang="en-US" b="1"/>
               <a:t>Target State</a:t>
             </a:r>
             <a:r>
               <a:rPr lang="en-US"/>
-              <a:t>: Extracting the key attributes like Banking Properties, from the email content using LLM and </a:t>
-            </a:r>
-            <a:r>
-              <a:rPr lang="en-US"/>
-              <a:t>propagating</a:t>
-            </a:r>
-            <a:r>
-              <a:rPr lang="en-US"/>
-              <a:t> it into the Service Ticket.</a:t>
+              <a:t>: Extracting the key attributes like Banking Properties, from the email content using LLM and propagating it into the Service Ticket.</a:t>
             </a:r>
             <a:endParaRPr/>
           </a:p>
           <a:p>
-            <a:pPr indent="0" lvl="0" marL="342900" rtl="0" algn="l">
+            <a:pPr marL="342900" lvl="0" indent="0" algn="l" rtl="0">
               <a:spcBef>
                 <a:spcPts val="640"/>
               </a:spcBef>
@@ -12779,13 +13053,10 @@
               </a:spcAft>
               <a:buNone/>
             </a:pPr>
-            <a:r>
-              <a:t/>
-            </a:r>
             <a:endParaRPr/>
           </a:p>
           <a:p>
-            <a:pPr indent="-254000" lvl="0" marL="342900" rtl="0" algn="l">
+            <a:pPr marL="342900" lvl="0" indent="-254000" algn="l" rtl="0">
               <a:spcBef>
                 <a:spcPts val="640"/>
               </a:spcBef>
@@ -12796,20 +13067,12 @@
               <a:buChar char="•"/>
             </a:pPr>
             <a:r>
-              <a:rPr b="1" lang="en-US"/>
+              <a:rPr lang="en-US" b="1"/>
               <a:t>PoC</a:t>
             </a:r>
             <a:r>
               <a:rPr lang="en-US"/>
-              <a:t>: We are extracting the Key Properties and returning them in the REST </a:t>
-            </a:r>
-            <a:r>
-              <a:rPr lang="en-US"/>
-              <a:t>response</a:t>
-            </a:r>
-            <a:r>
-              <a:rPr lang="en-US"/>
-              <a:t> and displaying the same in an User Interface.</a:t>
+              <a:t>: We are extracting the Key Properties and returning them in the REST response and displaying the same in an User Interface.</a:t>
             </a:r>
             <a:endParaRPr/>
           </a:p>
@@ -12824,11 +13087,11 @@
 </file>
 
 <file path=ppt/slides/slide6.xml><?xml version="1.0" encoding="utf-8"?>
-<p:sld xmlns:a="http://schemas.openxmlformats.org/drawingml/2006/main" xmlns:r="http://schemas.openxmlformats.org/officeDocument/2006/relationships" xmlns:mc="http://schemas.openxmlformats.org/markup-compatibility/2006" xmlns:mv="urn:schemas-microsoft-com:mac:vml" xmlns:p="http://schemas.openxmlformats.org/presentationml/2006/main" xmlns:c="http://schemas.openxmlformats.org/drawingml/2006/chart" xmlns:dgm="http://schemas.openxmlformats.org/drawingml/2006/diagram" xmlns:o="urn:schemas-microsoft-com:office:office" xmlns:v="urn:schemas-microsoft-com:vml" xmlns:pvml="urn:schemas-microsoft-com:office:powerpoint" xmlns:com="http://schemas.openxmlformats.org/drawingml/2006/compatibility" xmlns:p14="http://schemas.microsoft.com/office/powerpoint/2010/main" xmlns:p15="http://schemas.microsoft.com/office/powerpoint/2012/main" xmlns:ahyp="http://schemas.microsoft.com/office/drawing/2018/hyperlinkcolor">
+<p:sld xmlns:a="http://schemas.openxmlformats.org/drawingml/2006/main" xmlns:r="http://schemas.openxmlformats.org/officeDocument/2006/relationships" xmlns:p="http://schemas.openxmlformats.org/presentationml/2006/main">
   <p:cSld>
     <p:spTree>
       <p:nvGrpSpPr>
-        <p:cNvPr id="114" name="Shape 114"/>
+        <p:cNvPr id="1" name="Shape 114"/>
         <p:cNvGrpSpPr/>
         <p:nvPr/>
       </p:nvGrpSpPr>
@@ -12843,7 +13106,9 @@
       <p:sp>
         <p:nvSpPr>
           <p:cNvPr id="115" name="Google Shape;115;p18"/>
-          <p:cNvSpPr txBox="1"/>
+          <p:cNvSpPr txBox="1">
+            <a:spLocks noGrp="1"/>
+          </p:cNvSpPr>
           <p:nvPr>
             <p:ph type="title"/>
           </p:nvPr>
@@ -12862,12 +13127,12 @@
           </a:ln>
         </p:spPr>
         <p:txBody>
-          <a:bodyPr anchorCtr="0" anchor="ctr" bIns="45700" lIns="91425" spcFirstLastPara="1" rIns="91425" wrap="square" tIns="45700">
+          <a:bodyPr spcFirstLastPara="1" wrap="square" lIns="91425" tIns="45700" rIns="91425" bIns="45700" anchor="ctr" anchorCtr="0">
             <a:noAutofit/>
           </a:bodyPr>
           <a:lstStyle/>
           <a:p>
-            <a:pPr indent="0" lvl="0" marL="0" rtl="0" algn="ctr">
+            <a:pPr marL="0" lvl="0" indent="0" algn="ctr" rtl="0">
               <a:spcBef>
                 <a:spcPts val="0"/>
               </a:spcBef>
@@ -12882,19 +13147,21 @@
               <a:buNone/>
             </a:pPr>
             <a:r>
-              <a:rPr b="1" lang="en-US" sz="3259"/>
+              <a:rPr lang="en-US" sz="3259" b="1"/>
               <a:t>Multi Request emails - Primary Intent Detection</a:t>
             </a:r>
-            <a:endParaRPr b="1" sz="3259"/>
+            <a:endParaRPr sz="3259" b="1"/>
           </a:p>
         </p:txBody>
       </p:sp>
       <p:sp>
         <p:nvSpPr>
           <p:cNvPr id="116" name="Google Shape;116;p18"/>
-          <p:cNvSpPr txBox="1"/>
+          <p:cNvSpPr txBox="1">
+            <a:spLocks noGrp="1"/>
+          </p:cNvSpPr>
           <p:nvPr>
-            <p:ph idx="1" type="body"/>
+            <p:ph type="body" idx="1"/>
           </p:nvPr>
         </p:nvSpPr>
         <p:spPr>
@@ -12911,12 +13178,12 @@
           </a:ln>
         </p:spPr>
         <p:txBody>
-          <a:bodyPr anchorCtr="0" anchor="t" bIns="45700" lIns="91425" spcFirstLastPara="1" rIns="91425" wrap="square" tIns="45700">
-            <a:normAutofit lnSpcReduction="20000"/>
+          <a:bodyPr spcFirstLastPara="1" wrap="square" lIns="91425" tIns="45700" rIns="91425" bIns="45700" anchor="t" anchorCtr="0">
+            <a:normAutofit fontScale="92500"/>
           </a:bodyPr>
           <a:lstStyle/>
           <a:p>
-            <a:pPr indent="-342900" lvl="0" marL="342900" rtl="0" algn="l">
+            <a:pPr marL="342900" lvl="0" indent="-342900" algn="l" rtl="0">
               <a:spcBef>
                 <a:spcPts val="640"/>
               </a:spcBef>
@@ -12930,25 +13197,17 @@
               <a:buChar char="•"/>
             </a:pPr>
             <a:r>
-              <a:rPr b="1" lang="en-US"/>
+              <a:rPr lang="en-US" b="1"/>
               <a:t>Target State: </a:t>
             </a:r>
             <a:r>
               <a:rPr lang="en-US"/>
-              <a:t>We can train a RAG which can </a:t>
-            </a:r>
-            <a:r>
-              <a:rPr lang="en-US"/>
-              <a:t>differentiate</a:t>
-            </a:r>
-            <a:r>
-              <a:rPr lang="en-US"/>
-              <a:t> multiple service requests, classify them in different Request &amp; Sub Request Types and create service tickets accordingly.</a:t>
+              <a:t>We can train a RAG which can differentiate multiple service requests, classify them in different Request &amp; Sub Request Types and create service tickets accordingly.</a:t>
             </a:r>
             <a:endParaRPr/>
           </a:p>
           <a:p>
-            <a:pPr indent="0" lvl="0" marL="342900" rtl="0" algn="l">
+            <a:pPr marL="342900" lvl="0" indent="0" algn="l" rtl="0">
               <a:spcBef>
                 <a:spcPts val="640"/>
               </a:spcBef>
@@ -12957,13 +13216,10 @@
               </a:spcAft>
               <a:buNone/>
             </a:pPr>
-            <a:r>
-              <a:t/>
-            </a:r>
             <a:endParaRPr/>
           </a:p>
           <a:p>
-            <a:pPr indent="-254000" lvl="0" marL="342900" rtl="0" algn="l">
+            <a:pPr marL="342900" lvl="0" indent="-254000" algn="l" rtl="0">
               <a:spcBef>
                 <a:spcPts val="640"/>
               </a:spcBef>
@@ -12974,16 +13230,12 @@
               <a:buChar char="•"/>
             </a:pPr>
             <a:r>
-              <a:rPr b="1" lang="en-US"/>
+              <a:rPr lang="en-US" b="1"/>
               <a:t>PoC: </a:t>
             </a:r>
             <a:r>
               <a:rPr lang="en-US"/>
-              <a:t>Our LLM response takes the primary intent of the email sender from the content and attachments and classifies it to the corresponding </a:t>
-            </a:r>
-            <a:r>
-              <a:rPr lang="en-US"/>
-              <a:t>Request &amp; Sub Request Buckets.</a:t>
+              <a:t>Our LLM response takes the primary intent of the email sender from the content and attachments and classifies it to the corresponding Request &amp; Sub Request Buckets.</a:t>
             </a:r>
             <a:endParaRPr/>
           </a:p>
@@ -12998,11 +13250,11 @@
 </file>
 
 <file path=ppt/slides/slide7.xml><?xml version="1.0" encoding="utf-8"?>
-<p:sld xmlns:a="http://schemas.openxmlformats.org/drawingml/2006/main" xmlns:r="http://schemas.openxmlformats.org/officeDocument/2006/relationships" xmlns:mc="http://schemas.openxmlformats.org/markup-compatibility/2006" xmlns:mv="urn:schemas-microsoft-com:mac:vml" xmlns:p="http://schemas.openxmlformats.org/presentationml/2006/main" xmlns:c="http://schemas.openxmlformats.org/drawingml/2006/chart" xmlns:dgm="http://schemas.openxmlformats.org/drawingml/2006/diagram" xmlns:o="urn:schemas-microsoft-com:office:office" xmlns:v="urn:schemas-microsoft-com:vml" xmlns:pvml="urn:schemas-microsoft-com:office:powerpoint" xmlns:com="http://schemas.openxmlformats.org/drawingml/2006/compatibility" xmlns:p14="http://schemas.microsoft.com/office/powerpoint/2010/main" xmlns:p15="http://schemas.microsoft.com/office/powerpoint/2012/main" xmlns:ahyp="http://schemas.microsoft.com/office/drawing/2018/hyperlinkcolor">
+<p:sld xmlns:a="http://schemas.openxmlformats.org/drawingml/2006/main" xmlns:r="http://schemas.openxmlformats.org/officeDocument/2006/relationships" xmlns:p="http://schemas.openxmlformats.org/presentationml/2006/main">
   <p:cSld>
     <p:spTree>
       <p:nvGrpSpPr>
-        <p:cNvPr id="120" name="Shape 120"/>
+        <p:cNvPr id="1" name="Shape 120"/>
         <p:cNvGrpSpPr/>
         <p:nvPr/>
       </p:nvGrpSpPr>
@@ -13017,7 +13269,9 @@
       <p:sp>
         <p:nvSpPr>
           <p:cNvPr id="121" name="Google Shape;121;p19"/>
-          <p:cNvSpPr txBox="1"/>
+          <p:cNvSpPr txBox="1">
+            <a:spLocks noGrp="1"/>
+          </p:cNvSpPr>
           <p:nvPr>
             <p:ph type="title"/>
           </p:nvPr>
@@ -13036,12 +13290,12 @@
           </a:ln>
         </p:spPr>
         <p:txBody>
-          <a:bodyPr anchorCtr="0" anchor="ctr" bIns="45700" lIns="91425" spcFirstLastPara="1" rIns="91425" wrap="square" tIns="45700">
+          <a:bodyPr spcFirstLastPara="1" wrap="square" lIns="91425" tIns="45700" rIns="91425" bIns="45700" anchor="ctr" anchorCtr="0">
             <a:normAutofit/>
           </a:bodyPr>
           <a:lstStyle/>
           <a:p>
-            <a:pPr indent="0" lvl="0" marL="0" rtl="0" algn="ctr">
+            <a:pPr marL="0" lvl="0" indent="0" algn="ctr" rtl="0">
               <a:spcBef>
                 <a:spcPts val="0"/>
               </a:spcBef>
@@ -13056,7 +13310,7 @@
               <a:buNone/>
             </a:pPr>
             <a:r>
-              <a:rPr b="1" lang="en-US"/>
+              <a:rPr lang="en-US" b="1"/>
               <a:t>Priority Based Extraction</a:t>
             </a:r>
             <a:endParaRPr b="1"/>
@@ -13066,9 +13320,11 @@
       <p:sp>
         <p:nvSpPr>
           <p:cNvPr id="122" name="Google Shape;122;p19"/>
-          <p:cNvSpPr txBox="1"/>
+          <p:cNvSpPr txBox="1">
+            <a:spLocks noGrp="1"/>
+          </p:cNvSpPr>
           <p:nvPr>
-            <p:ph idx="1" type="body"/>
+            <p:ph type="body" idx="1"/>
           </p:nvPr>
         </p:nvSpPr>
         <p:spPr>
@@ -13085,12 +13341,12 @@
           </a:ln>
         </p:spPr>
         <p:txBody>
-          <a:bodyPr anchorCtr="0" anchor="t" bIns="45700" lIns="91425" spcFirstLastPara="1" rIns="91425" wrap="square" tIns="45700">
+          <a:bodyPr spcFirstLastPara="1" wrap="square" lIns="91425" tIns="45700" rIns="91425" bIns="45700" anchor="t" anchorCtr="0">
             <a:normAutofit lnSpcReduction="10000"/>
           </a:bodyPr>
           <a:lstStyle/>
           <a:p>
-            <a:pPr indent="-342900" lvl="0" marL="342900" rtl="0" algn="l">
+            <a:pPr marL="342900" lvl="0" indent="-342900" algn="l" rtl="0">
               <a:spcBef>
                 <a:spcPts val="640"/>
               </a:spcBef>
@@ -13104,7 +13360,7 @@
               <a:buChar char="•"/>
             </a:pPr>
             <a:r>
-              <a:rPr b="1" lang="en-US"/>
+              <a:rPr lang="en-US" b="1"/>
               <a:t>Target State: </a:t>
             </a:r>
             <a:r>
@@ -13114,7 +13370,7 @@
             <a:endParaRPr/>
           </a:p>
           <a:p>
-            <a:pPr indent="0" lvl="0" marL="342900" rtl="0" algn="l">
+            <a:pPr marL="342900" lvl="0" indent="0" algn="l" rtl="0">
               <a:spcBef>
                 <a:spcPts val="640"/>
               </a:spcBef>
@@ -13123,13 +13379,10 @@
               </a:spcAft>
               <a:buNone/>
             </a:pPr>
-            <a:r>
-              <a:t/>
-            </a:r>
             <a:endParaRPr b="1"/>
           </a:p>
           <a:p>
-            <a:pPr indent="-254000" lvl="0" marL="342900" rtl="0" algn="l">
+            <a:pPr marL="342900" lvl="0" indent="-254000" algn="l" rtl="0">
               <a:spcBef>
                 <a:spcPts val="640"/>
               </a:spcBef>
@@ -13140,20 +13393,12 @@
               <a:buChar char="•"/>
             </a:pPr>
             <a:r>
-              <a:rPr b="1" lang="en-US"/>
+              <a:rPr lang="en-US" b="1"/>
               <a:t>PoC: </a:t>
             </a:r>
             <a:r>
               <a:rPr lang="en-US"/>
-              <a:t>Our LLM response </a:t>
-            </a:r>
-            <a:r>
-              <a:rPr lang="en-US"/>
-              <a:t>captures</a:t>
-            </a:r>
-            <a:r>
-              <a:rPr lang="en-US"/>
-              <a:t> the details from both email body and attachments are responds with all the Key Attributes in the response.</a:t>
+              <a:t>Our LLM response captures the details from both email body and attachments are responds with all the Key Attributes in the response.</a:t>
             </a:r>
             <a:endParaRPr/>
           </a:p>
@@ -13168,11 +13413,11 @@
 </file>
 
 <file path=ppt/slides/slide8.xml><?xml version="1.0" encoding="utf-8"?>
-<p:sld xmlns:a="http://schemas.openxmlformats.org/drawingml/2006/main" xmlns:r="http://schemas.openxmlformats.org/officeDocument/2006/relationships" xmlns:mc="http://schemas.openxmlformats.org/markup-compatibility/2006" xmlns:mv="urn:schemas-microsoft-com:mac:vml" xmlns:p="http://schemas.openxmlformats.org/presentationml/2006/main" xmlns:c="http://schemas.openxmlformats.org/drawingml/2006/chart" xmlns:dgm="http://schemas.openxmlformats.org/drawingml/2006/diagram" xmlns:o="urn:schemas-microsoft-com:office:office" xmlns:v="urn:schemas-microsoft-com:vml" xmlns:pvml="urn:schemas-microsoft-com:office:powerpoint" xmlns:com="http://schemas.openxmlformats.org/drawingml/2006/compatibility" xmlns:p14="http://schemas.microsoft.com/office/powerpoint/2010/main" xmlns:p15="http://schemas.microsoft.com/office/powerpoint/2012/main" xmlns:ahyp="http://schemas.microsoft.com/office/drawing/2018/hyperlinkcolor">
+<p:sld xmlns:a="http://schemas.openxmlformats.org/drawingml/2006/main" xmlns:r="http://schemas.openxmlformats.org/officeDocument/2006/relationships" xmlns:p="http://schemas.openxmlformats.org/presentationml/2006/main">
   <p:cSld>
     <p:spTree>
       <p:nvGrpSpPr>
-        <p:cNvPr id="126" name="Shape 126"/>
+        <p:cNvPr id="1" name="Shape 126"/>
         <p:cNvGrpSpPr/>
         <p:nvPr/>
       </p:nvGrpSpPr>
@@ -13187,7 +13432,9 @@
       <p:sp>
         <p:nvSpPr>
           <p:cNvPr id="127" name="Google Shape;127;p20"/>
-          <p:cNvSpPr txBox="1"/>
+          <p:cNvSpPr txBox="1">
+            <a:spLocks noGrp="1"/>
+          </p:cNvSpPr>
           <p:nvPr>
             <p:ph type="title"/>
           </p:nvPr>
@@ -13206,12 +13453,12 @@
           </a:ln>
         </p:spPr>
         <p:txBody>
-          <a:bodyPr anchorCtr="0" anchor="ctr" bIns="45700" lIns="91425" spcFirstLastPara="1" rIns="91425" wrap="square" tIns="45700">
+          <a:bodyPr spcFirstLastPara="1" wrap="square" lIns="91425" tIns="45700" rIns="91425" bIns="45700" anchor="ctr" anchorCtr="0">
             <a:normAutofit/>
           </a:bodyPr>
           <a:lstStyle/>
           <a:p>
-            <a:pPr indent="0" lvl="0" marL="0" rtl="0" algn="ctr">
+            <a:pPr marL="0" lvl="0" indent="0" algn="ctr" rtl="0">
               <a:spcBef>
                 <a:spcPts val="0"/>
               </a:spcBef>
@@ -13226,7 +13473,7 @@
               <a:buNone/>
             </a:pPr>
             <a:r>
-              <a:rPr b="1" lang="en-US"/>
+              <a:rPr lang="en-US" b="1"/>
               <a:t>Duplicate Email Detection</a:t>
             </a:r>
             <a:endParaRPr b="1"/>
@@ -13236,9 +13483,11 @@
       <p:sp>
         <p:nvSpPr>
           <p:cNvPr id="128" name="Google Shape;128;p20"/>
-          <p:cNvSpPr txBox="1"/>
+          <p:cNvSpPr txBox="1">
+            <a:spLocks noGrp="1"/>
+          </p:cNvSpPr>
           <p:nvPr>
-            <p:ph idx="1" type="body"/>
+            <p:ph type="body" idx="1"/>
           </p:nvPr>
         </p:nvSpPr>
         <p:spPr>
@@ -13255,12 +13504,12 @@
           </a:ln>
         </p:spPr>
         <p:txBody>
-          <a:bodyPr anchorCtr="0" anchor="t" bIns="45700" lIns="91425" spcFirstLastPara="1" rIns="91425" wrap="square" tIns="45700">
-            <a:normAutofit lnSpcReduction="20000"/>
+          <a:bodyPr spcFirstLastPara="1" wrap="square" lIns="91425" tIns="45700" rIns="91425" bIns="45700" anchor="t" anchorCtr="0">
+            <a:normAutofit fontScale="92500"/>
           </a:bodyPr>
           <a:lstStyle/>
           <a:p>
-            <a:pPr indent="0" lvl="0" marL="0" rtl="0" algn="l">
+            <a:pPr marL="0" lvl="0" indent="0" algn="l" rtl="0">
               <a:spcBef>
                 <a:spcPts val="640"/>
               </a:spcBef>
@@ -13270,7 +13519,7 @@
               <a:buNone/>
             </a:pPr>
             <a:r>
-              <a:rPr b="1" lang="en-US"/>
+              <a:rPr lang="en-US" b="1"/>
               <a:t>Target State: </a:t>
             </a:r>
             <a:r>
@@ -13280,7 +13529,7 @@
             <a:endParaRPr/>
           </a:p>
           <a:p>
-            <a:pPr indent="0" lvl="0" marL="0" rtl="0" algn="l">
+            <a:pPr marL="0" lvl="0" indent="0" algn="l" rtl="0">
               <a:spcBef>
                 <a:spcPts val="640"/>
               </a:spcBef>
@@ -13289,13 +13538,10 @@
               </a:spcAft>
               <a:buNone/>
             </a:pPr>
-            <a:r>
-              <a:t/>
-            </a:r>
             <a:endParaRPr b="1"/>
           </a:p>
           <a:p>
-            <a:pPr indent="0" lvl="0" marL="0" rtl="0" algn="l">
+            <a:pPr marL="0" lvl="0" indent="0" algn="l" rtl="0">
               <a:spcBef>
                 <a:spcPts val="640"/>
               </a:spcBef>
@@ -13305,7 +13551,7 @@
               <a:buNone/>
             </a:pPr>
             <a:r>
-              <a:rPr b="1" lang="en-US"/>
+              <a:rPr lang="en-US" b="1"/>
               <a:t>PoC: </a:t>
             </a:r>
             <a:r>
@@ -13325,11 +13571,11 @@
 </file>
 
 <file path=ppt/slides/slide9.xml><?xml version="1.0" encoding="utf-8"?>
-<p:sld xmlns:a="http://schemas.openxmlformats.org/drawingml/2006/main" xmlns:r="http://schemas.openxmlformats.org/officeDocument/2006/relationships" xmlns:mc="http://schemas.openxmlformats.org/markup-compatibility/2006" xmlns:mv="urn:schemas-microsoft-com:mac:vml" xmlns:p="http://schemas.openxmlformats.org/presentationml/2006/main" xmlns:c="http://schemas.openxmlformats.org/drawingml/2006/chart" xmlns:dgm="http://schemas.openxmlformats.org/drawingml/2006/diagram" xmlns:o="urn:schemas-microsoft-com:office:office" xmlns:v="urn:schemas-microsoft-com:vml" xmlns:pvml="urn:schemas-microsoft-com:office:powerpoint" xmlns:com="http://schemas.openxmlformats.org/drawingml/2006/compatibility" xmlns:p14="http://schemas.microsoft.com/office/powerpoint/2010/main" xmlns:p15="http://schemas.microsoft.com/office/powerpoint/2012/main" xmlns:ahyp="http://schemas.microsoft.com/office/drawing/2018/hyperlinkcolor">
+<p:sld xmlns:a="http://schemas.openxmlformats.org/drawingml/2006/main" xmlns:r="http://schemas.openxmlformats.org/officeDocument/2006/relationships" xmlns:p="http://schemas.openxmlformats.org/presentationml/2006/main">
   <p:cSld>
     <p:spTree>
       <p:nvGrpSpPr>
-        <p:cNvPr id="132" name="Shape 132"/>
+        <p:cNvPr id="1" name="Shape 132"/>
         <p:cNvGrpSpPr/>
         <p:nvPr/>
       </p:nvGrpSpPr>
@@ -13344,7 +13590,9 @@
       <p:sp>
         <p:nvSpPr>
           <p:cNvPr id="133" name="Google Shape;133;p21"/>
-          <p:cNvSpPr txBox="1"/>
+          <p:cNvSpPr txBox="1">
+            <a:spLocks noGrp="1"/>
+          </p:cNvSpPr>
           <p:nvPr>
             <p:ph type="title"/>
           </p:nvPr>
@@ -13359,101 +13607,47 @@
           </a:prstGeom>
         </p:spPr>
         <p:txBody>
-          <a:bodyPr anchorCtr="0" anchor="ctr" bIns="45700" lIns="91425" spcFirstLastPara="1" rIns="91425" wrap="square" tIns="45700">
+          <a:bodyPr spcFirstLastPara="1" wrap="square" lIns="91425" tIns="45700" rIns="91425" bIns="45700" anchor="ctr" anchorCtr="0">
             <a:normAutofit/>
           </a:bodyPr>
           <a:lstStyle/>
           <a:p>
-            <a:pPr indent="0" lvl="0" marL="0" rtl="0" algn="ctr">
-              <a:spcBef>
-                <a:spcPts val="0"/>
-              </a:spcBef>
-              <a:spcAft>
-                <a:spcPts val="0"/>
-              </a:spcAft>
-              <a:buNone/>
-            </a:pPr>
             <a:r>
-              <a:t/>
+              <a:rPr lang="en-US" i="1" dirty="0"/>
+              <a:t>Target State Architecture Diagram</a:t>
             </a:r>
-            <a:endParaRPr/>
-          </a:p>
-        </p:txBody>
-      </p:sp>
-      <p:sp>
-        <p:nvSpPr>
-          <p:cNvPr id="134" name="Google Shape;134;p21"/>
-          <p:cNvSpPr txBox="1"/>
-          <p:nvPr>
-            <p:ph idx="1" type="body"/>
-          </p:nvPr>
-        </p:nvSpPr>
-        <p:spPr>
-          <a:xfrm>
-            <a:off x="457200" y="6221000"/>
-            <a:ext cx="8229600" cy="336000"/>
-          </a:xfrm>
-          <a:prstGeom prst="rect">
-            <a:avLst/>
-          </a:prstGeom>
-        </p:spPr>
-        <p:txBody>
-          <a:bodyPr anchorCtr="0" anchor="t" bIns="45700" lIns="91425" spcFirstLastPara="1" rIns="91425" wrap="square" tIns="45700">
-            <a:normAutofit fontScale="62500" lnSpcReduction="20000"/>
-          </a:bodyPr>
-          <a:lstStyle/>
-          <a:p>
-            <a:pPr indent="0" lvl="0" marL="0" rtl="0" algn="ctr">
-              <a:spcBef>
-                <a:spcPts val="360"/>
-              </a:spcBef>
-              <a:spcAft>
-                <a:spcPts val="0"/>
-              </a:spcAft>
-              <a:buNone/>
-            </a:pPr>
-            <a:r>
-              <a:rPr i="1" lang="en-US"/>
-              <a:t>Target State </a:t>
-            </a:r>
-            <a:r>
-              <a:rPr i="1" lang="en-US"/>
-              <a:t>Architecture</a:t>
-            </a:r>
-            <a:r>
-              <a:rPr i="1" lang="en-US"/>
-              <a:t> Diagram</a:t>
-            </a:r>
-            <a:endParaRPr i="1"/>
+            <a:endParaRPr dirty="0"/>
           </a:p>
         </p:txBody>
       </p:sp>
       <p:pic>
         <p:nvPicPr>
-          <p:cNvPr id="135" name="Google Shape;135;p21" title="Target State.jpg"/>
-          <p:cNvPicPr preferRelativeResize="0"/>
+          <p:cNvPr id="3" name="Picture 2" descr="A diagram of a software application&#10;&#10;AI-generated content may be incorrect.">
+            <a:extLst>
+              <a:ext uri="{FF2B5EF4-FFF2-40B4-BE49-F238E27FC236}">
+                <a16:creationId xmlns:a16="http://schemas.microsoft.com/office/drawing/2014/main" id="{EDF6AB45-E01E-FDCA-D1BE-1A1AF9D53BBF}"/>
+              </a:ext>
+            </a:extLst>
+          </p:cNvPr>
+          <p:cNvPicPr>
+            <a:picLocks noChangeAspect="1"/>
+          </p:cNvPicPr>
           <p:nvPr/>
         </p:nvPicPr>
         <p:blipFill>
-          <a:blip r:embed="rId3">
-            <a:alphaModFix/>
-          </a:blip>
+          <a:blip r:embed="rId3"/>
           <a:stretch>
             <a:fillRect/>
           </a:stretch>
         </p:blipFill>
         <p:spPr>
           <a:xfrm>
-            <a:off x="0" y="0"/>
-            <a:ext cx="9144000" cy="6000750"/>
+            <a:off x="0" y="1325339"/>
+            <a:ext cx="9144000" cy="5143500"/>
           </a:xfrm>
           <a:prstGeom prst="rect">
             <a:avLst/>
           </a:prstGeom>
-          <a:noFill/>
-          <a:ln>
-            <a:noFill/>
-          </a:ln>
         </p:spPr>
       </p:pic>
     </p:spTree>
@@ -13465,7 +13659,7 @@
 </file>
 
 <file path=ppt/theme/theme1.xml><?xml version="1.0" encoding="utf-8"?>
-<a:theme xmlns:a="http://schemas.openxmlformats.org/drawingml/2006/main" xmlns:r="http://schemas.openxmlformats.org/officeDocument/2006/relationships" name="Office Theme">
+<a:theme xmlns:a="http://schemas.openxmlformats.org/drawingml/2006/main" name="Office Theme">
   <a:themeElements>
     <a:clrScheme name="Office">
       <a:dk1>
@@ -13740,11 +13934,13 @@
       </a:bgFillStyleLst>
     </a:fmtScheme>
   </a:themeElements>
+  <a:objectDefaults/>
+  <a:extraClrSchemeLst/>
 </a:theme>
 </file>
 
 <file path=ppt/theme/theme2.xml><?xml version="1.0" encoding="utf-8"?>
-<a:theme xmlns:a="http://schemas.openxmlformats.org/drawingml/2006/main" xmlns:r="http://schemas.openxmlformats.org/officeDocument/2006/relationships">
+<a:theme xmlns:a="http://schemas.openxmlformats.org/drawingml/2006/main">
   <a:themeElements>
     <a:clrScheme name="Default">
       <a:dk1>
@@ -14019,5 +14215,7 @@
       </a:bgFillStyleLst>
     </a:fmtScheme>
   </a:themeElements>
+  <a:objectDefaults/>
+  <a:extraClrSchemeLst/>
 </a:theme>
 </file>